--- a/documents/logistics-workflow.pptx
+++ b/documents/logistics-workflow.pptx
@@ -5144,18 +5144,6 @@
             </a:r>
           </a:p>
           <a:p>
-            <a:pPr marL="285750" indent="-285750">
-              <a:buSzPct val="100000"/>
-              <a:buBlip>
-                <a:blip r:embed="rId4">
-                  <a:extLst>
-                    <a:ext uri="{96DAC541-7B7A-43D3-8B79-37D633B846F1}">
-                      <asvg:svgBlip xmlns:asvg="http://schemas.microsoft.com/office/drawing/2016/SVG/main" r:embed="rId5"/>
-                    </a:ext>
-                  </a:extLst>
-                </a:blip>
-              </a:buBlip>
-            </a:pPr>
             <a:endParaRPr lang="en-US" sz="1600" dirty="0">
               <a:solidFill>
                 <a:schemeClr val="tx1">
@@ -5166,6 +5154,82 @@
               <a:latin typeface="Segoe UI" panose="020B0502040204020203" pitchFamily="34" charset="0"/>
               <a:cs typeface="Segoe UI" panose="020B0502040204020203" pitchFamily="34" charset="0"/>
             </a:endParaRPr>
+          </a:p>
+          <a:p>
+            <a:r>
+              <a:rPr lang="en-US" sz="1200" b="1" i="1" dirty="0">
+                <a:solidFill>
+                  <a:schemeClr val="tx1">
+                    <a:lumMod val="65000"/>
+                    <a:lumOff val="35000"/>
+                  </a:schemeClr>
+                </a:solidFill>
+                <a:latin typeface="Segoe UI" panose="020B0502040204020203" pitchFamily="34" charset="0"/>
+                <a:cs typeface="Segoe UI" panose="020B0502040204020203" pitchFamily="34" charset="0"/>
+              </a:rPr>
+              <a:t>Note: </a:t>
+            </a:r>
+            <a:r>
+              <a:rPr lang="en-US" sz="1200" i="1" dirty="0">
+                <a:solidFill>
+                  <a:schemeClr val="tx1">
+                    <a:lumMod val="65000"/>
+                    <a:lumOff val="35000"/>
+                  </a:schemeClr>
+                </a:solidFill>
+                <a:latin typeface="Segoe UI" panose="020B0502040204020203" pitchFamily="34" charset="0"/>
+                <a:cs typeface="Segoe UI" panose="020B0502040204020203" pitchFamily="34" charset="0"/>
+              </a:rPr>
+              <a:t>This is the most complex scenario possible. Logisticians will be able to perform the actions outlined in the next slide in this step for simple requests that are only relevant to them.</a:t>
+            </a:r>
+            <a:endParaRPr lang="en-US" sz="1200" b="1" i="1" dirty="0">
+              <a:solidFill>
+                <a:schemeClr val="tx1">
+                  <a:lumMod val="65000"/>
+                  <a:lumOff val="35000"/>
+                </a:schemeClr>
+              </a:solidFill>
+              <a:latin typeface="Segoe UI" panose="020B0502040204020203" pitchFamily="34" charset="0"/>
+              <a:cs typeface="Segoe UI" panose="020B0502040204020203" pitchFamily="34" charset="0"/>
+            </a:endParaRPr>
+          </a:p>
+        </p:txBody>
+      </p:sp>
+      <p:sp>
+        <p:nvSpPr>
+          <p:cNvPr id="122" name="TextBox 121">
+            <a:extLst>
+              <a:ext uri="{FF2B5EF4-FFF2-40B4-BE49-F238E27FC236}">
+                <a16:creationId xmlns:a16="http://schemas.microsoft.com/office/drawing/2014/main" id="{00AEB9A2-B192-429C-A1AA-E469E891430E}"/>
+              </a:ext>
+            </a:extLst>
+          </p:cNvPr>
+          <p:cNvSpPr txBox="1"/>
+          <p:nvPr/>
+        </p:nvSpPr>
+        <p:spPr>
+          <a:xfrm>
+            <a:off x="2215778" y="140315"/>
+            <a:ext cx="3628879" cy="461665"/>
+          </a:xfrm>
+          <a:prstGeom prst="rect">
+            <a:avLst/>
+          </a:prstGeom>
+          <a:noFill/>
+        </p:spPr>
+        <p:txBody>
+          <a:bodyPr wrap="none" rtlCol="0">
+            <a:spAutoFit/>
+          </a:bodyPr>
+          <a:lstStyle/>
+          <a:p>
+            <a:r>
+              <a:rPr lang="en-US" sz="2400" dirty="0">
+                <a:latin typeface="Segoe UI" panose="020B0502040204020203" pitchFamily="34" charset="0"/>
+                <a:cs typeface="Segoe UI" panose="020B0502040204020203" pitchFamily="34" charset="0"/>
+              </a:rPr>
+              <a:t>Request and Item Groups</a:t>
+            </a:r>
           </a:p>
         </p:txBody>
       </p:sp>

--- a/documents/logistics-workflow.pptx
+++ b/documents/logistics-workflow.pptx
@@ -4,8 +4,15 @@
   <p:sldMasterIdLst>
     <p:sldMasterId id="2147483648" r:id="rId1"/>
   </p:sldMasterIdLst>
+  <p:notesMasterIdLst>
+    <p:notesMasterId r:id="rId7"/>
+  </p:notesMasterIdLst>
   <p:sldIdLst>
     <p:sldId id="256" r:id="rId2"/>
+    <p:sldId id="257" r:id="rId3"/>
+    <p:sldId id="258" r:id="rId4"/>
+    <p:sldId id="259" r:id="rId5"/>
+    <p:sldId id="260" r:id="rId6"/>
   </p:sldIdLst>
   <p:sldSz cx="12192000" cy="6858000"/>
   <p:notesSz cx="6858000" cy="9144000"/>
@@ -104,7 +111,445 @@
       </a:defRPr>
     </a:lvl9pPr>
   </p:defaultTextStyle>
+  <p:extLst>
+    <p:ext uri="{EFAFB233-063F-42B5-8137-9DF3F51BA10A}">
+      <p15:sldGuideLst xmlns:p15="http://schemas.microsoft.com/office/powerpoint/2012/main"/>
+    </p:ext>
+  </p:extLst>
 </p:presentation>
+</file>
+
+<file path=ppt/notesMasters/notesMaster1.xml><?xml version="1.0" encoding="utf-8"?>
+<p:notesMaster xmlns:a="http://schemas.openxmlformats.org/drawingml/2006/main" xmlns:r="http://schemas.openxmlformats.org/officeDocument/2006/relationships" xmlns:p="http://schemas.openxmlformats.org/presentationml/2006/main">
+  <p:cSld>
+    <p:bg>
+      <p:bgRef idx="1001">
+        <a:schemeClr val="bg1"/>
+      </p:bgRef>
+    </p:bg>
+    <p:spTree>
+      <p:nvGrpSpPr>
+        <p:cNvPr id="1" name=""/>
+        <p:cNvGrpSpPr/>
+        <p:nvPr/>
+      </p:nvGrpSpPr>
+      <p:grpSpPr>
+        <a:xfrm>
+          <a:off x="0" y="0"/>
+          <a:ext cx="0" cy="0"/>
+          <a:chOff x="0" y="0"/>
+          <a:chExt cx="0" cy="0"/>
+        </a:xfrm>
+      </p:grpSpPr>
+      <p:sp>
+        <p:nvSpPr>
+          <p:cNvPr id="2" name="Header Placeholder 1"/>
+          <p:cNvSpPr>
+            <a:spLocks noGrp="1"/>
+          </p:cNvSpPr>
+          <p:nvPr>
+            <p:ph type="hdr" sz="quarter"/>
+          </p:nvPr>
+        </p:nvSpPr>
+        <p:spPr>
+          <a:xfrm>
+            <a:off x="0" y="0"/>
+            <a:ext cx="2971800" cy="458788"/>
+          </a:xfrm>
+          <a:prstGeom prst="rect">
+            <a:avLst/>
+          </a:prstGeom>
+        </p:spPr>
+        <p:txBody>
+          <a:bodyPr vert="horz" lIns="91440" tIns="45720" rIns="91440" bIns="45720" rtlCol="0"/>
+          <a:lstStyle>
+            <a:lvl1pPr algn="l">
+              <a:defRPr sz="1200"/>
+            </a:lvl1pPr>
+          </a:lstStyle>
+          <a:p>
+            <a:endParaRPr lang="en-US"/>
+          </a:p>
+        </p:txBody>
+      </p:sp>
+      <p:sp>
+        <p:nvSpPr>
+          <p:cNvPr id="3" name="Date Placeholder 2"/>
+          <p:cNvSpPr>
+            <a:spLocks noGrp="1"/>
+          </p:cNvSpPr>
+          <p:nvPr>
+            <p:ph type="dt" idx="1"/>
+          </p:nvPr>
+        </p:nvSpPr>
+        <p:spPr>
+          <a:xfrm>
+            <a:off x="3884613" y="0"/>
+            <a:ext cx="2971800" cy="458788"/>
+          </a:xfrm>
+          <a:prstGeom prst="rect">
+            <a:avLst/>
+          </a:prstGeom>
+        </p:spPr>
+        <p:txBody>
+          <a:bodyPr vert="horz" lIns="91440" tIns="45720" rIns="91440" bIns="45720" rtlCol="0"/>
+          <a:lstStyle>
+            <a:lvl1pPr algn="r">
+              <a:defRPr sz="1200"/>
+            </a:lvl1pPr>
+          </a:lstStyle>
+          <a:p>
+            <a:fld id="{43B0E059-6658-4D71-8B6C-28F57D967E6A}" type="datetimeFigureOut">
+              <a:rPr lang="en-US" smtClean="0"/>
+              <a:t>6/11/2018</a:t>
+            </a:fld>
+            <a:endParaRPr lang="en-US"/>
+          </a:p>
+        </p:txBody>
+      </p:sp>
+      <p:sp>
+        <p:nvSpPr>
+          <p:cNvPr id="4" name="Slide Image Placeholder 3"/>
+          <p:cNvSpPr>
+            <a:spLocks noGrp="1" noRot="1" noChangeAspect="1"/>
+          </p:cNvSpPr>
+          <p:nvPr>
+            <p:ph type="sldImg" idx="2"/>
+          </p:nvPr>
+        </p:nvSpPr>
+        <p:spPr>
+          <a:xfrm>
+            <a:off x="685800" y="1143000"/>
+            <a:ext cx="5486400" cy="3086100"/>
+          </a:xfrm>
+          <a:prstGeom prst="rect">
+            <a:avLst/>
+          </a:prstGeom>
+          <a:noFill/>
+          <a:ln w="12700">
+            <a:solidFill>
+              <a:prstClr val="black"/>
+            </a:solidFill>
+          </a:ln>
+        </p:spPr>
+        <p:txBody>
+          <a:bodyPr vert="horz" lIns="91440" tIns="45720" rIns="91440" bIns="45720" rtlCol="0" anchor="ctr"/>
+          <a:lstStyle/>
+          <a:p>
+            <a:endParaRPr lang="en-US"/>
+          </a:p>
+        </p:txBody>
+      </p:sp>
+      <p:sp>
+        <p:nvSpPr>
+          <p:cNvPr id="5" name="Notes Placeholder 4"/>
+          <p:cNvSpPr>
+            <a:spLocks noGrp="1"/>
+          </p:cNvSpPr>
+          <p:nvPr>
+            <p:ph type="body" sz="quarter" idx="3"/>
+          </p:nvPr>
+        </p:nvSpPr>
+        <p:spPr>
+          <a:xfrm>
+            <a:off x="685800" y="4400550"/>
+            <a:ext cx="5486400" cy="3600450"/>
+          </a:xfrm>
+          <a:prstGeom prst="rect">
+            <a:avLst/>
+          </a:prstGeom>
+        </p:spPr>
+        <p:txBody>
+          <a:bodyPr vert="horz" lIns="91440" tIns="45720" rIns="91440" bIns="45720" rtlCol="0"/>
+          <a:lstStyle/>
+          <a:p>
+            <a:pPr lvl="0"/>
+            <a:r>
+              <a:rPr lang="en-US"/>
+              <a:t>Edit Master text styles</a:t>
+            </a:r>
+          </a:p>
+          <a:p>
+            <a:pPr lvl="1"/>
+            <a:r>
+              <a:rPr lang="en-US"/>
+              <a:t>Second level</a:t>
+            </a:r>
+          </a:p>
+          <a:p>
+            <a:pPr lvl="2"/>
+            <a:r>
+              <a:rPr lang="en-US"/>
+              <a:t>Third level</a:t>
+            </a:r>
+          </a:p>
+          <a:p>
+            <a:pPr lvl="3"/>
+            <a:r>
+              <a:rPr lang="en-US"/>
+              <a:t>Fourth level</a:t>
+            </a:r>
+          </a:p>
+          <a:p>
+            <a:pPr lvl="4"/>
+            <a:r>
+              <a:rPr lang="en-US"/>
+              <a:t>Fifth level</a:t>
+            </a:r>
+          </a:p>
+        </p:txBody>
+      </p:sp>
+      <p:sp>
+        <p:nvSpPr>
+          <p:cNvPr id="6" name="Footer Placeholder 5"/>
+          <p:cNvSpPr>
+            <a:spLocks noGrp="1"/>
+          </p:cNvSpPr>
+          <p:nvPr>
+            <p:ph type="ftr" sz="quarter" idx="4"/>
+          </p:nvPr>
+        </p:nvSpPr>
+        <p:spPr>
+          <a:xfrm>
+            <a:off x="0" y="8685213"/>
+            <a:ext cx="2971800" cy="458787"/>
+          </a:xfrm>
+          <a:prstGeom prst="rect">
+            <a:avLst/>
+          </a:prstGeom>
+        </p:spPr>
+        <p:txBody>
+          <a:bodyPr vert="horz" lIns="91440" tIns="45720" rIns="91440" bIns="45720" rtlCol="0" anchor="b"/>
+          <a:lstStyle>
+            <a:lvl1pPr algn="l">
+              <a:defRPr sz="1200"/>
+            </a:lvl1pPr>
+          </a:lstStyle>
+          <a:p>
+            <a:endParaRPr lang="en-US"/>
+          </a:p>
+        </p:txBody>
+      </p:sp>
+      <p:sp>
+        <p:nvSpPr>
+          <p:cNvPr id="7" name="Slide Number Placeholder 6"/>
+          <p:cNvSpPr>
+            <a:spLocks noGrp="1"/>
+          </p:cNvSpPr>
+          <p:nvPr>
+            <p:ph type="sldNum" sz="quarter" idx="5"/>
+          </p:nvPr>
+        </p:nvSpPr>
+        <p:spPr>
+          <a:xfrm>
+            <a:off x="3884613" y="8685213"/>
+            <a:ext cx="2971800" cy="458787"/>
+          </a:xfrm>
+          <a:prstGeom prst="rect">
+            <a:avLst/>
+          </a:prstGeom>
+        </p:spPr>
+        <p:txBody>
+          <a:bodyPr vert="horz" lIns="91440" tIns="45720" rIns="91440" bIns="45720" rtlCol="0" anchor="b"/>
+          <a:lstStyle>
+            <a:lvl1pPr algn="r">
+              <a:defRPr sz="1200"/>
+            </a:lvl1pPr>
+          </a:lstStyle>
+          <a:p>
+            <a:fld id="{2B6F581C-D91D-4D64-ABCC-80EB5183D6B3}" type="slidenum">
+              <a:rPr lang="en-US" smtClean="0"/>
+              <a:t>‹#›</a:t>
+            </a:fld>
+            <a:endParaRPr lang="en-US"/>
+          </a:p>
+        </p:txBody>
+      </p:sp>
+    </p:spTree>
+    <p:extLst>
+      <p:ext uri="{BB962C8B-B14F-4D97-AF65-F5344CB8AC3E}">
+        <p14:creationId xmlns:p14="http://schemas.microsoft.com/office/powerpoint/2010/main" val="858938011"/>
+      </p:ext>
+    </p:extLst>
+  </p:cSld>
+  <p:clrMap bg1="lt1" tx1="dk1" bg2="lt2" tx2="dk2" accent1="accent1" accent2="accent2" accent3="accent3" accent4="accent4" accent5="accent5" accent6="accent6" hlink="hlink" folHlink="folHlink"/>
+  <p:notesStyle>
+    <a:lvl1pPr marL="0" algn="l" defTabSz="914400" rtl="0" eaLnBrk="1" latinLnBrk="0" hangingPunct="1">
+      <a:defRPr sz="1200" kern="1200">
+        <a:solidFill>
+          <a:schemeClr val="tx1"/>
+        </a:solidFill>
+        <a:latin typeface="+mn-lt"/>
+        <a:ea typeface="+mn-ea"/>
+        <a:cs typeface="+mn-cs"/>
+      </a:defRPr>
+    </a:lvl1pPr>
+    <a:lvl2pPr marL="457200" algn="l" defTabSz="914400" rtl="0" eaLnBrk="1" latinLnBrk="0" hangingPunct="1">
+      <a:defRPr sz="1200" kern="1200">
+        <a:solidFill>
+          <a:schemeClr val="tx1"/>
+        </a:solidFill>
+        <a:latin typeface="+mn-lt"/>
+        <a:ea typeface="+mn-ea"/>
+        <a:cs typeface="+mn-cs"/>
+      </a:defRPr>
+    </a:lvl2pPr>
+    <a:lvl3pPr marL="914400" algn="l" defTabSz="914400" rtl="0" eaLnBrk="1" latinLnBrk="0" hangingPunct="1">
+      <a:defRPr sz="1200" kern="1200">
+        <a:solidFill>
+          <a:schemeClr val="tx1"/>
+        </a:solidFill>
+        <a:latin typeface="+mn-lt"/>
+        <a:ea typeface="+mn-ea"/>
+        <a:cs typeface="+mn-cs"/>
+      </a:defRPr>
+    </a:lvl3pPr>
+    <a:lvl4pPr marL="1371600" algn="l" defTabSz="914400" rtl="0" eaLnBrk="1" latinLnBrk="0" hangingPunct="1">
+      <a:defRPr sz="1200" kern="1200">
+        <a:solidFill>
+          <a:schemeClr val="tx1"/>
+        </a:solidFill>
+        <a:latin typeface="+mn-lt"/>
+        <a:ea typeface="+mn-ea"/>
+        <a:cs typeface="+mn-cs"/>
+      </a:defRPr>
+    </a:lvl4pPr>
+    <a:lvl5pPr marL="1828800" algn="l" defTabSz="914400" rtl="0" eaLnBrk="1" latinLnBrk="0" hangingPunct="1">
+      <a:defRPr sz="1200" kern="1200">
+        <a:solidFill>
+          <a:schemeClr val="tx1"/>
+        </a:solidFill>
+        <a:latin typeface="+mn-lt"/>
+        <a:ea typeface="+mn-ea"/>
+        <a:cs typeface="+mn-cs"/>
+      </a:defRPr>
+    </a:lvl5pPr>
+    <a:lvl6pPr marL="2286000" algn="l" defTabSz="914400" rtl="0" eaLnBrk="1" latinLnBrk="0" hangingPunct="1">
+      <a:defRPr sz="1200" kern="1200">
+        <a:solidFill>
+          <a:schemeClr val="tx1"/>
+        </a:solidFill>
+        <a:latin typeface="+mn-lt"/>
+        <a:ea typeface="+mn-ea"/>
+        <a:cs typeface="+mn-cs"/>
+      </a:defRPr>
+    </a:lvl6pPr>
+    <a:lvl7pPr marL="2743200" algn="l" defTabSz="914400" rtl="0" eaLnBrk="1" latinLnBrk="0" hangingPunct="1">
+      <a:defRPr sz="1200" kern="1200">
+        <a:solidFill>
+          <a:schemeClr val="tx1"/>
+        </a:solidFill>
+        <a:latin typeface="+mn-lt"/>
+        <a:ea typeface="+mn-ea"/>
+        <a:cs typeface="+mn-cs"/>
+      </a:defRPr>
+    </a:lvl7pPr>
+    <a:lvl8pPr marL="3200400" algn="l" defTabSz="914400" rtl="0" eaLnBrk="1" latinLnBrk="0" hangingPunct="1">
+      <a:defRPr sz="1200" kern="1200">
+        <a:solidFill>
+          <a:schemeClr val="tx1"/>
+        </a:solidFill>
+        <a:latin typeface="+mn-lt"/>
+        <a:ea typeface="+mn-ea"/>
+        <a:cs typeface="+mn-cs"/>
+      </a:defRPr>
+    </a:lvl8pPr>
+    <a:lvl9pPr marL="3657600" algn="l" defTabSz="914400" rtl="0" eaLnBrk="1" latinLnBrk="0" hangingPunct="1">
+      <a:defRPr sz="1200" kern="1200">
+        <a:solidFill>
+          <a:schemeClr val="tx1"/>
+        </a:solidFill>
+        <a:latin typeface="+mn-lt"/>
+        <a:ea typeface="+mn-ea"/>
+        <a:cs typeface="+mn-cs"/>
+      </a:defRPr>
+    </a:lvl9pPr>
+  </p:notesStyle>
+</p:notesMaster>
+</file>
+
+<file path=ppt/notesSlides/notesSlide1.xml><?xml version="1.0" encoding="utf-8"?>
+<p:notes xmlns:a="http://schemas.openxmlformats.org/drawingml/2006/main" xmlns:r="http://schemas.openxmlformats.org/officeDocument/2006/relationships" xmlns:p="http://schemas.openxmlformats.org/presentationml/2006/main">
+  <p:cSld>
+    <p:spTree>
+      <p:nvGrpSpPr>
+        <p:cNvPr id="1" name=""/>
+        <p:cNvGrpSpPr/>
+        <p:nvPr/>
+      </p:nvGrpSpPr>
+      <p:grpSpPr>
+        <a:xfrm>
+          <a:off x="0" y="0"/>
+          <a:ext cx="0" cy="0"/>
+          <a:chOff x="0" y="0"/>
+          <a:chExt cx="0" cy="0"/>
+        </a:xfrm>
+      </p:grpSpPr>
+      <p:sp>
+        <p:nvSpPr>
+          <p:cNvPr id="2" name="Slide Image Placeholder 1"/>
+          <p:cNvSpPr>
+            <a:spLocks noGrp="1" noRot="1" noChangeAspect="1"/>
+          </p:cNvSpPr>
+          <p:nvPr>
+            <p:ph type="sldImg"/>
+          </p:nvPr>
+        </p:nvSpPr>
+        <p:spPr/>
+      </p:sp>
+      <p:sp>
+        <p:nvSpPr>
+          <p:cNvPr id="3" name="Notes Placeholder 2"/>
+          <p:cNvSpPr>
+            <a:spLocks noGrp="1"/>
+          </p:cNvSpPr>
+          <p:nvPr>
+            <p:ph type="body" idx="1"/>
+          </p:nvPr>
+        </p:nvSpPr>
+        <p:spPr/>
+        <p:txBody>
+          <a:bodyPr/>
+          <a:lstStyle/>
+          <a:p>
+            <a:endParaRPr lang="en-US"/>
+          </a:p>
+        </p:txBody>
+      </p:sp>
+      <p:sp>
+        <p:nvSpPr>
+          <p:cNvPr id="4" name="Slide Number Placeholder 3"/>
+          <p:cNvSpPr>
+            <a:spLocks noGrp="1"/>
+          </p:cNvSpPr>
+          <p:nvPr>
+            <p:ph type="sldNum" sz="quarter" idx="10"/>
+          </p:nvPr>
+        </p:nvSpPr>
+        <p:spPr/>
+        <p:txBody>
+          <a:bodyPr/>
+          <a:lstStyle/>
+          <a:p>
+            <a:fld id="{2B6F581C-D91D-4D64-ABCC-80EB5183D6B3}" type="slidenum">
+              <a:rPr lang="en-US" smtClean="0"/>
+              <a:t>1</a:t>
+            </a:fld>
+            <a:endParaRPr lang="en-US"/>
+          </a:p>
+        </p:txBody>
+      </p:sp>
+    </p:spTree>
+    <p:extLst>
+      <p:ext uri="{BB962C8B-B14F-4D97-AF65-F5344CB8AC3E}">
+        <p14:creationId xmlns:p14="http://schemas.microsoft.com/office/powerpoint/2010/main" val="2283557405"/>
+      </p:ext>
+    </p:extLst>
+  </p:cSld>
+  <p:clrMapOvr>
+    <a:masterClrMapping/>
+  </p:clrMapOvr>
+</p:notes>
 </file>
 
 <file path=ppt/slideLayouts/slideLayout1.xml><?xml version="1.0" encoding="utf-8"?>
@@ -254,7 +699,7 @@
           <a:p>
             <a:fld id="{62DCD513-4A56-4C2D-835C-3CD568EC1873}" type="datetimeFigureOut">
               <a:rPr lang="en-US" smtClean="0"/>
-              <a:t>6/8/2018</a:t>
+              <a:t>6/11/2018</a:t>
             </a:fld>
             <a:endParaRPr lang="en-US"/>
           </a:p>
@@ -452,7 +897,7 @@
           <a:p>
             <a:fld id="{62DCD513-4A56-4C2D-835C-3CD568EC1873}" type="datetimeFigureOut">
               <a:rPr lang="en-US" smtClean="0"/>
-              <a:t>6/8/2018</a:t>
+              <a:t>6/11/2018</a:t>
             </a:fld>
             <a:endParaRPr lang="en-US"/>
           </a:p>
@@ -660,7 +1105,7 @@
           <a:p>
             <a:fld id="{62DCD513-4A56-4C2D-835C-3CD568EC1873}" type="datetimeFigureOut">
               <a:rPr lang="en-US" smtClean="0"/>
-              <a:t>6/8/2018</a:t>
+              <a:t>6/11/2018</a:t>
             </a:fld>
             <a:endParaRPr lang="en-US"/>
           </a:p>
@@ -858,7 +1303,7 @@
           <a:p>
             <a:fld id="{62DCD513-4A56-4C2D-835C-3CD568EC1873}" type="datetimeFigureOut">
               <a:rPr lang="en-US" smtClean="0"/>
-              <a:t>6/8/2018</a:t>
+              <a:t>6/11/2018</a:t>
             </a:fld>
             <a:endParaRPr lang="en-US"/>
           </a:p>
@@ -1133,7 +1578,7 @@
           <a:p>
             <a:fld id="{62DCD513-4A56-4C2D-835C-3CD568EC1873}" type="datetimeFigureOut">
               <a:rPr lang="en-US" smtClean="0"/>
-              <a:t>6/8/2018</a:t>
+              <a:t>6/11/2018</a:t>
             </a:fld>
             <a:endParaRPr lang="en-US"/>
           </a:p>
@@ -1398,7 +1843,7 @@
           <a:p>
             <a:fld id="{62DCD513-4A56-4C2D-835C-3CD568EC1873}" type="datetimeFigureOut">
               <a:rPr lang="en-US" smtClean="0"/>
-              <a:t>6/8/2018</a:t>
+              <a:t>6/11/2018</a:t>
             </a:fld>
             <a:endParaRPr lang="en-US"/>
           </a:p>
@@ -1810,7 +2255,7 @@
           <a:p>
             <a:fld id="{62DCD513-4A56-4C2D-835C-3CD568EC1873}" type="datetimeFigureOut">
               <a:rPr lang="en-US" smtClean="0"/>
-              <a:t>6/8/2018</a:t>
+              <a:t>6/11/2018</a:t>
             </a:fld>
             <a:endParaRPr lang="en-US"/>
           </a:p>
@@ -1951,7 +2396,7 @@
           <a:p>
             <a:fld id="{62DCD513-4A56-4C2D-835C-3CD568EC1873}" type="datetimeFigureOut">
               <a:rPr lang="en-US" smtClean="0"/>
-              <a:t>6/8/2018</a:t>
+              <a:t>6/11/2018</a:t>
             </a:fld>
             <a:endParaRPr lang="en-US"/>
           </a:p>
@@ -2064,7 +2509,7 @@
           <a:p>
             <a:fld id="{62DCD513-4A56-4C2D-835C-3CD568EC1873}" type="datetimeFigureOut">
               <a:rPr lang="en-US" smtClean="0"/>
-              <a:t>6/8/2018</a:t>
+              <a:t>6/11/2018</a:t>
             </a:fld>
             <a:endParaRPr lang="en-US"/>
           </a:p>
@@ -2375,7 +2820,7 @@
           <a:p>
             <a:fld id="{62DCD513-4A56-4C2D-835C-3CD568EC1873}" type="datetimeFigureOut">
               <a:rPr lang="en-US" smtClean="0"/>
-              <a:t>6/8/2018</a:t>
+              <a:t>6/11/2018</a:t>
             </a:fld>
             <a:endParaRPr lang="en-US"/>
           </a:p>
@@ -2663,7 +3108,7 @@
           <a:p>
             <a:fld id="{62DCD513-4A56-4C2D-835C-3CD568EC1873}" type="datetimeFigureOut">
               <a:rPr lang="en-US" smtClean="0"/>
-              <a:t>6/8/2018</a:t>
+              <a:t>6/11/2018</a:t>
             </a:fld>
             <a:endParaRPr lang="en-US"/>
           </a:p>
@@ -2904,7 +3349,7 @@
           <a:p>
             <a:fld id="{62DCD513-4A56-4C2D-835C-3CD568EC1873}" type="datetimeFigureOut">
               <a:rPr lang="en-US" smtClean="0"/>
-              <a:t>6/8/2018</a:t>
+              <a:t>6/11/2018</a:t>
             </a:fld>
             <a:endParaRPr lang="en-US"/>
           </a:p>
@@ -3333,10 +3778,10 @@
       </p:grpSpPr>
       <p:grpSp>
         <p:nvGrpSpPr>
-          <p:cNvPr id="119" name="Group 118">
+          <p:cNvPr id="3" name="Group 2">
             <a:extLst>
               <a:ext uri="{FF2B5EF4-FFF2-40B4-BE49-F238E27FC236}">
-                <a16:creationId xmlns:a16="http://schemas.microsoft.com/office/drawing/2014/main" id="{884D1D52-708F-4F58-83E1-69280981EAA7}"/>
+                <a16:creationId xmlns:a16="http://schemas.microsoft.com/office/drawing/2014/main" id="{66B9164F-7115-4F05-8455-4216CF7FAE37}"/>
               </a:ext>
             </a:extLst>
           </p:cNvPr>
@@ -3345,9 +3790,9 @@
         </p:nvGrpSpPr>
         <p:grpSpPr>
           <a:xfrm>
-            <a:off x="100584" y="1295400"/>
+            <a:off x="100584" y="853756"/>
             <a:ext cx="7859268" cy="4267200"/>
-            <a:chOff x="123444" y="906780"/>
+            <a:chOff x="100584" y="853756"/>
             <a:chExt cx="7859268" cy="4267200"/>
           </a:xfrm>
         </p:grpSpPr>
@@ -3365,7 +3810,7 @@
           </p:nvSpPr>
           <p:spPr>
             <a:xfrm>
-              <a:off x="123444" y="906780"/>
+              <a:off x="100584" y="853756"/>
               <a:ext cx="7859268" cy="274320"/>
             </a:xfrm>
             <a:prstGeom prst="rect">
@@ -3426,7 +3871,7 @@
           </p:nvSpPr>
           <p:spPr>
             <a:xfrm>
-              <a:off x="123444" y="1958340"/>
+              <a:off x="100584" y="1905316"/>
               <a:ext cx="2619756" cy="693420"/>
             </a:xfrm>
             <a:prstGeom prst="rect">
@@ -3516,7 +3961,7 @@
           </p:nvGrpSpPr>
           <p:grpSpPr>
             <a:xfrm>
-              <a:off x="290322" y="3429000"/>
+              <a:off x="267462" y="3375976"/>
               <a:ext cx="2286000" cy="1744980"/>
               <a:chOff x="5379720" y="358140"/>
               <a:chExt cx="2286000" cy="1744980"/>
@@ -3786,7 +4231,7 @@
           </p:nvGrpSpPr>
           <p:grpSpPr>
             <a:xfrm>
-              <a:off x="2910078" y="3429000"/>
+              <a:off x="2887218" y="3375976"/>
               <a:ext cx="2286000" cy="1744980"/>
               <a:chOff x="5379720" y="358140"/>
               <a:chExt cx="2286000" cy="1744980"/>
@@ -4056,7 +4501,7 @@
           </p:nvGrpSpPr>
           <p:grpSpPr>
             <a:xfrm>
-              <a:off x="5529834" y="3429000"/>
+              <a:off x="5506974" y="3375976"/>
               <a:ext cx="2286000" cy="1744980"/>
               <a:chOff x="5379720" y="358140"/>
               <a:chExt cx="2286000" cy="1744980"/>
@@ -4326,7 +4771,7 @@
           </p:nvSpPr>
           <p:spPr>
             <a:xfrm>
-              <a:off x="2743200" y="1958340"/>
+              <a:off x="2720340" y="1905316"/>
               <a:ext cx="2619756" cy="693420"/>
             </a:xfrm>
             <a:prstGeom prst="rect">
@@ -4416,7 +4861,7 @@
           </p:nvSpPr>
           <p:spPr>
             <a:xfrm>
-              <a:off x="5362956" y="1958340"/>
+              <a:off x="5340096" y="1905316"/>
               <a:ext cx="2619756" cy="693420"/>
             </a:xfrm>
             <a:prstGeom prst="rect">
@@ -4510,7 +4955,7 @@
           </p:nvCxnSpPr>
           <p:spPr>
             <a:xfrm>
-              <a:off x="1433322" y="2651760"/>
+              <a:off x="1410462" y="2598736"/>
               <a:ext cx="0" cy="777240"/>
             </a:xfrm>
             <a:prstGeom prst="straightConnector1">
@@ -4551,7 +4996,7 @@
           </p:nvCxnSpPr>
           <p:spPr>
             <a:xfrm>
-              <a:off x="4053078" y="2651760"/>
+              <a:off x="4030218" y="2598736"/>
               <a:ext cx="0" cy="777240"/>
             </a:xfrm>
             <a:prstGeom prst="straightConnector1">
@@ -4592,7 +5037,7 @@
           </p:nvCxnSpPr>
           <p:spPr>
             <a:xfrm>
-              <a:off x="6673596" y="2667000"/>
+              <a:off x="6650736" y="2613976"/>
               <a:ext cx="0" cy="777240"/>
             </a:xfrm>
             <a:prstGeom prst="straightConnector1">
@@ -4631,7 +5076,7 @@
           </p:nvSpPr>
           <p:spPr>
             <a:xfrm>
-              <a:off x="123444" y="1181100"/>
+              <a:off x="100584" y="1128076"/>
               <a:ext cx="7859268" cy="777240"/>
             </a:xfrm>
             <a:prstGeom prst="rect">
@@ -4765,17 +5210,17 @@
           <a:p>
             <a:pPr marL="285750" indent="-285750">
               <a:buBlip>
-                <a:blip r:embed="rId2">
+                <a:blip r:embed="rId3">
                   <a:extLst>
                     <a:ext uri="{96DAC541-7B7A-43D3-8B79-37D633B846F1}">
-                      <asvg:svgBlip xmlns:asvg="http://schemas.microsoft.com/office/drawing/2016/SVG/main" r:embed="rId3"/>
+                      <asvg:svgBlip xmlns:asvg="http://schemas.microsoft.com/office/drawing/2016/SVG/main" r:embed="rId4"/>
                     </a:ext>
                   </a:extLst>
                 </a:blip>
               </a:buBlip>
             </a:pPr>
             <a:r>
-              <a:rPr lang="en-US" sz="1600" dirty="0">
+              <a:rPr lang="en-US" sz="1400" dirty="0">
                 <a:solidFill>
                   <a:schemeClr val="tx1">
                     <a:lumMod val="65000"/>
@@ -4791,16 +5236,16 @@
           <a:p>
             <a:pPr marL="285750" indent="-285750">
               <a:buBlip>
-                <a:blip r:embed="rId2">
+                <a:blip r:embed="rId3">
                   <a:extLst>
                     <a:ext uri="{96DAC541-7B7A-43D3-8B79-37D633B846F1}">
-                      <asvg:svgBlip xmlns:asvg="http://schemas.microsoft.com/office/drawing/2016/SVG/main" r:embed="rId3"/>
+                      <asvg:svgBlip xmlns:asvg="http://schemas.microsoft.com/office/drawing/2016/SVG/main" r:embed="rId4"/>
                     </a:ext>
                   </a:extLst>
                 </a:blip>
               </a:buBlip>
             </a:pPr>
-            <a:endParaRPr lang="en-US" sz="1600" dirty="0">
+            <a:endParaRPr lang="en-US" sz="1400" dirty="0">
               <a:solidFill>
                 <a:schemeClr val="tx1">
                   <a:lumMod val="65000"/>
@@ -4814,17 +5259,17 @@
           <a:p>
             <a:pPr marL="285750" indent="-285750">
               <a:buBlip>
-                <a:blip r:embed="rId2">
+                <a:blip r:embed="rId3">
                   <a:extLst>
                     <a:ext uri="{96DAC541-7B7A-43D3-8B79-37D633B846F1}">
-                      <asvg:svgBlip xmlns:asvg="http://schemas.microsoft.com/office/drawing/2016/SVG/main" r:embed="rId3"/>
+                      <asvg:svgBlip xmlns:asvg="http://schemas.microsoft.com/office/drawing/2016/SVG/main" r:embed="rId4"/>
                     </a:ext>
                   </a:extLst>
                 </a:blip>
               </a:buBlip>
             </a:pPr>
             <a:r>
-              <a:rPr lang="en-US" sz="1600" dirty="0">
+              <a:rPr lang="en-US" sz="1400" dirty="0">
                 <a:solidFill>
                   <a:schemeClr val="tx1">
                     <a:lumMod val="65000"/>
@@ -4840,16 +5285,16 @@
           <a:p>
             <a:pPr marL="742950" lvl="1" indent="-285750">
               <a:buBlip>
-                <a:blip r:embed="rId2">
+                <a:blip r:embed="rId3">
                   <a:extLst>
                     <a:ext uri="{96DAC541-7B7A-43D3-8B79-37D633B846F1}">
-                      <asvg:svgBlip xmlns:asvg="http://schemas.microsoft.com/office/drawing/2016/SVG/main" r:embed="rId3"/>
+                      <asvg:svgBlip xmlns:asvg="http://schemas.microsoft.com/office/drawing/2016/SVG/main" r:embed="rId4"/>
                     </a:ext>
                   </a:extLst>
                 </a:blip>
               </a:buBlip>
             </a:pPr>
-            <a:endParaRPr lang="en-US" sz="1600" dirty="0">
+            <a:endParaRPr lang="en-US" sz="1400" dirty="0">
               <a:solidFill>
                 <a:schemeClr val="tx1">
                   <a:lumMod val="65000"/>
@@ -4863,17 +5308,17 @@
           <a:p>
             <a:pPr marL="742950" lvl="1" indent="-285750">
               <a:buBlip>
-                <a:blip r:embed="rId2">
+                <a:blip r:embed="rId3">
                   <a:extLst>
                     <a:ext uri="{96DAC541-7B7A-43D3-8B79-37D633B846F1}">
-                      <asvg:svgBlip xmlns:asvg="http://schemas.microsoft.com/office/drawing/2016/SVG/main" r:embed="rId3"/>
+                      <asvg:svgBlip xmlns:asvg="http://schemas.microsoft.com/office/drawing/2016/SVG/main" r:embed="rId4"/>
                     </a:ext>
                   </a:extLst>
                 </a:blip>
               </a:buBlip>
             </a:pPr>
             <a:r>
-              <a:rPr lang="en-US" sz="1600" dirty="0">
+              <a:rPr lang="en-US" sz="1400" dirty="0">
                 <a:solidFill>
                   <a:schemeClr val="tx1">
                     <a:lumMod val="65000"/>
@@ -4889,17 +5334,17 @@
           <a:p>
             <a:pPr marL="742950" lvl="1" indent="-285750">
               <a:buBlip>
-                <a:blip r:embed="rId2">
+                <a:blip r:embed="rId3">
                   <a:extLst>
                     <a:ext uri="{96DAC541-7B7A-43D3-8B79-37D633B846F1}">
-                      <asvg:svgBlip xmlns:asvg="http://schemas.microsoft.com/office/drawing/2016/SVG/main" r:embed="rId3"/>
+                      <asvg:svgBlip xmlns:asvg="http://schemas.microsoft.com/office/drawing/2016/SVG/main" r:embed="rId4"/>
                     </a:ext>
                   </a:extLst>
                 </a:blip>
               </a:buBlip>
             </a:pPr>
             <a:r>
-              <a:rPr lang="en-US" sz="1600" dirty="0">
+              <a:rPr lang="en-US" sz="1400" dirty="0">
                 <a:solidFill>
                   <a:schemeClr val="tx1">
                     <a:lumMod val="65000"/>
@@ -4915,17 +5360,17 @@
           <a:p>
             <a:pPr marL="742950" lvl="1" indent="-285750">
               <a:buBlip>
-                <a:blip r:embed="rId2">
+                <a:blip r:embed="rId3">
                   <a:extLst>
                     <a:ext uri="{96DAC541-7B7A-43D3-8B79-37D633B846F1}">
-                      <asvg:svgBlip xmlns:asvg="http://schemas.microsoft.com/office/drawing/2016/SVG/main" r:embed="rId3"/>
+                      <asvg:svgBlip xmlns:asvg="http://schemas.microsoft.com/office/drawing/2016/SVG/main" r:embed="rId4"/>
                     </a:ext>
                   </a:extLst>
                 </a:blip>
               </a:buBlip>
             </a:pPr>
             <a:r>
-              <a:rPr lang="en-US" sz="1600" dirty="0">
+              <a:rPr lang="en-US" sz="1400" dirty="0">
                 <a:solidFill>
                   <a:schemeClr val="tx1">
                     <a:lumMod val="65000"/>
@@ -4941,17 +5386,17 @@
           <a:p>
             <a:pPr marL="1200150" lvl="2" indent="-285750">
               <a:buBlip>
-                <a:blip r:embed="rId2">
+                <a:blip r:embed="rId3">
                   <a:extLst>
                     <a:ext uri="{96DAC541-7B7A-43D3-8B79-37D633B846F1}">
-                      <asvg:svgBlip xmlns:asvg="http://schemas.microsoft.com/office/drawing/2016/SVG/main" r:embed="rId3"/>
+                      <asvg:svgBlip xmlns:asvg="http://schemas.microsoft.com/office/drawing/2016/SVG/main" r:embed="rId4"/>
                     </a:ext>
                   </a:extLst>
                 </a:blip>
               </a:buBlip>
             </a:pPr>
             <a:r>
-              <a:rPr lang="en-US" sz="1600" dirty="0">
+              <a:rPr lang="en-US" sz="1400" dirty="0">
                 <a:solidFill>
                   <a:schemeClr val="tx1">
                     <a:lumMod val="65000"/>
@@ -4967,17 +5412,17 @@
           <a:p>
             <a:pPr marL="1200150" lvl="2" indent="-285750">
               <a:buBlip>
-                <a:blip r:embed="rId2">
+                <a:blip r:embed="rId3">
                   <a:extLst>
                     <a:ext uri="{96DAC541-7B7A-43D3-8B79-37D633B846F1}">
-                      <asvg:svgBlip xmlns:asvg="http://schemas.microsoft.com/office/drawing/2016/SVG/main" r:embed="rId3"/>
+                      <asvg:svgBlip xmlns:asvg="http://schemas.microsoft.com/office/drawing/2016/SVG/main" r:embed="rId4"/>
                     </a:ext>
                   </a:extLst>
                 </a:blip>
               </a:buBlip>
             </a:pPr>
             <a:r>
-              <a:rPr lang="en-US" sz="1600" dirty="0">
+              <a:rPr lang="en-US" sz="1400" dirty="0">
                 <a:solidFill>
                   <a:schemeClr val="tx1">
                     <a:lumMod val="65000"/>
@@ -4993,17 +5438,17 @@
           <a:p>
             <a:pPr marL="1200150" lvl="2" indent="-285750">
               <a:buBlip>
-                <a:blip r:embed="rId2">
+                <a:blip r:embed="rId3">
                   <a:extLst>
                     <a:ext uri="{96DAC541-7B7A-43D3-8B79-37D633B846F1}">
-                      <asvg:svgBlip xmlns:asvg="http://schemas.microsoft.com/office/drawing/2016/SVG/main" r:embed="rId3"/>
+                      <asvg:svgBlip xmlns:asvg="http://schemas.microsoft.com/office/drawing/2016/SVG/main" r:embed="rId4"/>
                     </a:ext>
                   </a:extLst>
                 </a:blip>
               </a:buBlip>
             </a:pPr>
             <a:r>
-              <a:rPr lang="en-US" sz="1600" dirty="0">
+              <a:rPr lang="en-US" sz="1400" dirty="0">
                 <a:solidFill>
                   <a:schemeClr val="tx1">
                     <a:lumMod val="65000"/>
@@ -5019,17 +5464,17 @@
           <a:p>
             <a:pPr marL="1200150" lvl="2" indent="-285750">
               <a:buBlip>
-                <a:blip r:embed="rId2">
+                <a:blip r:embed="rId3">
                   <a:extLst>
                     <a:ext uri="{96DAC541-7B7A-43D3-8B79-37D633B846F1}">
-                      <asvg:svgBlip xmlns:asvg="http://schemas.microsoft.com/office/drawing/2016/SVG/main" r:embed="rId3"/>
+                      <asvg:svgBlip xmlns:asvg="http://schemas.microsoft.com/office/drawing/2016/SVG/main" r:embed="rId4"/>
                     </a:ext>
                   </a:extLst>
                 </a:blip>
               </a:buBlip>
             </a:pPr>
             <a:r>
-              <a:rPr lang="en-US" sz="1600" dirty="0">
+              <a:rPr lang="en-US" sz="1400" dirty="0">
                 <a:solidFill>
                   <a:schemeClr val="tx1">
                     <a:lumMod val="65000"/>
@@ -5045,17 +5490,17 @@
           <a:p>
             <a:pPr marL="1200150" lvl="2" indent="-285750">
               <a:buBlip>
-                <a:blip r:embed="rId2">
+                <a:blip r:embed="rId3">
                   <a:extLst>
                     <a:ext uri="{96DAC541-7B7A-43D3-8B79-37D633B846F1}">
-                      <asvg:svgBlip xmlns:asvg="http://schemas.microsoft.com/office/drawing/2016/SVG/main" r:embed="rId3"/>
+                      <asvg:svgBlip xmlns:asvg="http://schemas.microsoft.com/office/drawing/2016/SVG/main" r:embed="rId4"/>
                     </a:ext>
                   </a:extLst>
                 </a:blip>
               </a:buBlip>
             </a:pPr>
             <a:r>
-              <a:rPr lang="en-US" sz="1600" dirty="0">
+              <a:rPr lang="en-US" sz="1400" dirty="0">
                 <a:solidFill>
                   <a:schemeClr val="tx1">
                     <a:lumMod val="65000"/>
@@ -5071,17 +5516,17 @@
           <a:p>
             <a:pPr marL="1200150" lvl="2" indent="-285750">
               <a:buBlip>
-                <a:blip r:embed="rId2">
+                <a:blip r:embed="rId3">
                   <a:extLst>
                     <a:ext uri="{96DAC541-7B7A-43D3-8B79-37D633B846F1}">
-                      <asvg:svgBlip xmlns:asvg="http://schemas.microsoft.com/office/drawing/2016/SVG/main" r:embed="rId3"/>
+                      <asvg:svgBlip xmlns:asvg="http://schemas.microsoft.com/office/drawing/2016/SVG/main" r:embed="rId4"/>
                     </a:ext>
                   </a:extLst>
                 </a:blip>
               </a:buBlip>
             </a:pPr>
             <a:r>
-              <a:rPr lang="en-US" sz="1600" dirty="0">
+              <a:rPr lang="en-US" sz="1400" dirty="0">
                 <a:solidFill>
                   <a:schemeClr val="tx1">
                     <a:lumMod val="65000"/>
@@ -5097,16 +5542,16 @@
           <a:p>
             <a:pPr marL="1200150" lvl="2" indent="-285750">
               <a:buBlip>
-                <a:blip r:embed="rId2">
+                <a:blip r:embed="rId3">
                   <a:extLst>
                     <a:ext uri="{96DAC541-7B7A-43D3-8B79-37D633B846F1}">
-                      <asvg:svgBlip xmlns:asvg="http://schemas.microsoft.com/office/drawing/2016/SVG/main" r:embed="rId3"/>
+                      <asvg:svgBlip xmlns:asvg="http://schemas.microsoft.com/office/drawing/2016/SVG/main" r:embed="rId4"/>
                     </a:ext>
                   </a:extLst>
                 </a:blip>
               </a:buBlip>
             </a:pPr>
-            <a:endParaRPr lang="en-US" sz="1600" dirty="0">
+            <a:endParaRPr lang="en-US" sz="1400" dirty="0">
               <a:solidFill>
                 <a:schemeClr val="tx1">
                   <a:lumMod val="65000"/>
@@ -5120,17 +5565,17 @@
           <a:p>
             <a:pPr marL="285750" indent="-285750">
               <a:buBlip>
-                <a:blip r:embed="rId2">
+                <a:blip r:embed="rId3">
                   <a:extLst>
                     <a:ext uri="{96DAC541-7B7A-43D3-8B79-37D633B846F1}">
-                      <asvg:svgBlip xmlns:asvg="http://schemas.microsoft.com/office/drawing/2016/SVG/main" r:embed="rId3"/>
+                      <asvg:svgBlip xmlns:asvg="http://schemas.microsoft.com/office/drawing/2016/SVG/main" r:embed="rId4"/>
                     </a:ext>
                   </a:extLst>
                 </a:blip>
               </a:buBlip>
             </a:pPr>
             <a:r>
-              <a:rPr lang="en-US" sz="1600" dirty="0">
+              <a:rPr lang="en-US" sz="1400" dirty="0">
                 <a:solidFill>
                   <a:schemeClr val="tx1">
                     <a:lumMod val="65000"/>
@@ -5142,6 +5587,65 @@
               </a:rPr>
               <a:t>Each Item Group is then forwarded to the logistician assigned to the specified Site in the Item Group.</a:t>
             </a:r>
+          </a:p>
+          <a:p>
+            <a:pPr marL="285750" indent="-285750">
+              <a:buBlip>
+                <a:blip r:embed="rId3">
+                  <a:extLst>
+                    <a:ext uri="{96DAC541-7B7A-43D3-8B79-37D633B846F1}">
+                      <asvg:svgBlip xmlns:asvg="http://schemas.microsoft.com/office/drawing/2016/SVG/main" r:embed="rId4"/>
+                    </a:ext>
+                  </a:extLst>
+                </a:blip>
+              </a:buBlip>
+            </a:pPr>
+            <a:endParaRPr lang="en-US" sz="1400" dirty="0">
+              <a:solidFill>
+                <a:schemeClr val="tx1">
+                  <a:lumMod val="65000"/>
+                  <a:lumOff val="35000"/>
+                </a:schemeClr>
+              </a:solidFill>
+              <a:latin typeface="Segoe UI" panose="020B0502040204020203" pitchFamily="34" charset="0"/>
+              <a:cs typeface="Segoe UI" panose="020B0502040204020203" pitchFamily="34" charset="0"/>
+            </a:endParaRPr>
+          </a:p>
+          <a:p>
+            <a:endParaRPr lang="en-US" sz="1400" dirty="0">
+              <a:solidFill>
+                <a:schemeClr val="tx1">
+                  <a:lumMod val="65000"/>
+                  <a:lumOff val="35000"/>
+                </a:schemeClr>
+              </a:solidFill>
+              <a:latin typeface="Segoe UI" panose="020B0502040204020203" pitchFamily="34" charset="0"/>
+              <a:cs typeface="Segoe UI" panose="020B0502040204020203" pitchFamily="34" charset="0"/>
+            </a:endParaRPr>
+          </a:p>
+          <a:p>
+            <a:endParaRPr lang="en-US" sz="1400" dirty="0">
+              <a:solidFill>
+                <a:schemeClr val="tx1">
+                  <a:lumMod val="65000"/>
+                  <a:lumOff val="35000"/>
+                </a:schemeClr>
+              </a:solidFill>
+              <a:latin typeface="Segoe UI" panose="020B0502040204020203" pitchFamily="34" charset="0"/>
+              <a:cs typeface="Segoe UI" panose="020B0502040204020203" pitchFamily="34" charset="0"/>
+            </a:endParaRPr>
+          </a:p>
+          <a:p>
+            <a:endParaRPr lang="en-US" sz="1400" dirty="0">
+              <a:solidFill>
+                <a:schemeClr val="tx1">
+                  <a:lumMod val="65000"/>
+                  <a:lumOff val="35000"/>
+                </a:schemeClr>
+              </a:solidFill>
+              <a:latin typeface="Segoe UI" panose="020B0502040204020203" pitchFamily="34" charset="0"/>
+              <a:cs typeface="Segoe UI" panose="020B0502040204020203" pitchFamily="34" charset="0"/>
+            </a:endParaRPr>
           </a:p>
           <a:p>
             <a:endParaRPr lang="en-US" sz="1600" dirty="0">
@@ -5209,8 +5713,8 @@
         </p:nvSpPr>
         <p:spPr>
           <a:xfrm>
-            <a:off x="2215778" y="140315"/>
-            <a:ext cx="3628879" cy="461665"/>
+            <a:off x="100584" y="140315"/>
+            <a:ext cx="7859268" cy="461665"/>
           </a:xfrm>
           <a:prstGeom prst="rect">
             <a:avLst/>
@@ -5218,7 +5722,7 @@
           <a:noFill/>
         </p:spPr>
         <p:txBody>
-          <a:bodyPr wrap="none" rtlCol="0">
+          <a:bodyPr wrap="square" rtlCol="0">
             <a:spAutoFit/>
           </a:bodyPr>
           <a:lstStyle/>
@@ -5233,10 +5737,8553 @@
           </a:p>
         </p:txBody>
       </p:sp>
+      <p:sp>
+        <p:nvSpPr>
+          <p:cNvPr id="7" name="Title 6" hidden="1">
+            <a:extLst>
+              <a:ext uri="{FF2B5EF4-FFF2-40B4-BE49-F238E27FC236}">
+                <a16:creationId xmlns:a16="http://schemas.microsoft.com/office/drawing/2014/main" id="{26A45D7D-60D1-4BA9-85D6-CA4284BEEFC9}"/>
+              </a:ext>
+            </a:extLst>
+          </p:cNvPr>
+          <p:cNvSpPr>
+            <a:spLocks noGrp="1"/>
+          </p:cNvSpPr>
+          <p:nvPr>
+            <p:ph type="ctrTitle"/>
+          </p:nvPr>
+        </p:nvSpPr>
+        <p:spPr/>
+        <p:txBody>
+          <a:bodyPr/>
+          <a:lstStyle/>
+          <a:p>
+            <a:r>
+              <a:rPr lang="en-US" dirty="0"/>
+              <a:t>Request and Item Groups</a:t>
+            </a:r>
+          </a:p>
+        </p:txBody>
+      </p:sp>
     </p:spTree>
     <p:extLst>
       <p:ext uri="{BB962C8B-B14F-4D97-AF65-F5344CB8AC3E}">
         <p14:creationId xmlns:p14="http://schemas.microsoft.com/office/powerpoint/2010/main" val="136951734"/>
+      </p:ext>
+    </p:extLst>
+  </p:cSld>
+  <p:clrMapOvr>
+    <a:masterClrMapping/>
+  </p:clrMapOvr>
+</p:sld>
+</file>
+
+<file path=ppt/slides/slide2.xml><?xml version="1.0" encoding="utf-8"?>
+<p:sld xmlns:a="http://schemas.openxmlformats.org/drawingml/2006/main" xmlns:r="http://schemas.openxmlformats.org/officeDocument/2006/relationships" xmlns:p="http://schemas.openxmlformats.org/presentationml/2006/main">
+  <p:cSld>
+    <p:bg>
+      <p:bgPr>
+        <a:solidFill>
+          <a:schemeClr val="bg1">
+            <a:lumMod val="95000"/>
+          </a:schemeClr>
+        </a:solidFill>
+        <a:effectLst/>
+      </p:bgPr>
+    </p:bg>
+    <p:spTree>
+      <p:nvGrpSpPr>
+        <p:cNvPr id="1" name=""/>
+        <p:cNvGrpSpPr/>
+        <p:nvPr/>
+      </p:nvGrpSpPr>
+      <p:grpSpPr>
+        <a:xfrm>
+          <a:off x="0" y="0"/>
+          <a:ext cx="0" cy="0"/>
+          <a:chOff x="0" y="0"/>
+          <a:chExt cx="0" cy="0"/>
+        </a:xfrm>
+      </p:grpSpPr>
+      <p:sp>
+        <p:nvSpPr>
+          <p:cNvPr id="120" name="Rectangle 119">
+            <a:extLst>
+              <a:ext uri="{FF2B5EF4-FFF2-40B4-BE49-F238E27FC236}">
+                <a16:creationId xmlns:a16="http://schemas.microsoft.com/office/drawing/2014/main" id="{5B5CFA4C-32E2-456B-8FA7-1EFB1DD90E1C}"/>
+              </a:ext>
+            </a:extLst>
+          </p:cNvPr>
+          <p:cNvSpPr/>
+          <p:nvPr/>
+        </p:nvSpPr>
+        <p:spPr>
+          <a:xfrm>
+            <a:off x="8069592" y="137160"/>
+            <a:ext cx="4021814" cy="6576060"/>
+          </a:xfrm>
+          <a:prstGeom prst="rect">
+            <a:avLst/>
+          </a:prstGeom>
+          <a:solidFill>
+            <a:schemeClr val="bg1"/>
+          </a:solidFill>
+          <a:ln>
+            <a:noFill/>
+          </a:ln>
+        </p:spPr>
+        <p:style>
+          <a:lnRef idx="2">
+            <a:schemeClr val="accent1">
+              <a:shade val="50000"/>
+            </a:schemeClr>
+          </a:lnRef>
+          <a:fillRef idx="1">
+            <a:schemeClr val="accent1"/>
+          </a:fillRef>
+          <a:effectRef idx="0">
+            <a:schemeClr val="accent1"/>
+          </a:effectRef>
+          <a:fontRef idx="minor">
+            <a:schemeClr val="lt1"/>
+          </a:fontRef>
+        </p:style>
+        <p:txBody>
+          <a:bodyPr tIns="91440" bIns="91440" rtlCol="0" anchor="t" anchorCtr="0"/>
+          <a:lstStyle/>
+          <a:p>
+            <a:pPr marL="285750" indent="-285750">
+              <a:buBlip>
+                <a:blip r:embed="rId2">
+                  <a:extLst>
+                    <a:ext uri="{96DAC541-7B7A-43D3-8B79-37D633B846F1}">
+                      <asvg:svgBlip xmlns:asvg="http://schemas.microsoft.com/office/drawing/2016/SVG/main" r:embed="rId3"/>
+                    </a:ext>
+                  </a:extLst>
+                </a:blip>
+              </a:buBlip>
+            </a:pPr>
+            <a:r>
+              <a:rPr lang="en-US" sz="1400" dirty="0">
+                <a:solidFill>
+                  <a:schemeClr val="tx1">
+                    <a:lumMod val="65000"/>
+                    <a:lumOff val="35000"/>
+                  </a:schemeClr>
+                </a:solidFill>
+                <a:latin typeface="Segoe UI" panose="020B0502040204020203" pitchFamily="34" charset="0"/>
+                <a:cs typeface="Segoe UI" panose="020B0502040204020203" pitchFamily="34" charset="0"/>
+              </a:rPr>
+              <a:t>Approval Groups define a set of approvers for an authority related to an item group. They can optionally be grouped into an Approval Group Template.</a:t>
+            </a:r>
+          </a:p>
+          <a:p>
+            <a:pPr marL="285750" indent="-285750">
+              <a:buBlip>
+                <a:blip r:embed="rId2">
+                  <a:extLst>
+                    <a:ext uri="{96DAC541-7B7A-43D3-8B79-37D633B846F1}">
+                      <asvg:svgBlip xmlns:asvg="http://schemas.microsoft.com/office/drawing/2016/SVG/main" r:embed="rId3"/>
+                    </a:ext>
+                  </a:extLst>
+                </a:blip>
+              </a:buBlip>
+            </a:pPr>
+            <a:endParaRPr lang="en-US" sz="1400" dirty="0">
+              <a:solidFill>
+                <a:schemeClr val="tx1">
+                  <a:lumMod val="65000"/>
+                  <a:lumOff val="35000"/>
+                </a:schemeClr>
+              </a:solidFill>
+              <a:latin typeface="Segoe UI" panose="020B0502040204020203" pitchFamily="34" charset="0"/>
+              <a:cs typeface="Segoe UI" panose="020B0502040204020203" pitchFamily="34" charset="0"/>
+            </a:endParaRPr>
+          </a:p>
+          <a:p>
+            <a:pPr marL="285750" indent="-285750">
+              <a:buBlip>
+                <a:blip r:embed="rId2">
+                  <a:extLst>
+                    <a:ext uri="{96DAC541-7B7A-43D3-8B79-37D633B846F1}">
+                      <asvg:svgBlip xmlns:asvg="http://schemas.microsoft.com/office/drawing/2016/SVG/main" r:embed="rId3"/>
+                    </a:ext>
+                  </a:extLst>
+                </a:blip>
+              </a:buBlip>
+            </a:pPr>
+            <a:r>
+              <a:rPr lang="en-US" sz="1400" dirty="0">
+                <a:solidFill>
+                  <a:schemeClr val="tx1">
+                    <a:lumMod val="65000"/>
+                    <a:lumOff val="35000"/>
+                  </a:schemeClr>
+                </a:solidFill>
+                <a:latin typeface="Segoe UI" panose="020B0502040204020203" pitchFamily="34" charset="0"/>
+                <a:cs typeface="Segoe UI" panose="020B0502040204020203" pitchFamily="34" charset="0"/>
+              </a:rPr>
+              <a:t>Once an item group is created, the logistician for the site specified by the item group will assign the appropriate approval process.</a:t>
+            </a:r>
+          </a:p>
+          <a:p>
+            <a:pPr marL="285750" indent="-285750">
+              <a:buBlip>
+                <a:blip r:embed="rId2">
+                  <a:extLst>
+                    <a:ext uri="{96DAC541-7B7A-43D3-8B79-37D633B846F1}">
+                      <asvg:svgBlip xmlns:asvg="http://schemas.microsoft.com/office/drawing/2016/SVG/main" r:embed="rId3"/>
+                    </a:ext>
+                  </a:extLst>
+                </a:blip>
+              </a:buBlip>
+            </a:pPr>
+            <a:endParaRPr lang="en-US" sz="1400" dirty="0">
+              <a:solidFill>
+                <a:schemeClr val="tx1">
+                  <a:lumMod val="65000"/>
+                  <a:lumOff val="35000"/>
+                </a:schemeClr>
+              </a:solidFill>
+              <a:latin typeface="Segoe UI" panose="020B0502040204020203" pitchFamily="34" charset="0"/>
+              <a:cs typeface="Segoe UI" panose="020B0502040204020203" pitchFamily="34" charset="0"/>
+            </a:endParaRPr>
+          </a:p>
+          <a:p>
+            <a:pPr marL="285750" indent="-285750">
+              <a:buBlip>
+                <a:blip r:embed="rId2">
+                  <a:extLst>
+                    <a:ext uri="{96DAC541-7B7A-43D3-8B79-37D633B846F1}">
+                      <asvg:svgBlip xmlns:asvg="http://schemas.microsoft.com/office/drawing/2016/SVG/main" r:embed="rId3"/>
+                    </a:ext>
+                  </a:extLst>
+                </a:blip>
+              </a:buBlip>
+            </a:pPr>
+            <a:r>
+              <a:rPr lang="en-US" sz="1400" dirty="0">
+                <a:solidFill>
+                  <a:schemeClr val="tx1">
+                    <a:lumMod val="65000"/>
+                    <a:lumOff val="35000"/>
+                  </a:schemeClr>
+                </a:solidFill>
+                <a:latin typeface="Segoe UI" panose="020B0502040204020203" pitchFamily="34" charset="0"/>
+                <a:cs typeface="Segoe UI" panose="020B0502040204020203" pitchFamily="34" charset="0"/>
+              </a:rPr>
+              <a:t>Approval Groups can be flagged as local to the item group site, otherwise the approval group is at the organization level. They can also be flagged to specify that the approval group represents the commander. If local, it will be the commander for the site specified by the item group.</a:t>
+            </a:r>
+          </a:p>
+          <a:p>
+            <a:pPr marL="285750" indent="-285750">
+              <a:buBlip>
+                <a:blip r:embed="rId2">
+                  <a:extLst>
+                    <a:ext uri="{96DAC541-7B7A-43D3-8B79-37D633B846F1}">
+                      <asvg:svgBlip xmlns:asvg="http://schemas.microsoft.com/office/drawing/2016/SVG/main" r:embed="rId3"/>
+                    </a:ext>
+                  </a:extLst>
+                </a:blip>
+              </a:buBlip>
+            </a:pPr>
+            <a:endParaRPr lang="en-US" sz="1400" dirty="0">
+              <a:solidFill>
+                <a:schemeClr val="tx1">
+                  <a:lumMod val="65000"/>
+                  <a:lumOff val="35000"/>
+                </a:schemeClr>
+              </a:solidFill>
+              <a:latin typeface="Segoe UI" panose="020B0502040204020203" pitchFamily="34" charset="0"/>
+              <a:cs typeface="Segoe UI" panose="020B0502040204020203" pitchFamily="34" charset="0"/>
+            </a:endParaRPr>
+          </a:p>
+          <a:p>
+            <a:pPr marL="285750" indent="-285750">
+              <a:buBlip>
+                <a:blip r:embed="rId2">
+                  <a:extLst>
+                    <a:ext uri="{96DAC541-7B7A-43D3-8B79-37D633B846F1}">
+                      <asvg:svgBlip xmlns:asvg="http://schemas.microsoft.com/office/drawing/2016/SVG/main" r:embed="rId3"/>
+                    </a:ext>
+                  </a:extLst>
+                </a:blip>
+              </a:buBlip>
+            </a:pPr>
+            <a:r>
+              <a:rPr lang="en-US" sz="1400" dirty="0">
+                <a:solidFill>
+                  <a:schemeClr val="tx1">
+                    <a:lumMod val="65000"/>
+                    <a:lumOff val="35000"/>
+                  </a:schemeClr>
+                </a:solidFill>
+                <a:latin typeface="Segoe UI" panose="020B0502040204020203" pitchFamily="34" charset="0"/>
+                <a:cs typeface="Segoe UI" panose="020B0502040204020203" pitchFamily="34" charset="0"/>
+              </a:rPr>
+              <a:t>If an approval is postponed, it will be placed in an inactive state until the specified Postponed Date.</a:t>
+            </a:r>
+          </a:p>
+          <a:p>
+            <a:pPr marL="285750" indent="-285750">
+              <a:buBlip>
+                <a:blip r:embed="rId2">
+                  <a:extLst>
+                    <a:ext uri="{96DAC541-7B7A-43D3-8B79-37D633B846F1}">
+                      <asvg:svgBlip xmlns:asvg="http://schemas.microsoft.com/office/drawing/2016/SVG/main" r:embed="rId3"/>
+                    </a:ext>
+                  </a:extLst>
+                </a:blip>
+              </a:buBlip>
+            </a:pPr>
+            <a:endParaRPr lang="en-US" sz="1400" dirty="0">
+              <a:solidFill>
+                <a:schemeClr val="tx1">
+                  <a:lumMod val="65000"/>
+                  <a:lumOff val="35000"/>
+                </a:schemeClr>
+              </a:solidFill>
+              <a:latin typeface="Segoe UI" panose="020B0502040204020203" pitchFamily="34" charset="0"/>
+              <a:cs typeface="Segoe UI" panose="020B0502040204020203" pitchFamily="34" charset="0"/>
+            </a:endParaRPr>
+          </a:p>
+          <a:p>
+            <a:pPr marL="285750" indent="-285750">
+              <a:buBlip>
+                <a:blip r:embed="rId2">
+                  <a:extLst>
+                    <a:ext uri="{96DAC541-7B7A-43D3-8B79-37D633B846F1}">
+                      <asvg:svgBlip xmlns:asvg="http://schemas.microsoft.com/office/drawing/2016/SVG/main" r:embed="rId3"/>
+                    </a:ext>
+                  </a:extLst>
+                </a:blip>
+              </a:buBlip>
+            </a:pPr>
+            <a:r>
+              <a:rPr lang="en-US" sz="1400" dirty="0">
+                <a:solidFill>
+                  <a:schemeClr val="tx1">
+                    <a:lumMod val="65000"/>
+                    <a:lumOff val="35000"/>
+                  </a:schemeClr>
+                </a:solidFill>
+                <a:latin typeface="Segoe UI" panose="020B0502040204020203" pitchFamily="34" charset="0"/>
+                <a:cs typeface="Segoe UI" panose="020B0502040204020203" pitchFamily="34" charset="0"/>
+              </a:rPr>
+              <a:t>Approval flow and notification is as follows:</a:t>
+            </a:r>
+          </a:p>
+          <a:p>
+            <a:pPr marL="800100" lvl="1" indent="-342900">
+              <a:buFont typeface="+mj-lt"/>
+              <a:buAutoNum type="arabicPeriod"/>
+            </a:pPr>
+            <a:r>
+              <a:rPr lang="en-US" sz="1400" dirty="0">
+                <a:solidFill>
+                  <a:schemeClr val="tx1">
+                    <a:lumMod val="65000"/>
+                    <a:lumOff val="35000"/>
+                  </a:schemeClr>
+                </a:solidFill>
+                <a:latin typeface="Segoe UI" panose="020B0502040204020203" pitchFamily="34" charset="0"/>
+                <a:cs typeface="Segoe UI" panose="020B0502040204020203" pitchFamily="34" charset="0"/>
+              </a:rPr>
+              <a:t>Local </a:t>
+            </a:r>
+          </a:p>
+          <a:p>
+            <a:pPr marL="800100" lvl="1" indent="-342900">
+              <a:buFont typeface="+mj-lt"/>
+              <a:buAutoNum type="arabicPeriod"/>
+            </a:pPr>
+            <a:r>
+              <a:rPr lang="en-US" sz="1400" dirty="0">
+                <a:solidFill>
+                  <a:schemeClr val="tx1">
+                    <a:lumMod val="65000"/>
+                    <a:lumOff val="35000"/>
+                  </a:schemeClr>
+                </a:solidFill>
+                <a:latin typeface="Segoe UI" panose="020B0502040204020203" pitchFamily="34" charset="0"/>
+                <a:cs typeface="Segoe UI" panose="020B0502040204020203" pitchFamily="34" charset="0"/>
+              </a:rPr>
+              <a:t>Local Commander</a:t>
+            </a:r>
+          </a:p>
+          <a:p>
+            <a:pPr marL="800100" lvl="1" indent="-342900">
+              <a:buFont typeface="+mj-lt"/>
+              <a:buAutoNum type="arabicPeriod"/>
+            </a:pPr>
+            <a:r>
+              <a:rPr lang="en-US" sz="1400" dirty="0">
+                <a:solidFill>
+                  <a:schemeClr val="tx1">
+                    <a:lumMod val="65000"/>
+                    <a:lumOff val="35000"/>
+                  </a:schemeClr>
+                </a:solidFill>
+                <a:latin typeface="Segoe UI" panose="020B0502040204020203" pitchFamily="34" charset="0"/>
+                <a:cs typeface="Segoe UI" panose="020B0502040204020203" pitchFamily="34" charset="0"/>
+              </a:rPr>
+              <a:t>Non-Local</a:t>
+            </a:r>
+          </a:p>
+          <a:p>
+            <a:pPr marL="800100" lvl="1" indent="-342900">
+              <a:buFont typeface="+mj-lt"/>
+              <a:buAutoNum type="arabicPeriod"/>
+            </a:pPr>
+            <a:r>
+              <a:rPr lang="en-US" sz="1400" dirty="0">
+                <a:solidFill>
+                  <a:schemeClr val="tx1">
+                    <a:lumMod val="65000"/>
+                    <a:lumOff val="35000"/>
+                  </a:schemeClr>
+                </a:solidFill>
+                <a:latin typeface="Segoe UI" panose="020B0502040204020203" pitchFamily="34" charset="0"/>
+                <a:cs typeface="Segoe UI" panose="020B0502040204020203" pitchFamily="34" charset="0"/>
+              </a:rPr>
+              <a:t>Non-Local Commander</a:t>
+            </a:r>
+            <a:endParaRPr lang="en-US" sz="1400" b="1" i="1" dirty="0">
+              <a:solidFill>
+                <a:schemeClr val="tx1">
+                  <a:lumMod val="65000"/>
+                  <a:lumOff val="35000"/>
+                </a:schemeClr>
+              </a:solidFill>
+              <a:latin typeface="Segoe UI" panose="020B0502040204020203" pitchFamily="34" charset="0"/>
+              <a:cs typeface="Segoe UI" panose="020B0502040204020203" pitchFamily="34" charset="0"/>
+            </a:endParaRPr>
+          </a:p>
+        </p:txBody>
+      </p:sp>
+      <p:sp>
+        <p:nvSpPr>
+          <p:cNvPr id="122" name="TextBox 121">
+            <a:extLst>
+              <a:ext uri="{FF2B5EF4-FFF2-40B4-BE49-F238E27FC236}">
+                <a16:creationId xmlns:a16="http://schemas.microsoft.com/office/drawing/2014/main" id="{00AEB9A2-B192-429C-A1AA-E469E891430E}"/>
+              </a:ext>
+            </a:extLst>
+          </p:cNvPr>
+          <p:cNvSpPr txBox="1"/>
+          <p:nvPr/>
+        </p:nvSpPr>
+        <p:spPr>
+          <a:xfrm>
+            <a:off x="100583" y="140315"/>
+            <a:ext cx="7859261" cy="461665"/>
+          </a:xfrm>
+          <a:prstGeom prst="rect">
+            <a:avLst/>
+          </a:prstGeom>
+          <a:noFill/>
+        </p:spPr>
+        <p:txBody>
+          <a:bodyPr wrap="square" rtlCol="0">
+            <a:spAutoFit/>
+          </a:bodyPr>
+          <a:lstStyle/>
+          <a:p>
+            <a:r>
+              <a:rPr lang="en-US" sz="2400" dirty="0">
+                <a:latin typeface="Segoe UI" panose="020B0502040204020203" pitchFamily="34" charset="0"/>
+                <a:cs typeface="Segoe UI" panose="020B0502040204020203" pitchFamily="34" charset="0"/>
+              </a:rPr>
+              <a:t>Approval Groups and Templates</a:t>
+            </a:r>
+          </a:p>
+        </p:txBody>
+      </p:sp>
+      <p:grpSp>
+        <p:nvGrpSpPr>
+          <p:cNvPr id="68" name="Group 67">
+            <a:extLst>
+              <a:ext uri="{FF2B5EF4-FFF2-40B4-BE49-F238E27FC236}">
+                <a16:creationId xmlns:a16="http://schemas.microsoft.com/office/drawing/2014/main" id="{8160ED15-2D95-4E1E-BC46-4FB842BF4AF0}"/>
+              </a:ext>
+            </a:extLst>
+          </p:cNvPr>
+          <p:cNvGrpSpPr/>
+          <p:nvPr/>
+        </p:nvGrpSpPr>
+        <p:grpSpPr>
+          <a:xfrm>
+            <a:off x="100583" y="853758"/>
+            <a:ext cx="7859262" cy="5745169"/>
+            <a:chOff x="100583" y="853758"/>
+            <a:chExt cx="7859262" cy="5745169"/>
+          </a:xfrm>
+        </p:grpSpPr>
+        <p:grpSp>
+          <p:nvGrpSpPr>
+            <p:cNvPr id="83" name="Group 82">
+              <a:extLst>
+                <a:ext uri="{FF2B5EF4-FFF2-40B4-BE49-F238E27FC236}">
+                  <a16:creationId xmlns:a16="http://schemas.microsoft.com/office/drawing/2014/main" id="{05781B05-B73F-4BD6-861C-813405BE296B}"/>
+                </a:ext>
+              </a:extLst>
+            </p:cNvPr>
+            <p:cNvGrpSpPr/>
+            <p:nvPr/>
+          </p:nvGrpSpPr>
+          <p:grpSpPr>
+            <a:xfrm>
+              <a:off x="100584" y="853758"/>
+              <a:ext cx="7859261" cy="1744980"/>
+              <a:chOff x="5379720" y="358140"/>
+              <a:chExt cx="2286000" cy="1744980"/>
+            </a:xfrm>
+          </p:grpSpPr>
+          <p:sp>
+            <p:nvSpPr>
+              <p:cNvPr id="57" name="Rectangle 56">
+                <a:extLst>
+                  <a:ext uri="{FF2B5EF4-FFF2-40B4-BE49-F238E27FC236}">
+                    <a16:creationId xmlns:a16="http://schemas.microsoft.com/office/drawing/2014/main" id="{4808B174-B9CF-4CAD-8A19-1BC9D885D3B3}"/>
+                  </a:ext>
+                </a:extLst>
+              </p:cNvPr>
+              <p:cNvSpPr/>
+              <p:nvPr/>
+            </p:nvSpPr>
+            <p:spPr>
+              <a:xfrm>
+                <a:off x="5379720" y="358140"/>
+                <a:ext cx="2286000" cy="274320"/>
+              </a:xfrm>
+              <a:prstGeom prst="rect">
+                <a:avLst/>
+              </a:prstGeom>
+              <a:solidFill>
+                <a:schemeClr val="tx1">
+                  <a:lumMod val="75000"/>
+                  <a:lumOff val="25000"/>
+                </a:schemeClr>
+              </a:solidFill>
+              <a:ln>
+                <a:noFill/>
+              </a:ln>
+            </p:spPr>
+            <p:style>
+              <a:lnRef idx="2">
+                <a:schemeClr val="accent1">
+                  <a:shade val="50000"/>
+                </a:schemeClr>
+              </a:lnRef>
+              <a:fillRef idx="1">
+                <a:schemeClr val="accent1"/>
+              </a:fillRef>
+              <a:effectRef idx="0">
+                <a:schemeClr val="accent1"/>
+              </a:effectRef>
+              <a:fontRef idx="minor">
+                <a:schemeClr val="lt1"/>
+              </a:fontRef>
+            </p:style>
+            <p:txBody>
+              <a:bodyPr rtlCol="0" anchor="ctr"/>
+              <a:lstStyle/>
+              <a:p>
+                <a:pPr algn="ctr"/>
+                <a:r>
+                  <a:rPr lang="en-US" sz="1600" dirty="0">
+                    <a:latin typeface="Segoe UI" panose="020B0502040204020203" pitchFamily="34" charset="0"/>
+                    <a:cs typeface="Segoe UI" panose="020B0502040204020203" pitchFamily="34" charset="0"/>
+                  </a:rPr>
+                  <a:t>Item Group</a:t>
+                </a:r>
+              </a:p>
+            </p:txBody>
+          </p:sp>
+          <p:sp>
+            <p:nvSpPr>
+              <p:cNvPr id="59" name="Rectangle 58">
+                <a:extLst>
+                  <a:ext uri="{FF2B5EF4-FFF2-40B4-BE49-F238E27FC236}">
+                    <a16:creationId xmlns:a16="http://schemas.microsoft.com/office/drawing/2014/main" id="{E29AF638-7105-4D86-8075-831B4BC8A1AA}"/>
+                  </a:ext>
+                </a:extLst>
+              </p:cNvPr>
+              <p:cNvSpPr/>
+              <p:nvPr/>
+            </p:nvSpPr>
+            <p:spPr>
+              <a:xfrm>
+                <a:off x="5379720" y="632460"/>
+                <a:ext cx="2286000" cy="777240"/>
+              </a:xfrm>
+              <a:prstGeom prst="rect">
+                <a:avLst/>
+              </a:prstGeom>
+              <a:solidFill>
+                <a:schemeClr val="bg1">
+                  <a:lumMod val="85000"/>
+                </a:schemeClr>
+              </a:solidFill>
+              <a:ln>
+                <a:noFill/>
+              </a:ln>
+            </p:spPr>
+            <p:style>
+              <a:lnRef idx="2">
+                <a:schemeClr val="accent1">
+                  <a:shade val="50000"/>
+                </a:schemeClr>
+              </a:lnRef>
+              <a:fillRef idx="1">
+                <a:schemeClr val="accent1"/>
+              </a:fillRef>
+              <a:effectRef idx="0">
+                <a:schemeClr val="accent1"/>
+              </a:effectRef>
+              <a:fontRef idx="minor">
+                <a:schemeClr val="lt1"/>
+              </a:fontRef>
+            </p:style>
+            <p:txBody>
+              <a:bodyPr rtlCol="0" anchor="ctr" anchorCtr="0"/>
+              <a:lstStyle/>
+              <a:p>
+                <a:pPr algn="ctr"/>
+                <a:r>
+                  <a:rPr lang="en-US" sz="1400" dirty="0">
+                    <a:solidFill>
+                      <a:schemeClr val="tx1">
+                        <a:lumMod val="65000"/>
+                        <a:lumOff val="35000"/>
+                      </a:schemeClr>
+                    </a:solidFill>
+                    <a:latin typeface="Segoe UI" panose="020B0502040204020203" pitchFamily="34" charset="0"/>
+                    <a:cs typeface="Segoe UI" panose="020B0502040204020203" pitchFamily="34" charset="0"/>
+                  </a:rPr>
+                  <a:t>Funding Account</a:t>
+                </a:r>
+              </a:p>
+              <a:p>
+                <a:pPr algn="ctr"/>
+                <a:r>
+                  <a:rPr lang="en-US" sz="1400" dirty="0">
+                    <a:solidFill>
+                      <a:schemeClr val="tx1">
+                        <a:lumMod val="65000"/>
+                        <a:lumOff val="35000"/>
+                      </a:schemeClr>
+                    </a:solidFill>
+                    <a:latin typeface="Segoe UI" panose="020B0502040204020203" pitchFamily="34" charset="0"/>
+                    <a:cs typeface="Segoe UI" panose="020B0502040204020203" pitchFamily="34" charset="0"/>
+                  </a:rPr>
+                  <a:t>Site</a:t>
+                </a:r>
+              </a:p>
+              <a:p>
+                <a:pPr algn="ctr"/>
+                <a:r>
+                  <a:rPr lang="en-US" sz="1400" dirty="0">
+                    <a:solidFill>
+                      <a:schemeClr val="tx1">
+                        <a:lumMod val="65000"/>
+                        <a:lumOff val="35000"/>
+                      </a:schemeClr>
+                    </a:solidFill>
+                    <a:latin typeface="Segoe UI" panose="020B0502040204020203" pitchFamily="34" charset="0"/>
+                    <a:cs typeface="Segoe UI" panose="020B0502040204020203" pitchFamily="34" charset="0"/>
+                  </a:rPr>
+                  <a:t>Category</a:t>
+                </a:r>
+              </a:p>
+            </p:txBody>
+          </p:sp>
+          <p:sp>
+            <p:nvSpPr>
+              <p:cNvPr id="82" name="Rectangle 81">
+                <a:extLst>
+                  <a:ext uri="{FF2B5EF4-FFF2-40B4-BE49-F238E27FC236}">
+                    <a16:creationId xmlns:a16="http://schemas.microsoft.com/office/drawing/2014/main" id="{A8698467-C17F-43DA-B61C-306E06639DC2}"/>
+                  </a:ext>
+                </a:extLst>
+              </p:cNvPr>
+              <p:cNvSpPr/>
+              <p:nvPr/>
+            </p:nvSpPr>
+            <p:spPr>
+              <a:xfrm>
+                <a:off x="5379720" y="1409700"/>
+                <a:ext cx="2286000" cy="693420"/>
+              </a:xfrm>
+              <a:prstGeom prst="rect">
+                <a:avLst/>
+              </a:prstGeom>
+              <a:solidFill>
+                <a:schemeClr val="accent2">
+                  <a:lumMod val="60000"/>
+                  <a:lumOff val="40000"/>
+                </a:schemeClr>
+              </a:solidFill>
+              <a:ln>
+                <a:noFill/>
+              </a:ln>
+            </p:spPr>
+            <p:style>
+              <a:lnRef idx="2">
+                <a:schemeClr val="accent1">
+                  <a:shade val="50000"/>
+                </a:schemeClr>
+              </a:lnRef>
+              <a:fillRef idx="1">
+                <a:schemeClr val="accent1"/>
+              </a:fillRef>
+              <a:effectRef idx="0">
+                <a:schemeClr val="accent1"/>
+              </a:effectRef>
+              <a:fontRef idx="minor">
+                <a:schemeClr val="lt1"/>
+              </a:fontRef>
+            </p:style>
+            <p:txBody>
+              <a:bodyPr rtlCol="0" anchor="ctr"/>
+              <a:lstStyle/>
+              <a:p>
+                <a:pPr algn="ctr"/>
+                <a:r>
+                  <a:rPr lang="en-US" sz="1400" dirty="0">
+                    <a:solidFill>
+                      <a:schemeClr val="tx2"/>
+                    </a:solidFill>
+                    <a:latin typeface="Segoe UI" panose="020B0502040204020203" pitchFamily="34" charset="0"/>
+                    <a:cs typeface="Segoe UI" panose="020B0502040204020203" pitchFamily="34" charset="0"/>
+                  </a:rPr>
+                  <a:t>Item</a:t>
+                </a:r>
+              </a:p>
+              <a:p>
+                <a:pPr algn="ctr"/>
+                <a:r>
+                  <a:rPr lang="en-US" sz="1400" dirty="0">
+                    <a:solidFill>
+                      <a:schemeClr val="tx2"/>
+                    </a:solidFill>
+                    <a:latin typeface="Segoe UI" panose="020B0502040204020203" pitchFamily="34" charset="0"/>
+                    <a:cs typeface="Segoe UI" panose="020B0502040204020203" pitchFamily="34" charset="0"/>
+                  </a:rPr>
+                  <a:t>Item</a:t>
+                </a:r>
+              </a:p>
+              <a:p>
+                <a:pPr algn="ctr"/>
+                <a:r>
+                  <a:rPr lang="en-US" sz="1400" dirty="0">
+                    <a:solidFill>
+                      <a:schemeClr val="tx2"/>
+                    </a:solidFill>
+                    <a:latin typeface="Segoe UI" panose="020B0502040204020203" pitchFamily="34" charset="0"/>
+                    <a:cs typeface="Segoe UI" panose="020B0502040204020203" pitchFamily="34" charset="0"/>
+                  </a:rPr>
+                  <a:t>Item</a:t>
+                </a:r>
+              </a:p>
+            </p:txBody>
+          </p:sp>
+        </p:grpSp>
+        <p:grpSp>
+          <p:nvGrpSpPr>
+            <p:cNvPr id="2" name="Group 1">
+              <a:extLst>
+                <a:ext uri="{FF2B5EF4-FFF2-40B4-BE49-F238E27FC236}">
+                  <a16:creationId xmlns:a16="http://schemas.microsoft.com/office/drawing/2014/main" id="{E2BC3CAF-1B90-441D-B661-34CC6494EE95}"/>
+                </a:ext>
+              </a:extLst>
+            </p:cNvPr>
+            <p:cNvGrpSpPr/>
+            <p:nvPr/>
+          </p:nvGrpSpPr>
+          <p:grpSpPr>
+            <a:xfrm>
+              <a:off x="100584" y="3043891"/>
+              <a:ext cx="2286000" cy="1443871"/>
+              <a:chOff x="100584" y="2909441"/>
+              <a:chExt cx="2286000" cy="1443871"/>
+            </a:xfrm>
+          </p:grpSpPr>
+          <p:sp>
+            <p:nvSpPr>
+              <p:cNvPr id="26" name="Rectangle 25">
+                <a:extLst>
+                  <a:ext uri="{FF2B5EF4-FFF2-40B4-BE49-F238E27FC236}">
+                    <a16:creationId xmlns:a16="http://schemas.microsoft.com/office/drawing/2014/main" id="{2F6C15E8-5C83-44B2-8FB2-C33F80A10BFB}"/>
+                  </a:ext>
+                </a:extLst>
+              </p:cNvPr>
+              <p:cNvSpPr/>
+              <p:nvPr/>
+            </p:nvSpPr>
+            <p:spPr>
+              <a:xfrm>
+                <a:off x="100584" y="2909441"/>
+                <a:ext cx="2286000" cy="274320"/>
+              </a:xfrm>
+              <a:prstGeom prst="rect">
+                <a:avLst/>
+              </a:prstGeom>
+              <a:solidFill>
+                <a:schemeClr val="tx1">
+                  <a:lumMod val="75000"/>
+                  <a:lumOff val="25000"/>
+                </a:schemeClr>
+              </a:solidFill>
+              <a:ln>
+                <a:noFill/>
+              </a:ln>
+            </p:spPr>
+            <p:style>
+              <a:lnRef idx="2">
+                <a:schemeClr val="accent1">
+                  <a:shade val="50000"/>
+                </a:schemeClr>
+              </a:lnRef>
+              <a:fillRef idx="1">
+                <a:schemeClr val="accent1"/>
+              </a:fillRef>
+              <a:effectRef idx="0">
+                <a:schemeClr val="accent1"/>
+              </a:effectRef>
+              <a:fontRef idx="minor">
+                <a:schemeClr val="lt1"/>
+              </a:fontRef>
+            </p:style>
+            <p:txBody>
+              <a:bodyPr rtlCol="0" anchor="ctr"/>
+              <a:lstStyle/>
+              <a:p>
+                <a:pPr algn="ctr"/>
+                <a:r>
+                  <a:rPr lang="en-US" sz="1600" dirty="0">
+                    <a:latin typeface="Segoe UI" panose="020B0502040204020203" pitchFamily="34" charset="0"/>
+                    <a:cs typeface="Segoe UI" panose="020B0502040204020203" pitchFamily="34" charset="0"/>
+                  </a:rPr>
+                  <a:t>Item Group Approval</a:t>
+                </a:r>
+              </a:p>
+            </p:txBody>
+          </p:sp>
+          <p:sp>
+            <p:nvSpPr>
+              <p:cNvPr id="27" name="Rectangle 26">
+                <a:extLst>
+                  <a:ext uri="{FF2B5EF4-FFF2-40B4-BE49-F238E27FC236}">
+                    <a16:creationId xmlns:a16="http://schemas.microsoft.com/office/drawing/2014/main" id="{024D04DF-A84D-4F81-8289-9DD0F7E170BA}"/>
+                  </a:ext>
+                </a:extLst>
+              </p:cNvPr>
+              <p:cNvSpPr/>
+              <p:nvPr/>
+            </p:nvSpPr>
+            <p:spPr>
+              <a:xfrm>
+                <a:off x="100584" y="3183761"/>
+                <a:ext cx="2286000" cy="1169551"/>
+              </a:xfrm>
+              <a:prstGeom prst="rect">
+                <a:avLst/>
+              </a:prstGeom>
+              <a:solidFill>
+                <a:schemeClr val="bg1">
+                  <a:lumMod val="85000"/>
+                </a:schemeClr>
+              </a:solidFill>
+              <a:ln>
+                <a:noFill/>
+              </a:ln>
+            </p:spPr>
+            <p:style>
+              <a:lnRef idx="2">
+                <a:schemeClr val="accent1">
+                  <a:shade val="50000"/>
+                </a:schemeClr>
+              </a:lnRef>
+              <a:fillRef idx="1">
+                <a:schemeClr val="accent1"/>
+              </a:fillRef>
+              <a:effectRef idx="0">
+                <a:schemeClr val="accent1"/>
+              </a:effectRef>
+              <a:fontRef idx="minor">
+                <a:schemeClr val="lt1"/>
+              </a:fontRef>
+            </p:style>
+            <p:txBody>
+              <a:bodyPr rtlCol="0" anchor="ctr" anchorCtr="0">
+                <a:spAutoFit/>
+              </a:bodyPr>
+              <a:lstStyle/>
+              <a:p>
+                <a:pPr algn="ctr"/>
+                <a:r>
+                  <a:rPr lang="en-US" sz="1400" dirty="0">
+                    <a:solidFill>
+                      <a:schemeClr val="tx1">
+                        <a:lumMod val="65000"/>
+                        <a:lumOff val="35000"/>
+                      </a:schemeClr>
+                    </a:solidFill>
+                    <a:latin typeface="Segoe UI" panose="020B0502040204020203" pitchFamily="34" charset="0"/>
+                    <a:cs typeface="Segoe UI" panose="020B0502040204020203" pitchFamily="34" charset="0"/>
+                  </a:rPr>
+                  <a:t>Actioning User</a:t>
+                </a:r>
+              </a:p>
+              <a:p>
+                <a:pPr algn="ctr"/>
+                <a:r>
+                  <a:rPr lang="en-US" sz="1400" dirty="0">
+                    <a:solidFill>
+                      <a:schemeClr val="tx1">
+                        <a:lumMod val="65000"/>
+                        <a:lumOff val="35000"/>
+                      </a:schemeClr>
+                    </a:solidFill>
+                    <a:latin typeface="Segoe UI" panose="020B0502040204020203" pitchFamily="34" charset="0"/>
+                    <a:cs typeface="Segoe UI" panose="020B0502040204020203" pitchFamily="34" charset="0"/>
+                  </a:rPr>
+                  <a:t>Approved</a:t>
+                </a:r>
+              </a:p>
+              <a:p>
+                <a:pPr algn="ctr"/>
+                <a:r>
+                  <a:rPr lang="en-US" sz="1400" dirty="0">
+                    <a:solidFill>
+                      <a:schemeClr val="tx1">
+                        <a:lumMod val="65000"/>
+                        <a:lumOff val="35000"/>
+                      </a:schemeClr>
+                    </a:solidFill>
+                    <a:latin typeface="Segoe UI" panose="020B0502040204020203" pitchFamily="34" charset="0"/>
+                    <a:cs typeface="Segoe UI" panose="020B0502040204020203" pitchFamily="34" charset="0"/>
+                  </a:rPr>
+                  <a:t>Rejected</a:t>
+                </a:r>
+              </a:p>
+              <a:p>
+                <a:pPr algn="ctr"/>
+                <a:r>
+                  <a:rPr lang="en-US" sz="1400" dirty="0">
+                    <a:solidFill>
+                      <a:schemeClr val="tx1">
+                        <a:lumMod val="65000"/>
+                        <a:lumOff val="35000"/>
+                      </a:schemeClr>
+                    </a:solidFill>
+                    <a:latin typeface="Segoe UI" panose="020B0502040204020203" pitchFamily="34" charset="0"/>
+                    <a:cs typeface="Segoe UI" panose="020B0502040204020203" pitchFamily="34" charset="0"/>
+                  </a:rPr>
+                  <a:t>Postponed / Postponed Date</a:t>
+                </a:r>
+              </a:p>
+            </p:txBody>
+          </p:sp>
+        </p:grpSp>
+        <p:grpSp>
+          <p:nvGrpSpPr>
+            <p:cNvPr id="3" name="Group 2">
+              <a:extLst>
+                <a:ext uri="{FF2B5EF4-FFF2-40B4-BE49-F238E27FC236}">
+                  <a16:creationId xmlns:a16="http://schemas.microsoft.com/office/drawing/2014/main" id="{10988C86-3E81-4036-A45F-918B223E9DA8}"/>
+                </a:ext>
+              </a:extLst>
+            </p:cNvPr>
+            <p:cNvGrpSpPr/>
+            <p:nvPr/>
+          </p:nvGrpSpPr>
+          <p:grpSpPr>
+            <a:xfrm>
+              <a:off x="100584" y="4937911"/>
+              <a:ext cx="2286000" cy="797540"/>
+              <a:chOff x="100584" y="4490472"/>
+              <a:chExt cx="2286000" cy="797540"/>
+            </a:xfrm>
+          </p:grpSpPr>
+          <p:sp>
+            <p:nvSpPr>
+              <p:cNvPr id="37" name="Rectangle 36">
+                <a:extLst>
+                  <a:ext uri="{FF2B5EF4-FFF2-40B4-BE49-F238E27FC236}">
+                    <a16:creationId xmlns:a16="http://schemas.microsoft.com/office/drawing/2014/main" id="{C65E5A26-BF13-4008-B637-667A7C96B7FC}"/>
+                  </a:ext>
+                </a:extLst>
+              </p:cNvPr>
+              <p:cNvSpPr/>
+              <p:nvPr/>
+            </p:nvSpPr>
+            <p:spPr>
+              <a:xfrm>
+                <a:off x="100584" y="4490472"/>
+                <a:ext cx="2286000" cy="274320"/>
+              </a:xfrm>
+              <a:prstGeom prst="rect">
+                <a:avLst/>
+              </a:prstGeom>
+              <a:solidFill>
+                <a:schemeClr val="tx1">
+                  <a:lumMod val="75000"/>
+                  <a:lumOff val="25000"/>
+                </a:schemeClr>
+              </a:solidFill>
+              <a:ln>
+                <a:noFill/>
+              </a:ln>
+            </p:spPr>
+            <p:style>
+              <a:lnRef idx="2">
+                <a:schemeClr val="accent1">
+                  <a:shade val="50000"/>
+                </a:schemeClr>
+              </a:lnRef>
+              <a:fillRef idx="1">
+                <a:schemeClr val="accent1"/>
+              </a:fillRef>
+              <a:effectRef idx="0">
+                <a:schemeClr val="accent1"/>
+              </a:effectRef>
+              <a:fontRef idx="minor">
+                <a:schemeClr val="lt1"/>
+              </a:fontRef>
+            </p:style>
+            <p:txBody>
+              <a:bodyPr rtlCol="0" anchor="ctr"/>
+              <a:lstStyle/>
+              <a:p>
+                <a:pPr algn="ctr"/>
+                <a:r>
+                  <a:rPr lang="en-US" sz="1600" dirty="0">
+                    <a:latin typeface="Segoe UI" panose="020B0502040204020203" pitchFamily="34" charset="0"/>
+                    <a:cs typeface="Segoe UI" panose="020B0502040204020203" pitchFamily="34" charset="0"/>
+                  </a:rPr>
+                  <a:t>Approval Group</a:t>
+                </a:r>
+              </a:p>
+            </p:txBody>
+          </p:sp>
+          <p:sp>
+            <p:nvSpPr>
+              <p:cNvPr id="38" name="Rectangle 37">
+                <a:extLst>
+                  <a:ext uri="{FF2B5EF4-FFF2-40B4-BE49-F238E27FC236}">
+                    <a16:creationId xmlns:a16="http://schemas.microsoft.com/office/drawing/2014/main" id="{A7683271-E190-4E8A-84BD-B5722698E595}"/>
+                  </a:ext>
+                </a:extLst>
+              </p:cNvPr>
+              <p:cNvSpPr/>
+              <p:nvPr/>
+            </p:nvSpPr>
+            <p:spPr>
+              <a:xfrm>
+                <a:off x="100584" y="4764792"/>
+                <a:ext cx="2286000" cy="523220"/>
+              </a:xfrm>
+              <a:prstGeom prst="rect">
+                <a:avLst/>
+              </a:prstGeom>
+              <a:solidFill>
+                <a:schemeClr val="bg1">
+                  <a:lumMod val="85000"/>
+                </a:schemeClr>
+              </a:solidFill>
+              <a:ln>
+                <a:noFill/>
+              </a:ln>
+            </p:spPr>
+            <p:style>
+              <a:lnRef idx="2">
+                <a:schemeClr val="accent1">
+                  <a:shade val="50000"/>
+                </a:schemeClr>
+              </a:lnRef>
+              <a:fillRef idx="1">
+                <a:schemeClr val="accent1"/>
+              </a:fillRef>
+              <a:effectRef idx="0">
+                <a:schemeClr val="accent1"/>
+              </a:effectRef>
+              <a:fontRef idx="minor">
+                <a:schemeClr val="lt1"/>
+              </a:fontRef>
+            </p:style>
+            <p:txBody>
+              <a:bodyPr rtlCol="0" anchor="ctr" anchorCtr="0">
+                <a:spAutoFit/>
+              </a:bodyPr>
+              <a:lstStyle/>
+              <a:p>
+                <a:pPr algn="ctr"/>
+                <a:r>
+                  <a:rPr lang="en-US" sz="1400" dirty="0">
+                    <a:solidFill>
+                      <a:schemeClr val="tx1">
+                        <a:lumMod val="65000"/>
+                        <a:lumOff val="35000"/>
+                      </a:schemeClr>
+                    </a:solidFill>
+                    <a:latin typeface="Segoe UI" panose="020B0502040204020203" pitchFamily="34" charset="0"/>
+                    <a:cs typeface="Segoe UI" panose="020B0502040204020203" pitchFamily="34" charset="0"/>
+                  </a:rPr>
+                  <a:t>Is Local?</a:t>
+                </a:r>
+              </a:p>
+              <a:p>
+                <a:pPr algn="ctr"/>
+                <a:r>
+                  <a:rPr lang="en-US" sz="1400" dirty="0">
+                    <a:solidFill>
+                      <a:schemeClr val="tx1">
+                        <a:lumMod val="65000"/>
+                        <a:lumOff val="35000"/>
+                      </a:schemeClr>
+                    </a:solidFill>
+                    <a:latin typeface="Segoe UI" panose="020B0502040204020203" pitchFamily="34" charset="0"/>
+                    <a:cs typeface="Segoe UI" panose="020B0502040204020203" pitchFamily="34" charset="0"/>
+                  </a:rPr>
+                  <a:t>Is Commander?</a:t>
+                </a:r>
+              </a:p>
+            </p:txBody>
+          </p:sp>
+        </p:grpSp>
+        <p:grpSp>
+          <p:nvGrpSpPr>
+            <p:cNvPr id="41" name="Group 40">
+              <a:extLst>
+                <a:ext uri="{FF2B5EF4-FFF2-40B4-BE49-F238E27FC236}">
+                  <a16:creationId xmlns:a16="http://schemas.microsoft.com/office/drawing/2014/main" id="{487B3779-1198-45AC-B598-E17ADD739958}"/>
+                </a:ext>
+              </a:extLst>
+            </p:cNvPr>
+            <p:cNvGrpSpPr/>
+            <p:nvPr/>
+          </p:nvGrpSpPr>
+          <p:grpSpPr>
+            <a:xfrm>
+              <a:off x="2887214" y="3043891"/>
+              <a:ext cx="2286000" cy="1443871"/>
+              <a:chOff x="100584" y="2909441"/>
+              <a:chExt cx="2286000" cy="1443871"/>
+            </a:xfrm>
+          </p:grpSpPr>
+          <p:sp>
+            <p:nvSpPr>
+              <p:cNvPr id="42" name="Rectangle 41">
+                <a:extLst>
+                  <a:ext uri="{FF2B5EF4-FFF2-40B4-BE49-F238E27FC236}">
+                    <a16:creationId xmlns:a16="http://schemas.microsoft.com/office/drawing/2014/main" id="{DD9A5FAA-D93B-45B4-A67E-63B01814B16F}"/>
+                  </a:ext>
+                </a:extLst>
+              </p:cNvPr>
+              <p:cNvSpPr/>
+              <p:nvPr/>
+            </p:nvSpPr>
+            <p:spPr>
+              <a:xfrm>
+                <a:off x="100584" y="2909441"/>
+                <a:ext cx="2286000" cy="274320"/>
+              </a:xfrm>
+              <a:prstGeom prst="rect">
+                <a:avLst/>
+              </a:prstGeom>
+              <a:solidFill>
+                <a:schemeClr val="tx1">
+                  <a:lumMod val="75000"/>
+                  <a:lumOff val="25000"/>
+                </a:schemeClr>
+              </a:solidFill>
+              <a:ln>
+                <a:noFill/>
+              </a:ln>
+            </p:spPr>
+            <p:style>
+              <a:lnRef idx="2">
+                <a:schemeClr val="accent1">
+                  <a:shade val="50000"/>
+                </a:schemeClr>
+              </a:lnRef>
+              <a:fillRef idx="1">
+                <a:schemeClr val="accent1"/>
+              </a:fillRef>
+              <a:effectRef idx="0">
+                <a:schemeClr val="accent1"/>
+              </a:effectRef>
+              <a:fontRef idx="minor">
+                <a:schemeClr val="lt1"/>
+              </a:fontRef>
+            </p:style>
+            <p:txBody>
+              <a:bodyPr rtlCol="0" anchor="ctr"/>
+              <a:lstStyle/>
+              <a:p>
+                <a:pPr algn="ctr"/>
+                <a:r>
+                  <a:rPr lang="en-US" sz="1600" dirty="0">
+                    <a:latin typeface="Segoe UI" panose="020B0502040204020203" pitchFamily="34" charset="0"/>
+                    <a:cs typeface="Segoe UI" panose="020B0502040204020203" pitchFamily="34" charset="0"/>
+                  </a:rPr>
+                  <a:t>Item Group Approval</a:t>
+                </a:r>
+              </a:p>
+            </p:txBody>
+          </p:sp>
+          <p:sp>
+            <p:nvSpPr>
+              <p:cNvPr id="44" name="Rectangle 43">
+                <a:extLst>
+                  <a:ext uri="{FF2B5EF4-FFF2-40B4-BE49-F238E27FC236}">
+                    <a16:creationId xmlns:a16="http://schemas.microsoft.com/office/drawing/2014/main" id="{1CAC4A7D-3A1E-4B7D-AF1C-5661BB3F3FFA}"/>
+                  </a:ext>
+                </a:extLst>
+              </p:cNvPr>
+              <p:cNvSpPr/>
+              <p:nvPr/>
+            </p:nvSpPr>
+            <p:spPr>
+              <a:xfrm>
+                <a:off x="100584" y="3183761"/>
+                <a:ext cx="2286000" cy="1169551"/>
+              </a:xfrm>
+              <a:prstGeom prst="rect">
+                <a:avLst/>
+              </a:prstGeom>
+              <a:solidFill>
+                <a:schemeClr val="bg1">
+                  <a:lumMod val="85000"/>
+                </a:schemeClr>
+              </a:solidFill>
+              <a:ln>
+                <a:noFill/>
+              </a:ln>
+            </p:spPr>
+            <p:style>
+              <a:lnRef idx="2">
+                <a:schemeClr val="accent1">
+                  <a:shade val="50000"/>
+                </a:schemeClr>
+              </a:lnRef>
+              <a:fillRef idx="1">
+                <a:schemeClr val="accent1"/>
+              </a:fillRef>
+              <a:effectRef idx="0">
+                <a:schemeClr val="accent1"/>
+              </a:effectRef>
+              <a:fontRef idx="minor">
+                <a:schemeClr val="lt1"/>
+              </a:fontRef>
+            </p:style>
+            <p:txBody>
+              <a:bodyPr rtlCol="0" anchor="ctr" anchorCtr="0">
+                <a:spAutoFit/>
+              </a:bodyPr>
+              <a:lstStyle/>
+              <a:p>
+                <a:pPr algn="ctr"/>
+                <a:r>
+                  <a:rPr lang="en-US" sz="1400" dirty="0">
+                    <a:solidFill>
+                      <a:schemeClr val="tx1">
+                        <a:lumMod val="65000"/>
+                        <a:lumOff val="35000"/>
+                      </a:schemeClr>
+                    </a:solidFill>
+                    <a:latin typeface="Segoe UI" panose="020B0502040204020203" pitchFamily="34" charset="0"/>
+                    <a:cs typeface="Segoe UI" panose="020B0502040204020203" pitchFamily="34" charset="0"/>
+                  </a:rPr>
+                  <a:t>Actioning User</a:t>
+                </a:r>
+              </a:p>
+              <a:p>
+                <a:pPr algn="ctr"/>
+                <a:r>
+                  <a:rPr lang="en-US" sz="1400" dirty="0">
+                    <a:solidFill>
+                      <a:schemeClr val="tx1">
+                        <a:lumMod val="65000"/>
+                        <a:lumOff val="35000"/>
+                      </a:schemeClr>
+                    </a:solidFill>
+                    <a:latin typeface="Segoe UI" panose="020B0502040204020203" pitchFamily="34" charset="0"/>
+                    <a:cs typeface="Segoe UI" panose="020B0502040204020203" pitchFamily="34" charset="0"/>
+                  </a:rPr>
+                  <a:t>Approved</a:t>
+                </a:r>
+              </a:p>
+              <a:p>
+                <a:pPr algn="ctr"/>
+                <a:r>
+                  <a:rPr lang="en-US" sz="1400" dirty="0">
+                    <a:solidFill>
+                      <a:schemeClr val="tx1">
+                        <a:lumMod val="65000"/>
+                        <a:lumOff val="35000"/>
+                      </a:schemeClr>
+                    </a:solidFill>
+                    <a:latin typeface="Segoe UI" panose="020B0502040204020203" pitchFamily="34" charset="0"/>
+                    <a:cs typeface="Segoe UI" panose="020B0502040204020203" pitchFamily="34" charset="0"/>
+                  </a:rPr>
+                  <a:t>Rejected</a:t>
+                </a:r>
+              </a:p>
+              <a:p>
+                <a:pPr algn="ctr"/>
+                <a:r>
+                  <a:rPr lang="en-US" sz="1400" dirty="0">
+                    <a:solidFill>
+                      <a:schemeClr val="tx1">
+                        <a:lumMod val="65000"/>
+                        <a:lumOff val="35000"/>
+                      </a:schemeClr>
+                    </a:solidFill>
+                    <a:latin typeface="Segoe UI" panose="020B0502040204020203" pitchFamily="34" charset="0"/>
+                    <a:cs typeface="Segoe UI" panose="020B0502040204020203" pitchFamily="34" charset="0"/>
+                  </a:rPr>
+                  <a:t>Postponed / Postponed Date</a:t>
+                </a:r>
+              </a:p>
+            </p:txBody>
+          </p:sp>
+        </p:grpSp>
+        <p:grpSp>
+          <p:nvGrpSpPr>
+            <p:cNvPr id="45" name="Group 44">
+              <a:extLst>
+                <a:ext uri="{FF2B5EF4-FFF2-40B4-BE49-F238E27FC236}">
+                  <a16:creationId xmlns:a16="http://schemas.microsoft.com/office/drawing/2014/main" id="{BD6E1BE2-A942-407D-AA0B-C105833B954C}"/>
+                </a:ext>
+              </a:extLst>
+            </p:cNvPr>
+            <p:cNvGrpSpPr/>
+            <p:nvPr/>
+          </p:nvGrpSpPr>
+          <p:grpSpPr>
+            <a:xfrm>
+              <a:off x="5673845" y="3048743"/>
+              <a:ext cx="2286000" cy="1443871"/>
+              <a:chOff x="100584" y="2909441"/>
+              <a:chExt cx="2286000" cy="1443871"/>
+            </a:xfrm>
+          </p:grpSpPr>
+          <p:sp>
+            <p:nvSpPr>
+              <p:cNvPr id="46" name="Rectangle 45">
+                <a:extLst>
+                  <a:ext uri="{FF2B5EF4-FFF2-40B4-BE49-F238E27FC236}">
+                    <a16:creationId xmlns:a16="http://schemas.microsoft.com/office/drawing/2014/main" id="{E700FA9D-EC06-43AD-A5EA-5FB128989C0A}"/>
+                  </a:ext>
+                </a:extLst>
+              </p:cNvPr>
+              <p:cNvSpPr/>
+              <p:nvPr/>
+            </p:nvSpPr>
+            <p:spPr>
+              <a:xfrm>
+                <a:off x="100584" y="2909441"/>
+                <a:ext cx="2286000" cy="274320"/>
+              </a:xfrm>
+              <a:prstGeom prst="rect">
+                <a:avLst/>
+              </a:prstGeom>
+              <a:solidFill>
+                <a:schemeClr val="tx1">
+                  <a:lumMod val="75000"/>
+                  <a:lumOff val="25000"/>
+                </a:schemeClr>
+              </a:solidFill>
+              <a:ln>
+                <a:noFill/>
+              </a:ln>
+            </p:spPr>
+            <p:style>
+              <a:lnRef idx="2">
+                <a:schemeClr val="accent1">
+                  <a:shade val="50000"/>
+                </a:schemeClr>
+              </a:lnRef>
+              <a:fillRef idx="1">
+                <a:schemeClr val="accent1"/>
+              </a:fillRef>
+              <a:effectRef idx="0">
+                <a:schemeClr val="accent1"/>
+              </a:effectRef>
+              <a:fontRef idx="minor">
+                <a:schemeClr val="lt1"/>
+              </a:fontRef>
+            </p:style>
+            <p:txBody>
+              <a:bodyPr rtlCol="0" anchor="ctr"/>
+              <a:lstStyle/>
+              <a:p>
+                <a:pPr algn="ctr"/>
+                <a:r>
+                  <a:rPr lang="en-US" sz="1600" dirty="0">
+                    <a:latin typeface="Segoe UI" panose="020B0502040204020203" pitchFamily="34" charset="0"/>
+                    <a:cs typeface="Segoe UI" panose="020B0502040204020203" pitchFamily="34" charset="0"/>
+                  </a:rPr>
+                  <a:t>Item Group Approval</a:t>
+                </a:r>
+              </a:p>
+            </p:txBody>
+          </p:sp>
+          <p:sp>
+            <p:nvSpPr>
+              <p:cNvPr id="47" name="Rectangle 46">
+                <a:extLst>
+                  <a:ext uri="{FF2B5EF4-FFF2-40B4-BE49-F238E27FC236}">
+                    <a16:creationId xmlns:a16="http://schemas.microsoft.com/office/drawing/2014/main" id="{125ED282-4785-4FA0-B3E2-3F732667ACB5}"/>
+                  </a:ext>
+                </a:extLst>
+              </p:cNvPr>
+              <p:cNvSpPr/>
+              <p:nvPr/>
+            </p:nvSpPr>
+            <p:spPr>
+              <a:xfrm>
+                <a:off x="100584" y="3183761"/>
+                <a:ext cx="2286000" cy="1169551"/>
+              </a:xfrm>
+              <a:prstGeom prst="rect">
+                <a:avLst/>
+              </a:prstGeom>
+              <a:solidFill>
+                <a:schemeClr val="bg1">
+                  <a:lumMod val="85000"/>
+                </a:schemeClr>
+              </a:solidFill>
+              <a:ln>
+                <a:noFill/>
+              </a:ln>
+            </p:spPr>
+            <p:style>
+              <a:lnRef idx="2">
+                <a:schemeClr val="accent1">
+                  <a:shade val="50000"/>
+                </a:schemeClr>
+              </a:lnRef>
+              <a:fillRef idx="1">
+                <a:schemeClr val="accent1"/>
+              </a:fillRef>
+              <a:effectRef idx="0">
+                <a:schemeClr val="accent1"/>
+              </a:effectRef>
+              <a:fontRef idx="minor">
+                <a:schemeClr val="lt1"/>
+              </a:fontRef>
+            </p:style>
+            <p:txBody>
+              <a:bodyPr rtlCol="0" anchor="ctr" anchorCtr="0">
+                <a:spAutoFit/>
+              </a:bodyPr>
+              <a:lstStyle/>
+              <a:p>
+                <a:pPr algn="ctr"/>
+                <a:r>
+                  <a:rPr lang="en-US" sz="1400" dirty="0">
+                    <a:solidFill>
+                      <a:schemeClr val="tx1">
+                        <a:lumMod val="65000"/>
+                        <a:lumOff val="35000"/>
+                      </a:schemeClr>
+                    </a:solidFill>
+                    <a:latin typeface="Segoe UI" panose="020B0502040204020203" pitchFamily="34" charset="0"/>
+                    <a:cs typeface="Segoe UI" panose="020B0502040204020203" pitchFamily="34" charset="0"/>
+                  </a:rPr>
+                  <a:t>Actioning User</a:t>
+                </a:r>
+              </a:p>
+              <a:p>
+                <a:pPr algn="ctr"/>
+                <a:r>
+                  <a:rPr lang="en-US" sz="1400" dirty="0">
+                    <a:solidFill>
+                      <a:schemeClr val="tx1">
+                        <a:lumMod val="65000"/>
+                        <a:lumOff val="35000"/>
+                      </a:schemeClr>
+                    </a:solidFill>
+                    <a:latin typeface="Segoe UI" panose="020B0502040204020203" pitchFamily="34" charset="0"/>
+                    <a:cs typeface="Segoe UI" panose="020B0502040204020203" pitchFamily="34" charset="0"/>
+                  </a:rPr>
+                  <a:t>Approved</a:t>
+                </a:r>
+              </a:p>
+              <a:p>
+                <a:pPr algn="ctr"/>
+                <a:r>
+                  <a:rPr lang="en-US" sz="1400" dirty="0">
+                    <a:solidFill>
+                      <a:schemeClr val="tx1">
+                        <a:lumMod val="65000"/>
+                        <a:lumOff val="35000"/>
+                      </a:schemeClr>
+                    </a:solidFill>
+                    <a:latin typeface="Segoe UI" panose="020B0502040204020203" pitchFamily="34" charset="0"/>
+                    <a:cs typeface="Segoe UI" panose="020B0502040204020203" pitchFamily="34" charset="0"/>
+                  </a:rPr>
+                  <a:t>Rejected</a:t>
+                </a:r>
+              </a:p>
+              <a:p>
+                <a:pPr algn="ctr"/>
+                <a:r>
+                  <a:rPr lang="en-US" sz="1400" dirty="0">
+                    <a:solidFill>
+                      <a:schemeClr val="tx1">
+                        <a:lumMod val="65000"/>
+                        <a:lumOff val="35000"/>
+                      </a:schemeClr>
+                    </a:solidFill>
+                    <a:latin typeface="Segoe UI" panose="020B0502040204020203" pitchFamily="34" charset="0"/>
+                    <a:cs typeface="Segoe UI" panose="020B0502040204020203" pitchFamily="34" charset="0"/>
+                  </a:rPr>
+                  <a:t>Postponed / Postponed Date</a:t>
+                </a:r>
+              </a:p>
+            </p:txBody>
+          </p:sp>
+        </p:grpSp>
+        <p:grpSp>
+          <p:nvGrpSpPr>
+            <p:cNvPr id="48" name="Group 47">
+              <a:extLst>
+                <a:ext uri="{FF2B5EF4-FFF2-40B4-BE49-F238E27FC236}">
+                  <a16:creationId xmlns:a16="http://schemas.microsoft.com/office/drawing/2014/main" id="{B3AF1BAF-B0EB-489F-98B5-0A4DB22B815A}"/>
+                </a:ext>
+              </a:extLst>
+            </p:cNvPr>
+            <p:cNvGrpSpPr/>
+            <p:nvPr/>
+          </p:nvGrpSpPr>
+          <p:grpSpPr>
+            <a:xfrm>
+              <a:off x="2887214" y="4937911"/>
+              <a:ext cx="2286000" cy="797540"/>
+              <a:chOff x="100584" y="4490472"/>
+              <a:chExt cx="2286000" cy="797540"/>
+            </a:xfrm>
+          </p:grpSpPr>
+          <p:sp>
+            <p:nvSpPr>
+              <p:cNvPr id="49" name="Rectangle 48">
+                <a:extLst>
+                  <a:ext uri="{FF2B5EF4-FFF2-40B4-BE49-F238E27FC236}">
+                    <a16:creationId xmlns:a16="http://schemas.microsoft.com/office/drawing/2014/main" id="{2FCCD752-B787-4317-B033-D38449406071}"/>
+                  </a:ext>
+                </a:extLst>
+              </p:cNvPr>
+              <p:cNvSpPr/>
+              <p:nvPr/>
+            </p:nvSpPr>
+            <p:spPr>
+              <a:xfrm>
+                <a:off x="100584" y="4490472"/>
+                <a:ext cx="2286000" cy="274320"/>
+              </a:xfrm>
+              <a:prstGeom prst="rect">
+                <a:avLst/>
+              </a:prstGeom>
+              <a:solidFill>
+                <a:schemeClr val="tx1">
+                  <a:lumMod val="75000"/>
+                  <a:lumOff val="25000"/>
+                </a:schemeClr>
+              </a:solidFill>
+              <a:ln>
+                <a:noFill/>
+              </a:ln>
+            </p:spPr>
+            <p:style>
+              <a:lnRef idx="2">
+                <a:schemeClr val="accent1">
+                  <a:shade val="50000"/>
+                </a:schemeClr>
+              </a:lnRef>
+              <a:fillRef idx="1">
+                <a:schemeClr val="accent1"/>
+              </a:fillRef>
+              <a:effectRef idx="0">
+                <a:schemeClr val="accent1"/>
+              </a:effectRef>
+              <a:fontRef idx="minor">
+                <a:schemeClr val="lt1"/>
+              </a:fontRef>
+            </p:style>
+            <p:txBody>
+              <a:bodyPr rtlCol="0" anchor="ctr"/>
+              <a:lstStyle/>
+              <a:p>
+                <a:pPr algn="ctr"/>
+                <a:r>
+                  <a:rPr lang="en-US" sz="1600" dirty="0">
+                    <a:latin typeface="Segoe UI" panose="020B0502040204020203" pitchFamily="34" charset="0"/>
+                    <a:cs typeface="Segoe UI" panose="020B0502040204020203" pitchFamily="34" charset="0"/>
+                  </a:rPr>
+                  <a:t>Approval Group</a:t>
+                </a:r>
+              </a:p>
+            </p:txBody>
+          </p:sp>
+          <p:sp>
+            <p:nvSpPr>
+              <p:cNvPr id="50" name="Rectangle 49">
+                <a:extLst>
+                  <a:ext uri="{FF2B5EF4-FFF2-40B4-BE49-F238E27FC236}">
+                    <a16:creationId xmlns:a16="http://schemas.microsoft.com/office/drawing/2014/main" id="{C6DF0433-61CE-4660-887D-516C91B4E4AB}"/>
+                  </a:ext>
+                </a:extLst>
+              </p:cNvPr>
+              <p:cNvSpPr/>
+              <p:nvPr/>
+            </p:nvSpPr>
+            <p:spPr>
+              <a:xfrm>
+                <a:off x="100584" y="4764792"/>
+                <a:ext cx="2286000" cy="523220"/>
+              </a:xfrm>
+              <a:prstGeom prst="rect">
+                <a:avLst/>
+              </a:prstGeom>
+              <a:solidFill>
+                <a:schemeClr val="bg1">
+                  <a:lumMod val="85000"/>
+                </a:schemeClr>
+              </a:solidFill>
+              <a:ln>
+                <a:noFill/>
+              </a:ln>
+            </p:spPr>
+            <p:style>
+              <a:lnRef idx="2">
+                <a:schemeClr val="accent1">
+                  <a:shade val="50000"/>
+                </a:schemeClr>
+              </a:lnRef>
+              <a:fillRef idx="1">
+                <a:schemeClr val="accent1"/>
+              </a:fillRef>
+              <a:effectRef idx="0">
+                <a:schemeClr val="accent1"/>
+              </a:effectRef>
+              <a:fontRef idx="minor">
+                <a:schemeClr val="lt1"/>
+              </a:fontRef>
+            </p:style>
+            <p:txBody>
+              <a:bodyPr rtlCol="0" anchor="ctr" anchorCtr="0">
+                <a:spAutoFit/>
+              </a:bodyPr>
+              <a:lstStyle/>
+              <a:p>
+                <a:pPr algn="ctr"/>
+                <a:r>
+                  <a:rPr lang="en-US" sz="1400" dirty="0">
+                    <a:solidFill>
+                      <a:schemeClr val="tx1">
+                        <a:lumMod val="65000"/>
+                        <a:lumOff val="35000"/>
+                      </a:schemeClr>
+                    </a:solidFill>
+                    <a:latin typeface="Segoe UI" panose="020B0502040204020203" pitchFamily="34" charset="0"/>
+                    <a:cs typeface="Segoe UI" panose="020B0502040204020203" pitchFamily="34" charset="0"/>
+                  </a:rPr>
+                  <a:t>Is Local?</a:t>
+                </a:r>
+              </a:p>
+              <a:p>
+                <a:pPr algn="ctr"/>
+                <a:r>
+                  <a:rPr lang="en-US" sz="1400" dirty="0">
+                    <a:solidFill>
+                      <a:schemeClr val="tx1">
+                        <a:lumMod val="65000"/>
+                        <a:lumOff val="35000"/>
+                      </a:schemeClr>
+                    </a:solidFill>
+                    <a:latin typeface="Segoe UI" panose="020B0502040204020203" pitchFamily="34" charset="0"/>
+                    <a:cs typeface="Segoe UI" panose="020B0502040204020203" pitchFamily="34" charset="0"/>
+                  </a:rPr>
+                  <a:t>Is Commander?</a:t>
+                </a:r>
+              </a:p>
+            </p:txBody>
+          </p:sp>
+        </p:grpSp>
+        <p:grpSp>
+          <p:nvGrpSpPr>
+            <p:cNvPr id="51" name="Group 50">
+              <a:extLst>
+                <a:ext uri="{FF2B5EF4-FFF2-40B4-BE49-F238E27FC236}">
+                  <a16:creationId xmlns:a16="http://schemas.microsoft.com/office/drawing/2014/main" id="{6615D268-87AF-436D-8084-BF105133C6C2}"/>
+                </a:ext>
+              </a:extLst>
+            </p:cNvPr>
+            <p:cNvGrpSpPr/>
+            <p:nvPr/>
+          </p:nvGrpSpPr>
+          <p:grpSpPr>
+            <a:xfrm>
+              <a:off x="5673845" y="4937911"/>
+              <a:ext cx="2286000" cy="797540"/>
+              <a:chOff x="100584" y="4490472"/>
+              <a:chExt cx="2286000" cy="797540"/>
+            </a:xfrm>
+          </p:grpSpPr>
+          <p:sp>
+            <p:nvSpPr>
+              <p:cNvPr id="52" name="Rectangle 51">
+                <a:extLst>
+                  <a:ext uri="{FF2B5EF4-FFF2-40B4-BE49-F238E27FC236}">
+                    <a16:creationId xmlns:a16="http://schemas.microsoft.com/office/drawing/2014/main" id="{53FE88ED-33D5-45E0-916E-A17A2F04089B}"/>
+                  </a:ext>
+                </a:extLst>
+              </p:cNvPr>
+              <p:cNvSpPr/>
+              <p:nvPr/>
+            </p:nvSpPr>
+            <p:spPr>
+              <a:xfrm>
+                <a:off x="100584" y="4490472"/>
+                <a:ext cx="2286000" cy="274320"/>
+              </a:xfrm>
+              <a:prstGeom prst="rect">
+                <a:avLst/>
+              </a:prstGeom>
+              <a:solidFill>
+                <a:schemeClr val="tx1">
+                  <a:lumMod val="75000"/>
+                  <a:lumOff val="25000"/>
+                </a:schemeClr>
+              </a:solidFill>
+              <a:ln>
+                <a:noFill/>
+              </a:ln>
+            </p:spPr>
+            <p:style>
+              <a:lnRef idx="2">
+                <a:schemeClr val="accent1">
+                  <a:shade val="50000"/>
+                </a:schemeClr>
+              </a:lnRef>
+              <a:fillRef idx="1">
+                <a:schemeClr val="accent1"/>
+              </a:fillRef>
+              <a:effectRef idx="0">
+                <a:schemeClr val="accent1"/>
+              </a:effectRef>
+              <a:fontRef idx="minor">
+                <a:schemeClr val="lt1"/>
+              </a:fontRef>
+            </p:style>
+            <p:txBody>
+              <a:bodyPr rtlCol="0" anchor="ctr"/>
+              <a:lstStyle/>
+              <a:p>
+                <a:pPr algn="ctr"/>
+                <a:r>
+                  <a:rPr lang="en-US" sz="1600" dirty="0">
+                    <a:latin typeface="Segoe UI" panose="020B0502040204020203" pitchFamily="34" charset="0"/>
+                    <a:cs typeface="Segoe UI" panose="020B0502040204020203" pitchFamily="34" charset="0"/>
+                  </a:rPr>
+                  <a:t>Approval Group</a:t>
+                </a:r>
+              </a:p>
+            </p:txBody>
+          </p:sp>
+          <p:sp>
+            <p:nvSpPr>
+              <p:cNvPr id="53" name="Rectangle 52">
+                <a:extLst>
+                  <a:ext uri="{FF2B5EF4-FFF2-40B4-BE49-F238E27FC236}">
+                    <a16:creationId xmlns:a16="http://schemas.microsoft.com/office/drawing/2014/main" id="{236745D1-9174-49E8-A600-0048DD0A606B}"/>
+                  </a:ext>
+                </a:extLst>
+              </p:cNvPr>
+              <p:cNvSpPr/>
+              <p:nvPr/>
+            </p:nvSpPr>
+            <p:spPr>
+              <a:xfrm>
+                <a:off x="100584" y="4764792"/>
+                <a:ext cx="2286000" cy="523220"/>
+              </a:xfrm>
+              <a:prstGeom prst="rect">
+                <a:avLst/>
+              </a:prstGeom>
+              <a:solidFill>
+                <a:schemeClr val="bg1">
+                  <a:lumMod val="85000"/>
+                </a:schemeClr>
+              </a:solidFill>
+              <a:ln>
+                <a:noFill/>
+              </a:ln>
+            </p:spPr>
+            <p:style>
+              <a:lnRef idx="2">
+                <a:schemeClr val="accent1">
+                  <a:shade val="50000"/>
+                </a:schemeClr>
+              </a:lnRef>
+              <a:fillRef idx="1">
+                <a:schemeClr val="accent1"/>
+              </a:fillRef>
+              <a:effectRef idx="0">
+                <a:schemeClr val="accent1"/>
+              </a:effectRef>
+              <a:fontRef idx="minor">
+                <a:schemeClr val="lt1"/>
+              </a:fontRef>
+            </p:style>
+            <p:txBody>
+              <a:bodyPr rtlCol="0" anchor="ctr" anchorCtr="0">
+                <a:spAutoFit/>
+              </a:bodyPr>
+              <a:lstStyle/>
+              <a:p>
+                <a:pPr algn="ctr"/>
+                <a:r>
+                  <a:rPr lang="en-US" sz="1400" dirty="0">
+                    <a:solidFill>
+                      <a:schemeClr val="tx1">
+                        <a:lumMod val="65000"/>
+                        <a:lumOff val="35000"/>
+                      </a:schemeClr>
+                    </a:solidFill>
+                    <a:latin typeface="Segoe UI" panose="020B0502040204020203" pitchFamily="34" charset="0"/>
+                    <a:cs typeface="Segoe UI" panose="020B0502040204020203" pitchFamily="34" charset="0"/>
+                  </a:rPr>
+                  <a:t>Is Local?</a:t>
+                </a:r>
+              </a:p>
+              <a:p>
+                <a:pPr algn="ctr"/>
+                <a:r>
+                  <a:rPr lang="en-US" sz="1400" dirty="0">
+                    <a:solidFill>
+                      <a:schemeClr val="tx1">
+                        <a:lumMod val="65000"/>
+                        <a:lumOff val="35000"/>
+                      </a:schemeClr>
+                    </a:solidFill>
+                    <a:latin typeface="Segoe UI" panose="020B0502040204020203" pitchFamily="34" charset="0"/>
+                    <a:cs typeface="Segoe UI" panose="020B0502040204020203" pitchFamily="34" charset="0"/>
+                  </a:rPr>
+                  <a:t>Is Commander?</a:t>
+                </a:r>
+              </a:p>
+            </p:txBody>
+          </p:sp>
+        </p:grpSp>
+        <p:sp>
+          <p:nvSpPr>
+            <p:cNvPr id="54" name="Rectangle 53">
+              <a:extLst>
+                <a:ext uri="{FF2B5EF4-FFF2-40B4-BE49-F238E27FC236}">
+                  <a16:creationId xmlns:a16="http://schemas.microsoft.com/office/drawing/2014/main" id="{6AF49571-F61E-44A0-8FB6-F6FE19502DE7}"/>
+                </a:ext>
+              </a:extLst>
+            </p:cNvPr>
+            <p:cNvSpPr/>
+            <p:nvPr/>
+          </p:nvSpPr>
+          <p:spPr>
+            <a:xfrm>
+              <a:off x="100583" y="6324607"/>
+              <a:ext cx="7859261" cy="274320"/>
+            </a:xfrm>
+            <a:prstGeom prst="rect">
+              <a:avLst/>
+            </a:prstGeom>
+            <a:solidFill>
+              <a:schemeClr val="tx1">
+                <a:lumMod val="75000"/>
+                <a:lumOff val="25000"/>
+              </a:schemeClr>
+            </a:solidFill>
+            <a:ln>
+              <a:noFill/>
+            </a:ln>
+          </p:spPr>
+          <p:style>
+            <a:lnRef idx="2">
+              <a:schemeClr val="accent1">
+                <a:shade val="50000"/>
+              </a:schemeClr>
+            </a:lnRef>
+            <a:fillRef idx="1">
+              <a:schemeClr val="accent1"/>
+            </a:fillRef>
+            <a:effectRef idx="0">
+              <a:schemeClr val="accent1"/>
+            </a:effectRef>
+            <a:fontRef idx="minor">
+              <a:schemeClr val="lt1"/>
+            </a:fontRef>
+          </p:style>
+          <p:txBody>
+            <a:bodyPr rtlCol="0" anchor="ctr"/>
+            <a:lstStyle/>
+            <a:p>
+              <a:pPr algn="ctr"/>
+              <a:r>
+                <a:rPr lang="en-US" sz="1600" dirty="0">
+                  <a:latin typeface="Segoe UI" panose="020B0502040204020203" pitchFamily="34" charset="0"/>
+                  <a:cs typeface="Segoe UI" panose="020B0502040204020203" pitchFamily="34" charset="0"/>
+                </a:rPr>
+                <a:t>Approval Group Template (Optional)</a:t>
+              </a:r>
+            </a:p>
+          </p:txBody>
+        </p:sp>
+        <p:cxnSp>
+          <p:nvCxnSpPr>
+            <p:cNvPr id="8" name="Straight Arrow Connector 7">
+              <a:extLst>
+                <a:ext uri="{FF2B5EF4-FFF2-40B4-BE49-F238E27FC236}">
+                  <a16:creationId xmlns:a16="http://schemas.microsoft.com/office/drawing/2014/main" id="{040FD623-8159-48D8-8A67-6C6E7B79C349}"/>
+                </a:ext>
+              </a:extLst>
+            </p:cNvPr>
+            <p:cNvCxnSpPr>
+              <a:stCxn id="54" idx="0"/>
+              <a:endCxn id="38" idx="2"/>
+            </p:cNvCxnSpPr>
+            <p:nvPr/>
+          </p:nvCxnSpPr>
+          <p:spPr>
+            <a:xfrm flipH="1" flipV="1">
+              <a:off x="1243584" y="5735451"/>
+              <a:ext cx="2786630" cy="589156"/>
+            </a:xfrm>
+            <a:prstGeom prst="straightConnector1">
+              <a:avLst/>
+            </a:prstGeom>
+            <a:ln w="12700">
+              <a:tailEnd type="triangle" w="med" len="med"/>
+            </a:ln>
+          </p:spPr>
+          <p:style>
+            <a:lnRef idx="1">
+              <a:schemeClr val="accent6"/>
+            </a:lnRef>
+            <a:fillRef idx="0">
+              <a:schemeClr val="accent6"/>
+            </a:fillRef>
+            <a:effectRef idx="0">
+              <a:schemeClr val="accent6"/>
+            </a:effectRef>
+            <a:fontRef idx="minor">
+              <a:schemeClr val="tx1"/>
+            </a:fontRef>
+          </p:style>
+        </p:cxnSp>
+        <p:cxnSp>
+          <p:nvCxnSpPr>
+            <p:cNvPr id="10" name="Straight Arrow Connector 9">
+              <a:extLst>
+                <a:ext uri="{FF2B5EF4-FFF2-40B4-BE49-F238E27FC236}">
+                  <a16:creationId xmlns:a16="http://schemas.microsoft.com/office/drawing/2014/main" id="{91DD231C-4233-4643-ACED-B1259F018D7F}"/>
+                </a:ext>
+              </a:extLst>
+            </p:cNvPr>
+            <p:cNvCxnSpPr>
+              <a:cxnSpLocks/>
+              <a:stCxn id="54" idx="0"/>
+              <a:endCxn id="50" idx="2"/>
+            </p:cNvCxnSpPr>
+            <p:nvPr/>
+          </p:nvCxnSpPr>
+          <p:spPr>
+            <a:xfrm flipV="1">
+              <a:off x="4030214" y="5735451"/>
+              <a:ext cx="0" cy="589156"/>
+            </a:xfrm>
+            <a:prstGeom prst="straightConnector1">
+              <a:avLst/>
+            </a:prstGeom>
+            <a:ln w="12700">
+              <a:tailEnd type="triangle" w="med" len="med"/>
+            </a:ln>
+          </p:spPr>
+          <p:style>
+            <a:lnRef idx="1">
+              <a:schemeClr val="accent6"/>
+            </a:lnRef>
+            <a:fillRef idx="0">
+              <a:schemeClr val="accent6"/>
+            </a:fillRef>
+            <a:effectRef idx="0">
+              <a:schemeClr val="accent6"/>
+            </a:effectRef>
+            <a:fontRef idx="minor">
+              <a:schemeClr val="tx1"/>
+            </a:fontRef>
+          </p:style>
+        </p:cxnSp>
+        <p:cxnSp>
+          <p:nvCxnSpPr>
+            <p:cNvPr id="14" name="Straight Arrow Connector 13">
+              <a:extLst>
+                <a:ext uri="{FF2B5EF4-FFF2-40B4-BE49-F238E27FC236}">
+                  <a16:creationId xmlns:a16="http://schemas.microsoft.com/office/drawing/2014/main" id="{44D97717-4DBE-407B-BA83-AA8B3B8F2244}"/>
+                </a:ext>
+              </a:extLst>
+            </p:cNvPr>
+            <p:cNvCxnSpPr>
+              <a:cxnSpLocks/>
+              <a:stCxn id="54" idx="0"/>
+              <a:endCxn id="53" idx="2"/>
+            </p:cNvCxnSpPr>
+            <p:nvPr/>
+          </p:nvCxnSpPr>
+          <p:spPr>
+            <a:xfrm flipV="1">
+              <a:off x="4030214" y="5735451"/>
+              <a:ext cx="2786631" cy="589156"/>
+            </a:xfrm>
+            <a:prstGeom prst="straightConnector1">
+              <a:avLst/>
+            </a:prstGeom>
+            <a:ln w="12700">
+              <a:tailEnd type="triangle" w="med" len="med"/>
+            </a:ln>
+          </p:spPr>
+          <p:style>
+            <a:lnRef idx="1">
+              <a:schemeClr val="accent6"/>
+            </a:lnRef>
+            <a:fillRef idx="0">
+              <a:schemeClr val="accent6"/>
+            </a:fillRef>
+            <a:effectRef idx="0">
+              <a:schemeClr val="accent6"/>
+            </a:effectRef>
+            <a:fontRef idx="minor">
+              <a:schemeClr val="tx1"/>
+            </a:fontRef>
+          </p:style>
+        </p:cxnSp>
+        <p:cxnSp>
+          <p:nvCxnSpPr>
+            <p:cNvPr id="18" name="Straight Arrow Connector 17">
+              <a:extLst>
+                <a:ext uri="{FF2B5EF4-FFF2-40B4-BE49-F238E27FC236}">
+                  <a16:creationId xmlns:a16="http://schemas.microsoft.com/office/drawing/2014/main" id="{AE0D1100-468D-4015-BA95-D91A75932748}"/>
+                </a:ext>
+              </a:extLst>
+            </p:cNvPr>
+            <p:cNvCxnSpPr>
+              <a:stCxn id="37" idx="0"/>
+              <a:endCxn id="27" idx="2"/>
+            </p:cNvCxnSpPr>
+            <p:nvPr/>
+          </p:nvCxnSpPr>
+          <p:spPr>
+            <a:xfrm flipV="1">
+              <a:off x="1243584" y="4487762"/>
+              <a:ext cx="0" cy="450149"/>
+            </a:xfrm>
+            <a:prstGeom prst="straightConnector1">
+              <a:avLst/>
+            </a:prstGeom>
+            <a:ln w="12700">
+              <a:tailEnd type="triangle" w="med" len="med"/>
+            </a:ln>
+          </p:spPr>
+          <p:style>
+            <a:lnRef idx="1">
+              <a:schemeClr val="accent6"/>
+            </a:lnRef>
+            <a:fillRef idx="0">
+              <a:schemeClr val="accent6"/>
+            </a:fillRef>
+            <a:effectRef idx="0">
+              <a:schemeClr val="accent6"/>
+            </a:effectRef>
+            <a:fontRef idx="minor">
+              <a:schemeClr val="tx1"/>
+            </a:fontRef>
+          </p:style>
+        </p:cxnSp>
+        <p:cxnSp>
+          <p:nvCxnSpPr>
+            <p:cNvPr id="20" name="Straight Arrow Connector 19">
+              <a:extLst>
+                <a:ext uri="{FF2B5EF4-FFF2-40B4-BE49-F238E27FC236}">
+                  <a16:creationId xmlns:a16="http://schemas.microsoft.com/office/drawing/2014/main" id="{63FBE2C6-3D77-4608-AE72-599AF152B1FE}"/>
+                </a:ext>
+              </a:extLst>
+            </p:cNvPr>
+            <p:cNvCxnSpPr>
+              <a:cxnSpLocks/>
+              <a:stCxn id="49" idx="0"/>
+              <a:endCxn id="44" idx="2"/>
+            </p:cNvCxnSpPr>
+            <p:nvPr/>
+          </p:nvCxnSpPr>
+          <p:spPr>
+            <a:xfrm flipV="1">
+              <a:off x="4030214" y="4487762"/>
+              <a:ext cx="0" cy="450149"/>
+            </a:xfrm>
+            <a:prstGeom prst="straightConnector1">
+              <a:avLst/>
+            </a:prstGeom>
+            <a:ln w="12700">
+              <a:tailEnd type="triangle" w="med" len="med"/>
+            </a:ln>
+          </p:spPr>
+          <p:style>
+            <a:lnRef idx="1">
+              <a:schemeClr val="accent6"/>
+            </a:lnRef>
+            <a:fillRef idx="0">
+              <a:schemeClr val="accent6"/>
+            </a:fillRef>
+            <a:effectRef idx="0">
+              <a:schemeClr val="accent6"/>
+            </a:effectRef>
+            <a:fontRef idx="minor">
+              <a:schemeClr val="tx1"/>
+            </a:fontRef>
+          </p:style>
+        </p:cxnSp>
+        <p:cxnSp>
+          <p:nvCxnSpPr>
+            <p:cNvPr id="39" name="Straight Arrow Connector 38">
+              <a:extLst>
+                <a:ext uri="{FF2B5EF4-FFF2-40B4-BE49-F238E27FC236}">
+                  <a16:creationId xmlns:a16="http://schemas.microsoft.com/office/drawing/2014/main" id="{B81C8248-A69F-47FD-B9AD-4D77A693FA2F}"/>
+                </a:ext>
+              </a:extLst>
+            </p:cNvPr>
+            <p:cNvCxnSpPr>
+              <a:stCxn id="52" idx="0"/>
+              <a:endCxn id="47" idx="2"/>
+            </p:cNvCxnSpPr>
+            <p:nvPr/>
+          </p:nvCxnSpPr>
+          <p:spPr>
+            <a:xfrm flipV="1">
+              <a:off x="6816845" y="4492614"/>
+              <a:ext cx="0" cy="445297"/>
+            </a:xfrm>
+            <a:prstGeom prst="straightConnector1">
+              <a:avLst/>
+            </a:prstGeom>
+            <a:ln w="12700">
+              <a:tailEnd type="triangle" w="med" len="med"/>
+            </a:ln>
+          </p:spPr>
+          <p:style>
+            <a:lnRef idx="1">
+              <a:schemeClr val="accent6"/>
+            </a:lnRef>
+            <a:fillRef idx="0">
+              <a:schemeClr val="accent6"/>
+            </a:fillRef>
+            <a:effectRef idx="0">
+              <a:schemeClr val="accent6"/>
+            </a:effectRef>
+            <a:fontRef idx="minor">
+              <a:schemeClr val="tx1"/>
+            </a:fontRef>
+          </p:style>
+        </p:cxnSp>
+        <p:cxnSp>
+          <p:nvCxnSpPr>
+            <p:cNvPr id="55" name="Straight Arrow Connector 54">
+              <a:extLst>
+                <a:ext uri="{FF2B5EF4-FFF2-40B4-BE49-F238E27FC236}">
+                  <a16:creationId xmlns:a16="http://schemas.microsoft.com/office/drawing/2014/main" id="{AFC2BAE6-6AD2-465B-A6D6-7C998CFA8C88}"/>
+                </a:ext>
+              </a:extLst>
+            </p:cNvPr>
+            <p:cNvCxnSpPr>
+              <a:cxnSpLocks/>
+              <a:stCxn id="26" idx="0"/>
+              <a:endCxn id="82" idx="2"/>
+            </p:cNvCxnSpPr>
+            <p:nvPr/>
+          </p:nvCxnSpPr>
+          <p:spPr>
+            <a:xfrm flipV="1">
+              <a:off x="1243584" y="2598738"/>
+              <a:ext cx="2786631" cy="445153"/>
+            </a:xfrm>
+            <a:prstGeom prst="straightConnector1">
+              <a:avLst/>
+            </a:prstGeom>
+            <a:ln w="12700">
+              <a:tailEnd type="triangle" w="med" len="med"/>
+            </a:ln>
+          </p:spPr>
+          <p:style>
+            <a:lnRef idx="1">
+              <a:schemeClr val="accent6"/>
+            </a:lnRef>
+            <a:fillRef idx="0">
+              <a:schemeClr val="accent6"/>
+            </a:fillRef>
+            <a:effectRef idx="0">
+              <a:schemeClr val="accent6"/>
+            </a:effectRef>
+            <a:fontRef idx="minor">
+              <a:schemeClr val="tx1"/>
+            </a:fontRef>
+          </p:style>
+        </p:cxnSp>
+        <p:cxnSp>
+          <p:nvCxnSpPr>
+            <p:cNvPr id="61" name="Straight Arrow Connector 60">
+              <a:extLst>
+                <a:ext uri="{FF2B5EF4-FFF2-40B4-BE49-F238E27FC236}">
+                  <a16:creationId xmlns:a16="http://schemas.microsoft.com/office/drawing/2014/main" id="{613C448B-91C2-4E9D-BFF3-68B50FCECEF1}"/>
+                </a:ext>
+              </a:extLst>
+            </p:cNvPr>
+            <p:cNvCxnSpPr>
+              <a:cxnSpLocks/>
+              <a:stCxn id="42" idx="0"/>
+              <a:endCxn id="82" idx="2"/>
+            </p:cNvCxnSpPr>
+            <p:nvPr/>
+          </p:nvCxnSpPr>
+          <p:spPr>
+            <a:xfrm flipV="1">
+              <a:off x="4030214" y="2598738"/>
+              <a:ext cx="1" cy="445153"/>
+            </a:xfrm>
+            <a:prstGeom prst="straightConnector1">
+              <a:avLst/>
+            </a:prstGeom>
+            <a:ln w="12700">
+              <a:tailEnd type="triangle" w="med" len="med"/>
+            </a:ln>
+          </p:spPr>
+          <p:style>
+            <a:lnRef idx="1">
+              <a:schemeClr val="accent6"/>
+            </a:lnRef>
+            <a:fillRef idx="0">
+              <a:schemeClr val="accent6"/>
+            </a:fillRef>
+            <a:effectRef idx="0">
+              <a:schemeClr val="accent6"/>
+            </a:effectRef>
+            <a:fontRef idx="minor">
+              <a:schemeClr val="tx1"/>
+            </a:fontRef>
+          </p:style>
+        </p:cxnSp>
+        <p:cxnSp>
+          <p:nvCxnSpPr>
+            <p:cNvPr id="65" name="Straight Arrow Connector 64">
+              <a:extLst>
+                <a:ext uri="{FF2B5EF4-FFF2-40B4-BE49-F238E27FC236}">
+                  <a16:creationId xmlns:a16="http://schemas.microsoft.com/office/drawing/2014/main" id="{BE147EFA-6D0E-45C4-AEB6-698B98D6A937}"/>
+                </a:ext>
+              </a:extLst>
+            </p:cNvPr>
+            <p:cNvCxnSpPr>
+              <a:cxnSpLocks/>
+              <a:stCxn id="46" idx="0"/>
+              <a:endCxn id="82" idx="2"/>
+            </p:cNvCxnSpPr>
+            <p:nvPr/>
+          </p:nvCxnSpPr>
+          <p:spPr>
+            <a:xfrm flipH="1" flipV="1">
+              <a:off x="4030215" y="2598738"/>
+              <a:ext cx="2786630" cy="450005"/>
+            </a:xfrm>
+            <a:prstGeom prst="straightConnector1">
+              <a:avLst/>
+            </a:prstGeom>
+            <a:ln w="12700">
+              <a:tailEnd type="triangle" w="med" len="med"/>
+            </a:ln>
+          </p:spPr>
+          <p:style>
+            <a:lnRef idx="1">
+              <a:schemeClr val="accent6"/>
+            </a:lnRef>
+            <a:fillRef idx="0">
+              <a:schemeClr val="accent6"/>
+            </a:fillRef>
+            <a:effectRef idx="0">
+              <a:schemeClr val="accent6"/>
+            </a:effectRef>
+            <a:fontRef idx="minor">
+              <a:schemeClr val="tx1"/>
+            </a:fontRef>
+          </p:style>
+        </p:cxnSp>
+      </p:grpSp>
+      <p:sp>
+        <p:nvSpPr>
+          <p:cNvPr id="69" name="Title 68" hidden="1">
+            <a:extLst>
+              <a:ext uri="{FF2B5EF4-FFF2-40B4-BE49-F238E27FC236}">
+                <a16:creationId xmlns:a16="http://schemas.microsoft.com/office/drawing/2014/main" id="{E58EFEEA-636C-45C1-8252-AB1FCA0D66E6}"/>
+              </a:ext>
+            </a:extLst>
+          </p:cNvPr>
+          <p:cNvSpPr>
+            <a:spLocks noGrp="1"/>
+          </p:cNvSpPr>
+          <p:nvPr>
+            <p:ph type="ctrTitle"/>
+          </p:nvPr>
+        </p:nvSpPr>
+        <p:spPr/>
+        <p:txBody>
+          <a:bodyPr/>
+          <a:lstStyle/>
+          <a:p>
+            <a:r>
+              <a:rPr lang="en-US" dirty="0"/>
+              <a:t>Approval Groups and Templates</a:t>
+            </a:r>
+          </a:p>
+        </p:txBody>
+      </p:sp>
+    </p:spTree>
+    <p:extLst>
+      <p:ext uri="{BB962C8B-B14F-4D97-AF65-F5344CB8AC3E}">
+        <p14:creationId xmlns:p14="http://schemas.microsoft.com/office/powerpoint/2010/main" val="3299408152"/>
+      </p:ext>
+    </p:extLst>
+  </p:cSld>
+  <p:clrMapOvr>
+    <a:masterClrMapping/>
+  </p:clrMapOvr>
+</p:sld>
+</file>
+
+<file path=ppt/slides/slide3.xml><?xml version="1.0" encoding="utf-8"?>
+<p:sld xmlns:a="http://schemas.openxmlformats.org/drawingml/2006/main" xmlns:r="http://schemas.openxmlformats.org/officeDocument/2006/relationships" xmlns:p="http://schemas.openxmlformats.org/presentationml/2006/main">
+  <p:cSld>
+    <p:bg>
+      <p:bgPr>
+        <a:solidFill>
+          <a:schemeClr val="bg1">
+            <a:lumMod val="95000"/>
+          </a:schemeClr>
+        </a:solidFill>
+        <a:effectLst/>
+      </p:bgPr>
+    </p:bg>
+    <p:spTree>
+      <p:nvGrpSpPr>
+        <p:cNvPr id="1" name=""/>
+        <p:cNvGrpSpPr/>
+        <p:nvPr/>
+      </p:nvGrpSpPr>
+      <p:grpSpPr>
+        <a:xfrm>
+          <a:off x="0" y="0"/>
+          <a:ext cx="0" cy="0"/>
+          <a:chOff x="0" y="0"/>
+          <a:chExt cx="0" cy="0"/>
+        </a:xfrm>
+      </p:grpSpPr>
+      <p:sp>
+        <p:nvSpPr>
+          <p:cNvPr id="57" name="Rectangle 56">
+            <a:extLst>
+              <a:ext uri="{FF2B5EF4-FFF2-40B4-BE49-F238E27FC236}">
+                <a16:creationId xmlns:a16="http://schemas.microsoft.com/office/drawing/2014/main" id="{4808B174-B9CF-4CAD-8A19-1BC9D885D3B3}"/>
+              </a:ext>
+            </a:extLst>
+          </p:cNvPr>
+          <p:cNvSpPr/>
+          <p:nvPr/>
+        </p:nvSpPr>
+        <p:spPr>
+          <a:xfrm>
+            <a:off x="100584" y="853758"/>
+            <a:ext cx="7859261" cy="274320"/>
+          </a:xfrm>
+          <a:prstGeom prst="rect">
+            <a:avLst/>
+          </a:prstGeom>
+          <a:solidFill>
+            <a:schemeClr val="tx1">
+              <a:lumMod val="75000"/>
+              <a:lumOff val="25000"/>
+            </a:schemeClr>
+          </a:solidFill>
+          <a:ln>
+            <a:noFill/>
+          </a:ln>
+        </p:spPr>
+        <p:style>
+          <a:lnRef idx="2">
+            <a:schemeClr val="accent1">
+              <a:shade val="50000"/>
+            </a:schemeClr>
+          </a:lnRef>
+          <a:fillRef idx="1">
+            <a:schemeClr val="accent1"/>
+          </a:fillRef>
+          <a:effectRef idx="0">
+            <a:schemeClr val="accent1"/>
+          </a:effectRef>
+          <a:fontRef idx="minor">
+            <a:schemeClr val="lt1"/>
+          </a:fontRef>
+        </p:style>
+        <p:txBody>
+          <a:bodyPr rtlCol="0" anchor="ctr"/>
+          <a:lstStyle/>
+          <a:p>
+            <a:pPr algn="ctr"/>
+            <a:r>
+              <a:rPr lang="en-US" sz="1600" dirty="0">
+                <a:latin typeface="Segoe UI" panose="020B0502040204020203" pitchFamily="34" charset="0"/>
+                <a:cs typeface="Segoe UI" panose="020B0502040204020203" pitchFamily="34" charset="0"/>
+              </a:rPr>
+              <a:t>Item Group</a:t>
+            </a:r>
+          </a:p>
+        </p:txBody>
+      </p:sp>
+      <p:sp>
+        <p:nvSpPr>
+          <p:cNvPr id="59" name="Rectangle 58">
+            <a:extLst>
+              <a:ext uri="{FF2B5EF4-FFF2-40B4-BE49-F238E27FC236}">
+                <a16:creationId xmlns:a16="http://schemas.microsoft.com/office/drawing/2014/main" id="{E29AF638-7105-4D86-8075-831B4BC8A1AA}"/>
+              </a:ext>
+            </a:extLst>
+          </p:cNvPr>
+          <p:cNvSpPr/>
+          <p:nvPr/>
+        </p:nvSpPr>
+        <p:spPr>
+          <a:xfrm>
+            <a:off x="100584" y="1128078"/>
+            <a:ext cx="7859261" cy="777240"/>
+          </a:xfrm>
+          <a:prstGeom prst="rect">
+            <a:avLst/>
+          </a:prstGeom>
+          <a:solidFill>
+            <a:schemeClr val="bg1">
+              <a:lumMod val="85000"/>
+            </a:schemeClr>
+          </a:solidFill>
+          <a:ln>
+            <a:noFill/>
+          </a:ln>
+        </p:spPr>
+        <p:style>
+          <a:lnRef idx="2">
+            <a:schemeClr val="accent1">
+              <a:shade val="50000"/>
+            </a:schemeClr>
+          </a:lnRef>
+          <a:fillRef idx="1">
+            <a:schemeClr val="accent1"/>
+          </a:fillRef>
+          <a:effectRef idx="0">
+            <a:schemeClr val="accent1"/>
+          </a:effectRef>
+          <a:fontRef idx="minor">
+            <a:schemeClr val="lt1"/>
+          </a:fontRef>
+        </p:style>
+        <p:txBody>
+          <a:bodyPr rtlCol="0" anchor="ctr" anchorCtr="0"/>
+          <a:lstStyle/>
+          <a:p>
+            <a:pPr algn="ctr"/>
+            <a:r>
+              <a:rPr lang="en-US" sz="1400" dirty="0">
+                <a:solidFill>
+                  <a:schemeClr val="tx1">
+                    <a:lumMod val="65000"/>
+                    <a:lumOff val="35000"/>
+                  </a:schemeClr>
+                </a:solidFill>
+                <a:latin typeface="Segoe UI" panose="020B0502040204020203" pitchFamily="34" charset="0"/>
+                <a:cs typeface="Segoe UI" panose="020B0502040204020203" pitchFamily="34" charset="0"/>
+              </a:rPr>
+              <a:t>Funding Account</a:t>
+            </a:r>
+          </a:p>
+          <a:p>
+            <a:pPr algn="ctr"/>
+            <a:r>
+              <a:rPr lang="en-US" sz="1400" dirty="0">
+                <a:solidFill>
+                  <a:schemeClr val="tx1">
+                    <a:lumMod val="65000"/>
+                    <a:lumOff val="35000"/>
+                  </a:schemeClr>
+                </a:solidFill>
+                <a:latin typeface="Segoe UI" panose="020B0502040204020203" pitchFamily="34" charset="0"/>
+                <a:cs typeface="Segoe UI" panose="020B0502040204020203" pitchFamily="34" charset="0"/>
+              </a:rPr>
+              <a:t>Site</a:t>
+            </a:r>
+          </a:p>
+          <a:p>
+            <a:pPr algn="ctr"/>
+            <a:r>
+              <a:rPr lang="en-US" sz="1400" dirty="0">
+                <a:solidFill>
+                  <a:schemeClr val="tx1">
+                    <a:lumMod val="65000"/>
+                    <a:lumOff val="35000"/>
+                  </a:schemeClr>
+                </a:solidFill>
+                <a:latin typeface="Segoe UI" panose="020B0502040204020203" pitchFamily="34" charset="0"/>
+                <a:cs typeface="Segoe UI" panose="020B0502040204020203" pitchFamily="34" charset="0"/>
+              </a:rPr>
+              <a:t>Category</a:t>
+            </a:r>
+          </a:p>
+        </p:txBody>
+      </p:sp>
+      <p:sp>
+        <p:nvSpPr>
+          <p:cNvPr id="120" name="Rectangle 119">
+            <a:extLst>
+              <a:ext uri="{FF2B5EF4-FFF2-40B4-BE49-F238E27FC236}">
+                <a16:creationId xmlns:a16="http://schemas.microsoft.com/office/drawing/2014/main" id="{5B5CFA4C-32E2-456B-8FA7-1EFB1DD90E1C}"/>
+              </a:ext>
+            </a:extLst>
+          </p:cNvPr>
+          <p:cNvSpPr/>
+          <p:nvPr/>
+        </p:nvSpPr>
+        <p:spPr>
+          <a:xfrm>
+            <a:off x="8069592" y="137160"/>
+            <a:ext cx="4021814" cy="6576060"/>
+          </a:xfrm>
+          <a:prstGeom prst="rect">
+            <a:avLst/>
+          </a:prstGeom>
+          <a:solidFill>
+            <a:schemeClr val="bg1"/>
+          </a:solidFill>
+          <a:ln>
+            <a:noFill/>
+          </a:ln>
+        </p:spPr>
+        <p:style>
+          <a:lnRef idx="2">
+            <a:schemeClr val="accent1">
+              <a:shade val="50000"/>
+            </a:schemeClr>
+          </a:lnRef>
+          <a:fillRef idx="1">
+            <a:schemeClr val="accent1"/>
+          </a:fillRef>
+          <a:effectRef idx="0">
+            <a:schemeClr val="accent1"/>
+          </a:effectRef>
+          <a:fontRef idx="minor">
+            <a:schemeClr val="lt1"/>
+          </a:fontRef>
+        </p:style>
+        <p:txBody>
+          <a:bodyPr tIns="91440" bIns="91440" rtlCol="0" anchor="t" anchorCtr="0"/>
+          <a:lstStyle/>
+          <a:p>
+            <a:pPr marL="285750" indent="-285750">
+              <a:buBlip>
+                <a:blip r:embed="rId2">
+                  <a:extLst>
+                    <a:ext uri="{96DAC541-7B7A-43D3-8B79-37D633B846F1}">
+                      <asvg:svgBlip xmlns:asvg="http://schemas.microsoft.com/office/drawing/2016/SVG/main" r:embed="rId3"/>
+                    </a:ext>
+                  </a:extLst>
+                </a:blip>
+              </a:buBlip>
+            </a:pPr>
+            <a:r>
+              <a:rPr lang="en-US" sz="1400" dirty="0">
+                <a:solidFill>
+                  <a:schemeClr val="tx1">
+                    <a:lumMod val="65000"/>
+                    <a:lumOff val="35000"/>
+                  </a:schemeClr>
+                </a:solidFill>
+                <a:latin typeface="Segoe UI" panose="020B0502040204020203" pitchFamily="34" charset="0"/>
+                <a:cs typeface="Segoe UI" panose="020B0502040204020203" pitchFamily="34" charset="0"/>
+              </a:rPr>
+              <a:t>Once all item groups in a request have been approved, the items can be ordered. The site logistician associated with an item group will action the acquisition of the items.</a:t>
+            </a:r>
+          </a:p>
+          <a:p>
+            <a:pPr marL="285750" indent="-285750">
+              <a:buBlip>
+                <a:blip r:embed="rId2">
+                  <a:extLst>
+                    <a:ext uri="{96DAC541-7B7A-43D3-8B79-37D633B846F1}">
+                      <asvg:svgBlip xmlns:asvg="http://schemas.microsoft.com/office/drawing/2016/SVG/main" r:embed="rId3"/>
+                    </a:ext>
+                  </a:extLst>
+                </a:blip>
+              </a:buBlip>
+            </a:pPr>
+            <a:endParaRPr lang="en-US" sz="1400" dirty="0">
+              <a:solidFill>
+                <a:schemeClr val="tx1">
+                  <a:lumMod val="65000"/>
+                  <a:lumOff val="35000"/>
+                </a:schemeClr>
+              </a:solidFill>
+              <a:latin typeface="Segoe UI" panose="020B0502040204020203" pitchFamily="34" charset="0"/>
+              <a:cs typeface="Segoe UI" panose="020B0502040204020203" pitchFamily="34" charset="0"/>
+            </a:endParaRPr>
+          </a:p>
+          <a:p>
+            <a:pPr marL="285750" indent="-285750">
+              <a:buBlip>
+                <a:blip r:embed="rId2">
+                  <a:extLst>
+                    <a:ext uri="{96DAC541-7B7A-43D3-8B79-37D633B846F1}">
+                      <asvg:svgBlip xmlns:asvg="http://schemas.microsoft.com/office/drawing/2016/SVG/main" r:embed="rId3"/>
+                    </a:ext>
+                  </a:extLst>
+                </a:blip>
+              </a:buBlip>
+            </a:pPr>
+            <a:r>
+              <a:rPr lang="en-US" sz="1400" dirty="0">
+                <a:solidFill>
+                  <a:schemeClr val="tx1">
+                    <a:lumMod val="65000"/>
+                    <a:lumOff val="35000"/>
+                  </a:schemeClr>
+                </a:solidFill>
+                <a:latin typeface="Segoe UI" panose="020B0502040204020203" pitchFamily="34" charset="0"/>
+                <a:cs typeface="Segoe UI" panose="020B0502040204020203" pitchFamily="34" charset="0"/>
+              </a:rPr>
+              <a:t>However many orders / transactions that are required to obtain the item(s) will be documented as orders.</a:t>
+            </a:r>
+          </a:p>
+          <a:p>
+            <a:pPr marL="285750" indent="-285750">
+              <a:buBlip>
+                <a:blip r:embed="rId2">
+                  <a:extLst>
+                    <a:ext uri="{96DAC541-7B7A-43D3-8B79-37D633B846F1}">
+                      <asvg:svgBlip xmlns:asvg="http://schemas.microsoft.com/office/drawing/2016/SVG/main" r:embed="rId3"/>
+                    </a:ext>
+                  </a:extLst>
+                </a:blip>
+              </a:buBlip>
+            </a:pPr>
+            <a:endParaRPr lang="en-US" sz="1400" dirty="0">
+              <a:solidFill>
+                <a:schemeClr val="tx1">
+                  <a:lumMod val="65000"/>
+                  <a:lumOff val="35000"/>
+                </a:schemeClr>
+              </a:solidFill>
+              <a:latin typeface="Segoe UI" panose="020B0502040204020203" pitchFamily="34" charset="0"/>
+              <a:cs typeface="Segoe UI" panose="020B0502040204020203" pitchFamily="34" charset="0"/>
+            </a:endParaRPr>
+          </a:p>
+          <a:p>
+            <a:pPr marL="285750" indent="-285750">
+              <a:buBlip>
+                <a:blip r:embed="rId2">
+                  <a:extLst>
+                    <a:ext uri="{96DAC541-7B7A-43D3-8B79-37D633B846F1}">
+                      <asvg:svgBlip xmlns:asvg="http://schemas.microsoft.com/office/drawing/2016/SVG/main" r:embed="rId3"/>
+                    </a:ext>
+                  </a:extLst>
+                </a:blip>
+              </a:buBlip>
+            </a:pPr>
+            <a:r>
+              <a:rPr lang="en-US" sz="1400" dirty="0">
+                <a:solidFill>
+                  <a:schemeClr val="tx1">
+                    <a:lumMod val="65000"/>
+                    <a:lumOff val="35000"/>
+                  </a:schemeClr>
+                </a:solidFill>
+                <a:latin typeface="Segoe UI" panose="020B0502040204020203" pitchFamily="34" charset="0"/>
+                <a:cs typeface="Segoe UI" panose="020B0502040204020203" pitchFamily="34" charset="0"/>
+              </a:rPr>
+              <a:t>Each order will automatically generate a transaction based on the funding account associated with the item group, the cost of the order, and the date the order was placed.</a:t>
+            </a:r>
+          </a:p>
+        </p:txBody>
+      </p:sp>
+      <p:sp>
+        <p:nvSpPr>
+          <p:cNvPr id="122" name="TextBox 121">
+            <a:extLst>
+              <a:ext uri="{FF2B5EF4-FFF2-40B4-BE49-F238E27FC236}">
+                <a16:creationId xmlns:a16="http://schemas.microsoft.com/office/drawing/2014/main" id="{00AEB9A2-B192-429C-A1AA-E469E891430E}"/>
+              </a:ext>
+            </a:extLst>
+          </p:cNvPr>
+          <p:cNvSpPr txBox="1"/>
+          <p:nvPr/>
+        </p:nvSpPr>
+        <p:spPr>
+          <a:xfrm>
+            <a:off x="100585" y="140315"/>
+            <a:ext cx="7859260" cy="461665"/>
+          </a:xfrm>
+          <a:prstGeom prst="rect">
+            <a:avLst/>
+          </a:prstGeom>
+          <a:noFill/>
+        </p:spPr>
+        <p:txBody>
+          <a:bodyPr wrap="square" rtlCol="0">
+            <a:spAutoFit/>
+          </a:bodyPr>
+          <a:lstStyle/>
+          <a:p>
+            <a:r>
+              <a:rPr lang="en-US" sz="2400" dirty="0">
+                <a:latin typeface="Segoe UI" panose="020B0502040204020203" pitchFamily="34" charset="0"/>
+                <a:cs typeface="Segoe UI" panose="020B0502040204020203" pitchFamily="34" charset="0"/>
+              </a:rPr>
+              <a:t>Order Placement</a:t>
+            </a:r>
+          </a:p>
+        </p:txBody>
+      </p:sp>
+      <p:grpSp>
+        <p:nvGrpSpPr>
+          <p:cNvPr id="4" name="Group 3">
+            <a:extLst>
+              <a:ext uri="{FF2B5EF4-FFF2-40B4-BE49-F238E27FC236}">
+                <a16:creationId xmlns:a16="http://schemas.microsoft.com/office/drawing/2014/main" id="{3FB31660-F4CB-40FC-B69E-F968868016F2}"/>
+              </a:ext>
+            </a:extLst>
+          </p:cNvPr>
+          <p:cNvGrpSpPr/>
+          <p:nvPr/>
+        </p:nvGrpSpPr>
+        <p:grpSpPr>
+          <a:xfrm>
+            <a:off x="272027" y="2719188"/>
+            <a:ext cx="2286004" cy="1874758"/>
+            <a:chOff x="2887214" y="3375976"/>
+            <a:chExt cx="2286004" cy="1874758"/>
+          </a:xfrm>
+        </p:grpSpPr>
+        <p:sp>
+          <p:nvSpPr>
+            <p:cNvPr id="40" name="Rectangle 39">
+              <a:extLst>
+                <a:ext uri="{FF2B5EF4-FFF2-40B4-BE49-F238E27FC236}">
+                  <a16:creationId xmlns:a16="http://schemas.microsoft.com/office/drawing/2014/main" id="{EFAFC82C-5D8F-4A26-9F43-9300544A5FA4}"/>
+                </a:ext>
+              </a:extLst>
+            </p:cNvPr>
+            <p:cNvSpPr/>
+            <p:nvPr/>
+          </p:nvSpPr>
+          <p:spPr>
+            <a:xfrm>
+              <a:off x="2887218" y="3375976"/>
+              <a:ext cx="2286000" cy="274320"/>
+            </a:xfrm>
+            <a:prstGeom prst="rect">
+              <a:avLst/>
+            </a:prstGeom>
+            <a:solidFill>
+              <a:schemeClr val="tx1">
+                <a:lumMod val="75000"/>
+                <a:lumOff val="25000"/>
+              </a:schemeClr>
+            </a:solidFill>
+            <a:ln>
+              <a:noFill/>
+            </a:ln>
+          </p:spPr>
+          <p:style>
+            <a:lnRef idx="2">
+              <a:schemeClr val="accent1">
+                <a:shade val="50000"/>
+              </a:schemeClr>
+            </a:lnRef>
+            <a:fillRef idx="1">
+              <a:schemeClr val="accent1"/>
+            </a:fillRef>
+            <a:effectRef idx="0">
+              <a:schemeClr val="accent1"/>
+            </a:effectRef>
+            <a:fontRef idx="minor">
+              <a:schemeClr val="lt1"/>
+            </a:fontRef>
+          </p:style>
+          <p:txBody>
+            <a:bodyPr rtlCol="0" anchor="ctr"/>
+            <a:lstStyle/>
+            <a:p>
+              <a:pPr algn="ctr"/>
+              <a:r>
+                <a:rPr lang="en-US" sz="1600" dirty="0">
+                  <a:latin typeface="Segoe UI" panose="020B0502040204020203" pitchFamily="34" charset="0"/>
+                  <a:cs typeface="Segoe UI" panose="020B0502040204020203" pitchFamily="34" charset="0"/>
+                </a:rPr>
+                <a:t>Order</a:t>
+              </a:r>
+            </a:p>
+          </p:txBody>
+        </p:sp>
+        <p:sp>
+          <p:nvSpPr>
+            <p:cNvPr id="43" name="Rectangle 42">
+              <a:extLst>
+                <a:ext uri="{FF2B5EF4-FFF2-40B4-BE49-F238E27FC236}">
+                  <a16:creationId xmlns:a16="http://schemas.microsoft.com/office/drawing/2014/main" id="{1BA70B27-39D9-4D24-875B-6298E42CB418}"/>
+                </a:ext>
+              </a:extLst>
+            </p:cNvPr>
+            <p:cNvSpPr/>
+            <p:nvPr/>
+          </p:nvSpPr>
+          <p:spPr>
+            <a:xfrm>
+              <a:off x="2887214" y="3650296"/>
+              <a:ext cx="2286000" cy="1600438"/>
+            </a:xfrm>
+            <a:prstGeom prst="rect">
+              <a:avLst/>
+            </a:prstGeom>
+            <a:solidFill>
+              <a:schemeClr val="bg1">
+                <a:lumMod val="85000"/>
+              </a:schemeClr>
+            </a:solidFill>
+            <a:ln>
+              <a:noFill/>
+            </a:ln>
+          </p:spPr>
+          <p:style>
+            <a:lnRef idx="2">
+              <a:schemeClr val="accent1">
+                <a:shade val="50000"/>
+              </a:schemeClr>
+            </a:lnRef>
+            <a:fillRef idx="1">
+              <a:schemeClr val="accent1"/>
+            </a:fillRef>
+            <a:effectRef idx="0">
+              <a:schemeClr val="accent1"/>
+            </a:effectRef>
+            <a:fontRef idx="minor">
+              <a:schemeClr val="lt1"/>
+            </a:fontRef>
+          </p:style>
+          <p:txBody>
+            <a:bodyPr rtlCol="0" anchor="ctr" anchorCtr="0">
+              <a:spAutoFit/>
+            </a:bodyPr>
+            <a:lstStyle/>
+            <a:p>
+              <a:pPr algn="ctr"/>
+              <a:r>
+                <a:rPr lang="en-US" sz="1400" dirty="0">
+                  <a:solidFill>
+                    <a:schemeClr val="tx1">
+                      <a:lumMod val="65000"/>
+                      <a:lumOff val="35000"/>
+                    </a:schemeClr>
+                  </a:solidFill>
+                  <a:latin typeface="Segoe UI" panose="020B0502040204020203" pitchFamily="34" charset="0"/>
+                  <a:cs typeface="Segoe UI" panose="020B0502040204020203" pitchFamily="34" charset="0"/>
+                </a:rPr>
+                <a:t>User</a:t>
+              </a:r>
+            </a:p>
+            <a:p>
+              <a:pPr algn="ctr"/>
+              <a:r>
+                <a:rPr lang="en-US" sz="1400" dirty="0">
+                  <a:solidFill>
+                    <a:schemeClr val="tx1">
+                      <a:lumMod val="65000"/>
+                      <a:lumOff val="35000"/>
+                    </a:schemeClr>
+                  </a:solidFill>
+                  <a:latin typeface="Segoe UI" panose="020B0502040204020203" pitchFamily="34" charset="0"/>
+                  <a:cs typeface="Segoe UI" panose="020B0502040204020203" pitchFamily="34" charset="0"/>
+                </a:rPr>
+                <a:t>Vendor</a:t>
+              </a:r>
+            </a:p>
+            <a:p>
+              <a:pPr algn="ctr"/>
+              <a:r>
+                <a:rPr lang="en-US" sz="1400" dirty="0">
+                  <a:solidFill>
+                    <a:schemeClr val="tx1">
+                      <a:lumMod val="65000"/>
+                      <a:lumOff val="35000"/>
+                    </a:schemeClr>
+                  </a:solidFill>
+                  <a:latin typeface="Segoe UI" panose="020B0502040204020203" pitchFamily="34" charset="0"/>
+                  <a:cs typeface="Segoe UI" panose="020B0502040204020203" pitchFamily="34" charset="0"/>
+                </a:rPr>
+                <a:t>Cost</a:t>
+              </a:r>
+            </a:p>
+            <a:p>
+              <a:pPr algn="ctr"/>
+              <a:r>
+                <a:rPr lang="en-US" sz="1400" dirty="0">
+                  <a:solidFill>
+                    <a:schemeClr val="tx1">
+                      <a:lumMod val="65000"/>
+                      <a:lumOff val="35000"/>
+                    </a:schemeClr>
+                  </a:solidFill>
+                  <a:latin typeface="Segoe UI" panose="020B0502040204020203" pitchFamily="34" charset="0"/>
+                  <a:cs typeface="Segoe UI" panose="020B0502040204020203" pitchFamily="34" charset="0"/>
+                </a:rPr>
+                <a:t>Tracking Number</a:t>
+              </a:r>
+            </a:p>
+            <a:p>
+              <a:pPr algn="ctr"/>
+              <a:r>
+                <a:rPr lang="en-US" sz="1400" dirty="0">
+                  <a:solidFill>
+                    <a:schemeClr val="tx1">
+                      <a:lumMod val="65000"/>
+                      <a:lumOff val="35000"/>
+                    </a:schemeClr>
+                  </a:solidFill>
+                  <a:latin typeface="Segoe UI" panose="020B0502040204020203" pitchFamily="34" charset="0"/>
+                  <a:cs typeface="Segoe UI" panose="020B0502040204020203" pitchFamily="34" charset="0"/>
+                </a:rPr>
+                <a:t>Remarks</a:t>
+              </a:r>
+            </a:p>
+            <a:p>
+              <a:pPr algn="ctr"/>
+              <a:r>
+                <a:rPr lang="en-US" sz="1400" dirty="0">
+                  <a:solidFill>
+                    <a:schemeClr val="tx1">
+                      <a:lumMod val="65000"/>
+                      <a:lumOff val="35000"/>
+                    </a:schemeClr>
+                  </a:solidFill>
+                  <a:latin typeface="Segoe UI" panose="020B0502040204020203" pitchFamily="34" charset="0"/>
+                  <a:cs typeface="Segoe UI" panose="020B0502040204020203" pitchFamily="34" charset="0"/>
+                </a:rPr>
+                <a:t>Order Date</a:t>
+              </a:r>
+            </a:p>
+            <a:p>
+              <a:pPr algn="ctr"/>
+              <a:r>
+                <a:rPr lang="en-US" sz="1400" dirty="0">
+                  <a:solidFill>
+                    <a:schemeClr val="tx1">
+                      <a:lumMod val="65000"/>
+                      <a:lumOff val="35000"/>
+                    </a:schemeClr>
+                  </a:solidFill>
+                  <a:latin typeface="Segoe UI" panose="020B0502040204020203" pitchFamily="34" charset="0"/>
+                  <a:cs typeface="Segoe UI" panose="020B0502040204020203" pitchFamily="34" charset="0"/>
+                </a:rPr>
+                <a:t>Is Received</a:t>
+              </a:r>
+            </a:p>
+          </p:txBody>
+        </p:sp>
+      </p:grpSp>
+      <p:sp>
+        <p:nvSpPr>
+          <p:cNvPr id="58" name="Rectangle 57">
+            <a:extLst>
+              <a:ext uri="{FF2B5EF4-FFF2-40B4-BE49-F238E27FC236}">
+                <a16:creationId xmlns:a16="http://schemas.microsoft.com/office/drawing/2014/main" id="{8C67BCCB-79E7-4004-9F91-31B7B4D014B8}"/>
+              </a:ext>
+            </a:extLst>
+          </p:cNvPr>
+          <p:cNvSpPr/>
+          <p:nvPr/>
+        </p:nvSpPr>
+        <p:spPr>
+          <a:xfrm>
+            <a:off x="2722622" y="1905318"/>
+            <a:ext cx="2615184" cy="490854"/>
+          </a:xfrm>
+          <a:prstGeom prst="rect">
+            <a:avLst/>
+          </a:prstGeom>
+          <a:solidFill>
+            <a:schemeClr val="accent2">
+              <a:lumMod val="60000"/>
+              <a:lumOff val="40000"/>
+            </a:schemeClr>
+          </a:solidFill>
+          <a:ln>
+            <a:noFill/>
+          </a:ln>
+        </p:spPr>
+        <p:style>
+          <a:lnRef idx="2">
+            <a:schemeClr val="accent1">
+              <a:shade val="50000"/>
+            </a:schemeClr>
+          </a:lnRef>
+          <a:fillRef idx="1">
+            <a:schemeClr val="accent1"/>
+          </a:fillRef>
+          <a:effectRef idx="0">
+            <a:schemeClr val="accent1"/>
+          </a:effectRef>
+          <a:fontRef idx="minor">
+            <a:schemeClr val="lt1"/>
+          </a:fontRef>
+        </p:style>
+        <p:txBody>
+          <a:bodyPr rtlCol="0" anchor="ctr"/>
+          <a:lstStyle/>
+          <a:p>
+            <a:pPr algn="ctr"/>
+            <a:r>
+              <a:rPr lang="en-US" sz="1400" dirty="0">
+                <a:solidFill>
+                  <a:schemeClr val="tx2"/>
+                </a:solidFill>
+                <a:latin typeface="Segoe UI" panose="020B0502040204020203" pitchFamily="34" charset="0"/>
+                <a:cs typeface="Segoe UI" panose="020B0502040204020203" pitchFamily="34" charset="0"/>
+              </a:rPr>
+              <a:t>Item</a:t>
+            </a:r>
+          </a:p>
+        </p:txBody>
+      </p:sp>
+      <p:sp>
+        <p:nvSpPr>
+          <p:cNvPr id="60" name="Rectangle 59">
+            <a:extLst>
+              <a:ext uri="{FF2B5EF4-FFF2-40B4-BE49-F238E27FC236}">
+                <a16:creationId xmlns:a16="http://schemas.microsoft.com/office/drawing/2014/main" id="{D7B0F5AA-E0EC-45FA-9BBD-11D2A12C6C3A}"/>
+              </a:ext>
+            </a:extLst>
+          </p:cNvPr>
+          <p:cNvSpPr/>
+          <p:nvPr/>
+        </p:nvSpPr>
+        <p:spPr>
+          <a:xfrm>
+            <a:off x="5344660" y="1905318"/>
+            <a:ext cx="2615184" cy="490854"/>
+          </a:xfrm>
+          <a:prstGeom prst="rect">
+            <a:avLst/>
+          </a:prstGeom>
+          <a:solidFill>
+            <a:schemeClr val="accent2">
+              <a:lumMod val="60000"/>
+              <a:lumOff val="40000"/>
+            </a:schemeClr>
+          </a:solidFill>
+          <a:ln>
+            <a:noFill/>
+          </a:ln>
+        </p:spPr>
+        <p:style>
+          <a:lnRef idx="2">
+            <a:schemeClr val="accent1">
+              <a:shade val="50000"/>
+            </a:schemeClr>
+          </a:lnRef>
+          <a:fillRef idx="1">
+            <a:schemeClr val="accent1"/>
+          </a:fillRef>
+          <a:effectRef idx="0">
+            <a:schemeClr val="accent1"/>
+          </a:effectRef>
+          <a:fontRef idx="minor">
+            <a:schemeClr val="lt1"/>
+          </a:fontRef>
+        </p:style>
+        <p:txBody>
+          <a:bodyPr rtlCol="0" anchor="ctr"/>
+          <a:lstStyle/>
+          <a:p>
+            <a:pPr algn="ctr"/>
+            <a:r>
+              <a:rPr lang="en-US" sz="1400" dirty="0">
+                <a:solidFill>
+                  <a:schemeClr val="tx2"/>
+                </a:solidFill>
+                <a:latin typeface="Segoe UI" panose="020B0502040204020203" pitchFamily="34" charset="0"/>
+                <a:cs typeface="Segoe UI" panose="020B0502040204020203" pitchFamily="34" charset="0"/>
+              </a:rPr>
+              <a:t>Item</a:t>
+            </a:r>
+          </a:p>
+        </p:txBody>
+      </p:sp>
+      <p:sp>
+        <p:nvSpPr>
+          <p:cNvPr id="62" name="Rectangle 61">
+            <a:extLst>
+              <a:ext uri="{FF2B5EF4-FFF2-40B4-BE49-F238E27FC236}">
+                <a16:creationId xmlns:a16="http://schemas.microsoft.com/office/drawing/2014/main" id="{FDD57323-8A40-42B3-9CDE-0EC821F72568}"/>
+              </a:ext>
+            </a:extLst>
+          </p:cNvPr>
+          <p:cNvSpPr/>
+          <p:nvPr/>
+        </p:nvSpPr>
+        <p:spPr>
+          <a:xfrm>
+            <a:off x="107437" y="1905318"/>
+            <a:ext cx="2615184" cy="490854"/>
+          </a:xfrm>
+          <a:prstGeom prst="rect">
+            <a:avLst/>
+          </a:prstGeom>
+          <a:solidFill>
+            <a:schemeClr val="accent2">
+              <a:lumMod val="60000"/>
+              <a:lumOff val="40000"/>
+            </a:schemeClr>
+          </a:solidFill>
+          <a:ln>
+            <a:noFill/>
+          </a:ln>
+        </p:spPr>
+        <p:style>
+          <a:lnRef idx="2">
+            <a:schemeClr val="accent1">
+              <a:shade val="50000"/>
+            </a:schemeClr>
+          </a:lnRef>
+          <a:fillRef idx="1">
+            <a:schemeClr val="accent1"/>
+          </a:fillRef>
+          <a:effectRef idx="0">
+            <a:schemeClr val="accent1"/>
+          </a:effectRef>
+          <a:fontRef idx="minor">
+            <a:schemeClr val="lt1"/>
+          </a:fontRef>
+        </p:style>
+        <p:txBody>
+          <a:bodyPr rtlCol="0" anchor="ctr"/>
+          <a:lstStyle/>
+          <a:p>
+            <a:pPr algn="ctr"/>
+            <a:r>
+              <a:rPr lang="en-US" sz="1400" dirty="0">
+                <a:solidFill>
+                  <a:schemeClr val="tx2"/>
+                </a:solidFill>
+                <a:latin typeface="Segoe UI" panose="020B0502040204020203" pitchFamily="34" charset="0"/>
+                <a:cs typeface="Segoe UI" panose="020B0502040204020203" pitchFamily="34" charset="0"/>
+              </a:rPr>
+              <a:t>Item</a:t>
+            </a:r>
+          </a:p>
+        </p:txBody>
+      </p:sp>
+      <p:grpSp>
+        <p:nvGrpSpPr>
+          <p:cNvPr id="63" name="Group 62">
+            <a:extLst>
+              <a:ext uri="{FF2B5EF4-FFF2-40B4-BE49-F238E27FC236}">
+                <a16:creationId xmlns:a16="http://schemas.microsoft.com/office/drawing/2014/main" id="{10451074-C47F-44AE-B6E0-842AA0D98222}"/>
+              </a:ext>
+            </a:extLst>
+          </p:cNvPr>
+          <p:cNvGrpSpPr/>
+          <p:nvPr/>
+        </p:nvGrpSpPr>
+        <p:grpSpPr>
+          <a:xfrm>
+            <a:off x="2890634" y="2719188"/>
+            <a:ext cx="2286004" cy="1874758"/>
+            <a:chOff x="2887214" y="3375976"/>
+            <a:chExt cx="2286004" cy="1874758"/>
+          </a:xfrm>
+        </p:grpSpPr>
+        <p:sp>
+          <p:nvSpPr>
+            <p:cNvPr id="64" name="Rectangle 63">
+              <a:extLst>
+                <a:ext uri="{FF2B5EF4-FFF2-40B4-BE49-F238E27FC236}">
+                  <a16:creationId xmlns:a16="http://schemas.microsoft.com/office/drawing/2014/main" id="{26373FE9-7814-4489-BB3C-FCF60B225486}"/>
+                </a:ext>
+              </a:extLst>
+            </p:cNvPr>
+            <p:cNvSpPr/>
+            <p:nvPr/>
+          </p:nvSpPr>
+          <p:spPr>
+            <a:xfrm>
+              <a:off x="2887218" y="3375976"/>
+              <a:ext cx="2286000" cy="274320"/>
+            </a:xfrm>
+            <a:prstGeom prst="rect">
+              <a:avLst/>
+            </a:prstGeom>
+            <a:solidFill>
+              <a:schemeClr val="tx1">
+                <a:lumMod val="75000"/>
+                <a:lumOff val="25000"/>
+              </a:schemeClr>
+            </a:solidFill>
+            <a:ln>
+              <a:noFill/>
+            </a:ln>
+          </p:spPr>
+          <p:style>
+            <a:lnRef idx="2">
+              <a:schemeClr val="accent1">
+                <a:shade val="50000"/>
+              </a:schemeClr>
+            </a:lnRef>
+            <a:fillRef idx="1">
+              <a:schemeClr val="accent1"/>
+            </a:fillRef>
+            <a:effectRef idx="0">
+              <a:schemeClr val="accent1"/>
+            </a:effectRef>
+            <a:fontRef idx="minor">
+              <a:schemeClr val="lt1"/>
+            </a:fontRef>
+          </p:style>
+          <p:txBody>
+            <a:bodyPr rtlCol="0" anchor="ctr"/>
+            <a:lstStyle/>
+            <a:p>
+              <a:pPr algn="ctr"/>
+              <a:r>
+                <a:rPr lang="en-US" sz="1600" dirty="0">
+                  <a:latin typeface="Segoe UI" panose="020B0502040204020203" pitchFamily="34" charset="0"/>
+                  <a:cs typeface="Segoe UI" panose="020B0502040204020203" pitchFamily="34" charset="0"/>
+                </a:rPr>
+                <a:t>Order</a:t>
+              </a:r>
+            </a:p>
+          </p:txBody>
+        </p:sp>
+        <p:sp>
+          <p:nvSpPr>
+            <p:cNvPr id="66" name="Rectangle 65">
+              <a:extLst>
+                <a:ext uri="{FF2B5EF4-FFF2-40B4-BE49-F238E27FC236}">
+                  <a16:creationId xmlns:a16="http://schemas.microsoft.com/office/drawing/2014/main" id="{469F6E9C-7080-479D-A186-BAAACAE334D8}"/>
+                </a:ext>
+              </a:extLst>
+            </p:cNvPr>
+            <p:cNvSpPr/>
+            <p:nvPr/>
+          </p:nvSpPr>
+          <p:spPr>
+            <a:xfrm>
+              <a:off x="2887214" y="3650296"/>
+              <a:ext cx="2286000" cy="1600438"/>
+            </a:xfrm>
+            <a:prstGeom prst="rect">
+              <a:avLst/>
+            </a:prstGeom>
+            <a:solidFill>
+              <a:schemeClr val="bg1">
+                <a:lumMod val="85000"/>
+              </a:schemeClr>
+            </a:solidFill>
+            <a:ln>
+              <a:noFill/>
+            </a:ln>
+          </p:spPr>
+          <p:style>
+            <a:lnRef idx="2">
+              <a:schemeClr val="accent1">
+                <a:shade val="50000"/>
+              </a:schemeClr>
+            </a:lnRef>
+            <a:fillRef idx="1">
+              <a:schemeClr val="accent1"/>
+            </a:fillRef>
+            <a:effectRef idx="0">
+              <a:schemeClr val="accent1"/>
+            </a:effectRef>
+            <a:fontRef idx="minor">
+              <a:schemeClr val="lt1"/>
+            </a:fontRef>
+          </p:style>
+          <p:txBody>
+            <a:bodyPr rtlCol="0" anchor="ctr" anchorCtr="0">
+              <a:spAutoFit/>
+            </a:bodyPr>
+            <a:lstStyle/>
+            <a:p>
+              <a:pPr algn="ctr"/>
+              <a:r>
+                <a:rPr lang="en-US" sz="1400" dirty="0">
+                  <a:solidFill>
+                    <a:schemeClr val="tx1">
+                      <a:lumMod val="65000"/>
+                      <a:lumOff val="35000"/>
+                    </a:schemeClr>
+                  </a:solidFill>
+                  <a:latin typeface="Segoe UI" panose="020B0502040204020203" pitchFamily="34" charset="0"/>
+                  <a:cs typeface="Segoe UI" panose="020B0502040204020203" pitchFamily="34" charset="0"/>
+                </a:rPr>
+                <a:t>User</a:t>
+              </a:r>
+            </a:p>
+            <a:p>
+              <a:pPr algn="ctr"/>
+              <a:r>
+                <a:rPr lang="en-US" sz="1400" dirty="0">
+                  <a:solidFill>
+                    <a:schemeClr val="tx1">
+                      <a:lumMod val="65000"/>
+                      <a:lumOff val="35000"/>
+                    </a:schemeClr>
+                  </a:solidFill>
+                  <a:latin typeface="Segoe UI" panose="020B0502040204020203" pitchFamily="34" charset="0"/>
+                  <a:cs typeface="Segoe UI" panose="020B0502040204020203" pitchFamily="34" charset="0"/>
+                </a:rPr>
+                <a:t>Vendor</a:t>
+              </a:r>
+            </a:p>
+            <a:p>
+              <a:pPr algn="ctr"/>
+              <a:r>
+                <a:rPr lang="en-US" sz="1400" dirty="0">
+                  <a:solidFill>
+                    <a:schemeClr val="tx1">
+                      <a:lumMod val="65000"/>
+                      <a:lumOff val="35000"/>
+                    </a:schemeClr>
+                  </a:solidFill>
+                  <a:latin typeface="Segoe UI" panose="020B0502040204020203" pitchFamily="34" charset="0"/>
+                  <a:cs typeface="Segoe UI" panose="020B0502040204020203" pitchFamily="34" charset="0"/>
+                </a:rPr>
+                <a:t>Cost</a:t>
+              </a:r>
+            </a:p>
+            <a:p>
+              <a:pPr algn="ctr"/>
+              <a:r>
+                <a:rPr lang="en-US" sz="1400" dirty="0">
+                  <a:solidFill>
+                    <a:schemeClr val="tx1">
+                      <a:lumMod val="65000"/>
+                      <a:lumOff val="35000"/>
+                    </a:schemeClr>
+                  </a:solidFill>
+                  <a:latin typeface="Segoe UI" panose="020B0502040204020203" pitchFamily="34" charset="0"/>
+                  <a:cs typeface="Segoe UI" panose="020B0502040204020203" pitchFamily="34" charset="0"/>
+                </a:rPr>
+                <a:t>Tracking Number</a:t>
+              </a:r>
+            </a:p>
+            <a:p>
+              <a:pPr algn="ctr"/>
+              <a:r>
+                <a:rPr lang="en-US" sz="1400" dirty="0">
+                  <a:solidFill>
+                    <a:schemeClr val="tx1">
+                      <a:lumMod val="65000"/>
+                      <a:lumOff val="35000"/>
+                    </a:schemeClr>
+                  </a:solidFill>
+                  <a:latin typeface="Segoe UI" panose="020B0502040204020203" pitchFamily="34" charset="0"/>
+                  <a:cs typeface="Segoe UI" panose="020B0502040204020203" pitchFamily="34" charset="0"/>
+                </a:rPr>
+                <a:t>Remarks</a:t>
+              </a:r>
+            </a:p>
+            <a:p>
+              <a:pPr algn="ctr"/>
+              <a:r>
+                <a:rPr lang="en-US" sz="1400" dirty="0">
+                  <a:solidFill>
+                    <a:schemeClr val="tx1">
+                      <a:lumMod val="65000"/>
+                      <a:lumOff val="35000"/>
+                    </a:schemeClr>
+                  </a:solidFill>
+                  <a:latin typeface="Segoe UI" panose="020B0502040204020203" pitchFamily="34" charset="0"/>
+                  <a:cs typeface="Segoe UI" panose="020B0502040204020203" pitchFamily="34" charset="0"/>
+                </a:rPr>
+                <a:t>Order Date</a:t>
+              </a:r>
+            </a:p>
+            <a:p>
+              <a:pPr algn="ctr"/>
+              <a:r>
+                <a:rPr lang="en-US" sz="1400" dirty="0">
+                  <a:solidFill>
+                    <a:schemeClr val="tx1">
+                      <a:lumMod val="65000"/>
+                      <a:lumOff val="35000"/>
+                    </a:schemeClr>
+                  </a:solidFill>
+                  <a:latin typeface="Segoe UI" panose="020B0502040204020203" pitchFamily="34" charset="0"/>
+                  <a:cs typeface="Segoe UI" panose="020B0502040204020203" pitchFamily="34" charset="0"/>
+                </a:rPr>
+                <a:t>Is Received</a:t>
+              </a:r>
+            </a:p>
+          </p:txBody>
+        </p:sp>
+      </p:grpSp>
+      <p:grpSp>
+        <p:nvGrpSpPr>
+          <p:cNvPr id="67" name="Group 66">
+            <a:extLst>
+              <a:ext uri="{FF2B5EF4-FFF2-40B4-BE49-F238E27FC236}">
+                <a16:creationId xmlns:a16="http://schemas.microsoft.com/office/drawing/2014/main" id="{3D113071-8F66-40CD-AEA3-56474742EDDD}"/>
+              </a:ext>
+            </a:extLst>
+          </p:cNvPr>
+          <p:cNvGrpSpPr/>
+          <p:nvPr/>
+        </p:nvGrpSpPr>
+        <p:grpSpPr>
+          <a:xfrm>
+            <a:off x="5509250" y="2719188"/>
+            <a:ext cx="2286004" cy="1874758"/>
+            <a:chOff x="2887214" y="3375976"/>
+            <a:chExt cx="2286004" cy="1874758"/>
+          </a:xfrm>
+        </p:grpSpPr>
+        <p:sp>
+          <p:nvSpPr>
+            <p:cNvPr id="68" name="Rectangle 67">
+              <a:extLst>
+                <a:ext uri="{FF2B5EF4-FFF2-40B4-BE49-F238E27FC236}">
+                  <a16:creationId xmlns:a16="http://schemas.microsoft.com/office/drawing/2014/main" id="{2B4FF1E6-DFCD-44A0-BA64-723017AEB288}"/>
+                </a:ext>
+              </a:extLst>
+            </p:cNvPr>
+            <p:cNvSpPr/>
+            <p:nvPr/>
+          </p:nvSpPr>
+          <p:spPr>
+            <a:xfrm>
+              <a:off x="2887218" y="3375976"/>
+              <a:ext cx="2286000" cy="274320"/>
+            </a:xfrm>
+            <a:prstGeom prst="rect">
+              <a:avLst/>
+            </a:prstGeom>
+            <a:solidFill>
+              <a:schemeClr val="tx1">
+                <a:lumMod val="75000"/>
+                <a:lumOff val="25000"/>
+              </a:schemeClr>
+            </a:solidFill>
+            <a:ln>
+              <a:noFill/>
+            </a:ln>
+          </p:spPr>
+          <p:style>
+            <a:lnRef idx="2">
+              <a:schemeClr val="accent1">
+                <a:shade val="50000"/>
+              </a:schemeClr>
+            </a:lnRef>
+            <a:fillRef idx="1">
+              <a:schemeClr val="accent1"/>
+            </a:fillRef>
+            <a:effectRef idx="0">
+              <a:schemeClr val="accent1"/>
+            </a:effectRef>
+            <a:fontRef idx="minor">
+              <a:schemeClr val="lt1"/>
+            </a:fontRef>
+          </p:style>
+          <p:txBody>
+            <a:bodyPr rtlCol="0" anchor="ctr"/>
+            <a:lstStyle/>
+            <a:p>
+              <a:pPr algn="ctr"/>
+              <a:r>
+                <a:rPr lang="en-US" sz="1600" dirty="0">
+                  <a:latin typeface="Segoe UI" panose="020B0502040204020203" pitchFamily="34" charset="0"/>
+                  <a:cs typeface="Segoe UI" panose="020B0502040204020203" pitchFamily="34" charset="0"/>
+                </a:rPr>
+                <a:t>Order</a:t>
+              </a:r>
+            </a:p>
+          </p:txBody>
+        </p:sp>
+        <p:sp>
+          <p:nvSpPr>
+            <p:cNvPr id="69" name="Rectangle 68">
+              <a:extLst>
+                <a:ext uri="{FF2B5EF4-FFF2-40B4-BE49-F238E27FC236}">
+                  <a16:creationId xmlns:a16="http://schemas.microsoft.com/office/drawing/2014/main" id="{6DC6310B-25E4-4A05-85EB-4B14D6E08E49}"/>
+                </a:ext>
+              </a:extLst>
+            </p:cNvPr>
+            <p:cNvSpPr/>
+            <p:nvPr/>
+          </p:nvSpPr>
+          <p:spPr>
+            <a:xfrm>
+              <a:off x="2887214" y="3650296"/>
+              <a:ext cx="2286000" cy="1600438"/>
+            </a:xfrm>
+            <a:prstGeom prst="rect">
+              <a:avLst/>
+            </a:prstGeom>
+            <a:solidFill>
+              <a:schemeClr val="bg1">
+                <a:lumMod val="85000"/>
+              </a:schemeClr>
+            </a:solidFill>
+            <a:ln>
+              <a:noFill/>
+            </a:ln>
+          </p:spPr>
+          <p:style>
+            <a:lnRef idx="2">
+              <a:schemeClr val="accent1">
+                <a:shade val="50000"/>
+              </a:schemeClr>
+            </a:lnRef>
+            <a:fillRef idx="1">
+              <a:schemeClr val="accent1"/>
+            </a:fillRef>
+            <a:effectRef idx="0">
+              <a:schemeClr val="accent1"/>
+            </a:effectRef>
+            <a:fontRef idx="minor">
+              <a:schemeClr val="lt1"/>
+            </a:fontRef>
+          </p:style>
+          <p:txBody>
+            <a:bodyPr rtlCol="0" anchor="ctr" anchorCtr="0">
+              <a:spAutoFit/>
+            </a:bodyPr>
+            <a:lstStyle/>
+            <a:p>
+              <a:pPr algn="ctr"/>
+              <a:r>
+                <a:rPr lang="en-US" sz="1400" dirty="0">
+                  <a:solidFill>
+                    <a:schemeClr val="tx1">
+                      <a:lumMod val="65000"/>
+                      <a:lumOff val="35000"/>
+                    </a:schemeClr>
+                  </a:solidFill>
+                  <a:latin typeface="Segoe UI" panose="020B0502040204020203" pitchFamily="34" charset="0"/>
+                  <a:cs typeface="Segoe UI" panose="020B0502040204020203" pitchFamily="34" charset="0"/>
+                </a:rPr>
+                <a:t>User</a:t>
+              </a:r>
+            </a:p>
+            <a:p>
+              <a:pPr algn="ctr"/>
+              <a:r>
+                <a:rPr lang="en-US" sz="1400" dirty="0">
+                  <a:solidFill>
+                    <a:schemeClr val="tx1">
+                      <a:lumMod val="65000"/>
+                      <a:lumOff val="35000"/>
+                    </a:schemeClr>
+                  </a:solidFill>
+                  <a:latin typeface="Segoe UI" panose="020B0502040204020203" pitchFamily="34" charset="0"/>
+                  <a:cs typeface="Segoe UI" panose="020B0502040204020203" pitchFamily="34" charset="0"/>
+                </a:rPr>
+                <a:t>Vendor</a:t>
+              </a:r>
+            </a:p>
+            <a:p>
+              <a:pPr algn="ctr"/>
+              <a:r>
+                <a:rPr lang="en-US" sz="1400" dirty="0">
+                  <a:solidFill>
+                    <a:schemeClr val="tx1">
+                      <a:lumMod val="65000"/>
+                      <a:lumOff val="35000"/>
+                    </a:schemeClr>
+                  </a:solidFill>
+                  <a:latin typeface="Segoe UI" panose="020B0502040204020203" pitchFamily="34" charset="0"/>
+                  <a:cs typeface="Segoe UI" panose="020B0502040204020203" pitchFamily="34" charset="0"/>
+                </a:rPr>
+                <a:t>Cost</a:t>
+              </a:r>
+            </a:p>
+            <a:p>
+              <a:pPr algn="ctr"/>
+              <a:r>
+                <a:rPr lang="en-US" sz="1400" dirty="0">
+                  <a:solidFill>
+                    <a:schemeClr val="tx1">
+                      <a:lumMod val="65000"/>
+                      <a:lumOff val="35000"/>
+                    </a:schemeClr>
+                  </a:solidFill>
+                  <a:latin typeface="Segoe UI" panose="020B0502040204020203" pitchFamily="34" charset="0"/>
+                  <a:cs typeface="Segoe UI" panose="020B0502040204020203" pitchFamily="34" charset="0"/>
+                </a:rPr>
+                <a:t>Tracking Number</a:t>
+              </a:r>
+            </a:p>
+            <a:p>
+              <a:pPr algn="ctr"/>
+              <a:r>
+                <a:rPr lang="en-US" sz="1400" dirty="0">
+                  <a:solidFill>
+                    <a:schemeClr val="tx1">
+                      <a:lumMod val="65000"/>
+                      <a:lumOff val="35000"/>
+                    </a:schemeClr>
+                  </a:solidFill>
+                  <a:latin typeface="Segoe UI" panose="020B0502040204020203" pitchFamily="34" charset="0"/>
+                  <a:cs typeface="Segoe UI" panose="020B0502040204020203" pitchFamily="34" charset="0"/>
+                </a:rPr>
+                <a:t>Remarks</a:t>
+              </a:r>
+            </a:p>
+            <a:p>
+              <a:pPr algn="ctr"/>
+              <a:r>
+                <a:rPr lang="en-US" sz="1400" dirty="0">
+                  <a:solidFill>
+                    <a:schemeClr val="tx1">
+                      <a:lumMod val="65000"/>
+                      <a:lumOff val="35000"/>
+                    </a:schemeClr>
+                  </a:solidFill>
+                  <a:latin typeface="Segoe UI" panose="020B0502040204020203" pitchFamily="34" charset="0"/>
+                  <a:cs typeface="Segoe UI" panose="020B0502040204020203" pitchFamily="34" charset="0"/>
+                </a:rPr>
+                <a:t>Order Date</a:t>
+              </a:r>
+            </a:p>
+            <a:p>
+              <a:pPr algn="ctr"/>
+              <a:r>
+                <a:rPr lang="en-US" sz="1400" dirty="0">
+                  <a:solidFill>
+                    <a:schemeClr val="tx1">
+                      <a:lumMod val="65000"/>
+                      <a:lumOff val="35000"/>
+                    </a:schemeClr>
+                  </a:solidFill>
+                  <a:latin typeface="Segoe UI" panose="020B0502040204020203" pitchFamily="34" charset="0"/>
+                  <a:cs typeface="Segoe UI" panose="020B0502040204020203" pitchFamily="34" charset="0"/>
+                </a:rPr>
+                <a:t>Is Received</a:t>
+              </a:r>
+            </a:p>
+          </p:txBody>
+        </p:sp>
+      </p:grpSp>
+      <p:cxnSp>
+        <p:nvCxnSpPr>
+          <p:cNvPr id="6" name="Straight Arrow Connector 5">
+            <a:extLst>
+              <a:ext uri="{FF2B5EF4-FFF2-40B4-BE49-F238E27FC236}">
+                <a16:creationId xmlns:a16="http://schemas.microsoft.com/office/drawing/2014/main" id="{9849E35A-3A1F-48D7-80BA-B60C6AB1DC45}"/>
+              </a:ext>
+            </a:extLst>
+          </p:cNvPr>
+          <p:cNvCxnSpPr>
+            <a:cxnSpLocks/>
+            <a:stCxn id="62" idx="2"/>
+            <a:endCxn id="40" idx="0"/>
+          </p:cNvCxnSpPr>
+          <p:nvPr/>
+        </p:nvCxnSpPr>
+        <p:spPr>
+          <a:xfrm>
+            <a:off x="1415029" y="2396172"/>
+            <a:ext cx="2" cy="323016"/>
+          </a:xfrm>
+          <a:prstGeom prst="straightConnector1">
+            <a:avLst/>
+          </a:prstGeom>
+          <a:ln>
+            <a:tailEnd type="triangle"/>
+          </a:ln>
+        </p:spPr>
+        <p:style>
+          <a:lnRef idx="1">
+            <a:schemeClr val="accent6"/>
+          </a:lnRef>
+          <a:fillRef idx="0">
+            <a:schemeClr val="accent6"/>
+          </a:fillRef>
+          <a:effectRef idx="0">
+            <a:schemeClr val="accent6"/>
+          </a:effectRef>
+          <a:fontRef idx="minor">
+            <a:schemeClr val="tx1"/>
+          </a:fontRef>
+        </p:style>
+      </p:cxnSp>
+      <p:cxnSp>
+        <p:nvCxnSpPr>
+          <p:cNvPr id="11" name="Straight Arrow Connector 10">
+            <a:extLst>
+              <a:ext uri="{FF2B5EF4-FFF2-40B4-BE49-F238E27FC236}">
+                <a16:creationId xmlns:a16="http://schemas.microsoft.com/office/drawing/2014/main" id="{F3ACF495-A7C2-406C-8CFF-B456FFC310BD}"/>
+              </a:ext>
+            </a:extLst>
+          </p:cNvPr>
+          <p:cNvCxnSpPr>
+            <a:stCxn id="58" idx="2"/>
+            <a:endCxn id="64" idx="0"/>
+          </p:cNvCxnSpPr>
+          <p:nvPr/>
+        </p:nvCxnSpPr>
+        <p:spPr>
+          <a:xfrm>
+            <a:off x="4030214" y="2396172"/>
+            <a:ext cx="3424" cy="323016"/>
+          </a:xfrm>
+          <a:prstGeom prst="straightConnector1">
+            <a:avLst/>
+          </a:prstGeom>
+          <a:ln>
+            <a:tailEnd type="triangle"/>
+          </a:ln>
+        </p:spPr>
+        <p:style>
+          <a:lnRef idx="1">
+            <a:schemeClr val="accent6"/>
+          </a:lnRef>
+          <a:fillRef idx="0">
+            <a:schemeClr val="accent6"/>
+          </a:fillRef>
+          <a:effectRef idx="0">
+            <a:schemeClr val="accent6"/>
+          </a:effectRef>
+          <a:fontRef idx="minor">
+            <a:schemeClr val="tx1"/>
+          </a:fontRef>
+        </p:style>
+      </p:cxnSp>
+      <p:cxnSp>
+        <p:nvCxnSpPr>
+          <p:cNvPr id="13" name="Straight Arrow Connector 12">
+            <a:extLst>
+              <a:ext uri="{FF2B5EF4-FFF2-40B4-BE49-F238E27FC236}">
+                <a16:creationId xmlns:a16="http://schemas.microsoft.com/office/drawing/2014/main" id="{756998EC-442F-43F5-9AFF-698B8B8CC531}"/>
+              </a:ext>
+            </a:extLst>
+          </p:cNvPr>
+          <p:cNvCxnSpPr>
+            <a:stCxn id="60" idx="2"/>
+            <a:endCxn id="68" idx="0"/>
+          </p:cNvCxnSpPr>
+          <p:nvPr/>
+        </p:nvCxnSpPr>
+        <p:spPr>
+          <a:xfrm>
+            <a:off x="6652252" y="2396172"/>
+            <a:ext cx="2" cy="323016"/>
+          </a:xfrm>
+          <a:prstGeom prst="straightConnector1">
+            <a:avLst/>
+          </a:prstGeom>
+          <a:ln>
+            <a:tailEnd type="triangle"/>
+          </a:ln>
+        </p:spPr>
+        <p:style>
+          <a:lnRef idx="1">
+            <a:schemeClr val="accent6"/>
+          </a:lnRef>
+          <a:fillRef idx="0">
+            <a:schemeClr val="accent6"/>
+          </a:fillRef>
+          <a:effectRef idx="0">
+            <a:schemeClr val="accent6"/>
+          </a:effectRef>
+          <a:fontRef idx="minor">
+            <a:schemeClr val="tx1"/>
+          </a:fontRef>
+        </p:style>
+      </p:cxnSp>
+      <p:grpSp>
+        <p:nvGrpSpPr>
+          <p:cNvPr id="15" name="Group 14">
+            <a:extLst>
+              <a:ext uri="{FF2B5EF4-FFF2-40B4-BE49-F238E27FC236}">
+                <a16:creationId xmlns:a16="http://schemas.microsoft.com/office/drawing/2014/main" id="{2C24B19B-EC7E-479F-8FE7-5C31C36190CE}"/>
+              </a:ext>
+            </a:extLst>
+          </p:cNvPr>
+          <p:cNvGrpSpPr/>
+          <p:nvPr/>
+        </p:nvGrpSpPr>
+        <p:grpSpPr>
+          <a:xfrm>
+            <a:off x="272029" y="4952683"/>
+            <a:ext cx="2286000" cy="1012984"/>
+            <a:chOff x="272027" y="4898397"/>
+            <a:chExt cx="2286000" cy="1012984"/>
+          </a:xfrm>
+        </p:grpSpPr>
+        <p:sp>
+          <p:nvSpPr>
+            <p:cNvPr id="71" name="Rectangle 70">
+              <a:extLst>
+                <a:ext uri="{FF2B5EF4-FFF2-40B4-BE49-F238E27FC236}">
+                  <a16:creationId xmlns:a16="http://schemas.microsoft.com/office/drawing/2014/main" id="{01BED0C4-837B-4A44-8E19-6A37A78DC698}"/>
+                </a:ext>
+              </a:extLst>
+            </p:cNvPr>
+            <p:cNvSpPr/>
+            <p:nvPr/>
+          </p:nvSpPr>
+          <p:spPr>
+            <a:xfrm>
+              <a:off x="272027" y="4898397"/>
+              <a:ext cx="2286000" cy="274320"/>
+            </a:xfrm>
+            <a:prstGeom prst="rect">
+              <a:avLst/>
+            </a:prstGeom>
+            <a:solidFill>
+              <a:schemeClr val="tx1">
+                <a:lumMod val="75000"/>
+                <a:lumOff val="25000"/>
+              </a:schemeClr>
+            </a:solidFill>
+            <a:ln>
+              <a:noFill/>
+            </a:ln>
+          </p:spPr>
+          <p:style>
+            <a:lnRef idx="2">
+              <a:schemeClr val="accent1">
+                <a:shade val="50000"/>
+              </a:schemeClr>
+            </a:lnRef>
+            <a:fillRef idx="1">
+              <a:schemeClr val="accent1"/>
+            </a:fillRef>
+            <a:effectRef idx="0">
+              <a:schemeClr val="accent1"/>
+            </a:effectRef>
+            <a:fontRef idx="minor">
+              <a:schemeClr val="lt1"/>
+            </a:fontRef>
+          </p:style>
+          <p:txBody>
+            <a:bodyPr rtlCol="0" anchor="ctr"/>
+            <a:lstStyle/>
+            <a:p>
+              <a:pPr algn="ctr"/>
+              <a:r>
+                <a:rPr lang="en-US" sz="1600" dirty="0">
+                  <a:latin typeface="Segoe UI" panose="020B0502040204020203" pitchFamily="34" charset="0"/>
+                  <a:cs typeface="Segoe UI" panose="020B0502040204020203" pitchFamily="34" charset="0"/>
+                </a:rPr>
+                <a:t>Transaction</a:t>
+              </a:r>
+            </a:p>
+          </p:txBody>
+        </p:sp>
+        <p:sp>
+          <p:nvSpPr>
+            <p:cNvPr id="72" name="Rectangle 71">
+              <a:extLst>
+                <a:ext uri="{FF2B5EF4-FFF2-40B4-BE49-F238E27FC236}">
+                  <a16:creationId xmlns:a16="http://schemas.microsoft.com/office/drawing/2014/main" id="{F1CCA459-8315-43C3-B67E-E9DD87049584}"/>
+                </a:ext>
+              </a:extLst>
+            </p:cNvPr>
+            <p:cNvSpPr/>
+            <p:nvPr/>
+          </p:nvSpPr>
+          <p:spPr>
+            <a:xfrm>
+              <a:off x="272027" y="5172717"/>
+              <a:ext cx="2286000" cy="738664"/>
+            </a:xfrm>
+            <a:prstGeom prst="rect">
+              <a:avLst/>
+            </a:prstGeom>
+            <a:solidFill>
+              <a:schemeClr val="bg1">
+                <a:lumMod val="85000"/>
+              </a:schemeClr>
+            </a:solidFill>
+            <a:ln>
+              <a:noFill/>
+            </a:ln>
+          </p:spPr>
+          <p:style>
+            <a:lnRef idx="2">
+              <a:schemeClr val="accent1">
+                <a:shade val="50000"/>
+              </a:schemeClr>
+            </a:lnRef>
+            <a:fillRef idx="1">
+              <a:schemeClr val="accent1"/>
+            </a:fillRef>
+            <a:effectRef idx="0">
+              <a:schemeClr val="accent1"/>
+            </a:effectRef>
+            <a:fontRef idx="minor">
+              <a:schemeClr val="lt1"/>
+            </a:fontRef>
+          </p:style>
+          <p:txBody>
+            <a:bodyPr rtlCol="0" anchor="ctr" anchorCtr="0">
+              <a:spAutoFit/>
+            </a:bodyPr>
+            <a:lstStyle/>
+            <a:p>
+              <a:pPr algn="ctr"/>
+              <a:r>
+                <a:rPr lang="en-US" sz="1400" dirty="0">
+                  <a:solidFill>
+                    <a:schemeClr val="tx1">
+                      <a:lumMod val="65000"/>
+                      <a:lumOff val="35000"/>
+                    </a:schemeClr>
+                  </a:solidFill>
+                  <a:latin typeface="Segoe UI" panose="020B0502040204020203" pitchFamily="34" charset="0"/>
+                  <a:cs typeface="Segoe UI" panose="020B0502040204020203" pitchFamily="34" charset="0"/>
+                </a:rPr>
+                <a:t>Label</a:t>
+              </a:r>
+            </a:p>
+            <a:p>
+              <a:pPr algn="ctr"/>
+              <a:r>
+                <a:rPr lang="en-US" sz="1400" dirty="0">
+                  <a:solidFill>
+                    <a:schemeClr val="tx1">
+                      <a:lumMod val="65000"/>
+                      <a:lumOff val="35000"/>
+                    </a:schemeClr>
+                  </a:solidFill>
+                  <a:latin typeface="Segoe UI" panose="020B0502040204020203" pitchFamily="34" charset="0"/>
+                  <a:cs typeface="Segoe UI" panose="020B0502040204020203" pitchFamily="34" charset="0"/>
+                </a:rPr>
+                <a:t>Amount</a:t>
+              </a:r>
+            </a:p>
+            <a:p>
+              <a:pPr algn="ctr"/>
+              <a:r>
+                <a:rPr lang="en-US" sz="1400" dirty="0">
+                  <a:solidFill>
+                    <a:schemeClr val="tx1">
+                      <a:lumMod val="65000"/>
+                      <a:lumOff val="35000"/>
+                    </a:schemeClr>
+                  </a:solidFill>
+                  <a:latin typeface="Segoe UI" panose="020B0502040204020203" pitchFamily="34" charset="0"/>
+                  <a:cs typeface="Segoe UI" panose="020B0502040204020203" pitchFamily="34" charset="0"/>
+                </a:rPr>
+                <a:t>Transaction Date</a:t>
+              </a:r>
+            </a:p>
+          </p:txBody>
+        </p:sp>
+      </p:grpSp>
+      <p:grpSp>
+        <p:nvGrpSpPr>
+          <p:cNvPr id="73" name="Group 72">
+            <a:extLst>
+              <a:ext uri="{FF2B5EF4-FFF2-40B4-BE49-F238E27FC236}">
+                <a16:creationId xmlns:a16="http://schemas.microsoft.com/office/drawing/2014/main" id="{D5D5D623-0DA7-4930-B14A-65FBA5FAEC8C}"/>
+              </a:ext>
+            </a:extLst>
+          </p:cNvPr>
+          <p:cNvGrpSpPr/>
+          <p:nvPr/>
+        </p:nvGrpSpPr>
+        <p:grpSpPr>
+          <a:xfrm>
+            <a:off x="2887216" y="4952683"/>
+            <a:ext cx="2286000" cy="1012984"/>
+            <a:chOff x="272027" y="4898397"/>
+            <a:chExt cx="2286000" cy="1012984"/>
+          </a:xfrm>
+        </p:grpSpPr>
+        <p:sp>
+          <p:nvSpPr>
+            <p:cNvPr id="74" name="Rectangle 73">
+              <a:extLst>
+                <a:ext uri="{FF2B5EF4-FFF2-40B4-BE49-F238E27FC236}">
+                  <a16:creationId xmlns:a16="http://schemas.microsoft.com/office/drawing/2014/main" id="{383484E7-148D-4EAF-A148-B7D374E60965}"/>
+                </a:ext>
+              </a:extLst>
+            </p:cNvPr>
+            <p:cNvSpPr/>
+            <p:nvPr/>
+          </p:nvSpPr>
+          <p:spPr>
+            <a:xfrm>
+              <a:off x="272027" y="4898397"/>
+              <a:ext cx="2286000" cy="274320"/>
+            </a:xfrm>
+            <a:prstGeom prst="rect">
+              <a:avLst/>
+            </a:prstGeom>
+            <a:solidFill>
+              <a:schemeClr val="tx1">
+                <a:lumMod val="75000"/>
+                <a:lumOff val="25000"/>
+              </a:schemeClr>
+            </a:solidFill>
+            <a:ln>
+              <a:noFill/>
+            </a:ln>
+          </p:spPr>
+          <p:style>
+            <a:lnRef idx="2">
+              <a:schemeClr val="accent1">
+                <a:shade val="50000"/>
+              </a:schemeClr>
+            </a:lnRef>
+            <a:fillRef idx="1">
+              <a:schemeClr val="accent1"/>
+            </a:fillRef>
+            <a:effectRef idx="0">
+              <a:schemeClr val="accent1"/>
+            </a:effectRef>
+            <a:fontRef idx="minor">
+              <a:schemeClr val="lt1"/>
+            </a:fontRef>
+          </p:style>
+          <p:txBody>
+            <a:bodyPr rtlCol="0" anchor="ctr"/>
+            <a:lstStyle/>
+            <a:p>
+              <a:pPr algn="ctr"/>
+              <a:r>
+                <a:rPr lang="en-US" sz="1600" dirty="0">
+                  <a:latin typeface="Segoe UI" panose="020B0502040204020203" pitchFamily="34" charset="0"/>
+                  <a:cs typeface="Segoe UI" panose="020B0502040204020203" pitchFamily="34" charset="0"/>
+                </a:rPr>
+                <a:t>Transaction</a:t>
+              </a:r>
+            </a:p>
+          </p:txBody>
+        </p:sp>
+        <p:sp>
+          <p:nvSpPr>
+            <p:cNvPr id="75" name="Rectangle 74">
+              <a:extLst>
+                <a:ext uri="{FF2B5EF4-FFF2-40B4-BE49-F238E27FC236}">
+                  <a16:creationId xmlns:a16="http://schemas.microsoft.com/office/drawing/2014/main" id="{1196A84F-753E-476F-98CF-EC725570C756}"/>
+                </a:ext>
+              </a:extLst>
+            </p:cNvPr>
+            <p:cNvSpPr/>
+            <p:nvPr/>
+          </p:nvSpPr>
+          <p:spPr>
+            <a:xfrm>
+              <a:off x="272027" y="5172717"/>
+              <a:ext cx="2286000" cy="738664"/>
+            </a:xfrm>
+            <a:prstGeom prst="rect">
+              <a:avLst/>
+            </a:prstGeom>
+            <a:solidFill>
+              <a:schemeClr val="bg1">
+                <a:lumMod val="85000"/>
+              </a:schemeClr>
+            </a:solidFill>
+            <a:ln>
+              <a:noFill/>
+            </a:ln>
+          </p:spPr>
+          <p:style>
+            <a:lnRef idx="2">
+              <a:schemeClr val="accent1">
+                <a:shade val="50000"/>
+              </a:schemeClr>
+            </a:lnRef>
+            <a:fillRef idx="1">
+              <a:schemeClr val="accent1"/>
+            </a:fillRef>
+            <a:effectRef idx="0">
+              <a:schemeClr val="accent1"/>
+            </a:effectRef>
+            <a:fontRef idx="minor">
+              <a:schemeClr val="lt1"/>
+            </a:fontRef>
+          </p:style>
+          <p:txBody>
+            <a:bodyPr rtlCol="0" anchor="ctr" anchorCtr="0">
+              <a:spAutoFit/>
+            </a:bodyPr>
+            <a:lstStyle/>
+            <a:p>
+              <a:pPr algn="ctr"/>
+              <a:r>
+                <a:rPr lang="en-US" sz="1400" dirty="0">
+                  <a:solidFill>
+                    <a:schemeClr val="tx1">
+                      <a:lumMod val="65000"/>
+                      <a:lumOff val="35000"/>
+                    </a:schemeClr>
+                  </a:solidFill>
+                  <a:latin typeface="Segoe UI" panose="020B0502040204020203" pitchFamily="34" charset="0"/>
+                  <a:cs typeface="Segoe UI" panose="020B0502040204020203" pitchFamily="34" charset="0"/>
+                </a:rPr>
+                <a:t>Label</a:t>
+              </a:r>
+            </a:p>
+            <a:p>
+              <a:pPr algn="ctr"/>
+              <a:r>
+                <a:rPr lang="en-US" sz="1400" dirty="0">
+                  <a:solidFill>
+                    <a:schemeClr val="tx1">
+                      <a:lumMod val="65000"/>
+                      <a:lumOff val="35000"/>
+                    </a:schemeClr>
+                  </a:solidFill>
+                  <a:latin typeface="Segoe UI" panose="020B0502040204020203" pitchFamily="34" charset="0"/>
+                  <a:cs typeface="Segoe UI" panose="020B0502040204020203" pitchFamily="34" charset="0"/>
+                </a:rPr>
+                <a:t>Amount</a:t>
+              </a:r>
+            </a:p>
+            <a:p>
+              <a:pPr algn="ctr"/>
+              <a:r>
+                <a:rPr lang="en-US" sz="1400" dirty="0">
+                  <a:solidFill>
+                    <a:schemeClr val="tx1">
+                      <a:lumMod val="65000"/>
+                      <a:lumOff val="35000"/>
+                    </a:schemeClr>
+                  </a:solidFill>
+                  <a:latin typeface="Segoe UI" panose="020B0502040204020203" pitchFamily="34" charset="0"/>
+                  <a:cs typeface="Segoe UI" panose="020B0502040204020203" pitchFamily="34" charset="0"/>
+                </a:rPr>
+                <a:t>Transaction Date</a:t>
+              </a:r>
+            </a:p>
+          </p:txBody>
+        </p:sp>
+      </p:grpSp>
+      <p:grpSp>
+        <p:nvGrpSpPr>
+          <p:cNvPr id="76" name="Group 75">
+            <a:extLst>
+              <a:ext uri="{FF2B5EF4-FFF2-40B4-BE49-F238E27FC236}">
+                <a16:creationId xmlns:a16="http://schemas.microsoft.com/office/drawing/2014/main" id="{29EAB108-7B3E-48C2-9CCF-D08B7F28902C}"/>
+              </a:ext>
+            </a:extLst>
+          </p:cNvPr>
+          <p:cNvGrpSpPr/>
+          <p:nvPr/>
+        </p:nvGrpSpPr>
+        <p:grpSpPr>
+          <a:xfrm>
+            <a:off x="5509252" y="4952683"/>
+            <a:ext cx="2286000" cy="1012984"/>
+            <a:chOff x="272027" y="4898397"/>
+            <a:chExt cx="2286000" cy="1012984"/>
+          </a:xfrm>
+        </p:grpSpPr>
+        <p:sp>
+          <p:nvSpPr>
+            <p:cNvPr id="77" name="Rectangle 76">
+              <a:extLst>
+                <a:ext uri="{FF2B5EF4-FFF2-40B4-BE49-F238E27FC236}">
+                  <a16:creationId xmlns:a16="http://schemas.microsoft.com/office/drawing/2014/main" id="{9FC2FAF3-E34D-409A-AED7-63222C02AF34}"/>
+                </a:ext>
+              </a:extLst>
+            </p:cNvPr>
+            <p:cNvSpPr/>
+            <p:nvPr/>
+          </p:nvSpPr>
+          <p:spPr>
+            <a:xfrm>
+              <a:off x="272027" y="4898397"/>
+              <a:ext cx="2286000" cy="274320"/>
+            </a:xfrm>
+            <a:prstGeom prst="rect">
+              <a:avLst/>
+            </a:prstGeom>
+            <a:solidFill>
+              <a:schemeClr val="tx1">
+                <a:lumMod val="75000"/>
+                <a:lumOff val="25000"/>
+              </a:schemeClr>
+            </a:solidFill>
+            <a:ln>
+              <a:noFill/>
+            </a:ln>
+          </p:spPr>
+          <p:style>
+            <a:lnRef idx="2">
+              <a:schemeClr val="accent1">
+                <a:shade val="50000"/>
+              </a:schemeClr>
+            </a:lnRef>
+            <a:fillRef idx="1">
+              <a:schemeClr val="accent1"/>
+            </a:fillRef>
+            <a:effectRef idx="0">
+              <a:schemeClr val="accent1"/>
+            </a:effectRef>
+            <a:fontRef idx="minor">
+              <a:schemeClr val="lt1"/>
+            </a:fontRef>
+          </p:style>
+          <p:txBody>
+            <a:bodyPr rtlCol="0" anchor="ctr"/>
+            <a:lstStyle/>
+            <a:p>
+              <a:pPr algn="ctr"/>
+              <a:r>
+                <a:rPr lang="en-US" sz="1600" dirty="0">
+                  <a:latin typeface="Segoe UI" panose="020B0502040204020203" pitchFamily="34" charset="0"/>
+                  <a:cs typeface="Segoe UI" panose="020B0502040204020203" pitchFamily="34" charset="0"/>
+                </a:rPr>
+                <a:t>Transaction</a:t>
+              </a:r>
+            </a:p>
+          </p:txBody>
+        </p:sp>
+        <p:sp>
+          <p:nvSpPr>
+            <p:cNvPr id="78" name="Rectangle 77">
+              <a:extLst>
+                <a:ext uri="{FF2B5EF4-FFF2-40B4-BE49-F238E27FC236}">
+                  <a16:creationId xmlns:a16="http://schemas.microsoft.com/office/drawing/2014/main" id="{423B7B5A-FFA5-48F6-B4BD-5FEB1AE40015}"/>
+                </a:ext>
+              </a:extLst>
+            </p:cNvPr>
+            <p:cNvSpPr/>
+            <p:nvPr/>
+          </p:nvSpPr>
+          <p:spPr>
+            <a:xfrm>
+              <a:off x="272027" y="5172717"/>
+              <a:ext cx="2286000" cy="738664"/>
+            </a:xfrm>
+            <a:prstGeom prst="rect">
+              <a:avLst/>
+            </a:prstGeom>
+            <a:solidFill>
+              <a:schemeClr val="bg1">
+                <a:lumMod val="85000"/>
+              </a:schemeClr>
+            </a:solidFill>
+            <a:ln>
+              <a:noFill/>
+            </a:ln>
+          </p:spPr>
+          <p:style>
+            <a:lnRef idx="2">
+              <a:schemeClr val="accent1">
+                <a:shade val="50000"/>
+              </a:schemeClr>
+            </a:lnRef>
+            <a:fillRef idx="1">
+              <a:schemeClr val="accent1"/>
+            </a:fillRef>
+            <a:effectRef idx="0">
+              <a:schemeClr val="accent1"/>
+            </a:effectRef>
+            <a:fontRef idx="minor">
+              <a:schemeClr val="lt1"/>
+            </a:fontRef>
+          </p:style>
+          <p:txBody>
+            <a:bodyPr rtlCol="0" anchor="ctr" anchorCtr="0">
+              <a:spAutoFit/>
+            </a:bodyPr>
+            <a:lstStyle/>
+            <a:p>
+              <a:pPr algn="ctr"/>
+              <a:r>
+                <a:rPr lang="en-US" sz="1400" dirty="0">
+                  <a:solidFill>
+                    <a:schemeClr val="tx1">
+                      <a:lumMod val="65000"/>
+                      <a:lumOff val="35000"/>
+                    </a:schemeClr>
+                  </a:solidFill>
+                  <a:latin typeface="Segoe UI" panose="020B0502040204020203" pitchFamily="34" charset="0"/>
+                  <a:cs typeface="Segoe UI" panose="020B0502040204020203" pitchFamily="34" charset="0"/>
+                </a:rPr>
+                <a:t>Label</a:t>
+              </a:r>
+            </a:p>
+            <a:p>
+              <a:pPr algn="ctr"/>
+              <a:r>
+                <a:rPr lang="en-US" sz="1400" dirty="0">
+                  <a:solidFill>
+                    <a:schemeClr val="tx1">
+                      <a:lumMod val="65000"/>
+                      <a:lumOff val="35000"/>
+                    </a:schemeClr>
+                  </a:solidFill>
+                  <a:latin typeface="Segoe UI" panose="020B0502040204020203" pitchFamily="34" charset="0"/>
+                  <a:cs typeface="Segoe UI" panose="020B0502040204020203" pitchFamily="34" charset="0"/>
+                </a:rPr>
+                <a:t>Amount</a:t>
+              </a:r>
+            </a:p>
+            <a:p>
+              <a:pPr algn="ctr"/>
+              <a:r>
+                <a:rPr lang="en-US" sz="1400" dirty="0">
+                  <a:solidFill>
+                    <a:schemeClr val="tx1">
+                      <a:lumMod val="65000"/>
+                      <a:lumOff val="35000"/>
+                    </a:schemeClr>
+                  </a:solidFill>
+                  <a:latin typeface="Segoe UI" panose="020B0502040204020203" pitchFamily="34" charset="0"/>
+                  <a:cs typeface="Segoe UI" panose="020B0502040204020203" pitchFamily="34" charset="0"/>
+                </a:rPr>
+                <a:t>Transaction Date</a:t>
+              </a:r>
+            </a:p>
+          </p:txBody>
+        </p:sp>
+      </p:grpSp>
+      <p:cxnSp>
+        <p:nvCxnSpPr>
+          <p:cNvPr id="17" name="Straight Arrow Connector 16">
+            <a:extLst>
+              <a:ext uri="{FF2B5EF4-FFF2-40B4-BE49-F238E27FC236}">
+                <a16:creationId xmlns:a16="http://schemas.microsoft.com/office/drawing/2014/main" id="{AD331649-1F84-47D6-B993-49A1056C7681}"/>
+              </a:ext>
+            </a:extLst>
+          </p:cNvPr>
+          <p:cNvCxnSpPr>
+            <a:cxnSpLocks/>
+            <a:stCxn id="43" idx="2"/>
+            <a:endCxn id="71" idx="0"/>
+          </p:cNvCxnSpPr>
+          <p:nvPr/>
+        </p:nvCxnSpPr>
+        <p:spPr>
+          <a:xfrm>
+            <a:off x="1415027" y="4593946"/>
+            <a:ext cx="2" cy="358737"/>
+          </a:xfrm>
+          <a:prstGeom prst="straightConnector1">
+            <a:avLst/>
+          </a:prstGeom>
+          <a:ln w="12700">
+            <a:tailEnd type="triangle"/>
+          </a:ln>
+        </p:spPr>
+        <p:style>
+          <a:lnRef idx="1">
+            <a:schemeClr val="accent6"/>
+          </a:lnRef>
+          <a:fillRef idx="0">
+            <a:schemeClr val="accent6"/>
+          </a:fillRef>
+          <a:effectRef idx="0">
+            <a:schemeClr val="accent6"/>
+          </a:effectRef>
+          <a:fontRef idx="minor">
+            <a:schemeClr val="tx1"/>
+          </a:fontRef>
+        </p:style>
+      </p:cxnSp>
+      <p:cxnSp>
+        <p:nvCxnSpPr>
+          <p:cNvPr id="22" name="Straight Arrow Connector 21">
+            <a:extLst>
+              <a:ext uri="{FF2B5EF4-FFF2-40B4-BE49-F238E27FC236}">
+                <a16:creationId xmlns:a16="http://schemas.microsoft.com/office/drawing/2014/main" id="{681643C8-8268-406A-9873-C6B554A9476A}"/>
+              </a:ext>
+            </a:extLst>
+          </p:cNvPr>
+          <p:cNvCxnSpPr>
+            <a:cxnSpLocks/>
+            <a:stCxn id="66" idx="2"/>
+            <a:endCxn id="74" idx="0"/>
+          </p:cNvCxnSpPr>
+          <p:nvPr/>
+        </p:nvCxnSpPr>
+        <p:spPr>
+          <a:xfrm flipH="1">
+            <a:off x="4030216" y="4593946"/>
+            <a:ext cx="3418" cy="358737"/>
+          </a:xfrm>
+          <a:prstGeom prst="straightConnector1">
+            <a:avLst/>
+          </a:prstGeom>
+          <a:ln w="12700">
+            <a:tailEnd type="triangle"/>
+          </a:ln>
+        </p:spPr>
+        <p:style>
+          <a:lnRef idx="1">
+            <a:schemeClr val="accent6"/>
+          </a:lnRef>
+          <a:fillRef idx="0">
+            <a:schemeClr val="accent6"/>
+          </a:fillRef>
+          <a:effectRef idx="0">
+            <a:schemeClr val="accent6"/>
+          </a:effectRef>
+          <a:fontRef idx="minor">
+            <a:schemeClr val="tx1"/>
+          </a:fontRef>
+        </p:style>
+      </p:cxnSp>
+      <p:cxnSp>
+        <p:nvCxnSpPr>
+          <p:cNvPr id="25" name="Straight Arrow Connector 24">
+            <a:extLst>
+              <a:ext uri="{FF2B5EF4-FFF2-40B4-BE49-F238E27FC236}">
+                <a16:creationId xmlns:a16="http://schemas.microsoft.com/office/drawing/2014/main" id="{EAFCB660-EB34-4FA5-B1B1-E00950192849}"/>
+              </a:ext>
+            </a:extLst>
+          </p:cNvPr>
+          <p:cNvCxnSpPr>
+            <a:cxnSpLocks/>
+            <a:stCxn id="69" idx="2"/>
+            <a:endCxn id="77" idx="0"/>
+          </p:cNvCxnSpPr>
+          <p:nvPr/>
+        </p:nvCxnSpPr>
+        <p:spPr>
+          <a:xfrm>
+            <a:off x="6652250" y="4593946"/>
+            <a:ext cx="2" cy="358737"/>
+          </a:xfrm>
+          <a:prstGeom prst="straightConnector1">
+            <a:avLst/>
+          </a:prstGeom>
+          <a:ln w="12700">
+            <a:tailEnd type="triangle"/>
+          </a:ln>
+        </p:spPr>
+        <p:style>
+          <a:lnRef idx="1">
+            <a:schemeClr val="accent6"/>
+          </a:lnRef>
+          <a:fillRef idx="0">
+            <a:schemeClr val="accent6"/>
+          </a:fillRef>
+          <a:effectRef idx="0">
+            <a:schemeClr val="accent6"/>
+          </a:effectRef>
+          <a:fontRef idx="minor">
+            <a:schemeClr val="tx1"/>
+          </a:fontRef>
+        </p:style>
+      </p:cxnSp>
+      <p:sp>
+        <p:nvSpPr>
+          <p:cNvPr id="84" name="Rectangle 83">
+            <a:extLst>
+              <a:ext uri="{FF2B5EF4-FFF2-40B4-BE49-F238E27FC236}">
+                <a16:creationId xmlns:a16="http://schemas.microsoft.com/office/drawing/2014/main" id="{B064D950-493C-44E9-B253-14F34C9EC606}"/>
+              </a:ext>
+            </a:extLst>
+          </p:cNvPr>
+          <p:cNvSpPr/>
+          <p:nvPr/>
+        </p:nvSpPr>
+        <p:spPr>
+          <a:xfrm>
+            <a:off x="107437" y="6331544"/>
+            <a:ext cx="7859261" cy="274320"/>
+          </a:xfrm>
+          <a:prstGeom prst="rect">
+            <a:avLst/>
+          </a:prstGeom>
+          <a:solidFill>
+            <a:schemeClr val="tx1">
+              <a:lumMod val="75000"/>
+              <a:lumOff val="25000"/>
+            </a:schemeClr>
+          </a:solidFill>
+          <a:ln>
+            <a:noFill/>
+          </a:ln>
+        </p:spPr>
+        <p:style>
+          <a:lnRef idx="2">
+            <a:schemeClr val="accent1">
+              <a:shade val="50000"/>
+            </a:schemeClr>
+          </a:lnRef>
+          <a:fillRef idx="1">
+            <a:schemeClr val="accent1"/>
+          </a:fillRef>
+          <a:effectRef idx="0">
+            <a:schemeClr val="accent1"/>
+          </a:effectRef>
+          <a:fontRef idx="minor">
+            <a:schemeClr val="lt1"/>
+          </a:fontRef>
+        </p:style>
+        <p:txBody>
+          <a:bodyPr rtlCol="0" anchor="ctr"/>
+          <a:lstStyle/>
+          <a:p>
+            <a:pPr algn="ctr"/>
+            <a:r>
+              <a:rPr lang="en-US" sz="1600" dirty="0">
+                <a:latin typeface="Segoe UI" panose="020B0502040204020203" pitchFamily="34" charset="0"/>
+                <a:cs typeface="Segoe UI" panose="020B0502040204020203" pitchFamily="34" charset="0"/>
+              </a:rPr>
+              <a:t>Funding Account</a:t>
+            </a:r>
+          </a:p>
+        </p:txBody>
+      </p:sp>
+      <p:cxnSp>
+        <p:nvCxnSpPr>
+          <p:cNvPr id="30" name="Straight Arrow Connector 29">
+            <a:extLst>
+              <a:ext uri="{FF2B5EF4-FFF2-40B4-BE49-F238E27FC236}">
+                <a16:creationId xmlns:a16="http://schemas.microsoft.com/office/drawing/2014/main" id="{97EA5014-E814-456E-A589-25F2941CF9DB}"/>
+              </a:ext>
+            </a:extLst>
+          </p:cNvPr>
+          <p:cNvCxnSpPr>
+            <a:cxnSpLocks/>
+            <a:stCxn id="72" idx="2"/>
+            <a:endCxn id="84" idx="0"/>
+          </p:cNvCxnSpPr>
+          <p:nvPr/>
+        </p:nvCxnSpPr>
+        <p:spPr>
+          <a:xfrm>
+            <a:off x="1415029" y="5965667"/>
+            <a:ext cx="2622039" cy="365877"/>
+          </a:xfrm>
+          <a:prstGeom prst="straightConnector1">
+            <a:avLst/>
+          </a:prstGeom>
+          <a:ln w="12700">
+            <a:tailEnd type="triangle"/>
+          </a:ln>
+        </p:spPr>
+        <p:style>
+          <a:lnRef idx="1">
+            <a:schemeClr val="accent6"/>
+          </a:lnRef>
+          <a:fillRef idx="0">
+            <a:schemeClr val="accent6"/>
+          </a:fillRef>
+          <a:effectRef idx="0">
+            <a:schemeClr val="accent6"/>
+          </a:effectRef>
+          <a:fontRef idx="minor">
+            <a:schemeClr val="tx1"/>
+          </a:fontRef>
+        </p:style>
+      </p:cxnSp>
+      <p:cxnSp>
+        <p:nvCxnSpPr>
+          <p:cNvPr id="35" name="Straight Arrow Connector 34">
+            <a:extLst>
+              <a:ext uri="{FF2B5EF4-FFF2-40B4-BE49-F238E27FC236}">
+                <a16:creationId xmlns:a16="http://schemas.microsoft.com/office/drawing/2014/main" id="{CFFDD44E-F697-4067-90A7-F372A1BD6D4A}"/>
+              </a:ext>
+            </a:extLst>
+          </p:cNvPr>
+          <p:cNvCxnSpPr>
+            <a:cxnSpLocks/>
+            <a:stCxn id="75" idx="2"/>
+            <a:endCxn id="84" idx="0"/>
+          </p:cNvCxnSpPr>
+          <p:nvPr/>
+        </p:nvCxnSpPr>
+        <p:spPr>
+          <a:xfrm>
+            <a:off x="4030216" y="5965667"/>
+            <a:ext cx="6852" cy="365877"/>
+          </a:xfrm>
+          <a:prstGeom prst="straightConnector1">
+            <a:avLst/>
+          </a:prstGeom>
+          <a:ln w="12700">
+            <a:tailEnd type="triangle"/>
+          </a:ln>
+        </p:spPr>
+        <p:style>
+          <a:lnRef idx="1">
+            <a:schemeClr val="accent6"/>
+          </a:lnRef>
+          <a:fillRef idx="0">
+            <a:schemeClr val="accent6"/>
+          </a:fillRef>
+          <a:effectRef idx="0">
+            <a:schemeClr val="accent6"/>
+          </a:effectRef>
+          <a:fontRef idx="minor">
+            <a:schemeClr val="tx1"/>
+          </a:fontRef>
+        </p:style>
+      </p:cxnSp>
+      <p:cxnSp>
+        <p:nvCxnSpPr>
+          <p:cNvPr id="88" name="Straight Arrow Connector 87">
+            <a:extLst>
+              <a:ext uri="{FF2B5EF4-FFF2-40B4-BE49-F238E27FC236}">
+                <a16:creationId xmlns:a16="http://schemas.microsoft.com/office/drawing/2014/main" id="{F30C68C6-70CC-459D-9E64-389ADE49AD5C}"/>
+              </a:ext>
+            </a:extLst>
+          </p:cNvPr>
+          <p:cNvCxnSpPr>
+            <a:cxnSpLocks/>
+            <a:stCxn id="78" idx="2"/>
+            <a:endCxn id="84" idx="0"/>
+          </p:cNvCxnSpPr>
+          <p:nvPr/>
+        </p:nvCxnSpPr>
+        <p:spPr>
+          <a:xfrm flipH="1">
+            <a:off x="4037068" y="5965667"/>
+            <a:ext cx="2615184" cy="365877"/>
+          </a:xfrm>
+          <a:prstGeom prst="straightConnector1">
+            <a:avLst/>
+          </a:prstGeom>
+          <a:ln w="12700">
+            <a:tailEnd type="triangle"/>
+          </a:ln>
+        </p:spPr>
+        <p:style>
+          <a:lnRef idx="1">
+            <a:schemeClr val="accent6"/>
+          </a:lnRef>
+          <a:fillRef idx="0">
+            <a:schemeClr val="accent6"/>
+          </a:fillRef>
+          <a:effectRef idx="0">
+            <a:schemeClr val="accent6"/>
+          </a:effectRef>
+          <a:fontRef idx="minor">
+            <a:schemeClr val="tx1"/>
+          </a:fontRef>
+        </p:style>
+      </p:cxnSp>
+      <p:sp>
+        <p:nvSpPr>
+          <p:cNvPr id="92" name="Title 91" hidden="1">
+            <a:extLst>
+              <a:ext uri="{FF2B5EF4-FFF2-40B4-BE49-F238E27FC236}">
+                <a16:creationId xmlns:a16="http://schemas.microsoft.com/office/drawing/2014/main" id="{CAF02D93-D405-4EE2-91E9-DD912F7CC669}"/>
+              </a:ext>
+            </a:extLst>
+          </p:cNvPr>
+          <p:cNvSpPr>
+            <a:spLocks noGrp="1"/>
+          </p:cNvSpPr>
+          <p:nvPr>
+            <p:ph type="ctrTitle"/>
+          </p:nvPr>
+        </p:nvSpPr>
+        <p:spPr/>
+        <p:txBody>
+          <a:bodyPr/>
+          <a:lstStyle/>
+          <a:p>
+            <a:r>
+              <a:rPr lang="en-US" dirty="0"/>
+              <a:t>Order Placement</a:t>
+            </a:r>
+          </a:p>
+        </p:txBody>
+      </p:sp>
+    </p:spTree>
+    <p:extLst>
+      <p:ext uri="{BB962C8B-B14F-4D97-AF65-F5344CB8AC3E}">
+        <p14:creationId xmlns:p14="http://schemas.microsoft.com/office/powerpoint/2010/main" val="1117143502"/>
+      </p:ext>
+    </p:extLst>
+  </p:cSld>
+  <p:clrMapOvr>
+    <a:masterClrMapping/>
+  </p:clrMapOvr>
+</p:sld>
+</file>
+
+<file path=ppt/slides/slide4.xml><?xml version="1.0" encoding="utf-8"?>
+<p:sld xmlns:a="http://schemas.openxmlformats.org/drawingml/2006/main" xmlns:r="http://schemas.openxmlformats.org/officeDocument/2006/relationships" xmlns:p="http://schemas.openxmlformats.org/presentationml/2006/main">
+  <p:cSld>
+    <p:bg>
+      <p:bgPr>
+        <a:solidFill>
+          <a:schemeClr val="bg1">
+            <a:lumMod val="95000"/>
+          </a:schemeClr>
+        </a:solidFill>
+        <a:effectLst/>
+      </p:bgPr>
+    </p:bg>
+    <p:spTree>
+      <p:nvGrpSpPr>
+        <p:cNvPr id="1" name=""/>
+        <p:cNvGrpSpPr/>
+        <p:nvPr/>
+      </p:nvGrpSpPr>
+      <p:grpSpPr>
+        <a:xfrm>
+          <a:off x="0" y="0"/>
+          <a:ext cx="0" cy="0"/>
+          <a:chOff x="0" y="0"/>
+          <a:chExt cx="0" cy="0"/>
+        </a:xfrm>
+      </p:grpSpPr>
+      <p:sp>
+        <p:nvSpPr>
+          <p:cNvPr id="57" name="Rectangle 56">
+            <a:extLst>
+              <a:ext uri="{FF2B5EF4-FFF2-40B4-BE49-F238E27FC236}">
+                <a16:creationId xmlns:a16="http://schemas.microsoft.com/office/drawing/2014/main" id="{4808B174-B9CF-4CAD-8A19-1BC9D885D3B3}"/>
+              </a:ext>
+            </a:extLst>
+          </p:cNvPr>
+          <p:cNvSpPr/>
+          <p:nvPr/>
+        </p:nvSpPr>
+        <p:spPr>
+          <a:xfrm>
+            <a:off x="100584" y="853758"/>
+            <a:ext cx="7859261" cy="274320"/>
+          </a:xfrm>
+          <a:prstGeom prst="rect">
+            <a:avLst/>
+          </a:prstGeom>
+          <a:solidFill>
+            <a:schemeClr val="tx1">
+              <a:lumMod val="75000"/>
+              <a:lumOff val="25000"/>
+            </a:schemeClr>
+          </a:solidFill>
+          <a:ln>
+            <a:noFill/>
+          </a:ln>
+        </p:spPr>
+        <p:style>
+          <a:lnRef idx="2">
+            <a:schemeClr val="accent1">
+              <a:shade val="50000"/>
+            </a:schemeClr>
+          </a:lnRef>
+          <a:fillRef idx="1">
+            <a:schemeClr val="accent1"/>
+          </a:fillRef>
+          <a:effectRef idx="0">
+            <a:schemeClr val="accent1"/>
+          </a:effectRef>
+          <a:fontRef idx="minor">
+            <a:schemeClr val="lt1"/>
+          </a:fontRef>
+        </p:style>
+        <p:txBody>
+          <a:bodyPr rtlCol="0" anchor="ctr"/>
+          <a:lstStyle/>
+          <a:p>
+            <a:pPr algn="ctr"/>
+            <a:r>
+              <a:rPr lang="en-US" sz="1600" dirty="0">
+                <a:latin typeface="Segoe UI" panose="020B0502040204020203" pitchFamily="34" charset="0"/>
+                <a:cs typeface="Segoe UI" panose="020B0502040204020203" pitchFamily="34" charset="0"/>
+              </a:rPr>
+              <a:t>Funding Account</a:t>
+            </a:r>
+          </a:p>
+        </p:txBody>
+      </p:sp>
+      <p:sp>
+        <p:nvSpPr>
+          <p:cNvPr id="120" name="Rectangle 119">
+            <a:extLst>
+              <a:ext uri="{FF2B5EF4-FFF2-40B4-BE49-F238E27FC236}">
+                <a16:creationId xmlns:a16="http://schemas.microsoft.com/office/drawing/2014/main" id="{5B5CFA4C-32E2-456B-8FA7-1EFB1DD90E1C}"/>
+              </a:ext>
+            </a:extLst>
+          </p:cNvPr>
+          <p:cNvSpPr/>
+          <p:nvPr/>
+        </p:nvSpPr>
+        <p:spPr>
+          <a:xfrm>
+            <a:off x="8069592" y="137160"/>
+            <a:ext cx="4021814" cy="6576060"/>
+          </a:xfrm>
+          <a:prstGeom prst="rect">
+            <a:avLst/>
+          </a:prstGeom>
+          <a:solidFill>
+            <a:schemeClr val="bg1"/>
+          </a:solidFill>
+          <a:ln>
+            <a:noFill/>
+          </a:ln>
+        </p:spPr>
+        <p:style>
+          <a:lnRef idx="2">
+            <a:schemeClr val="accent1">
+              <a:shade val="50000"/>
+            </a:schemeClr>
+          </a:lnRef>
+          <a:fillRef idx="1">
+            <a:schemeClr val="accent1"/>
+          </a:fillRef>
+          <a:effectRef idx="0">
+            <a:schemeClr val="accent1"/>
+          </a:effectRef>
+          <a:fontRef idx="minor">
+            <a:schemeClr val="lt1"/>
+          </a:fontRef>
+        </p:style>
+        <p:txBody>
+          <a:bodyPr tIns="91440" bIns="91440" rtlCol="0" anchor="t" anchorCtr="0"/>
+          <a:lstStyle/>
+          <a:p>
+            <a:pPr marL="285750" indent="-285750">
+              <a:buBlip>
+                <a:blip r:embed="rId2">
+                  <a:extLst>
+                    <a:ext uri="{96DAC541-7B7A-43D3-8B79-37D633B846F1}">
+                      <asvg:svgBlip xmlns:asvg="http://schemas.microsoft.com/office/drawing/2016/SVG/main" r:embed="rId3"/>
+                    </a:ext>
+                  </a:extLst>
+                </a:blip>
+              </a:buBlip>
+            </a:pPr>
+            <a:r>
+              <a:rPr lang="en-US" sz="1400" dirty="0">
+                <a:solidFill>
+                  <a:schemeClr val="tx1">
+                    <a:lumMod val="65000"/>
+                    <a:lumOff val="35000"/>
+                  </a:schemeClr>
+                </a:solidFill>
+                <a:latin typeface="Segoe UI" panose="020B0502040204020203" pitchFamily="34" charset="0"/>
+                <a:cs typeface="Segoe UI" panose="020B0502040204020203" pitchFamily="34" charset="0"/>
+              </a:rPr>
+              <a:t>Funding accounts are a way to keep track of money for various accounts against item acquisitions.</a:t>
+            </a:r>
+          </a:p>
+          <a:p>
+            <a:pPr marL="285750" indent="-285750">
+              <a:buBlip>
+                <a:blip r:embed="rId2">
+                  <a:extLst>
+                    <a:ext uri="{96DAC541-7B7A-43D3-8B79-37D633B846F1}">
+                      <asvg:svgBlip xmlns:asvg="http://schemas.microsoft.com/office/drawing/2016/SVG/main" r:embed="rId3"/>
+                    </a:ext>
+                  </a:extLst>
+                </a:blip>
+              </a:buBlip>
+            </a:pPr>
+            <a:endParaRPr lang="en-US" sz="1400" dirty="0">
+              <a:solidFill>
+                <a:schemeClr val="tx1">
+                  <a:lumMod val="65000"/>
+                  <a:lumOff val="35000"/>
+                </a:schemeClr>
+              </a:solidFill>
+              <a:latin typeface="Segoe UI" panose="020B0502040204020203" pitchFamily="34" charset="0"/>
+              <a:cs typeface="Segoe UI" panose="020B0502040204020203" pitchFamily="34" charset="0"/>
+            </a:endParaRPr>
+          </a:p>
+          <a:p>
+            <a:pPr marL="285750" indent="-285750">
+              <a:buBlip>
+                <a:blip r:embed="rId2">
+                  <a:extLst>
+                    <a:ext uri="{96DAC541-7B7A-43D3-8B79-37D633B846F1}">
+                      <asvg:svgBlip xmlns:asvg="http://schemas.microsoft.com/office/drawing/2016/SVG/main" r:embed="rId3"/>
+                    </a:ext>
+                  </a:extLst>
+                </a:blip>
+              </a:buBlip>
+            </a:pPr>
+            <a:r>
+              <a:rPr lang="en-US" sz="1400" dirty="0">
+                <a:solidFill>
+                  <a:schemeClr val="tx1">
+                    <a:lumMod val="65000"/>
+                    <a:lumOff val="35000"/>
+                  </a:schemeClr>
+                </a:solidFill>
+                <a:latin typeface="Segoe UI" panose="020B0502040204020203" pitchFamily="34" charset="0"/>
+                <a:cs typeface="Segoe UI" panose="020B0502040204020203" pitchFamily="34" charset="0"/>
+              </a:rPr>
+              <a:t>Each funding account has one or more account owners who are able to input fund transactions for items such as deposits or documenting external purchases.</a:t>
+            </a:r>
+          </a:p>
+          <a:p>
+            <a:pPr marL="285750" indent="-285750">
+              <a:buBlip>
+                <a:blip r:embed="rId2">
+                  <a:extLst>
+                    <a:ext uri="{96DAC541-7B7A-43D3-8B79-37D633B846F1}">
+                      <asvg:svgBlip xmlns:asvg="http://schemas.microsoft.com/office/drawing/2016/SVG/main" r:embed="rId3"/>
+                    </a:ext>
+                  </a:extLst>
+                </a:blip>
+              </a:buBlip>
+            </a:pPr>
+            <a:endParaRPr lang="en-US" sz="1400" dirty="0">
+              <a:solidFill>
+                <a:schemeClr val="tx1">
+                  <a:lumMod val="65000"/>
+                  <a:lumOff val="35000"/>
+                </a:schemeClr>
+              </a:solidFill>
+              <a:latin typeface="Segoe UI" panose="020B0502040204020203" pitchFamily="34" charset="0"/>
+              <a:cs typeface="Segoe UI" panose="020B0502040204020203" pitchFamily="34" charset="0"/>
+            </a:endParaRPr>
+          </a:p>
+          <a:p>
+            <a:pPr marL="285750" indent="-285750">
+              <a:buBlip>
+                <a:blip r:embed="rId2">
+                  <a:extLst>
+                    <a:ext uri="{96DAC541-7B7A-43D3-8B79-37D633B846F1}">
+                      <asvg:svgBlip xmlns:asvg="http://schemas.microsoft.com/office/drawing/2016/SVG/main" r:embed="rId3"/>
+                    </a:ext>
+                  </a:extLst>
+                </a:blip>
+              </a:buBlip>
+            </a:pPr>
+            <a:r>
+              <a:rPr lang="en-US" sz="1400" dirty="0">
+                <a:solidFill>
+                  <a:schemeClr val="tx1">
+                    <a:lumMod val="65000"/>
+                    <a:lumOff val="35000"/>
+                  </a:schemeClr>
+                </a:solidFill>
+                <a:latin typeface="Segoe UI" panose="020B0502040204020203" pitchFamily="34" charset="0"/>
+                <a:cs typeface="Segoe UI" panose="020B0502040204020203" pitchFamily="34" charset="0"/>
+              </a:rPr>
+              <a:t>For transactions that occur through placing orders in the app, transactions will be automatically generated.</a:t>
+            </a:r>
+          </a:p>
+        </p:txBody>
+      </p:sp>
+      <p:sp>
+        <p:nvSpPr>
+          <p:cNvPr id="122" name="TextBox 121">
+            <a:extLst>
+              <a:ext uri="{FF2B5EF4-FFF2-40B4-BE49-F238E27FC236}">
+                <a16:creationId xmlns:a16="http://schemas.microsoft.com/office/drawing/2014/main" id="{00AEB9A2-B192-429C-A1AA-E469E891430E}"/>
+              </a:ext>
+            </a:extLst>
+          </p:cNvPr>
+          <p:cNvSpPr txBox="1"/>
+          <p:nvPr/>
+        </p:nvSpPr>
+        <p:spPr>
+          <a:xfrm>
+            <a:off x="100585" y="140315"/>
+            <a:ext cx="7859260" cy="461665"/>
+          </a:xfrm>
+          <a:prstGeom prst="rect">
+            <a:avLst/>
+          </a:prstGeom>
+          <a:noFill/>
+        </p:spPr>
+        <p:txBody>
+          <a:bodyPr wrap="square" rtlCol="0">
+            <a:spAutoFit/>
+          </a:bodyPr>
+          <a:lstStyle/>
+          <a:p>
+            <a:r>
+              <a:rPr lang="en-US" sz="2400" dirty="0">
+                <a:latin typeface="Segoe UI" panose="020B0502040204020203" pitchFamily="34" charset="0"/>
+                <a:cs typeface="Segoe UI" panose="020B0502040204020203" pitchFamily="34" charset="0"/>
+              </a:rPr>
+              <a:t>Funding Accounts</a:t>
+            </a:r>
+          </a:p>
+        </p:txBody>
+      </p:sp>
+      <p:grpSp>
+        <p:nvGrpSpPr>
+          <p:cNvPr id="38" name="Group 37">
+            <a:extLst>
+              <a:ext uri="{FF2B5EF4-FFF2-40B4-BE49-F238E27FC236}">
+                <a16:creationId xmlns:a16="http://schemas.microsoft.com/office/drawing/2014/main" id="{55AB3611-315F-415E-AF7C-5D4C17C8FF7B}"/>
+              </a:ext>
+            </a:extLst>
+          </p:cNvPr>
+          <p:cNvGrpSpPr/>
+          <p:nvPr/>
+        </p:nvGrpSpPr>
+        <p:grpSpPr>
+          <a:xfrm>
+            <a:off x="100584" y="1614397"/>
+            <a:ext cx="2286000" cy="1012984"/>
+            <a:chOff x="272027" y="4898397"/>
+            <a:chExt cx="2286000" cy="1012984"/>
+          </a:xfrm>
+        </p:grpSpPr>
+        <p:sp>
+          <p:nvSpPr>
+            <p:cNvPr id="39" name="Rectangle 38">
+              <a:extLst>
+                <a:ext uri="{FF2B5EF4-FFF2-40B4-BE49-F238E27FC236}">
+                  <a16:creationId xmlns:a16="http://schemas.microsoft.com/office/drawing/2014/main" id="{5626B030-B48B-42C0-9339-F603883EA700}"/>
+                </a:ext>
+              </a:extLst>
+            </p:cNvPr>
+            <p:cNvSpPr/>
+            <p:nvPr/>
+          </p:nvSpPr>
+          <p:spPr>
+            <a:xfrm>
+              <a:off x="272027" y="4898397"/>
+              <a:ext cx="2286000" cy="274320"/>
+            </a:xfrm>
+            <a:prstGeom prst="rect">
+              <a:avLst/>
+            </a:prstGeom>
+            <a:solidFill>
+              <a:schemeClr val="tx1">
+                <a:lumMod val="75000"/>
+                <a:lumOff val="25000"/>
+              </a:schemeClr>
+            </a:solidFill>
+            <a:ln>
+              <a:noFill/>
+            </a:ln>
+          </p:spPr>
+          <p:style>
+            <a:lnRef idx="2">
+              <a:schemeClr val="accent1">
+                <a:shade val="50000"/>
+              </a:schemeClr>
+            </a:lnRef>
+            <a:fillRef idx="1">
+              <a:schemeClr val="accent1"/>
+            </a:fillRef>
+            <a:effectRef idx="0">
+              <a:schemeClr val="accent1"/>
+            </a:effectRef>
+            <a:fontRef idx="minor">
+              <a:schemeClr val="lt1"/>
+            </a:fontRef>
+          </p:style>
+          <p:txBody>
+            <a:bodyPr rtlCol="0" anchor="ctr"/>
+            <a:lstStyle/>
+            <a:p>
+              <a:pPr algn="ctr"/>
+              <a:r>
+                <a:rPr lang="en-US" sz="1600" dirty="0">
+                  <a:latin typeface="Segoe UI" panose="020B0502040204020203" pitchFamily="34" charset="0"/>
+                  <a:cs typeface="Segoe UI" panose="020B0502040204020203" pitchFamily="34" charset="0"/>
+                </a:rPr>
+                <a:t>Transaction</a:t>
+              </a:r>
+            </a:p>
+          </p:txBody>
+        </p:sp>
+        <p:sp>
+          <p:nvSpPr>
+            <p:cNvPr id="41" name="Rectangle 40">
+              <a:extLst>
+                <a:ext uri="{FF2B5EF4-FFF2-40B4-BE49-F238E27FC236}">
+                  <a16:creationId xmlns:a16="http://schemas.microsoft.com/office/drawing/2014/main" id="{92F3C2D4-DE2E-4B48-93DA-8F055147368D}"/>
+                </a:ext>
+              </a:extLst>
+            </p:cNvPr>
+            <p:cNvSpPr/>
+            <p:nvPr/>
+          </p:nvSpPr>
+          <p:spPr>
+            <a:xfrm>
+              <a:off x="272027" y="5172717"/>
+              <a:ext cx="2286000" cy="738664"/>
+            </a:xfrm>
+            <a:prstGeom prst="rect">
+              <a:avLst/>
+            </a:prstGeom>
+            <a:solidFill>
+              <a:schemeClr val="bg1">
+                <a:lumMod val="85000"/>
+              </a:schemeClr>
+            </a:solidFill>
+            <a:ln>
+              <a:noFill/>
+            </a:ln>
+          </p:spPr>
+          <p:style>
+            <a:lnRef idx="2">
+              <a:schemeClr val="accent1">
+                <a:shade val="50000"/>
+              </a:schemeClr>
+            </a:lnRef>
+            <a:fillRef idx="1">
+              <a:schemeClr val="accent1"/>
+            </a:fillRef>
+            <a:effectRef idx="0">
+              <a:schemeClr val="accent1"/>
+            </a:effectRef>
+            <a:fontRef idx="minor">
+              <a:schemeClr val="lt1"/>
+            </a:fontRef>
+          </p:style>
+          <p:txBody>
+            <a:bodyPr rtlCol="0" anchor="ctr" anchorCtr="0">
+              <a:spAutoFit/>
+            </a:bodyPr>
+            <a:lstStyle/>
+            <a:p>
+              <a:pPr algn="ctr"/>
+              <a:r>
+                <a:rPr lang="en-US" sz="1400" dirty="0">
+                  <a:solidFill>
+                    <a:schemeClr val="tx1">
+                      <a:lumMod val="65000"/>
+                      <a:lumOff val="35000"/>
+                    </a:schemeClr>
+                  </a:solidFill>
+                  <a:latin typeface="Segoe UI" panose="020B0502040204020203" pitchFamily="34" charset="0"/>
+                  <a:cs typeface="Segoe UI" panose="020B0502040204020203" pitchFamily="34" charset="0"/>
+                </a:rPr>
+                <a:t>Label</a:t>
+              </a:r>
+            </a:p>
+            <a:p>
+              <a:pPr algn="ctr"/>
+              <a:r>
+                <a:rPr lang="en-US" sz="1400" dirty="0">
+                  <a:solidFill>
+                    <a:schemeClr val="tx1">
+                      <a:lumMod val="65000"/>
+                      <a:lumOff val="35000"/>
+                    </a:schemeClr>
+                  </a:solidFill>
+                  <a:latin typeface="Segoe UI" panose="020B0502040204020203" pitchFamily="34" charset="0"/>
+                  <a:cs typeface="Segoe UI" panose="020B0502040204020203" pitchFamily="34" charset="0"/>
+                </a:rPr>
+                <a:t>Amount</a:t>
+              </a:r>
+            </a:p>
+            <a:p>
+              <a:pPr algn="ctr"/>
+              <a:r>
+                <a:rPr lang="en-US" sz="1400" dirty="0">
+                  <a:solidFill>
+                    <a:schemeClr val="tx1">
+                      <a:lumMod val="65000"/>
+                      <a:lumOff val="35000"/>
+                    </a:schemeClr>
+                  </a:solidFill>
+                  <a:latin typeface="Segoe UI" panose="020B0502040204020203" pitchFamily="34" charset="0"/>
+                  <a:cs typeface="Segoe UI" panose="020B0502040204020203" pitchFamily="34" charset="0"/>
+                </a:rPr>
+                <a:t>Transaction Date</a:t>
+              </a:r>
+            </a:p>
+          </p:txBody>
+        </p:sp>
+      </p:grpSp>
+      <p:grpSp>
+        <p:nvGrpSpPr>
+          <p:cNvPr id="42" name="Group 41">
+            <a:extLst>
+              <a:ext uri="{FF2B5EF4-FFF2-40B4-BE49-F238E27FC236}">
+                <a16:creationId xmlns:a16="http://schemas.microsoft.com/office/drawing/2014/main" id="{A6EAF124-DFE0-490A-9154-0CE23C96EFB6}"/>
+              </a:ext>
+            </a:extLst>
+          </p:cNvPr>
+          <p:cNvGrpSpPr/>
+          <p:nvPr/>
+        </p:nvGrpSpPr>
+        <p:grpSpPr>
+          <a:xfrm>
+            <a:off x="100584" y="2901701"/>
+            <a:ext cx="2286000" cy="1012984"/>
+            <a:chOff x="272027" y="4898397"/>
+            <a:chExt cx="2286000" cy="1012984"/>
+          </a:xfrm>
+        </p:grpSpPr>
+        <p:sp>
+          <p:nvSpPr>
+            <p:cNvPr id="44" name="Rectangle 43">
+              <a:extLst>
+                <a:ext uri="{FF2B5EF4-FFF2-40B4-BE49-F238E27FC236}">
+                  <a16:creationId xmlns:a16="http://schemas.microsoft.com/office/drawing/2014/main" id="{8C48E432-ED20-4935-9486-DC8D80F6F31B}"/>
+                </a:ext>
+              </a:extLst>
+            </p:cNvPr>
+            <p:cNvSpPr/>
+            <p:nvPr/>
+          </p:nvSpPr>
+          <p:spPr>
+            <a:xfrm>
+              <a:off x="272027" y="4898397"/>
+              <a:ext cx="2286000" cy="274320"/>
+            </a:xfrm>
+            <a:prstGeom prst="rect">
+              <a:avLst/>
+            </a:prstGeom>
+            <a:solidFill>
+              <a:schemeClr val="tx1">
+                <a:lumMod val="75000"/>
+                <a:lumOff val="25000"/>
+              </a:schemeClr>
+            </a:solidFill>
+            <a:ln>
+              <a:noFill/>
+            </a:ln>
+          </p:spPr>
+          <p:style>
+            <a:lnRef idx="2">
+              <a:schemeClr val="accent1">
+                <a:shade val="50000"/>
+              </a:schemeClr>
+            </a:lnRef>
+            <a:fillRef idx="1">
+              <a:schemeClr val="accent1"/>
+            </a:fillRef>
+            <a:effectRef idx="0">
+              <a:schemeClr val="accent1"/>
+            </a:effectRef>
+            <a:fontRef idx="minor">
+              <a:schemeClr val="lt1"/>
+            </a:fontRef>
+          </p:style>
+          <p:txBody>
+            <a:bodyPr rtlCol="0" anchor="ctr"/>
+            <a:lstStyle/>
+            <a:p>
+              <a:pPr algn="ctr"/>
+              <a:r>
+                <a:rPr lang="en-US" sz="1600" dirty="0">
+                  <a:latin typeface="Segoe UI" panose="020B0502040204020203" pitchFamily="34" charset="0"/>
+                  <a:cs typeface="Segoe UI" panose="020B0502040204020203" pitchFamily="34" charset="0"/>
+                </a:rPr>
+                <a:t>Transaction</a:t>
+              </a:r>
+            </a:p>
+          </p:txBody>
+        </p:sp>
+        <p:sp>
+          <p:nvSpPr>
+            <p:cNvPr id="45" name="Rectangle 44">
+              <a:extLst>
+                <a:ext uri="{FF2B5EF4-FFF2-40B4-BE49-F238E27FC236}">
+                  <a16:creationId xmlns:a16="http://schemas.microsoft.com/office/drawing/2014/main" id="{34EF0660-717C-40BE-8EF0-14F53806A4C8}"/>
+                </a:ext>
+              </a:extLst>
+            </p:cNvPr>
+            <p:cNvSpPr/>
+            <p:nvPr/>
+          </p:nvSpPr>
+          <p:spPr>
+            <a:xfrm>
+              <a:off x="272027" y="5172717"/>
+              <a:ext cx="2286000" cy="738664"/>
+            </a:xfrm>
+            <a:prstGeom prst="rect">
+              <a:avLst/>
+            </a:prstGeom>
+            <a:solidFill>
+              <a:schemeClr val="bg1">
+                <a:lumMod val="85000"/>
+              </a:schemeClr>
+            </a:solidFill>
+            <a:ln>
+              <a:noFill/>
+            </a:ln>
+          </p:spPr>
+          <p:style>
+            <a:lnRef idx="2">
+              <a:schemeClr val="accent1">
+                <a:shade val="50000"/>
+              </a:schemeClr>
+            </a:lnRef>
+            <a:fillRef idx="1">
+              <a:schemeClr val="accent1"/>
+            </a:fillRef>
+            <a:effectRef idx="0">
+              <a:schemeClr val="accent1"/>
+            </a:effectRef>
+            <a:fontRef idx="minor">
+              <a:schemeClr val="lt1"/>
+            </a:fontRef>
+          </p:style>
+          <p:txBody>
+            <a:bodyPr rtlCol="0" anchor="ctr" anchorCtr="0">
+              <a:spAutoFit/>
+            </a:bodyPr>
+            <a:lstStyle/>
+            <a:p>
+              <a:pPr algn="ctr"/>
+              <a:r>
+                <a:rPr lang="en-US" sz="1400" dirty="0">
+                  <a:solidFill>
+                    <a:schemeClr val="tx1">
+                      <a:lumMod val="65000"/>
+                      <a:lumOff val="35000"/>
+                    </a:schemeClr>
+                  </a:solidFill>
+                  <a:latin typeface="Segoe UI" panose="020B0502040204020203" pitchFamily="34" charset="0"/>
+                  <a:cs typeface="Segoe UI" panose="020B0502040204020203" pitchFamily="34" charset="0"/>
+                </a:rPr>
+                <a:t>Label</a:t>
+              </a:r>
+            </a:p>
+            <a:p>
+              <a:pPr algn="ctr"/>
+              <a:r>
+                <a:rPr lang="en-US" sz="1400" dirty="0">
+                  <a:solidFill>
+                    <a:schemeClr val="tx1">
+                      <a:lumMod val="65000"/>
+                      <a:lumOff val="35000"/>
+                    </a:schemeClr>
+                  </a:solidFill>
+                  <a:latin typeface="Segoe UI" panose="020B0502040204020203" pitchFamily="34" charset="0"/>
+                  <a:cs typeface="Segoe UI" panose="020B0502040204020203" pitchFamily="34" charset="0"/>
+                </a:rPr>
+                <a:t>Amount</a:t>
+              </a:r>
+            </a:p>
+            <a:p>
+              <a:pPr algn="ctr"/>
+              <a:r>
+                <a:rPr lang="en-US" sz="1400" dirty="0">
+                  <a:solidFill>
+                    <a:schemeClr val="tx1">
+                      <a:lumMod val="65000"/>
+                      <a:lumOff val="35000"/>
+                    </a:schemeClr>
+                  </a:solidFill>
+                  <a:latin typeface="Segoe UI" panose="020B0502040204020203" pitchFamily="34" charset="0"/>
+                  <a:cs typeface="Segoe UI" panose="020B0502040204020203" pitchFamily="34" charset="0"/>
+                </a:rPr>
+                <a:t>Transaction Date</a:t>
+              </a:r>
+            </a:p>
+          </p:txBody>
+        </p:sp>
+      </p:grpSp>
+      <p:grpSp>
+        <p:nvGrpSpPr>
+          <p:cNvPr id="46" name="Group 45">
+            <a:extLst>
+              <a:ext uri="{FF2B5EF4-FFF2-40B4-BE49-F238E27FC236}">
+                <a16:creationId xmlns:a16="http://schemas.microsoft.com/office/drawing/2014/main" id="{0BEADC63-EB8A-4668-BCEF-14C296B31493}"/>
+              </a:ext>
+            </a:extLst>
+          </p:cNvPr>
+          <p:cNvGrpSpPr/>
+          <p:nvPr/>
+        </p:nvGrpSpPr>
+        <p:grpSpPr>
+          <a:xfrm>
+            <a:off x="100584" y="4189005"/>
+            <a:ext cx="2286000" cy="1012984"/>
+            <a:chOff x="272027" y="4898397"/>
+            <a:chExt cx="2286000" cy="1012984"/>
+          </a:xfrm>
+        </p:grpSpPr>
+        <p:sp>
+          <p:nvSpPr>
+            <p:cNvPr id="47" name="Rectangle 46">
+              <a:extLst>
+                <a:ext uri="{FF2B5EF4-FFF2-40B4-BE49-F238E27FC236}">
+                  <a16:creationId xmlns:a16="http://schemas.microsoft.com/office/drawing/2014/main" id="{44C66428-08DF-4CEF-AE45-184A7A255DD8}"/>
+                </a:ext>
+              </a:extLst>
+            </p:cNvPr>
+            <p:cNvSpPr/>
+            <p:nvPr/>
+          </p:nvSpPr>
+          <p:spPr>
+            <a:xfrm>
+              <a:off x="272027" y="4898397"/>
+              <a:ext cx="2286000" cy="274320"/>
+            </a:xfrm>
+            <a:prstGeom prst="rect">
+              <a:avLst/>
+            </a:prstGeom>
+            <a:solidFill>
+              <a:schemeClr val="tx1">
+                <a:lumMod val="75000"/>
+                <a:lumOff val="25000"/>
+              </a:schemeClr>
+            </a:solidFill>
+            <a:ln>
+              <a:noFill/>
+            </a:ln>
+          </p:spPr>
+          <p:style>
+            <a:lnRef idx="2">
+              <a:schemeClr val="accent1">
+                <a:shade val="50000"/>
+              </a:schemeClr>
+            </a:lnRef>
+            <a:fillRef idx="1">
+              <a:schemeClr val="accent1"/>
+            </a:fillRef>
+            <a:effectRef idx="0">
+              <a:schemeClr val="accent1"/>
+            </a:effectRef>
+            <a:fontRef idx="minor">
+              <a:schemeClr val="lt1"/>
+            </a:fontRef>
+          </p:style>
+          <p:txBody>
+            <a:bodyPr rtlCol="0" anchor="ctr"/>
+            <a:lstStyle/>
+            <a:p>
+              <a:pPr algn="ctr"/>
+              <a:r>
+                <a:rPr lang="en-US" sz="1600" dirty="0">
+                  <a:latin typeface="Segoe UI" panose="020B0502040204020203" pitchFamily="34" charset="0"/>
+                  <a:cs typeface="Segoe UI" panose="020B0502040204020203" pitchFamily="34" charset="0"/>
+                </a:rPr>
+                <a:t>Transaction</a:t>
+              </a:r>
+            </a:p>
+          </p:txBody>
+        </p:sp>
+        <p:sp>
+          <p:nvSpPr>
+            <p:cNvPr id="48" name="Rectangle 47">
+              <a:extLst>
+                <a:ext uri="{FF2B5EF4-FFF2-40B4-BE49-F238E27FC236}">
+                  <a16:creationId xmlns:a16="http://schemas.microsoft.com/office/drawing/2014/main" id="{83C453E5-29DA-48E8-BC50-FDBC1A0448AA}"/>
+                </a:ext>
+              </a:extLst>
+            </p:cNvPr>
+            <p:cNvSpPr/>
+            <p:nvPr/>
+          </p:nvSpPr>
+          <p:spPr>
+            <a:xfrm>
+              <a:off x="272027" y="5172717"/>
+              <a:ext cx="2286000" cy="738664"/>
+            </a:xfrm>
+            <a:prstGeom prst="rect">
+              <a:avLst/>
+            </a:prstGeom>
+            <a:solidFill>
+              <a:schemeClr val="bg1">
+                <a:lumMod val="85000"/>
+              </a:schemeClr>
+            </a:solidFill>
+            <a:ln>
+              <a:noFill/>
+            </a:ln>
+          </p:spPr>
+          <p:style>
+            <a:lnRef idx="2">
+              <a:schemeClr val="accent1">
+                <a:shade val="50000"/>
+              </a:schemeClr>
+            </a:lnRef>
+            <a:fillRef idx="1">
+              <a:schemeClr val="accent1"/>
+            </a:fillRef>
+            <a:effectRef idx="0">
+              <a:schemeClr val="accent1"/>
+            </a:effectRef>
+            <a:fontRef idx="minor">
+              <a:schemeClr val="lt1"/>
+            </a:fontRef>
+          </p:style>
+          <p:txBody>
+            <a:bodyPr rtlCol="0" anchor="ctr" anchorCtr="0">
+              <a:spAutoFit/>
+            </a:bodyPr>
+            <a:lstStyle/>
+            <a:p>
+              <a:pPr algn="ctr"/>
+              <a:r>
+                <a:rPr lang="en-US" sz="1400" dirty="0">
+                  <a:solidFill>
+                    <a:schemeClr val="tx1">
+                      <a:lumMod val="65000"/>
+                      <a:lumOff val="35000"/>
+                    </a:schemeClr>
+                  </a:solidFill>
+                  <a:latin typeface="Segoe UI" panose="020B0502040204020203" pitchFamily="34" charset="0"/>
+                  <a:cs typeface="Segoe UI" panose="020B0502040204020203" pitchFamily="34" charset="0"/>
+                </a:rPr>
+                <a:t>Label</a:t>
+              </a:r>
+            </a:p>
+            <a:p>
+              <a:pPr algn="ctr"/>
+              <a:r>
+                <a:rPr lang="en-US" sz="1400" dirty="0">
+                  <a:solidFill>
+                    <a:schemeClr val="tx1">
+                      <a:lumMod val="65000"/>
+                      <a:lumOff val="35000"/>
+                    </a:schemeClr>
+                  </a:solidFill>
+                  <a:latin typeface="Segoe UI" panose="020B0502040204020203" pitchFamily="34" charset="0"/>
+                  <a:cs typeface="Segoe UI" panose="020B0502040204020203" pitchFamily="34" charset="0"/>
+                </a:rPr>
+                <a:t>Amount</a:t>
+              </a:r>
+            </a:p>
+            <a:p>
+              <a:pPr algn="ctr"/>
+              <a:r>
+                <a:rPr lang="en-US" sz="1400" dirty="0">
+                  <a:solidFill>
+                    <a:schemeClr val="tx1">
+                      <a:lumMod val="65000"/>
+                      <a:lumOff val="35000"/>
+                    </a:schemeClr>
+                  </a:solidFill>
+                  <a:latin typeface="Segoe UI" panose="020B0502040204020203" pitchFamily="34" charset="0"/>
+                  <a:cs typeface="Segoe UI" panose="020B0502040204020203" pitchFamily="34" charset="0"/>
+                </a:rPr>
+                <a:t>Transaction Date</a:t>
+              </a:r>
+            </a:p>
+          </p:txBody>
+        </p:sp>
+      </p:grpSp>
+      <p:grpSp>
+        <p:nvGrpSpPr>
+          <p:cNvPr id="49" name="Group 48">
+            <a:extLst>
+              <a:ext uri="{FF2B5EF4-FFF2-40B4-BE49-F238E27FC236}">
+                <a16:creationId xmlns:a16="http://schemas.microsoft.com/office/drawing/2014/main" id="{4CD582E0-657B-443B-9F26-B80471E95E73}"/>
+              </a:ext>
+            </a:extLst>
+          </p:cNvPr>
+          <p:cNvGrpSpPr/>
+          <p:nvPr/>
+        </p:nvGrpSpPr>
+        <p:grpSpPr>
+          <a:xfrm>
+            <a:off x="2887212" y="4189005"/>
+            <a:ext cx="2286004" cy="1874758"/>
+            <a:chOff x="2887214" y="3375976"/>
+            <a:chExt cx="2286004" cy="1874758"/>
+          </a:xfrm>
+        </p:grpSpPr>
+        <p:sp>
+          <p:nvSpPr>
+            <p:cNvPr id="50" name="Rectangle 49">
+              <a:extLst>
+                <a:ext uri="{FF2B5EF4-FFF2-40B4-BE49-F238E27FC236}">
+                  <a16:creationId xmlns:a16="http://schemas.microsoft.com/office/drawing/2014/main" id="{2048EAD6-55C2-4D71-B826-E1647219AB51}"/>
+                </a:ext>
+              </a:extLst>
+            </p:cNvPr>
+            <p:cNvSpPr/>
+            <p:nvPr/>
+          </p:nvSpPr>
+          <p:spPr>
+            <a:xfrm>
+              <a:off x="2887218" y="3375976"/>
+              <a:ext cx="2286000" cy="274320"/>
+            </a:xfrm>
+            <a:prstGeom prst="rect">
+              <a:avLst/>
+            </a:prstGeom>
+            <a:solidFill>
+              <a:schemeClr val="tx1">
+                <a:lumMod val="75000"/>
+                <a:lumOff val="25000"/>
+              </a:schemeClr>
+            </a:solidFill>
+            <a:ln>
+              <a:noFill/>
+            </a:ln>
+          </p:spPr>
+          <p:style>
+            <a:lnRef idx="2">
+              <a:schemeClr val="accent1">
+                <a:shade val="50000"/>
+              </a:schemeClr>
+            </a:lnRef>
+            <a:fillRef idx="1">
+              <a:schemeClr val="accent1"/>
+            </a:fillRef>
+            <a:effectRef idx="0">
+              <a:schemeClr val="accent1"/>
+            </a:effectRef>
+            <a:fontRef idx="minor">
+              <a:schemeClr val="lt1"/>
+            </a:fontRef>
+          </p:style>
+          <p:txBody>
+            <a:bodyPr rtlCol="0" anchor="ctr"/>
+            <a:lstStyle/>
+            <a:p>
+              <a:pPr algn="ctr"/>
+              <a:r>
+                <a:rPr lang="en-US" sz="1600" dirty="0">
+                  <a:latin typeface="Segoe UI" panose="020B0502040204020203" pitchFamily="34" charset="0"/>
+                  <a:cs typeface="Segoe UI" panose="020B0502040204020203" pitchFamily="34" charset="0"/>
+                </a:rPr>
+                <a:t>Order</a:t>
+              </a:r>
+            </a:p>
+          </p:txBody>
+        </p:sp>
+        <p:sp>
+          <p:nvSpPr>
+            <p:cNvPr id="51" name="Rectangle 50">
+              <a:extLst>
+                <a:ext uri="{FF2B5EF4-FFF2-40B4-BE49-F238E27FC236}">
+                  <a16:creationId xmlns:a16="http://schemas.microsoft.com/office/drawing/2014/main" id="{AD4C89CF-4D33-4E8A-B73F-C3603AC51147}"/>
+                </a:ext>
+              </a:extLst>
+            </p:cNvPr>
+            <p:cNvSpPr/>
+            <p:nvPr/>
+          </p:nvSpPr>
+          <p:spPr>
+            <a:xfrm>
+              <a:off x="2887214" y="3650296"/>
+              <a:ext cx="2286000" cy="1600438"/>
+            </a:xfrm>
+            <a:prstGeom prst="rect">
+              <a:avLst/>
+            </a:prstGeom>
+            <a:solidFill>
+              <a:schemeClr val="bg1">
+                <a:lumMod val="85000"/>
+              </a:schemeClr>
+            </a:solidFill>
+            <a:ln>
+              <a:noFill/>
+            </a:ln>
+          </p:spPr>
+          <p:style>
+            <a:lnRef idx="2">
+              <a:schemeClr val="accent1">
+                <a:shade val="50000"/>
+              </a:schemeClr>
+            </a:lnRef>
+            <a:fillRef idx="1">
+              <a:schemeClr val="accent1"/>
+            </a:fillRef>
+            <a:effectRef idx="0">
+              <a:schemeClr val="accent1"/>
+            </a:effectRef>
+            <a:fontRef idx="minor">
+              <a:schemeClr val="lt1"/>
+            </a:fontRef>
+          </p:style>
+          <p:txBody>
+            <a:bodyPr rtlCol="0" anchor="ctr" anchorCtr="0">
+              <a:spAutoFit/>
+            </a:bodyPr>
+            <a:lstStyle/>
+            <a:p>
+              <a:pPr algn="ctr"/>
+              <a:r>
+                <a:rPr lang="en-US" sz="1400" dirty="0">
+                  <a:solidFill>
+                    <a:schemeClr val="tx1">
+                      <a:lumMod val="65000"/>
+                      <a:lumOff val="35000"/>
+                    </a:schemeClr>
+                  </a:solidFill>
+                  <a:latin typeface="Segoe UI" panose="020B0502040204020203" pitchFamily="34" charset="0"/>
+                  <a:cs typeface="Segoe UI" panose="020B0502040204020203" pitchFamily="34" charset="0"/>
+                </a:rPr>
+                <a:t>User</a:t>
+              </a:r>
+            </a:p>
+            <a:p>
+              <a:pPr algn="ctr"/>
+              <a:r>
+                <a:rPr lang="en-US" sz="1400" dirty="0">
+                  <a:solidFill>
+                    <a:schemeClr val="tx1">
+                      <a:lumMod val="65000"/>
+                      <a:lumOff val="35000"/>
+                    </a:schemeClr>
+                  </a:solidFill>
+                  <a:latin typeface="Segoe UI" panose="020B0502040204020203" pitchFamily="34" charset="0"/>
+                  <a:cs typeface="Segoe UI" panose="020B0502040204020203" pitchFamily="34" charset="0"/>
+                </a:rPr>
+                <a:t>Vendor</a:t>
+              </a:r>
+            </a:p>
+            <a:p>
+              <a:pPr algn="ctr"/>
+              <a:r>
+                <a:rPr lang="en-US" sz="1400" dirty="0">
+                  <a:solidFill>
+                    <a:schemeClr val="tx1">
+                      <a:lumMod val="65000"/>
+                      <a:lumOff val="35000"/>
+                    </a:schemeClr>
+                  </a:solidFill>
+                  <a:latin typeface="Segoe UI" panose="020B0502040204020203" pitchFamily="34" charset="0"/>
+                  <a:cs typeface="Segoe UI" panose="020B0502040204020203" pitchFamily="34" charset="0"/>
+                </a:rPr>
+                <a:t>Cost</a:t>
+              </a:r>
+            </a:p>
+            <a:p>
+              <a:pPr algn="ctr"/>
+              <a:r>
+                <a:rPr lang="en-US" sz="1400" dirty="0">
+                  <a:solidFill>
+                    <a:schemeClr val="tx1">
+                      <a:lumMod val="65000"/>
+                      <a:lumOff val="35000"/>
+                    </a:schemeClr>
+                  </a:solidFill>
+                  <a:latin typeface="Segoe UI" panose="020B0502040204020203" pitchFamily="34" charset="0"/>
+                  <a:cs typeface="Segoe UI" panose="020B0502040204020203" pitchFamily="34" charset="0"/>
+                </a:rPr>
+                <a:t>Tracking Number</a:t>
+              </a:r>
+            </a:p>
+            <a:p>
+              <a:pPr algn="ctr"/>
+              <a:r>
+                <a:rPr lang="en-US" sz="1400" dirty="0">
+                  <a:solidFill>
+                    <a:schemeClr val="tx1">
+                      <a:lumMod val="65000"/>
+                      <a:lumOff val="35000"/>
+                    </a:schemeClr>
+                  </a:solidFill>
+                  <a:latin typeface="Segoe UI" panose="020B0502040204020203" pitchFamily="34" charset="0"/>
+                  <a:cs typeface="Segoe UI" panose="020B0502040204020203" pitchFamily="34" charset="0"/>
+                </a:rPr>
+                <a:t>Remarks</a:t>
+              </a:r>
+            </a:p>
+            <a:p>
+              <a:pPr algn="ctr"/>
+              <a:r>
+                <a:rPr lang="en-US" sz="1400" dirty="0">
+                  <a:solidFill>
+                    <a:schemeClr val="tx1">
+                      <a:lumMod val="65000"/>
+                      <a:lumOff val="35000"/>
+                    </a:schemeClr>
+                  </a:solidFill>
+                  <a:latin typeface="Segoe UI" panose="020B0502040204020203" pitchFamily="34" charset="0"/>
+                  <a:cs typeface="Segoe UI" panose="020B0502040204020203" pitchFamily="34" charset="0"/>
+                </a:rPr>
+                <a:t>Order Date</a:t>
+              </a:r>
+            </a:p>
+            <a:p>
+              <a:pPr algn="ctr"/>
+              <a:r>
+                <a:rPr lang="en-US" sz="1400" dirty="0">
+                  <a:solidFill>
+                    <a:schemeClr val="tx1">
+                      <a:lumMod val="65000"/>
+                      <a:lumOff val="35000"/>
+                    </a:schemeClr>
+                  </a:solidFill>
+                  <a:latin typeface="Segoe UI" panose="020B0502040204020203" pitchFamily="34" charset="0"/>
+                  <a:cs typeface="Segoe UI" panose="020B0502040204020203" pitchFamily="34" charset="0"/>
+                </a:rPr>
+                <a:t>Is Received</a:t>
+              </a:r>
+            </a:p>
+          </p:txBody>
+        </p:sp>
+      </p:grpSp>
+      <p:sp>
+        <p:nvSpPr>
+          <p:cNvPr id="52" name="Rectangle 51">
+            <a:extLst>
+              <a:ext uri="{FF2B5EF4-FFF2-40B4-BE49-F238E27FC236}">
+                <a16:creationId xmlns:a16="http://schemas.microsoft.com/office/drawing/2014/main" id="{9FD89929-3E0C-4CDE-90AC-13F3D9A56D07}"/>
+              </a:ext>
+            </a:extLst>
+          </p:cNvPr>
+          <p:cNvSpPr/>
+          <p:nvPr/>
+        </p:nvSpPr>
+        <p:spPr>
+          <a:xfrm>
+            <a:off x="5673845" y="1616257"/>
+            <a:ext cx="2286000" cy="274320"/>
+          </a:xfrm>
+          <a:prstGeom prst="rect">
+            <a:avLst/>
+          </a:prstGeom>
+          <a:solidFill>
+            <a:schemeClr val="tx1">
+              <a:lumMod val="75000"/>
+              <a:lumOff val="25000"/>
+            </a:schemeClr>
+          </a:solidFill>
+          <a:ln>
+            <a:noFill/>
+          </a:ln>
+        </p:spPr>
+        <p:style>
+          <a:lnRef idx="2">
+            <a:schemeClr val="accent1">
+              <a:shade val="50000"/>
+            </a:schemeClr>
+          </a:lnRef>
+          <a:fillRef idx="1">
+            <a:schemeClr val="accent1"/>
+          </a:fillRef>
+          <a:effectRef idx="0">
+            <a:schemeClr val="accent1"/>
+          </a:effectRef>
+          <a:fontRef idx="minor">
+            <a:schemeClr val="lt1"/>
+          </a:fontRef>
+        </p:style>
+        <p:txBody>
+          <a:bodyPr rtlCol="0" anchor="ctr"/>
+          <a:lstStyle/>
+          <a:p>
+            <a:pPr algn="ctr"/>
+            <a:r>
+              <a:rPr lang="en-US" sz="1600" dirty="0">
+                <a:latin typeface="Segoe UI" panose="020B0502040204020203" pitchFamily="34" charset="0"/>
+                <a:cs typeface="Segoe UI" panose="020B0502040204020203" pitchFamily="34" charset="0"/>
+              </a:rPr>
+              <a:t>Account Owner</a:t>
+            </a:r>
+          </a:p>
+        </p:txBody>
+      </p:sp>
+      <p:sp>
+        <p:nvSpPr>
+          <p:cNvPr id="54" name="Rectangle 53">
+            <a:extLst>
+              <a:ext uri="{FF2B5EF4-FFF2-40B4-BE49-F238E27FC236}">
+                <a16:creationId xmlns:a16="http://schemas.microsoft.com/office/drawing/2014/main" id="{C3DCEB0D-A58B-4435-BC11-8AAA2FEBCF9E}"/>
+              </a:ext>
+            </a:extLst>
+          </p:cNvPr>
+          <p:cNvSpPr/>
+          <p:nvPr/>
+        </p:nvSpPr>
+        <p:spPr>
+          <a:xfrm>
+            <a:off x="5673845" y="2014889"/>
+            <a:ext cx="2286000" cy="274320"/>
+          </a:xfrm>
+          <a:prstGeom prst="rect">
+            <a:avLst/>
+          </a:prstGeom>
+          <a:solidFill>
+            <a:schemeClr val="tx1">
+              <a:lumMod val="75000"/>
+              <a:lumOff val="25000"/>
+            </a:schemeClr>
+          </a:solidFill>
+          <a:ln>
+            <a:noFill/>
+          </a:ln>
+        </p:spPr>
+        <p:style>
+          <a:lnRef idx="2">
+            <a:schemeClr val="accent1">
+              <a:shade val="50000"/>
+            </a:schemeClr>
+          </a:lnRef>
+          <a:fillRef idx="1">
+            <a:schemeClr val="accent1"/>
+          </a:fillRef>
+          <a:effectRef idx="0">
+            <a:schemeClr val="accent1"/>
+          </a:effectRef>
+          <a:fontRef idx="minor">
+            <a:schemeClr val="lt1"/>
+          </a:fontRef>
+        </p:style>
+        <p:txBody>
+          <a:bodyPr rtlCol="0" anchor="ctr"/>
+          <a:lstStyle/>
+          <a:p>
+            <a:pPr algn="ctr"/>
+            <a:r>
+              <a:rPr lang="en-US" sz="1600" dirty="0">
+                <a:latin typeface="Segoe UI" panose="020B0502040204020203" pitchFamily="34" charset="0"/>
+                <a:cs typeface="Segoe UI" panose="020B0502040204020203" pitchFamily="34" charset="0"/>
+              </a:rPr>
+              <a:t>Account Owner</a:t>
+            </a:r>
+          </a:p>
+        </p:txBody>
+      </p:sp>
+      <p:sp>
+        <p:nvSpPr>
+          <p:cNvPr id="55" name="Rectangle 54">
+            <a:extLst>
+              <a:ext uri="{FF2B5EF4-FFF2-40B4-BE49-F238E27FC236}">
+                <a16:creationId xmlns:a16="http://schemas.microsoft.com/office/drawing/2014/main" id="{E2297E7F-D88B-439C-91BA-40F70CF26D80}"/>
+              </a:ext>
+            </a:extLst>
+          </p:cNvPr>
+          <p:cNvSpPr/>
+          <p:nvPr/>
+        </p:nvSpPr>
+        <p:spPr>
+          <a:xfrm>
+            <a:off x="5673845" y="2413521"/>
+            <a:ext cx="2286000" cy="274320"/>
+          </a:xfrm>
+          <a:prstGeom prst="rect">
+            <a:avLst/>
+          </a:prstGeom>
+          <a:solidFill>
+            <a:schemeClr val="tx1">
+              <a:lumMod val="75000"/>
+              <a:lumOff val="25000"/>
+            </a:schemeClr>
+          </a:solidFill>
+          <a:ln>
+            <a:noFill/>
+          </a:ln>
+        </p:spPr>
+        <p:style>
+          <a:lnRef idx="2">
+            <a:schemeClr val="accent1">
+              <a:shade val="50000"/>
+            </a:schemeClr>
+          </a:lnRef>
+          <a:fillRef idx="1">
+            <a:schemeClr val="accent1"/>
+          </a:fillRef>
+          <a:effectRef idx="0">
+            <a:schemeClr val="accent1"/>
+          </a:effectRef>
+          <a:fontRef idx="minor">
+            <a:schemeClr val="lt1"/>
+          </a:fontRef>
+        </p:style>
+        <p:txBody>
+          <a:bodyPr rtlCol="0" anchor="ctr"/>
+          <a:lstStyle/>
+          <a:p>
+            <a:pPr algn="ctr"/>
+            <a:r>
+              <a:rPr lang="en-US" sz="1600" dirty="0">
+                <a:latin typeface="Segoe UI" panose="020B0502040204020203" pitchFamily="34" charset="0"/>
+                <a:cs typeface="Segoe UI" panose="020B0502040204020203" pitchFamily="34" charset="0"/>
+              </a:rPr>
+              <a:t>Account Owner</a:t>
+            </a:r>
+          </a:p>
+        </p:txBody>
+      </p:sp>
+      <p:sp>
+        <p:nvSpPr>
+          <p:cNvPr id="56" name="Rectangle 55">
+            <a:extLst>
+              <a:ext uri="{FF2B5EF4-FFF2-40B4-BE49-F238E27FC236}">
+                <a16:creationId xmlns:a16="http://schemas.microsoft.com/office/drawing/2014/main" id="{4849CD93-0134-49A2-A567-E95DB7C8B7BD}"/>
+              </a:ext>
+            </a:extLst>
+          </p:cNvPr>
+          <p:cNvSpPr/>
+          <p:nvPr/>
+        </p:nvSpPr>
+        <p:spPr>
+          <a:xfrm>
+            <a:off x="2887212" y="1614397"/>
+            <a:ext cx="2286000" cy="274320"/>
+          </a:xfrm>
+          <a:prstGeom prst="rect">
+            <a:avLst/>
+          </a:prstGeom>
+          <a:solidFill>
+            <a:schemeClr val="tx1">
+              <a:lumMod val="75000"/>
+              <a:lumOff val="25000"/>
+            </a:schemeClr>
+          </a:solidFill>
+          <a:ln>
+            <a:noFill/>
+          </a:ln>
+        </p:spPr>
+        <p:style>
+          <a:lnRef idx="2">
+            <a:schemeClr val="accent1">
+              <a:shade val="50000"/>
+            </a:schemeClr>
+          </a:lnRef>
+          <a:fillRef idx="1">
+            <a:schemeClr val="accent1"/>
+          </a:fillRef>
+          <a:effectRef idx="0">
+            <a:schemeClr val="accent1"/>
+          </a:effectRef>
+          <a:fontRef idx="minor">
+            <a:schemeClr val="lt1"/>
+          </a:fontRef>
+        </p:style>
+        <p:txBody>
+          <a:bodyPr rtlCol="0" anchor="ctr"/>
+          <a:lstStyle/>
+          <a:p>
+            <a:pPr algn="ctr"/>
+            <a:r>
+              <a:rPr lang="en-US" sz="1600" dirty="0">
+                <a:latin typeface="Segoe UI" panose="020B0502040204020203" pitchFamily="34" charset="0"/>
+                <a:cs typeface="Segoe UI" panose="020B0502040204020203" pitchFamily="34" charset="0"/>
+              </a:rPr>
+              <a:t>Funds Added</a:t>
+            </a:r>
+          </a:p>
+        </p:txBody>
+      </p:sp>
+      <p:sp>
+        <p:nvSpPr>
+          <p:cNvPr id="61" name="Rectangle 60">
+            <a:extLst>
+              <a:ext uri="{FF2B5EF4-FFF2-40B4-BE49-F238E27FC236}">
+                <a16:creationId xmlns:a16="http://schemas.microsoft.com/office/drawing/2014/main" id="{BD430490-702A-4892-AD4B-C2CD09B0CA02}"/>
+              </a:ext>
+            </a:extLst>
+          </p:cNvPr>
+          <p:cNvSpPr/>
+          <p:nvPr/>
+        </p:nvSpPr>
+        <p:spPr>
+          <a:xfrm>
+            <a:off x="2887212" y="2901701"/>
+            <a:ext cx="2286000" cy="274320"/>
+          </a:xfrm>
+          <a:prstGeom prst="rect">
+            <a:avLst/>
+          </a:prstGeom>
+          <a:solidFill>
+            <a:schemeClr val="tx1">
+              <a:lumMod val="75000"/>
+              <a:lumOff val="25000"/>
+            </a:schemeClr>
+          </a:solidFill>
+          <a:ln>
+            <a:noFill/>
+          </a:ln>
+        </p:spPr>
+        <p:style>
+          <a:lnRef idx="2">
+            <a:schemeClr val="accent1">
+              <a:shade val="50000"/>
+            </a:schemeClr>
+          </a:lnRef>
+          <a:fillRef idx="1">
+            <a:schemeClr val="accent1"/>
+          </a:fillRef>
+          <a:effectRef idx="0">
+            <a:schemeClr val="accent1"/>
+          </a:effectRef>
+          <a:fontRef idx="minor">
+            <a:schemeClr val="lt1"/>
+          </a:fontRef>
+        </p:style>
+        <p:txBody>
+          <a:bodyPr rtlCol="0" anchor="ctr"/>
+          <a:lstStyle/>
+          <a:p>
+            <a:pPr algn="ctr"/>
+            <a:r>
+              <a:rPr lang="en-US" sz="1600" dirty="0">
+                <a:latin typeface="Segoe UI" panose="020B0502040204020203" pitchFamily="34" charset="0"/>
+                <a:cs typeface="Segoe UI" panose="020B0502040204020203" pitchFamily="34" charset="0"/>
+              </a:rPr>
+              <a:t>External Purchase</a:t>
+            </a:r>
+          </a:p>
+        </p:txBody>
+      </p:sp>
+      <p:cxnSp>
+        <p:nvCxnSpPr>
+          <p:cNvPr id="9" name="Straight Arrow Connector 8">
+            <a:extLst>
+              <a:ext uri="{FF2B5EF4-FFF2-40B4-BE49-F238E27FC236}">
+                <a16:creationId xmlns:a16="http://schemas.microsoft.com/office/drawing/2014/main" id="{A4969B6D-DC90-49FA-9AD2-550E2050CD42}"/>
+              </a:ext>
+            </a:extLst>
+          </p:cNvPr>
+          <p:cNvCxnSpPr>
+            <a:cxnSpLocks/>
+            <a:stCxn id="39" idx="0"/>
+            <a:endCxn id="57" idx="2"/>
+          </p:cNvCxnSpPr>
+          <p:nvPr/>
+        </p:nvCxnSpPr>
+        <p:spPr>
+          <a:xfrm flipV="1">
+            <a:off x="1243584" y="1128078"/>
+            <a:ext cx="2786631" cy="486319"/>
+          </a:xfrm>
+          <a:prstGeom prst="straightConnector1">
+            <a:avLst/>
+          </a:prstGeom>
+          <a:ln w="12700">
+            <a:tailEnd type="triangle"/>
+          </a:ln>
+        </p:spPr>
+        <p:style>
+          <a:lnRef idx="1">
+            <a:schemeClr val="accent6"/>
+          </a:lnRef>
+          <a:fillRef idx="0">
+            <a:schemeClr val="accent6"/>
+          </a:fillRef>
+          <a:effectRef idx="0">
+            <a:schemeClr val="accent6"/>
+          </a:effectRef>
+          <a:fontRef idx="minor">
+            <a:schemeClr val="tx1"/>
+          </a:fontRef>
+        </p:style>
+      </p:cxnSp>
+      <p:cxnSp>
+        <p:nvCxnSpPr>
+          <p:cNvPr id="14" name="Straight Connector 13">
+            <a:extLst>
+              <a:ext uri="{FF2B5EF4-FFF2-40B4-BE49-F238E27FC236}">
+                <a16:creationId xmlns:a16="http://schemas.microsoft.com/office/drawing/2014/main" id="{3423B325-E128-476A-A906-83C464882BF9}"/>
+              </a:ext>
+            </a:extLst>
+          </p:cNvPr>
+          <p:cNvCxnSpPr>
+            <a:cxnSpLocks/>
+            <a:stCxn id="41" idx="2"/>
+            <a:endCxn id="44" idx="0"/>
+          </p:cNvCxnSpPr>
+          <p:nvPr/>
+        </p:nvCxnSpPr>
+        <p:spPr>
+          <a:xfrm>
+            <a:off x="1243584" y="2627381"/>
+            <a:ext cx="0" cy="274320"/>
+          </a:xfrm>
+          <a:prstGeom prst="line">
+            <a:avLst/>
+          </a:prstGeom>
+          <a:ln w="12700"/>
+        </p:spPr>
+        <p:style>
+          <a:lnRef idx="1">
+            <a:schemeClr val="accent6"/>
+          </a:lnRef>
+          <a:fillRef idx="0">
+            <a:schemeClr val="accent6"/>
+          </a:fillRef>
+          <a:effectRef idx="0">
+            <a:schemeClr val="accent6"/>
+          </a:effectRef>
+          <a:fontRef idx="minor">
+            <a:schemeClr val="tx1"/>
+          </a:fontRef>
+        </p:style>
+      </p:cxnSp>
+      <p:cxnSp>
+        <p:nvCxnSpPr>
+          <p:cNvPr id="21" name="Straight Connector 20">
+            <a:extLst>
+              <a:ext uri="{FF2B5EF4-FFF2-40B4-BE49-F238E27FC236}">
+                <a16:creationId xmlns:a16="http://schemas.microsoft.com/office/drawing/2014/main" id="{50AAFC49-976C-45CD-8D7F-F9417A0453A5}"/>
+              </a:ext>
+            </a:extLst>
+          </p:cNvPr>
+          <p:cNvCxnSpPr>
+            <a:cxnSpLocks/>
+            <a:stCxn id="47" idx="0"/>
+            <a:endCxn id="45" idx="2"/>
+          </p:cNvCxnSpPr>
+          <p:nvPr/>
+        </p:nvCxnSpPr>
+        <p:spPr>
+          <a:xfrm flipV="1">
+            <a:off x="1243584" y="3914685"/>
+            <a:ext cx="0" cy="274320"/>
+          </a:xfrm>
+          <a:prstGeom prst="line">
+            <a:avLst/>
+          </a:prstGeom>
+          <a:ln w="12700"/>
+        </p:spPr>
+        <p:style>
+          <a:lnRef idx="1">
+            <a:schemeClr val="accent6"/>
+          </a:lnRef>
+          <a:fillRef idx="0">
+            <a:schemeClr val="accent6"/>
+          </a:fillRef>
+          <a:effectRef idx="0">
+            <a:schemeClr val="accent6"/>
+          </a:effectRef>
+          <a:fontRef idx="minor">
+            <a:schemeClr val="tx1"/>
+          </a:fontRef>
+        </p:style>
+      </p:cxnSp>
+      <p:cxnSp>
+        <p:nvCxnSpPr>
+          <p:cNvPr id="28" name="Straight Arrow Connector 27">
+            <a:extLst>
+              <a:ext uri="{FF2B5EF4-FFF2-40B4-BE49-F238E27FC236}">
+                <a16:creationId xmlns:a16="http://schemas.microsoft.com/office/drawing/2014/main" id="{D416118A-C8AB-4EF7-A893-C1161C06BE9F}"/>
+              </a:ext>
+            </a:extLst>
+          </p:cNvPr>
+          <p:cNvCxnSpPr>
+            <a:stCxn id="39" idx="3"/>
+            <a:endCxn id="56" idx="1"/>
+          </p:cNvCxnSpPr>
+          <p:nvPr/>
+        </p:nvCxnSpPr>
+        <p:spPr>
+          <a:xfrm>
+            <a:off x="2386584" y="1751557"/>
+            <a:ext cx="500628" cy="0"/>
+          </a:xfrm>
+          <a:prstGeom prst="straightConnector1">
+            <a:avLst/>
+          </a:prstGeom>
+          <a:ln w="12700">
+            <a:tailEnd type="triangle"/>
+          </a:ln>
+        </p:spPr>
+        <p:style>
+          <a:lnRef idx="1">
+            <a:schemeClr val="accent6"/>
+          </a:lnRef>
+          <a:fillRef idx="0">
+            <a:schemeClr val="accent6"/>
+          </a:fillRef>
+          <a:effectRef idx="0">
+            <a:schemeClr val="accent6"/>
+          </a:effectRef>
+          <a:fontRef idx="minor">
+            <a:schemeClr val="tx1"/>
+          </a:fontRef>
+        </p:style>
+      </p:cxnSp>
+      <p:cxnSp>
+        <p:nvCxnSpPr>
+          <p:cNvPr id="31" name="Straight Arrow Connector 30">
+            <a:extLst>
+              <a:ext uri="{FF2B5EF4-FFF2-40B4-BE49-F238E27FC236}">
+                <a16:creationId xmlns:a16="http://schemas.microsoft.com/office/drawing/2014/main" id="{4A92A012-A6B4-466C-BA2B-963AB6167815}"/>
+              </a:ext>
+            </a:extLst>
+          </p:cNvPr>
+          <p:cNvCxnSpPr>
+            <a:cxnSpLocks/>
+            <a:stCxn id="44" idx="3"/>
+            <a:endCxn id="61" idx="1"/>
+          </p:cNvCxnSpPr>
+          <p:nvPr/>
+        </p:nvCxnSpPr>
+        <p:spPr>
+          <a:xfrm>
+            <a:off x="2386584" y="3038861"/>
+            <a:ext cx="500628" cy="0"/>
+          </a:xfrm>
+          <a:prstGeom prst="straightConnector1">
+            <a:avLst/>
+          </a:prstGeom>
+          <a:ln w="12700">
+            <a:tailEnd type="triangle"/>
+          </a:ln>
+        </p:spPr>
+        <p:style>
+          <a:lnRef idx="1">
+            <a:schemeClr val="accent6"/>
+          </a:lnRef>
+          <a:fillRef idx="0">
+            <a:schemeClr val="accent6"/>
+          </a:fillRef>
+          <a:effectRef idx="0">
+            <a:schemeClr val="accent6"/>
+          </a:effectRef>
+          <a:fontRef idx="minor">
+            <a:schemeClr val="tx1"/>
+          </a:fontRef>
+        </p:style>
+      </p:cxnSp>
+      <p:cxnSp>
+        <p:nvCxnSpPr>
+          <p:cNvPr id="65" name="Straight Arrow Connector 64">
+            <a:extLst>
+              <a:ext uri="{FF2B5EF4-FFF2-40B4-BE49-F238E27FC236}">
+                <a16:creationId xmlns:a16="http://schemas.microsoft.com/office/drawing/2014/main" id="{D9FA5AAF-C66E-45C2-8167-CFD25391F7AF}"/>
+              </a:ext>
+            </a:extLst>
+          </p:cNvPr>
+          <p:cNvCxnSpPr>
+            <a:cxnSpLocks/>
+            <a:stCxn id="47" idx="3"/>
+            <a:endCxn id="50" idx="1"/>
+          </p:cNvCxnSpPr>
+          <p:nvPr/>
+        </p:nvCxnSpPr>
+        <p:spPr>
+          <a:xfrm>
+            <a:off x="2386584" y="4326165"/>
+            <a:ext cx="500632" cy="0"/>
+          </a:xfrm>
+          <a:prstGeom prst="straightConnector1">
+            <a:avLst/>
+          </a:prstGeom>
+          <a:ln w="12700">
+            <a:tailEnd type="triangle"/>
+          </a:ln>
+        </p:spPr>
+        <p:style>
+          <a:lnRef idx="1">
+            <a:schemeClr val="accent6"/>
+          </a:lnRef>
+          <a:fillRef idx="0">
+            <a:schemeClr val="accent6"/>
+          </a:fillRef>
+          <a:effectRef idx="0">
+            <a:schemeClr val="accent6"/>
+          </a:effectRef>
+          <a:fontRef idx="minor">
+            <a:schemeClr val="tx1"/>
+          </a:fontRef>
+        </p:style>
+      </p:cxnSp>
+      <p:cxnSp>
+        <p:nvCxnSpPr>
+          <p:cNvPr id="82" name="Straight Arrow Connector 81">
+            <a:extLst>
+              <a:ext uri="{FF2B5EF4-FFF2-40B4-BE49-F238E27FC236}">
+                <a16:creationId xmlns:a16="http://schemas.microsoft.com/office/drawing/2014/main" id="{0926E9CC-4BF7-4105-9C02-6D3D3098F230}"/>
+              </a:ext>
+            </a:extLst>
+          </p:cNvPr>
+          <p:cNvCxnSpPr>
+            <a:stCxn id="52" idx="0"/>
+            <a:endCxn id="57" idx="2"/>
+          </p:cNvCxnSpPr>
+          <p:nvPr/>
+        </p:nvCxnSpPr>
+        <p:spPr>
+          <a:xfrm flipH="1" flipV="1">
+            <a:off x="4030215" y="1128078"/>
+            <a:ext cx="2786630" cy="488179"/>
+          </a:xfrm>
+          <a:prstGeom prst="straightConnector1">
+            <a:avLst/>
+          </a:prstGeom>
+          <a:ln w="12700">
+            <a:tailEnd type="triangle"/>
+          </a:ln>
+        </p:spPr>
+        <p:style>
+          <a:lnRef idx="1">
+            <a:schemeClr val="accent6"/>
+          </a:lnRef>
+          <a:fillRef idx="0">
+            <a:schemeClr val="accent6"/>
+          </a:fillRef>
+          <a:effectRef idx="0">
+            <a:schemeClr val="accent6"/>
+          </a:effectRef>
+          <a:fontRef idx="minor">
+            <a:schemeClr val="tx1"/>
+          </a:fontRef>
+        </p:style>
+      </p:cxnSp>
+      <p:cxnSp>
+        <p:nvCxnSpPr>
+          <p:cNvPr id="85" name="Straight Connector 84">
+            <a:extLst>
+              <a:ext uri="{FF2B5EF4-FFF2-40B4-BE49-F238E27FC236}">
+                <a16:creationId xmlns:a16="http://schemas.microsoft.com/office/drawing/2014/main" id="{F8399427-7614-4553-BDC7-A32851DB8AA5}"/>
+              </a:ext>
+            </a:extLst>
+          </p:cNvPr>
+          <p:cNvCxnSpPr>
+            <a:stCxn id="54" idx="0"/>
+            <a:endCxn id="52" idx="2"/>
+          </p:cNvCxnSpPr>
+          <p:nvPr/>
+        </p:nvCxnSpPr>
+        <p:spPr>
+          <a:xfrm flipV="1">
+            <a:off x="6816845" y="1890577"/>
+            <a:ext cx="0" cy="124312"/>
+          </a:xfrm>
+          <a:prstGeom prst="line">
+            <a:avLst/>
+          </a:prstGeom>
+          <a:ln w="12700"/>
+        </p:spPr>
+        <p:style>
+          <a:lnRef idx="1">
+            <a:schemeClr val="accent6"/>
+          </a:lnRef>
+          <a:fillRef idx="0">
+            <a:schemeClr val="accent6"/>
+          </a:fillRef>
+          <a:effectRef idx="0">
+            <a:schemeClr val="accent6"/>
+          </a:effectRef>
+          <a:fontRef idx="minor">
+            <a:schemeClr val="tx1"/>
+          </a:fontRef>
+        </p:style>
+      </p:cxnSp>
+      <p:cxnSp>
+        <p:nvCxnSpPr>
+          <p:cNvPr id="87" name="Straight Connector 86">
+            <a:extLst>
+              <a:ext uri="{FF2B5EF4-FFF2-40B4-BE49-F238E27FC236}">
+                <a16:creationId xmlns:a16="http://schemas.microsoft.com/office/drawing/2014/main" id="{9BA602F8-6FA4-4EB9-BD83-7783749D2B19}"/>
+              </a:ext>
+            </a:extLst>
+          </p:cNvPr>
+          <p:cNvCxnSpPr>
+            <a:cxnSpLocks/>
+            <a:stCxn id="55" idx="0"/>
+            <a:endCxn id="54" idx="2"/>
+          </p:cNvCxnSpPr>
+          <p:nvPr/>
+        </p:nvCxnSpPr>
+        <p:spPr>
+          <a:xfrm flipV="1">
+            <a:off x="6816845" y="2289209"/>
+            <a:ext cx="0" cy="124312"/>
+          </a:xfrm>
+          <a:prstGeom prst="line">
+            <a:avLst/>
+          </a:prstGeom>
+          <a:ln w="12700"/>
+        </p:spPr>
+        <p:style>
+          <a:lnRef idx="1">
+            <a:schemeClr val="accent6"/>
+          </a:lnRef>
+          <a:fillRef idx="0">
+            <a:schemeClr val="accent6"/>
+          </a:fillRef>
+          <a:effectRef idx="0">
+            <a:schemeClr val="accent6"/>
+          </a:effectRef>
+          <a:fontRef idx="minor">
+            <a:schemeClr val="tx1"/>
+          </a:fontRef>
+        </p:style>
+      </p:cxnSp>
+      <p:sp>
+        <p:nvSpPr>
+          <p:cNvPr id="91" name="Title 90" hidden="1">
+            <a:extLst>
+              <a:ext uri="{FF2B5EF4-FFF2-40B4-BE49-F238E27FC236}">
+                <a16:creationId xmlns:a16="http://schemas.microsoft.com/office/drawing/2014/main" id="{E54F4FD7-2CE1-4EF1-AFD3-49BC5355BE16}"/>
+              </a:ext>
+            </a:extLst>
+          </p:cNvPr>
+          <p:cNvSpPr>
+            <a:spLocks noGrp="1"/>
+          </p:cNvSpPr>
+          <p:nvPr>
+            <p:ph type="ctrTitle"/>
+          </p:nvPr>
+        </p:nvSpPr>
+        <p:spPr/>
+        <p:txBody>
+          <a:bodyPr/>
+          <a:lstStyle/>
+          <a:p>
+            <a:r>
+              <a:rPr lang="en-US" dirty="0"/>
+              <a:t>Funding Accounts</a:t>
+            </a:r>
+          </a:p>
+        </p:txBody>
+      </p:sp>
+    </p:spTree>
+    <p:extLst>
+      <p:ext uri="{BB962C8B-B14F-4D97-AF65-F5344CB8AC3E}">
+        <p14:creationId xmlns:p14="http://schemas.microsoft.com/office/powerpoint/2010/main" val="2733095227"/>
+      </p:ext>
+    </p:extLst>
+  </p:cSld>
+  <p:clrMapOvr>
+    <a:masterClrMapping/>
+  </p:clrMapOvr>
+</p:sld>
+</file>
+
+<file path=ppt/slides/slide5.xml><?xml version="1.0" encoding="utf-8"?>
+<p:sld xmlns:a="http://schemas.openxmlformats.org/drawingml/2006/main" xmlns:r="http://schemas.openxmlformats.org/officeDocument/2006/relationships" xmlns:p="http://schemas.openxmlformats.org/presentationml/2006/main">
+  <p:cSld>
+    <p:bg>
+      <p:bgPr>
+        <a:solidFill>
+          <a:schemeClr val="bg1">
+            <a:lumMod val="95000"/>
+          </a:schemeClr>
+        </a:solidFill>
+        <a:effectLst/>
+      </p:bgPr>
+    </p:bg>
+    <p:spTree>
+      <p:nvGrpSpPr>
+        <p:cNvPr id="1" name=""/>
+        <p:cNvGrpSpPr/>
+        <p:nvPr/>
+      </p:nvGrpSpPr>
+      <p:grpSpPr>
+        <a:xfrm>
+          <a:off x="0" y="0"/>
+          <a:ext cx="0" cy="0"/>
+          <a:chOff x="0" y="0"/>
+          <a:chExt cx="0" cy="0"/>
+        </a:xfrm>
+      </p:grpSpPr>
+      <p:sp>
+        <p:nvSpPr>
+          <p:cNvPr id="57" name="Rectangle 56">
+            <a:extLst>
+              <a:ext uri="{FF2B5EF4-FFF2-40B4-BE49-F238E27FC236}">
+                <a16:creationId xmlns:a16="http://schemas.microsoft.com/office/drawing/2014/main" id="{4808B174-B9CF-4CAD-8A19-1BC9D885D3B3}"/>
+              </a:ext>
+            </a:extLst>
+          </p:cNvPr>
+          <p:cNvSpPr/>
+          <p:nvPr/>
+        </p:nvSpPr>
+        <p:spPr>
+          <a:xfrm>
+            <a:off x="100584" y="853758"/>
+            <a:ext cx="7859261" cy="274320"/>
+          </a:xfrm>
+          <a:prstGeom prst="rect">
+            <a:avLst/>
+          </a:prstGeom>
+          <a:solidFill>
+            <a:schemeClr val="tx1">
+              <a:lumMod val="75000"/>
+              <a:lumOff val="25000"/>
+            </a:schemeClr>
+          </a:solidFill>
+          <a:ln>
+            <a:noFill/>
+          </a:ln>
+        </p:spPr>
+        <p:style>
+          <a:lnRef idx="2">
+            <a:schemeClr val="accent1">
+              <a:shade val="50000"/>
+            </a:schemeClr>
+          </a:lnRef>
+          <a:fillRef idx="1">
+            <a:schemeClr val="accent1"/>
+          </a:fillRef>
+          <a:effectRef idx="0">
+            <a:schemeClr val="accent1"/>
+          </a:effectRef>
+          <a:fontRef idx="minor">
+            <a:schemeClr val="lt1"/>
+          </a:fontRef>
+        </p:style>
+        <p:txBody>
+          <a:bodyPr rtlCol="0" anchor="ctr"/>
+          <a:lstStyle/>
+          <a:p>
+            <a:pPr algn="ctr"/>
+            <a:r>
+              <a:rPr lang="en-US" sz="1600" dirty="0">
+                <a:latin typeface="Segoe UI" panose="020B0502040204020203" pitchFamily="34" charset="0"/>
+                <a:cs typeface="Segoe UI" panose="020B0502040204020203" pitchFamily="34" charset="0"/>
+              </a:rPr>
+              <a:t>Order</a:t>
+            </a:r>
+          </a:p>
+        </p:txBody>
+      </p:sp>
+      <p:sp>
+        <p:nvSpPr>
+          <p:cNvPr id="120" name="Rectangle 119">
+            <a:extLst>
+              <a:ext uri="{FF2B5EF4-FFF2-40B4-BE49-F238E27FC236}">
+                <a16:creationId xmlns:a16="http://schemas.microsoft.com/office/drawing/2014/main" id="{5B5CFA4C-32E2-456B-8FA7-1EFB1DD90E1C}"/>
+              </a:ext>
+            </a:extLst>
+          </p:cNvPr>
+          <p:cNvSpPr/>
+          <p:nvPr/>
+        </p:nvSpPr>
+        <p:spPr>
+          <a:xfrm>
+            <a:off x="8069592" y="137160"/>
+            <a:ext cx="4021814" cy="6576060"/>
+          </a:xfrm>
+          <a:prstGeom prst="rect">
+            <a:avLst/>
+          </a:prstGeom>
+          <a:solidFill>
+            <a:schemeClr val="bg1"/>
+          </a:solidFill>
+          <a:ln>
+            <a:noFill/>
+          </a:ln>
+        </p:spPr>
+        <p:style>
+          <a:lnRef idx="2">
+            <a:schemeClr val="accent1">
+              <a:shade val="50000"/>
+            </a:schemeClr>
+          </a:lnRef>
+          <a:fillRef idx="1">
+            <a:schemeClr val="accent1"/>
+          </a:fillRef>
+          <a:effectRef idx="0">
+            <a:schemeClr val="accent1"/>
+          </a:effectRef>
+          <a:fontRef idx="minor">
+            <a:schemeClr val="lt1"/>
+          </a:fontRef>
+        </p:style>
+        <p:txBody>
+          <a:bodyPr tIns="91440" bIns="91440" rtlCol="0" anchor="t" anchorCtr="0"/>
+          <a:lstStyle/>
+          <a:p>
+            <a:pPr marL="285750" indent="-285750">
+              <a:buBlip>
+                <a:blip r:embed="rId2">
+                  <a:extLst>
+                    <a:ext uri="{96DAC541-7B7A-43D3-8B79-37D633B846F1}">
+                      <asvg:svgBlip xmlns:asvg="http://schemas.microsoft.com/office/drawing/2016/SVG/main" r:embed="rId3"/>
+                    </a:ext>
+                  </a:extLst>
+                </a:blip>
+              </a:buBlip>
+            </a:pPr>
+            <a:r>
+              <a:rPr lang="en-US" sz="1400" dirty="0">
+                <a:solidFill>
+                  <a:schemeClr val="tx1">
+                    <a:lumMod val="65000"/>
+                    <a:lumOff val="35000"/>
+                  </a:schemeClr>
+                </a:solidFill>
+                <a:latin typeface="Segoe UI" panose="020B0502040204020203" pitchFamily="34" charset="0"/>
+                <a:cs typeface="Segoe UI" panose="020B0502040204020203" pitchFamily="34" charset="0"/>
+              </a:rPr>
+              <a:t>When items are received, their final details are entered. The Item Group Category that was used to classify the item will then determine the record the item is associated with.</a:t>
+            </a:r>
+          </a:p>
+          <a:p>
+            <a:pPr marL="742950" lvl="1" indent="-285750">
+              <a:buBlip>
+                <a:blip r:embed="rId2">
+                  <a:extLst>
+                    <a:ext uri="{96DAC541-7B7A-43D3-8B79-37D633B846F1}">
+                      <asvg:svgBlip xmlns:asvg="http://schemas.microsoft.com/office/drawing/2016/SVG/main" r:embed="rId3"/>
+                    </a:ext>
+                  </a:extLst>
+                </a:blip>
+              </a:buBlip>
+            </a:pPr>
+            <a:r>
+              <a:rPr lang="en-US" sz="1400" dirty="0">
+                <a:solidFill>
+                  <a:schemeClr val="tx1">
+                    <a:lumMod val="65000"/>
+                    <a:lumOff val="35000"/>
+                  </a:schemeClr>
+                </a:solidFill>
+                <a:latin typeface="Segoe UI" panose="020B0502040204020203" pitchFamily="34" charset="0"/>
+                <a:cs typeface="Segoe UI" panose="020B0502040204020203" pitchFamily="34" charset="0"/>
+              </a:rPr>
+              <a:t>Serialized Items and Hardware are assigned to property records, i.e. – Site 0 Networks.</a:t>
+            </a:r>
+          </a:p>
+          <a:p>
+            <a:pPr marL="742950" lvl="1" indent="-285750">
+              <a:buBlip>
+                <a:blip r:embed="rId2">
+                  <a:extLst>
+                    <a:ext uri="{96DAC541-7B7A-43D3-8B79-37D633B846F1}">
+                      <asvg:svgBlip xmlns:asvg="http://schemas.microsoft.com/office/drawing/2016/SVG/main" r:embed="rId3"/>
+                    </a:ext>
+                  </a:extLst>
+                </a:blip>
+              </a:buBlip>
+            </a:pPr>
+            <a:r>
+              <a:rPr lang="en-US" sz="1400" dirty="0">
+                <a:solidFill>
+                  <a:schemeClr val="tx1">
+                    <a:lumMod val="65000"/>
+                    <a:lumOff val="35000"/>
+                  </a:schemeClr>
+                </a:solidFill>
+                <a:latin typeface="Segoe UI" panose="020B0502040204020203" pitchFamily="34" charset="0"/>
+                <a:cs typeface="Segoe UI" panose="020B0502040204020203" pitchFamily="34" charset="0"/>
+              </a:rPr>
+              <a:t>Non Serialized Items and Software are assigned to a site.</a:t>
+            </a:r>
+          </a:p>
+          <a:p>
+            <a:pPr marL="1200150" lvl="2" indent="-285750">
+              <a:buBlip>
+                <a:blip r:embed="rId2">
+                  <a:extLst>
+                    <a:ext uri="{96DAC541-7B7A-43D3-8B79-37D633B846F1}">
+                      <asvg:svgBlip xmlns:asvg="http://schemas.microsoft.com/office/drawing/2016/SVG/main" r:embed="rId3"/>
+                    </a:ext>
+                  </a:extLst>
+                </a:blip>
+              </a:buBlip>
+            </a:pPr>
+            <a:r>
+              <a:rPr lang="en-US" sz="1400" dirty="0">
+                <a:solidFill>
+                  <a:schemeClr val="tx1">
+                    <a:lumMod val="65000"/>
+                    <a:lumOff val="35000"/>
+                  </a:schemeClr>
+                </a:solidFill>
+                <a:latin typeface="Segoe UI" panose="020B0502040204020203" pitchFamily="34" charset="0"/>
+                <a:cs typeface="Segoe UI" panose="020B0502040204020203" pitchFamily="34" charset="0"/>
+              </a:rPr>
+              <a:t>Non Serialized Items will be tracked with hand receipts to individuals.</a:t>
+            </a:r>
+          </a:p>
+          <a:p>
+            <a:pPr marL="285750" indent="-285750">
+              <a:buBlip>
+                <a:blip r:embed="rId2">
+                  <a:extLst>
+                    <a:ext uri="{96DAC541-7B7A-43D3-8B79-37D633B846F1}">
+                      <asvg:svgBlip xmlns:asvg="http://schemas.microsoft.com/office/drawing/2016/SVG/main" r:embed="rId3"/>
+                    </a:ext>
+                  </a:extLst>
+                </a:blip>
+              </a:buBlip>
+            </a:pPr>
+            <a:endParaRPr lang="en-US" sz="1400" dirty="0">
+              <a:solidFill>
+                <a:schemeClr val="tx1">
+                  <a:lumMod val="65000"/>
+                  <a:lumOff val="35000"/>
+                </a:schemeClr>
+              </a:solidFill>
+              <a:latin typeface="Segoe UI" panose="020B0502040204020203" pitchFamily="34" charset="0"/>
+              <a:cs typeface="Segoe UI" panose="020B0502040204020203" pitchFamily="34" charset="0"/>
+            </a:endParaRPr>
+          </a:p>
+          <a:p>
+            <a:pPr marL="285750" indent="-285750">
+              <a:buBlip>
+                <a:blip r:embed="rId2">
+                  <a:extLst>
+                    <a:ext uri="{96DAC541-7B7A-43D3-8B79-37D633B846F1}">
+                      <asvg:svgBlip xmlns:asvg="http://schemas.microsoft.com/office/drawing/2016/SVG/main" r:embed="rId3"/>
+                    </a:ext>
+                  </a:extLst>
+                </a:blip>
+              </a:buBlip>
+            </a:pPr>
+            <a:r>
+              <a:rPr lang="en-US" sz="1400" dirty="0">
+                <a:solidFill>
+                  <a:schemeClr val="tx1">
+                    <a:lumMod val="65000"/>
+                    <a:lumOff val="35000"/>
+                  </a:schemeClr>
+                </a:solidFill>
+                <a:latin typeface="Segoe UI" panose="020B0502040204020203" pitchFamily="34" charset="0"/>
+                <a:cs typeface="Segoe UI" panose="020B0502040204020203" pitchFamily="34" charset="0"/>
+              </a:rPr>
+              <a:t>For items moving to a property record, the custodian for that property record must sign an item receipt.</a:t>
+            </a:r>
+          </a:p>
+          <a:p>
+            <a:pPr marL="285750" indent="-285750">
+              <a:buBlip>
+                <a:blip r:embed="rId2">
+                  <a:extLst>
+                    <a:ext uri="{96DAC541-7B7A-43D3-8B79-37D633B846F1}">
+                      <asvg:svgBlip xmlns:asvg="http://schemas.microsoft.com/office/drawing/2016/SVG/main" r:embed="rId3"/>
+                    </a:ext>
+                  </a:extLst>
+                </a:blip>
+              </a:buBlip>
+            </a:pPr>
+            <a:endParaRPr lang="en-US" sz="1400" dirty="0">
+              <a:solidFill>
+                <a:schemeClr val="tx1">
+                  <a:lumMod val="65000"/>
+                  <a:lumOff val="35000"/>
+                </a:schemeClr>
+              </a:solidFill>
+              <a:latin typeface="Segoe UI" panose="020B0502040204020203" pitchFamily="34" charset="0"/>
+              <a:cs typeface="Segoe UI" panose="020B0502040204020203" pitchFamily="34" charset="0"/>
+            </a:endParaRPr>
+          </a:p>
+          <a:p>
+            <a:pPr marL="285750" indent="-285750">
+              <a:buBlip>
+                <a:blip r:embed="rId2">
+                  <a:extLst>
+                    <a:ext uri="{96DAC541-7B7A-43D3-8B79-37D633B846F1}">
+                      <asvg:svgBlip xmlns:asvg="http://schemas.microsoft.com/office/drawing/2016/SVG/main" r:embed="rId3"/>
+                    </a:ext>
+                  </a:extLst>
+                </a:blip>
+              </a:buBlip>
+            </a:pPr>
+            <a:r>
+              <a:rPr lang="en-US" sz="1400" dirty="0">
+                <a:solidFill>
+                  <a:schemeClr val="tx1">
+                    <a:lumMod val="65000"/>
+                    <a:lumOff val="35000"/>
+                  </a:schemeClr>
+                </a:solidFill>
+                <a:latin typeface="Segoe UI" panose="020B0502040204020203" pitchFamily="34" charset="0"/>
+                <a:cs typeface="Segoe UI" panose="020B0502040204020203" pitchFamily="34" charset="0"/>
+              </a:rPr>
+              <a:t>For items moving to a site record, a logistician for that site must sign an item receipt.</a:t>
+            </a:r>
+          </a:p>
+          <a:p>
+            <a:pPr marL="285750" indent="-285750">
+              <a:buBlip>
+                <a:blip r:embed="rId2">
+                  <a:extLst>
+                    <a:ext uri="{96DAC541-7B7A-43D3-8B79-37D633B846F1}">
+                      <asvg:svgBlip xmlns:asvg="http://schemas.microsoft.com/office/drawing/2016/SVG/main" r:embed="rId3"/>
+                    </a:ext>
+                  </a:extLst>
+                </a:blip>
+              </a:buBlip>
+            </a:pPr>
+            <a:endParaRPr lang="en-US" sz="1400" dirty="0">
+              <a:solidFill>
+                <a:schemeClr val="tx1">
+                  <a:lumMod val="65000"/>
+                  <a:lumOff val="35000"/>
+                </a:schemeClr>
+              </a:solidFill>
+              <a:latin typeface="Segoe UI" panose="020B0502040204020203" pitchFamily="34" charset="0"/>
+              <a:cs typeface="Segoe UI" panose="020B0502040204020203" pitchFamily="34" charset="0"/>
+            </a:endParaRPr>
+          </a:p>
+          <a:p>
+            <a:pPr marL="285750" indent="-285750">
+              <a:buBlip>
+                <a:blip r:embed="rId2">
+                  <a:extLst>
+                    <a:ext uri="{96DAC541-7B7A-43D3-8B79-37D633B846F1}">
+                      <asvg:svgBlip xmlns:asvg="http://schemas.microsoft.com/office/drawing/2016/SVG/main" r:embed="rId3"/>
+                    </a:ext>
+                  </a:extLst>
+                </a:blip>
+              </a:buBlip>
+            </a:pPr>
+            <a:endParaRPr lang="en-US" sz="1400" dirty="0">
+              <a:solidFill>
+                <a:schemeClr val="tx1">
+                  <a:lumMod val="65000"/>
+                  <a:lumOff val="35000"/>
+                </a:schemeClr>
+              </a:solidFill>
+              <a:latin typeface="Segoe UI" panose="020B0502040204020203" pitchFamily="34" charset="0"/>
+              <a:cs typeface="Segoe UI" panose="020B0502040204020203" pitchFamily="34" charset="0"/>
+            </a:endParaRPr>
+          </a:p>
+          <a:p>
+            <a:pPr marL="285750" indent="-285750">
+              <a:buBlip>
+                <a:blip r:embed="rId2">
+                  <a:extLst>
+                    <a:ext uri="{96DAC541-7B7A-43D3-8B79-37D633B846F1}">
+                      <asvg:svgBlip xmlns:asvg="http://schemas.microsoft.com/office/drawing/2016/SVG/main" r:embed="rId3"/>
+                    </a:ext>
+                  </a:extLst>
+                </a:blip>
+              </a:buBlip>
+            </a:pPr>
+            <a:endParaRPr lang="en-US" sz="1400" dirty="0">
+              <a:solidFill>
+                <a:schemeClr val="tx1">
+                  <a:lumMod val="65000"/>
+                  <a:lumOff val="35000"/>
+                </a:schemeClr>
+              </a:solidFill>
+              <a:latin typeface="Segoe UI" panose="020B0502040204020203" pitchFamily="34" charset="0"/>
+              <a:cs typeface="Segoe UI" panose="020B0502040204020203" pitchFamily="34" charset="0"/>
+            </a:endParaRPr>
+          </a:p>
+          <a:p>
+            <a:endParaRPr lang="en-US" sz="1400" dirty="0">
+              <a:solidFill>
+                <a:schemeClr val="tx1">
+                  <a:lumMod val="65000"/>
+                  <a:lumOff val="35000"/>
+                </a:schemeClr>
+              </a:solidFill>
+              <a:latin typeface="Segoe UI" panose="020B0502040204020203" pitchFamily="34" charset="0"/>
+              <a:cs typeface="Segoe UI" panose="020B0502040204020203" pitchFamily="34" charset="0"/>
+            </a:endParaRPr>
+          </a:p>
+          <a:p>
+            <a:endParaRPr lang="en-US" sz="1400" dirty="0">
+              <a:solidFill>
+                <a:schemeClr val="tx1">
+                  <a:lumMod val="65000"/>
+                  <a:lumOff val="35000"/>
+                </a:schemeClr>
+              </a:solidFill>
+              <a:latin typeface="Segoe UI" panose="020B0502040204020203" pitchFamily="34" charset="0"/>
+              <a:cs typeface="Segoe UI" panose="020B0502040204020203" pitchFamily="34" charset="0"/>
+            </a:endParaRPr>
+          </a:p>
+          <a:p>
+            <a:r>
+              <a:rPr lang="en-US" sz="1400" b="1" i="1" dirty="0">
+                <a:solidFill>
+                  <a:schemeClr val="tx1">
+                    <a:lumMod val="65000"/>
+                    <a:lumOff val="35000"/>
+                  </a:schemeClr>
+                </a:solidFill>
+                <a:latin typeface="Segoe UI" panose="020B0502040204020203" pitchFamily="34" charset="0"/>
+                <a:cs typeface="Segoe UI" panose="020B0502040204020203" pitchFamily="34" charset="0"/>
+              </a:rPr>
+              <a:t>Note: </a:t>
+            </a:r>
+            <a:r>
+              <a:rPr lang="en-US" sz="1400" i="1" dirty="0">
+                <a:solidFill>
+                  <a:schemeClr val="tx1">
+                    <a:lumMod val="65000"/>
+                    <a:lumOff val="35000"/>
+                  </a:schemeClr>
+                </a:solidFill>
+                <a:latin typeface="Segoe UI" panose="020B0502040204020203" pitchFamily="34" charset="0"/>
+                <a:cs typeface="Segoe UI" panose="020B0502040204020203" pitchFamily="34" charset="0"/>
+              </a:rPr>
+              <a:t>More item group categories are planned, for instance, medical, services / contracts, etc. Just need to figure out how items are managed after receipt.</a:t>
+            </a:r>
+            <a:endParaRPr lang="en-US" sz="1400" b="1" i="1" dirty="0">
+              <a:solidFill>
+                <a:schemeClr val="tx1">
+                  <a:lumMod val="65000"/>
+                  <a:lumOff val="35000"/>
+                </a:schemeClr>
+              </a:solidFill>
+              <a:latin typeface="Segoe UI" panose="020B0502040204020203" pitchFamily="34" charset="0"/>
+              <a:cs typeface="Segoe UI" panose="020B0502040204020203" pitchFamily="34" charset="0"/>
+            </a:endParaRPr>
+          </a:p>
+        </p:txBody>
+      </p:sp>
+      <p:sp>
+        <p:nvSpPr>
+          <p:cNvPr id="122" name="TextBox 121">
+            <a:extLst>
+              <a:ext uri="{FF2B5EF4-FFF2-40B4-BE49-F238E27FC236}">
+                <a16:creationId xmlns:a16="http://schemas.microsoft.com/office/drawing/2014/main" id="{00AEB9A2-B192-429C-A1AA-E469E891430E}"/>
+              </a:ext>
+            </a:extLst>
+          </p:cNvPr>
+          <p:cNvSpPr txBox="1"/>
+          <p:nvPr/>
+        </p:nvSpPr>
+        <p:spPr>
+          <a:xfrm>
+            <a:off x="100585" y="140315"/>
+            <a:ext cx="7859260" cy="461665"/>
+          </a:xfrm>
+          <a:prstGeom prst="rect">
+            <a:avLst/>
+          </a:prstGeom>
+          <a:noFill/>
+        </p:spPr>
+        <p:txBody>
+          <a:bodyPr wrap="square" rtlCol="0">
+            <a:spAutoFit/>
+          </a:bodyPr>
+          <a:lstStyle/>
+          <a:p>
+            <a:r>
+              <a:rPr lang="en-US" sz="2400" dirty="0">
+                <a:latin typeface="Segoe UI" panose="020B0502040204020203" pitchFamily="34" charset="0"/>
+                <a:cs typeface="Segoe UI" panose="020B0502040204020203" pitchFamily="34" charset="0"/>
+              </a:rPr>
+              <a:t>Order Receipt</a:t>
+            </a:r>
+          </a:p>
+        </p:txBody>
+      </p:sp>
+      <p:sp>
+        <p:nvSpPr>
+          <p:cNvPr id="92" name="Title 91" hidden="1">
+            <a:extLst>
+              <a:ext uri="{FF2B5EF4-FFF2-40B4-BE49-F238E27FC236}">
+                <a16:creationId xmlns:a16="http://schemas.microsoft.com/office/drawing/2014/main" id="{CAF02D93-D405-4EE2-91E9-DD912F7CC669}"/>
+              </a:ext>
+            </a:extLst>
+          </p:cNvPr>
+          <p:cNvSpPr>
+            <a:spLocks noGrp="1"/>
+          </p:cNvSpPr>
+          <p:nvPr>
+            <p:ph type="ctrTitle"/>
+          </p:nvPr>
+        </p:nvSpPr>
+        <p:spPr/>
+        <p:txBody>
+          <a:bodyPr/>
+          <a:lstStyle/>
+          <a:p>
+            <a:r>
+              <a:rPr lang="en-US" dirty="0"/>
+              <a:t>Order Placement</a:t>
+            </a:r>
+          </a:p>
+        </p:txBody>
+      </p:sp>
+      <p:grpSp>
+        <p:nvGrpSpPr>
+          <p:cNvPr id="10" name="Group 9">
+            <a:extLst>
+              <a:ext uri="{FF2B5EF4-FFF2-40B4-BE49-F238E27FC236}">
+                <a16:creationId xmlns:a16="http://schemas.microsoft.com/office/drawing/2014/main" id="{A0D89DE1-A51D-49BC-B19F-C6AE37E0B64C}"/>
+              </a:ext>
+            </a:extLst>
+          </p:cNvPr>
+          <p:cNvGrpSpPr/>
+          <p:nvPr/>
+        </p:nvGrpSpPr>
+        <p:grpSpPr>
+          <a:xfrm>
+            <a:off x="95929" y="1766728"/>
+            <a:ext cx="1779028" cy="1955999"/>
+            <a:chOff x="95929" y="1766728"/>
+            <a:chExt cx="1779028" cy="1955999"/>
+          </a:xfrm>
+        </p:grpSpPr>
+        <p:sp>
+          <p:nvSpPr>
+            <p:cNvPr id="43" name="Rectangle 42">
+              <a:extLst>
+                <a:ext uri="{FF2B5EF4-FFF2-40B4-BE49-F238E27FC236}">
+                  <a16:creationId xmlns:a16="http://schemas.microsoft.com/office/drawing/2014/main" id="{1BA70B27-39D9-4D24-875B-6298E42CB418}"/>
+                </a:ext>
+              </a:extLst>
+            </p:cNvPr>
+            <p:cNvSpPr/>
+            <p:nvPr/>
+          </p:nvSpPr>
+          <p:spPr>
+            <a:xfrm>
+              <a:off x="95929" y="2553176"/>
+              <a:ext cx="1779027" cy="1169551"/>
+            </a:xfrm>
+            <a:prstGeom prst="rect">
+              <a:avLst/>
+            </a:prstGeom>
+            <a:solidFill>
+              <a:schemeClr val="bg1">
+                <a:lumMod val="85000"/>
+              </a:schemeClr>
+            </a:solidFill>
+            <a:ln>
+              <a:noFill/>
+            </a:ln>
+          </p:spPr>
+          <p:style>
+            <a:lnRef idx="2">
+              <a:schemeClr val="accent1">
+                <a:shade val="50000"/>
+              </a:schemeClr>
+            </a:lnRef>
+            <a:fillRef idx="1">
+              <a:schemeClr val="accent1"/>
+            </a:fillRef>
+            <a:effectRef idx="0">
+              <a:schemeClr val="accent1"/>
+            </a:effectRef>
+            <a:fontRef idx="minor">
+              <a:schemeClr val="lt1"/>
+            </a:fontRef>
+          </p:style>
+          <p:txBody>
+            <a:bodyPr wrap="square" rtlCol="0" anchor="ctr" anchorCtr="0">
+              <a:spAutoFit/>
+            </a:bodyPr>
+            <a:lstStyle/>
+            <a:p>
+              <a:pPr algn="ctr"/>
+              <a:r>
+                <a:rPr lang="en-US" sz="1400" dirty="0">
+                  <a:solidFill>
+                    <a:schemeClr val="tx1">
+                      <a:lumMod val="65000"/>
+                      <a:lumOff val="35000"/>
+                    </a:schemeClr>
+                  </a:solidFill>
+                  <a:latin typeface="Segoe UI" panose="020B0502040204020203" pitchFamily="34" charset="0"/>
+                  <a:cs typeface="Segoe UI" panose="020B0502040204020203" pitchFamily="34" charset="0"/>
+                </a:rPr>
+                <a:t>Manufacturer</a:t>
+              </a:r>
+            </a:p>
+            <a:p>
+              <a:pPr algn="ctr"/>
+              <a:r>
+                <a:rPr lang="en-US" sz="1400" dirty="0">
+                  <a:solidFill>
+                    <a:schemeClr val="tx1">
+                      <a:lumMod val="65000"/>
+                      <a:lumOff val="35000"/>
+                    </a:schemeClr>
+                  </a:solidFill>
+                  <a:latin typeface="Segoe UI" panose="020B0502040204020203" pitchFamily="34" charset="0"/>
+                  <a:cs typeface="Segoe UI" panose="020B0502040204020203" pitchFamily="34" charset="0"/>
+                </a:rPr>
+                <a:t>Model</a:t>
+              </a:r>
+            </a:p>
+            <a:p>
+              <a:pPr algn="ctr"/>
+              <a:r>
+                <a:rPr lang="en-US" sz="1400" dirty="0">
+                  <a:solidFill>
+                    <a:schemeClr val="tx1">
+                      <a:lumMod val="65000"/>
+                      <a:lumOff val="35000"/>
+                    </a:schemeClr>
+                  </a:solidFill>
+                  <a:latin typeface="Segoe UI" panose="020B0502040204020203" pitchFamily="34" charset="0"/>
+                  <a:cs typeface="Segoe UI" panose="020B0502040204020203" pitchFamily="34" charset="0"/>
+                </a:rPr>
+                <a:t>Nsn</a:t>
+              </a:r>
+            </a:p>
+            <a:p>
+              <a:pPr algn="ctr"/>
+              <a:r>
+                <a:rPr lang="en-US" sz="1400" dirty="0">
+                  <a:solidFill>
+                    <a:schemeClr val="tx1">
+                      <a:lumMod val="65000"/>
+                      <a:lumOff val="35000"/>
+                    </a:schemeClr>
+                  </a:solidFill>
+                  <a:latin typeface="Segoe UI" panose="020B0502040204020203" pitchFamily="34" charset="0"/>
+                  <a:cs typeface="Segoe UI" panose="020B0502040204020203" pitchFamily="34" charset="0"/>
+                </a:rPr>
+                <a:t>ItemType</a:t>
+              </a:r>
+            </a:p>
+            <a:p>
+              <a:pPr algn="ctr"/>
+              <a:r>
+                <a:rPr lang="en-US" sz="1400" dirty="0">
+                  <a:solidFill>
+                    <a:schemeClr val="tx1">
+                      <a:lumMod val="65000"/>
+                      <a:lumOff val="35000"/>
+                    </a:schemeClr>
+                  </a:solidFill>
+                  <a:latin typeface="Segoe UI" panose="020B0502040204020203" pitchFamily="34" charset="0"/>
+                  <a:cs typeface="Segoe UI" panose="020B0502040204020203" pitchFamily="34" charset="0"/>
+                </a:rPr>
+                <a:t>Etc.</a:t>
+              </a:r>
+            </a:p>
+          </p:txBody>
+        </p:sp>
+        <p:sp>
+          <p:nvSpPr>
+            <p:cNvPr id="62" name="Rectangle 61">
+              <a:extLst>
+                <a:ext uri="{FF2B5EF4-FFF2-40B4-BE49-F238E27FC236}">
+                  <a16:creationId xmlns:a16="http://schemas.microsoft.com/office/drawing/2014/main" id="{FDD57323-8A40-42B3-9CDE-0EC821F72568}"/>
+                </a:ext>
+              </a:extLst>
+            </p:cNvPr>
+            <p:cNvSpPr/>
+            <p:nvPr/>
+          </p:nvSpPr>
+          <p:spPr>
+            <a:xfrm>
+              <a:off x="100584" y="1766728"/>
+              <a:ext cx="1774373" cy="265748"/>
+            </a:xfrm>
+            <a:prstGeom prst="rect">
+              <a:avLst/>
+            </a:prstGeom>
+            <a:solidFill>
+              <a:schemeClr val="accent2">
+                <a:lumMod val="60000"/>
+                <a:lumOff val="40000"/>
+              </a:schemeClr>
+            </a:solidFill>
+            <a:ln>
+              <a:noFill/>
+            </a:ln>
+          </p:spPr>
+          <p:style>
+            <a:lnRef idx="2">
+              <a:schemeClr val="accent1">
+                <a:shade val="50000"/>
+              </a:schemeClr>
+            </a:lnRef>
+            <a:fillRef idx="1">
+              <a:schemeClr val="accent1"/>
+            </a:fillRef>
+            <a:effectRef idx="0">
+              <a:schemeClr val="accent1"/>
+            </a:effectRef>
+            <a:fontRef idx="minor">
+              <a:schemeClr val="lt1"/>
+            </a:fontRef>
+          </p:style>
+          <p:txBody>
+            <a:bodyPr rtlCol="0" anchor="ctr"/>
+            <a:lstStyle/>
+            <a:p>
+              <a:pPr algn="ctr"/>
+              <a:r>
+                <a:rPr lang="en-US" sz="1400" dirty="0">
+                  <a:solidFill>
+                    <a:schemeClr val="tx2"/>
+                  </a:solidFill>
+                  <a:latin typeface="Segoe UI" panose="020B0502040204020203" pitchFamily="34" charset="0"/>
+                  <a:cs typeface="Segoe UI" panose="020B0502040204020203" pitchFamily="34" charset="0"/>
+                </a:rPr>
+                <a:t>Item</a:t>
+              </a:r>
+            </a:p>
+          </p:txBody>
+        </p:sp>
+        <p:sp>
+          <p:nvSpPr>
+            <p:cNvPr id="44" name="Rectangle 43">
+              <a:extLst>
+                <a:ext uri="{FF2B5EF4-FFF2-40B4-BE49-F238E27FC236}">
+                  <a16:creationId xmlns:a16="http://schemas.microsoft.com/office/drawing/2014/main" id="{19817C88-80E1-4E7C-B029-783498C85028}"/>
+                </a:ext>
+              </a:extLst>
+            </p:cNvPr>
+            <p:cNvSpPr/>
+            <p:nvPr/>
+          </p:nvSpPr>
+          <p:spPr>
+            <a:xfrm>
+              <a:off x="100583" y="2027078"/>
+              <a:ext cx="1774373" cy="265748"/>
+            </a:xfrm>
+            <a:prstGeom prst="rect">
+              <a:avLst/>
+            </a:prstGeom>
+            <a:solidFill>
+              <a:schemeClr val="tx1">
+                <a:lumMod val="75000"/>
+                <a:lumOff val="25000"/>
+              </a:schemeClr>
+            </a:solidFill>
+            <a:ln>
+              <a:noFill/>
+            </a:ln>
+          </p:spPr>
+          <p:style>
+            <a:lnRef idx="2">
+              <a:schemeClr val="accent1">
+                <a:shade val="50000"/>
+              </a:schemeClr>
+            </a:lnRef>
+            <a:fillRef idx="1">
+              <a:schemeClr val="accent1"/>
+            </a:fillRef>
+            <a:effectRef idx="0">
+              <a:schemeClr val="accent1"/>
+            </a:effectRef>
+            <a:fontRef idx="minor">
+              <a:schemeClr val="lt1"/>
+            </a:fontRef>
+          </p:style>
+          <p:txBody>
+            <a:bodyPr rtlCol="0" anchor="ctr"/>
+            <a:lstStyle/>
+            <a:p>
+              <a:pPr algn="ctr"/>
+              <a:r>
+                <a:rPr lang="en-US" sz="1600" dirty="0">
+                  <a:latin typeface="Segoe UI" panose="020B0502040204020203" pitchFamily="34" charset="0"/>
+                  <a:cs typeface="Segoe UI" panose="020B0502040204020203" pitchFamily="34" charset="0"/>
+                </a:rPr>
+                <a:t>Group Category</a:t>
+              </a:r>
+            </a:p>
+          </p:txBody>
+        </p:sp>
+        <p:sp>
+          <p:nvSpPr>
+            <p:cNvPr id="46" name="Rectangle 45">
+              <a:extLst>
+                <a:ext uri="{FF2B5EF4-FFF2-40B4-BE49-F238E27FC236}">
+                  <a16:creationId xmlns:a16="http://schemas.microsoft.com/office/drawing/2014/main" id="{83AA8F3B-D9C0-4EF5-B2D8-65BDE426F88A}"/>
+                </a:ext>
+              </a:extLst>
+            </p:cNvPr>
+            <p:cNvSpPr/>
+            <p:nvPr/>
+          </p:nvSpPr>
+          <p:spPr>
+            <a:xfrm>
+              <a:off x="100584" y="2292826"/>
+              <a:ext cx="1774373" cy="265748"/>
+            </a:xfrm>
+            <a:prstGeom prst="rect">
+              <a:avLst/>
+            </a:prstGeom>
+            <a:solidFill>
+              <a:schemeClr val="tx1">
+                <a:lumMod val="75000"/>
+                <a:lumOff val="25000"/>
+              </a:schemeClr>
+            </a:solidFill>
+            <a:ln>
+              <a:noFill/>
+            </a:ln>
+          </p:spPr>
+          <p:style>
+            <a:lnRef idx="2">
+              <a:schemeClr val="accent1">
+                <a:shade val="50000"/>
+              </a:schemeClr>
+            </a:lnRef>
+            <a:fillRef idx="1">
+              <a:schemeClr val="accent1"/>
+            </a:fillRef>
+            <a:effectRef idx="0">
+              <a:schemeClr val="accent1"/>
+            </a:effectRef>
+            <a:fontRef idx="minor">
+              <a:schemeClr val="lt1"/>
+            </a:fontRef>
+          </p:style>
+          <p:txBody>
+            <a:bodyPr rtlCol="0" anchor="ctr"/>
+            <a:lstStyle/>
+            <a:p>
+              <a:pPr algn="ctr"/>
+              <a:r>
+                <a:rPr lang="en-US" sz="1600" dirty="0">
+                  <a:latin typeface="Segoe UI" panose="020B0502040204020203" pitchFamily="34" charset="0"/>
+                  <a:cs typeface="Segoe UI" panose="020B0502040204020203" pitchFamily="34" charset="0"/>
+                </a:rPr>
+                <a:t>Category</a:t>
+              </a:r>
+            </a:p>
+          </p:txBody>
+        </p:sp>
+      </p:grpSp>
+      <p:grpSp>
+        <p:nvGrpSpPr>
+          <p:cNvPr id="12" name="Group 11">
+            <a:extLst>
+              <a:ext uri="{FF2B5EF4-FFF2-40B4-BE49-F238E27FC236}">
+                <a16:creationId xmlns:a16="http://schemas.microsoft.com/office/drawing/2014/main" id="{B2762DA3-75EE-4859-A0AD-E4E13CD564A5}"/>
+              </a:ext>
+            </a:extLst>
+          </p:cNvPr>
+          <p:cNvGrpSpPr/>
+          <p:nvPr/>
+        </p:nvGrpSpPr>
+        <p:grpSpPr>
+          <a:xfrm>
+            <a:off x="95929" y="4243427"/>
+            <a:ext cx="1779027" cy="1012984"/>
+            <a:chOff x="95929" y="4243427"/>
+            <a:chExt cx="1779027" cy="1012984"/>
+          </a:xfrm>
+        </p:grpSpPr>
+        <p:sp>
+          <p:nvSpPr>
+            <p:cNvPr id="47" name="Rectangle 46">
+              <a:extLst>
+                <a:ext uri="{FF2B5EF4-FFF2-40B4-BE49-F238E27FC236}">
+                  <a16:creationId xmlns:a16="http://schemas.microsoft.com/office/drawing/2014/main" id="{37D015AA-A5CE-4D92-998C-3AFED85B7CFF}"/>
+                </a:ext>
+              </a:extLst>
+            </p:cNvPr>
+            <p:cNvSpPr/>
+            <p:nvPr/>
+          </p:nvSpPr>
+          <p:spPr>
+            <a:xfrm>
+              <a:off x="95929" y="4243427"/>
+              <a:ext cx="1774374" cy="274320"/>
+            </a:xfrm>
+            <a:prstGeom prst="rect">
+              <a:avLst/>
+            </a:prstGeom>
+            <a:solidFill>
+              <a:schemeClr val="tx1">
+                <a:lumMod val="75000"/>
+                <a:lumOff val="25000"/>
+              </a:schemeClr>
+            </a:solidFill>
+            <a:ln>
+              <a:noFill/>
+            </a:ln>
+          </p:spPr>
+          <p:style>
+            <a:lnRef idx="2">
+              <a:schemeClr val="accent1">
+                <a:shade val="50000"/>
+              </a:schemeClr>
+            </a:lnRef>
+            <a:fillRef idx="1">
+              <a:schemeClr val="accent1"/>
+            </a:fillRef>
+            <a:effectRef idx="0">
+              <a:schemeClr val="accent1"/>
+            </a:effectRef>
+            <a:fontRef idx="minor">
+              <a:schemeClr val="lt1"/>
+            </a:fontRef>
+          </p:style>
+          <p:txBody>
+            <a:bodyPr rtlCol="0" anchor="ctr"/>
+            <a:lstStyle/>
+            <a:p>
+              <a:pPr algn="ctr"/>
+              <a:r>
+                <a:rPr lang="en-US" sz="1600" dirty="0">
+                  <a:latin typeface="Segoe UI" panose="020B0502040204020203" pitchFamily="34" charset="0"/>
+                  <a:cs typeface="Segoe UI" panose="020B0502040204020203" pitchFamily="34" charset="0"/>
+                </a:rPr>
+                <a:t>Item Receipt</a:t>
+              </a:r>
+            </a:p>
+          </p:txBody>
+        </p:sp>
+        <p:sp>
+          <p:nvSpPr>
+            <p:cNvPr id="48" name="Rectangle 47">
+              <a:extLst>
+                <a:ext uri="{FF2B5EF4-FFF2-40B4-BE49-F238E27FC236}">
+                  <a16:creationId xmlns:a16="http://schemas.microsoft.com/office/drawing/2014/main" id="{41CF9931-368F-4D43-9980-4AD4528A4DB9}"/>
+                </a:ext>
+              </a:extLst>
+            </p:cNvPr>
+            <p:cNvSpPr/>
+            <p:nvPr/>
+          </p:nvSpPr>
+          <p:spPr>
+            <a:xfrm>
+              <a:off x="95929" y="4517747"/>
+              <a:ext cx="1779027" cy="738664"/>
+            </a:xfrm>
+            <a:prstGeom prst="rect">
+              <a:avLst/>
+            </a:prstGeom>
+            <a:solidFill>
+              <a:schemeClr val="bg1">
+                <a:lumMod val="85000"/>
+              </a:schemeClr>
+            </a:solidFill>
+            <a:ln>
+              <a:noFill/>
+            </a:ln>
+          </p:spPr>
+          <p:style>
+            <a:lnRef idx="2">
+              <a:schemeClr val="accent1">
+                <a:shade val="50000"/>
+              </a:schemeClr>
+            </a:lnRef>
+            <a:fillRef idx="1">
+              <a:schemeClr val="accent1"/>
+            </a:fillRef>
+            <a:effectRef idx="0">
+              <a:schemeClr val="accent1"/>
+            </a:effectRef>
+            <a:fontRef idx="minor">
+              <a:schemeClr val="lt1"/>
+            </a:fontRef>
+          </p:style>
+          <p:txBody>
+            <a:bodyPr wrap="square" rtlCol="0" anchor="ctr" anchorCtr="0">
+              <a:spAutoFit/>
+            </a:bodyPr>
+            <a:lstStyle/>
+            <a:p>
+              <a:pPr algn="ctr"/>
+              <a:r>
+                <a:rPr lang="en-US" sz="1400" dirty="0">
+                  <a:solidFill>
+                    <a:schemeClr val="tx1">
+                      <a:lumMod val="65000"/>
+                      <a:lumOff val="35000"/>
+                    </a:schemeClr>
+                  </a:solidFill>
+                  <a:latin typeface="Segoe UI" panose="020B0502040204020203" pitchFamily="34" charset="0"/>
+                  <a:cs typeface="Segoe UI" panose="020B0502040204020203" pitchFamily="34" charset="0"/>
+                </a:rPr>
+                <a:t>User</a:t>
+              </a:r>
+            </a:p>
+            <a:p>
+              <a:pPr algn="ctr"/>
+              <a:r>
+                <a:rPr lang="en-US" sz="1400" dirty="0">
+                  <a:solidFill>
+                    <a:schemeClr val="tx1">
+                      <a:lumMod val="65000"/>
+                      <a:lumOff val="35000"/>
+                    </a:schemeClr>
+                  </a:solidFill>
+                  <a:latin typeface="Segoe UI" panose="020B0502040204020203" pitchFamily="34" charset="0"/>
+                  <a:cs typeface="Segoe UI" panose="020B0502040204020203" pitchFamily="34" charset="0"/>
+                </a:rPr>
+                <a:t>Receipt Date</a:t>
+              </a:r>
+            </a:p>
+            <a:p>
+              <a:pPr algn="ctr"/>
+              <a:r>
+                <a:rPr lang="en-US" sz="1400" dirty="0">
+                  <a:solidFill>
+                    <a:schemeClr val="tx1">
+                      <a:lumMod val="65000"/>
+                      <a:lumOff val="35000"/>
+                    </a:schemeClr>
+                  </a:solidFill>
+                  <a:latin typeface="Segoe UI" panose="020B0502040204020203" pitchFamily="34" charset="0"/>
+                  <a:cs typeface="Segoe UI" panose="020B0502040204020203" pitchFamily="34" charset="0"/>
+                </a:rPr>
+                <a:t>Remarks</a:t>
+              </a:r>
+            </a:p>
+          </p:txBody>
+        </p:sp>
+      </p:grpSp>
+      <p:grpSp>
+        <p:nvGrpSpPr>
+          <p:cNvPr id="9" name="Group 8">
+            <a:extLst>
+              <a:ext uri="{FF2B5EF4-FFF2-40B4-BE49-F238E27FC236}">
+                <a16:creationId xmlns:a16="http://schemas.microsoft.com/office/drawing/2014/main" id="{05150A50-92F6-4CAF-8FF5-2FD4799A3CC4}"/>
+              </a:ext>
+            </a:extLst>
+          </p:cNvPr>
+          <p:cNvGrpSpPr/>
+          <p:nvPr/>
+        </p:nvGrpSpPr>
+        <p:grpSpPr>
+          <a:xfrm>
+            <a:off x="3140700" y="1766728"/>
+            <a:ext cx="1779027" cy="582097"/>
+            <a:chOff x="2098902" y="1766728"/>
+            <a:chExt cx="1779027" cy="582097"/>
+          </a:xfrm>
+        </p:grpSpPr>
+        <p:sp>
+          <p:nvSpPr>
+            <p:cNvPr id="49" name="Rectangle 48">
+              <a:extLst>
+                <a:ext uri="{FF2B5EF4-FFF2-40B4-BE49-F238E27FC236}">
+                  <a16:creationId xmlns:a16="http://schemas.microsoft.com/office/drawing/2014/main" id="{D1F33321-2155-4B87-A7ED-622E11404C0A}"/>
+                </a:ext>
+              </a:extLst>
+            </p:cNvPr>
+            <p:cNvSpPr/>
+            <p:nvPr/>
+          </p:nvSpPr>
+          <p:spPr>
+            <a:xfrm>
+              <a:off x="2103555" y="1766728"/>
+              <a:ext cx="1774374" cy="274320"/>
+            </a:xfrm>
+            <a:prstGeom prst="rect">
+              <a:avLst/>
+            </a:prstGeom>
+            <a:solidFill>
+              <a:schemeClr val="tx1">
+                <a:lumMod val="75000"/>
+                <a:lumOff val="25000"/>
+              </a:schemeClr>
+            </a:solidFill>
+            <a:ln>
+              <a:noFill/>
+            </a:ln>
+          </p:spPr>
+          <p:style>
+            <a:lnRef idx="2">
+              <a:schemeClr val="accent1">
+                <a:shade val="50000"/>
+              </a:schemeClr>
+            </a:lnRef>
+            <a:fillRef idx="1">
+              <a:schemeClr val="accent1"/>
+            </a:fillRef>
+            <a:effectRef idx="0">
+              <a:schemeClr val="accent1"/>
+            </a:effectRef>
+            <a:fontRef idx="minor">
+              <a:schemeClr val="lt1"/>
+            </a:fontRef>
+          </p:style>
+          <p:txBody>
+            <a:bodyPr rtlCol="0" anchor="ctr"/>
+            <a:lstStyle/>
+            <a:p>
+              <a:pPr algn="ctr"/>
+              <a:r>
+                <a:rPr lang="en-US" sz="1600" dirty="0">
+                  <a:latin typeface="Segoe UI" panose="020B0502040204020203" pitchFamily="34" charset="0"/>
+                  <a:cs typeface="Segoe UI" panose="020B0502040204020203" pitchFamily="34" charset="0"/>
+                </a:rPr>
+                <a:t>Property Record</a:t>
+              </a:r>
+            </a:p>
+          </p:txBody>
+        </p:sp>
+        <p:sp>
+          <p:nvSpPr>
+            <p:cNvPr id="50" name="Rectangle 49">
+              <a:extLst>
+                <a:ext uri="{FF2B5EF4-FFF2-40B4-BE49-F238E27FC236}">
+                  <a16:creationId xmlns:a16="http://schemas.microsoft.com/office/drawing/2014/main" id="{7A33027C-764D-4D79-9D27-EECB55AB5EFF}"/>
+                </a:ext>
+              </a:extLst>
+            </p:cNvPr>
+            <p:cNvSpPr/>
+            <p:nvPr/>
+          </p:nvSpPr>
+          <p:spPr>
+            <a:xfrm>
+              <a:off x="2098902" y="2041048"/>
+              <a:ext cx="1779027" cy="307777"/>
+            </a:xfrm>
+            <a:prstGeom prst="rect">
+              <a:avLst/>
+            </a:prstGeom>
+            <a:solidFill>
+              <a:schemeClr val="bg1">
+                <a:lumMod val="85000"/>
+              </a:schemeClr>
+            </a:solidFill>
+            <a:ln>
+              <a:noFill/>
+            </a:ln>
+          </p:spPr>
+          <p:style>
+            <a:lnRef idx="2">
+              <a:schemeClr val="accent1">
+                <a:shade val="50000"/>
+              </a:schemeClr>
+            </a:lnRef>
+            <a:fillRef idx="1">
+              <a:schemeClr val="accent1"/>
+            </a:fillRef>
+            <a:effectRef idx="0">
+              <a:schemeClr val="accent1"/>
+            </a:effectRef>
+            <a:fontRef idx="minor">
+              <a:schemeClr val="lt1"/>
+            </a:fontRef>
+          </p:style>
+          <p:txBody>
+            <a:bodyPr wrap="square" rtlCol="0" anchor="ctr" anchorCtr="0">
+              <a:spAutoFit/>
+            </a:bodyPr>
+            <a:lstStyle/>
+            <a:p>
+              <a:pPr algn="ctr"/>
+              <a:r>
+                <a:rPr lang="en-US" sz="1400" dirty="0">
+                  <a:solidFill>
+                    <a:schemeClr val="tx1">
+                      <a:lumMod val="65000"/>
+                      <a:lumOff val="35000"/>
+                    </a:schemeClr>
+                  </a:solidFill>
+                  <a:latin typeface="Segoe UI" panose="020B0502040204020203" pitchFamily="34" charset="0"/>
+                  <a:cs typeface="Segoe UI" panose="020B0502040204020203" pitchFamily="34" charset="0"/>
+                </a:rPr>
+                <a:t>Site</a:t>
+              </a:r>
+            </a:p>
+          </p:txBody>
+        </p:sp>
+      </p:grpSp>
+      <p:sp>
+        <p:nvSpPr>
+          <p:cNvPr id="51" name="Rectangle 50">
+            <a:extLst>
+              <a:ext uri="{FF2B5EF4-FFF2-40B4-BE49-F238E27FC236}">
+                <a16:creationId xmlns:a16="http://schemas.microsoft.com/office/drawing/2014/main" id="{77BF9A4D-879B-42AE-874D-E1A09E562B26}"/>
+              </a:ext>
+            </a:extLst>
+          </p:cNvPr>
+          <p:cNvSpPr/>
+          <p:nvPr/>
+        </p:nvSpPr>
+        <p:spPr>
+          <a:xfrm>
+            <a:off x="3140700" y="3000791"/>
+            <a:ext cx="1774374" cy="274320"/>
+          </a:xfrm>
+          <a:prstGeom prst="rect">
+            <a:avLst/>
+          </a:prstGeom>
+          <a:solidFill>
+            <a:schemeClr val="tx1">
+              <a:lumMod val="75000"/>
+              <a:lumOff val="25000"/>
+            </a:schemeClr>
+          </a:solidFill>
+          <a:ln>
+            <a:noFill/>
+          </a:ln>
+        </p:spPr>
+        <p:style>
+          <a:lnRef idx="2">
+            <a:schemeClr val="accent1">
+              <a:shade val="50000"/>
+            </a:schemeClr>
+          </a:lnRef>
+          <a:fillRef idx="1">
+            <a:schemeClr val="accent1"/>
+          </a:fillRef>
+          <a:effectRef idx="0">
+            <a:schemeClr val="accent1"/>
+          </a:effectRef>
+          <a:fontRef idx="minor">
+            <a:schemeClr val="lt1"/>
+          </a:fontRef>
+        </p:style>
+        <p:txBody>
+          <a:bodyPr rtlCol="0" anchor="ctr"/>
+          <a:lstStyle/>
+          <a:p>
+            <a:pPr algn="ctr"/>
+            <a:r>
+              <a:rPr lang="en-US" sz="1600" dirty="0">
+                <a:latin typeface="Segoe UI" panose="020B0502040204020203" pitchFamily="34" charset="0"/>
+                <a:cs typeface="Segoe UI" panose="020B0502040204020203" pitchFamily="34" charset="0"/>
+              </a:rPr>
+              <a:t>Site</a:t>
+            </a:r>
+          </a:p>
+        </p:txBody>
+      </p:sp>
+      <p:grpSp>
+        <p:nvGrpSpPr>
+          <p:cNvPr id="80" name="Group 79">
+            <a:extLst>
+              <a:ext uri="{FF2B5EF4-FFF2-40B4-BE49-F238E27FC236}">
+                <a16:creationId xmlns:a16="http://schemas.microsoft.com/office/drawing/2014/main" id="{460F3EE0-D561-4AF4-8796-7489614B51E7}"/>
+              </a:ext>
+            </a:extLst>
+          </p:cNvPr>
+          <p:cNvGrpSpPr/>
+          <p:nvPr/>
+        </p:nvGrpSpPr>
+        <p:grpSpPr>
+          <a:xfrm>
+            <a:off x="6180817" y="1766728"/>
+            <a:ext cx="1779028" cy="1955999"/>
+            <a:chOff x="95929" y="1766728"/>
+            <a:chExt cx="1779028" cy="1955999"/>
+          </a:xfrm>
+        </p:grpSpPr>
+        <p:sp>
+          <p:nvSpPr>
+            <p:cNvPr id="81" name="Rectangle 80">
+              <a:extLst>
+                <a:ext uri="{FF2B5EF4-FFF2-40B4-BE49-F238E27FC236}">
+                  <a16:creationId xmlns:a16="http://schemas.microsoft.com/office/drawing/2014/main" id="{475497FB-CE71-4494-8879-DE2E9AB7E05D}"/>
+                </a:ext>
+              </a:extLst>
+            </p:cNvPr>
+            <p:cNvSpPr/>
+            <p:nvPr/>
+          </p:nvSpPr>
+          <p:spPr>
+            <a:xfrm>
+              <a:off x="95929" y="2553176"/>
+              <a:ext cx="1779027" cy="1169551"/>
+            </a:xfrm>
+            <a:prstGeom prst="rect">
+              <a:avLst/>
+            </a:prstGeom>
+            <a:solidFill>
+              <a:schemeClr val="bg1">
+                <a:lumMod val="85000"/>
+              </a:schemeClr>
+            </a:solidFill>
+            <a:ln>
+              <a:noFill/>
+            </a:ln>
+          </p:spPr>
+          <p:style>
+            <a:lnRef idx="2">
+              <a:schemeClr val="accent1">
+                <a:shade val="50000"/>
+              </a:schemeClr>
+            </a:lnRef>
+            <a:fillRef idx="1">
+              <a:schemeClr val="accent1"/>
+            </a:fillRef>
+            <a:effectRef idx="0">
+              <a:schemeClr val="accent1"/>
+            </a:effectRef>
+            <a:fontRef idx="minor">
+              <a:schemeClr val="lt1"/>
+            </a:fontRef>
+          </p:style>
+          <p:txBody>
+            <a:bodyPr wrap="square" rtlCol="0" anchor="ctr" anchorCtr="0">
+              <a:spAutoFit/>
+            </a:bodyPr>
+            <a:lstStyle/>
+            <a:p>
+              <a:pPr algn="ctr"/>
+              <a:r>
+                <a:rPr lang="en-US" sz="1400" dirty="0">
+                  <a:solidFill>
+                    <a:schemeClr val="tx1">
+                      <a:lumMod val="65000"/>
+                      <a:lumOff val="35000"/>
+                    </a:schemeClr>
+                  </a:solidFill>
+                  <a:latin typeface="Segoe UI" panose="020B0502040204020203" pitchFamily="34" charset="0"/>
+                  <a:cs typeface="Segoe UI" panose="020B0502040204020203" pitchFamily="34" charset="0"/>
+                </a:rPr>
+                <a:t>Manufacturer</a:t>
+              </a:r>
+            </a:p>
+            <a:p>
+              <a:pPr algn="ctr"/>
+              <a:r>
+                <a:rPr lang="en-US" sz="1400" dirty="0">
+                  <a:solidFill>
+                    <a:schemeClr val="tx1">
+                      <a:lumMod val="65000"/>
+                      <a:lumOff val="35000"/>
+                    </a:schemeClr>
+                  </a:solidFill>
+                  <a:latin typeface="Segoe UI" panose="020B0502040204020203" pitchFamily="34" charset="0"/>
+                  <a:cs typeface="Segoe UI" panose="020B0502040204020203" pitchFamily="34" charset="0"/>
+                </a:rPr>
+                <a:t>Model</a:t>
+              </a:r>
+            </a:p>
+            <a:p>
+              <a:pPr algn="ctr"/>
+              <a:r>
+                <a:rPr lang="en-US" sz="1400" dirty="0">
+                  <a:solidFill>
+                    <a:schemeClr val="tx1">
+                      <a:lumMod val="65000"/>
+                      <a:lumOff val="35000"/>
+                    </a:schemeClr>
+                  </a:solidFill>
+                  <a:latin typeface="Segoe UI" panose="020B0502040204020203" pitchFamily="34" charset="0"/>
+                  <a:cs typeface="Segoe UI" panose="020B0502040204020203" pitchFamily="34" charset="0"/>
+                </a:rPr>
+                <a:t>Nsn</a:t>
+              </a:r>
+            </a:p>
+            <a:p>
+              <a:pPr algn="ctr"/>
+              <a:r>
+                <a:rPr lang="en-US" sz="1400" dirty="0">
+                  <a:solidFill>
+                    <a:schemeClr val="tx1">
+                      <a:lumMod val="65000"/>
+                      <a:lumOff val="35000"/>
+                    </a:schemeClr>
+                  </a:solidFill>
+                  <a:latin typeface="Segoe UI" panose="020B0502040204020203" pitchFamily="34" charset="0"/>
+                  <a:cs typeface="Segoe UI" panose="020B0502040204020203" pitchFamily="34" charset="0"/>
+                </a:rPr>
+                <a:t>ItemType</a:t>
+              </a:r>
+            </a:p>
+            <a:p>
+              <a:pPr algn="ctr"/>
+              <a:r>
+                <a:rPr lang="en-US" sz="1400" dirty="0">
+                  <a:solidFill>
+                    <a:schemeClr val="tx1">
+                      <a:lumMod val="65000"/>
+                      <a:lumOff val="35000"/>
+                    </a:schemeClr>
+                  </a:solidFill>
+                  <a:latin typeface="Segoe UI" panose="020B0502040204020203" pitchFamily="34" charset="0"/>
+                  <a:cs typeface="Segoe UI" panose="020B0502040204020203" pitchFamily="34" charset="0"/>
+                </a:rPr>
+                <a:t>Etc.</a:t>
+              </a:r>
+            </a:p>
+          </p:txBody>
+        </p:sp>
+        <p:sp>
+          <p:nvSpPr>
+            <p:cNvPr id="82" name="Rectangle 81">
+              <a:extLst>
+                <a:ext uri="{FF2B5EF4-FFF2-40B4-BE49-F238E27FC236}">
+                  <a16:creationId xmlns:a16="http://schemas.microsoft.com/office/drawing/2014/main" id="{F8AE6AF3-D899-49FC-8CC2-15795DA17A7B}"/>
+                </a:ext>
+              </a:extLst>
+            </p:cNvPr>
+            <p:cNvSpPr/>
+            <p:nvPr/>
+          </p:nvSpPr>
+          <p:spPr>
+            <a:xfrm>
+              <a:off x="100584" y="1766728"/>
+              <a:ext cx="1774373" cy="265748"/>
+            </a:xfrm>
+            <a:prstGeom prst="rect">
+              <a:avLst/>
+            </a:prstGeom>
+            <a:solidFill>
+              <a:schemeClr val="accent2">
+                <a:lumMod val="60000"/>
+                <a:lumOff val="40000"/>
+              </a:schemeClr>
+            </a:solidFill>
+            <a:ln>
+              <a:noFill/>
+            </a:ln>
+          </p:spPr>
+          <p:style>
+            <a:lnRef idx="2">
+              <a:schemeClr val="accent1">
+                <a:shade val="50000"/>
+              </a:schemeClr>
+            </a:lnRef>
+            <a:fillRef idx="1">
+              <a:schemeClr val="accent1"/>
+            </a:fillRef>
+            <a:effectRef idx="0">
+              <a:schemeClr val="accent1"/>
+            </a:effectRef>
+            <a:fontRef idx="minor">
+              <a:schemeClr val="lt1"/>
+            </a:fontRef>
+          </p:style>
+          <p:txBody>
+            <a:bodyPr rtlCol="0" anchor="ctr"/>
+            <a:lstStyle/>
+            <a:p>
+              <a:pPr algn="ctr"/>
+              <a:r>
+                <a:rPr lang="en-US" sz="1400" dirty="0">
+                  <a:solidFill>
+                    <a:schemeClr val="tx2"/>
+                  </a:solidFill>
+                  <a:latin typeface="Segoe UI" panose="020B0502040204020203" pitchFamily="34" charset="0"/>
+                  <a:cs typeface="Segoe UI" panose="020B0502040204020203" pitchFamily="34" charset="0"/>
+                </a:rPr>
+                <a:t>Item</a:t>
+              </a:r>
+            </a:p>
+          </p:txBody>
+        </p:sp>
+        <p:sp>
+          <p:nvSpPr>
+            <p:cNvPr id="83" name="Rectangle 82">
+              <a:extLst>
+                <a:ext uri="{FF2B5EF4-FFF2-40B4-BE49-F238E27FC236}">
+                  <a16:creationId xmlns:a16="http://schemas.microsoft.com/office/drawing/2014/main" id="{A69BAE71-9559-4E23-AD48-C3ADD4EDB622}"/>
+                </a:ext>
+              </a:extLst>
+            </p:cNvPr>
+            <p:cNvSpPr/>
+            <p:nvPr/>
+          </p:nvSpPr>
+          <p:spPr>
+            <a:xfrm>
+              <a:off x="100583" y="2027078"/>
+              <a:ext cx="1774373" cy="265748"/>
+            </a:xfrm>
+            <a:prstGeom prst="rect">
+              <a:avLst/>
+            </a:prstGeom>
+            <a:solidFill>
+              <a:schemeClr val="tx1">
+                <a:lumMod val="75000"/>
+                <a:lumOff val="25000"/>
+              </a:schemeClr>
+            </a:solidFill>
+            <a:ln>
+              <a:noFill/>
+            </a:ln>
+          </p:spPr>
+          <p:style>
+            <a:lnRef idx="2">
+              <a:schemeClr val="accent1">
+                <a:shade val="50000"/>
+              </a:schemeClr>
+            </a:lnRef>
+            <a:fillRef idx="1">
+              <a:schemeClr val="accent1"/>
+            </a:fillRef>
+            <a:effectRef idx="0">
+              <a:schemeClr val="accent1"/>
+            </a:effectRef>
+            <a:fontRef idx="minor">
+              <a:schemeClr val="lt1"/>
+            </a:fontRef>
+          </p:style>
+          <p:txBody>
+            <a:bodyPr rtlCol="0" anchor="ctr"/>
+            <a:lstStyle/>
+            <a:p>
+              <a:pPr algn="ctr"/>
+              <a:r>
+                <a:rPr lang="en-US" sz="1600" dirty="0">
+                  <a:latin typeface="Segoe UI" panose="020B0502040204020203" pitchFamily="34" charset="0"/>
+                  <a:cs typeface="Segoe UI" panose="020B0502040204020203" pitchFamily="34" charset="0"/>
+                </a:rPr>
+                <a:t>Group Category</a:t>
+              </a:r>
+            </a:p>
+          </p:txBody>
+        </p:sp>
+        <p:sp>
+          <p:nvSpPr>
+            <p:cNvPr id="85" name="Rectangle 84">
+              <a:extLst>
+                <a:ext uri="{FF2B5EF4-FFF2-40B4-BE49-F238E27FC236}">
+                  <a16:creationId xmlns:a16="http://schemas.microsoft.com/office/drawing/2014/main" id="{1BBC1C36-52C5-44C5-9184-D01B798040C2}"/>
+                </a:ext>
+              </a:extLst>
+            </p:cNvPr>
+            <p:cNvSpPr/>
+            <p:nvPr/>
+          </p:nvSpPr>
+          <p:spPr>
+            <a:xfrm>
+              <a:off x="100584" y="2292826"/>
+              <a:ext cx="1774373" cy="265748"/>
+            </a:xfrm>
+            <a:prstGeom prst="rect">
+              <a:avLst/>
+            </a:prstGeom>
+            <a:solidFill>
+              <a:schemeClr val="tx1">
+                <a:lumMod val="75000"/>
+                <a:lumOff val="25000"/>
+              </a:schemeClr>
+            </a:solidFill>
+            <a:ln>
+              <a:noFill/>
+            </a:ln>
+          </p:spPr>
+          <p:style>
+            <a:lnRef idx="2">
+              <a:schemeClr val="accent1">
+                <a:shade val="50000"/>
+              </a:schemeClr>
+            </a:lnRef>
+            <a:fillRef idx="1">
+              <a:schemeClr val="accent1"/>
+            </a:fillRef>
+            <a:effectRef idx="0">
+              <a:schemeClr val="accent1"/>
+            </a:effectRef>
+            <a:fontRef idx="minor">
+              <a:schemeClr val="lt1"/>
+            </a:fontRef>
+          </p:style>
+          <p:txBody>
+            <a:bodyPr rtlCol="0" anchor="ctr"/>
+            <a:lstStyle/>
+            <a:p>
+              <a:pPr algn="ctr"/>
+              <a:r>
+                <a:rPr lang="en-US" sz="1600" dirty="0">
+                  <a:latin typeface="Segoe UI" panose="020B0502040204020203" pitchFamily="34" charset="0"/>
+                  <a:cs typeface="Segoe UI" panose="020B0502040204020203" pitchFamily="34" charset="0"/>
+                </a:rPr>
+                <a:t>Category</a:t>
+              </a:r>
+            </a:p>
+          </p:txBody>
+        </p:sp>
+      </p:grpSp>
+      <p:grpSp>
+        <p:nvGrpSpPr>
+          <p:cNvPr id="86" name="Group 85">
+            <a:extLst>
+              <a:ext uri="{FF2B5EF4-FFF2-40B4-BE49-F238E27FC236}">
+                <a16:creationId xmlns:a16="http://schemas.microsoft.com/office/drawing/2014/main" id="{68B25E00-AF36-412D-8492-7B2D684A5953}"/>
+              </a:ext>
+            </a:extLst>
+          </p:cNvPr>
+          <p:cNvGrpSpPr/>
+          <p:nvPr/>
+        </p:nvGrpSpPr>
+        <p:grpSpPr>
+          <a:xfrm>
+            <a:off x="6180817" y="4243427"/>
+            <a:ext cx="1779027" cy="1012984"/>
+            <a:chOff x="95929" y="4243427"/>
+            <a:chExt cx="1779027" cy="1012984"/>
+          </a:xfrm>
+        </p:grpSpPr>
+        <p:sp>
+          <p:nvSpPr>
+            <p:cNvPr id="87" name="Rectangle 86">
+              <a:extLst>
+                <a:ext uri="{FF2B5EF4-FFF2-40B4-BE49-F238E27FC236}">
+                  <a16:creationId xmlns:a16="http://schemas.microsoft.com/office/drawing/2014/main" id="{80623AFB-625E-4B2B-90E3-FD9C3656F8A5}"/>
+                </a:ext>
+              </a:extLst>
+            </p:cNvPr>
+            <p:cNvSpPr/>
+            <p:nvPr/>
+          </p:nvSpPr>
+          <p:spPr>
+            <a:xfrm>
+              <a:off x="95929" y="4243427"/>
+              <a:ext cx="1774374" cy="274320"/>
+            </a:xfrm>
+            <a:prstGeom prst="rect">
+              <a:avLst/>
+            </a:prstGeom>
+            <a:solidFill>
+              <a:schemeClr val="tx1">
+                <a:lumMod val="75000"/>
+                <a:lumOff val="25000"/>
+              </a:schemeClr>
+            </a:solidFill>
+            <a:ln>
+              <a:noFill/>
+            </a:ln>
+          </p:spPr>
+          <p:style>
+            <a:lnRef idx="2">
+              <a:schemeClr val="accent1">
+                <a:shade val="50000"/>
+              </a:schemeClr>
+            </a:lnRef>
+            <a:fillRef idx="1">
+              <a:schemeClr val="accent1"/>
+            </a:fillRef>
+            <a:effectRef idx="0">
+              <a:schemeClr val="accent1"/>
+            </a:effectRef>
+            <a:fontRef idx="minor">
+              <a:schemeClr val="lt1"/>
+            </a:fontRef>
+          </p:style>
+          <p:txBody>
+            <a:bodyPr rtlCol="0" anchor="ctr"/>
+            <a:lstStyle/>
+            <a:p>
+              <a:pPr algn="ctr"/>
+              <a:r>
+                <a:rPr lang="en-US" sz="1600" dirty="0">
+                  <a:latin typeface="Segoe UI" panose="020B0502040204020203" pitchFamily="34" charset="0"/>
+                  <a:cs typeface="Segoe UI" panose="020B0502040204020203" pitchFamily="34" charset="0"/>
+                </a:rPr>
+                <a:t>Item Receipt</a:t>
+              </a:r>
+            </a:p>
+          </p:txBody>
+        </p:sp>
+        <p:sp>
+          <p:nvSpPr>
+            <p:cNvPr id="89" name="Rectangle 88">
+              <a:extLst>
+                <a:ext uri="{FF2B5EF4-FFF2-40B4-BE49-F238E27FC236}">
+                  <a16:creationId xmlns:a16="http://schemas.microsoft.com/office/drawing/2014/main" id="{48DEB80D-65D8-40D1-A589-1BD88E1A67FE}"/>
+                </a:ext>
+              </a:extLst>
+            </p:cNvPr>
+            <p:cNvSpPr/>
+            <p:nvPr/>
+          </p:nvSpPr>
+          <p:spPr>
+            <a:xfrm>
+              <a:off x="95929" y="4517747"/>
+              <a:ext cx="1779027" cy="738664"/>
+            </a:xfrm>
+            <a:prstGeom prst="rect">
+              <a:avLst/>
+            </a:prstGeom>
+            <a:solidFill>
+              <a:schemeClr val="bg1">
+                <a:lumMod val="85000"/>
+              </a:schemeClr>
+            </a:solidFill>
+            <a:ln>
+              <a:noFill/>
+            </a:ln>
+          </p:spPr>
+          <p:style>
+            <a:lnRef idx="2">
+              <a:schemeClr val="accent1">
+                <a:shade val="50000"/>
+              </a:schemeClr>
+            </a:lnRef>
+            <a:fillRef idx="1">
+              <a:schemeClr val="accent1"/>
+            </a:fillRef>
+            <a:effectRef idx="0">
+              <a:schemeClr val="accent1"/>
+            </a:effectRef>
+            <a:fontRef idx="minor">
+              <a:schemeClr val="lt1"/>
+            </a:fontRef>
+          </p:style>
+          <p:txBody>
+            <a:bodyPr wrap="square" rtlCol="0" anchor="ctr" anchorCtr="0">
+              <a:spAutoFit/>
+            </a:bodyPr>
+            <a:lstStyle/>
+            <a:p>
+              <a:pPr algn="ctr"/>
+              <a:r>
+                <a:rPr lang="en-US" sz="1400" dirty="0">
+                  <a:solidFill>
+                    <a:schemeClr val="tx1">
+                      <a:lumMod val="65000"/>
+                      <a:lumOff val="35000"/>
+                    </a:schemeClr>
+                  </a:solidFill>
+                  <a:latin typeface="Segoe UI" panose="020B0502040204020203" pitchFamily="34" charset="0"/>
+                  <a:cs typeface="Segoe UI" panose="020B0502040204020203" pitchFamily="34" charset="0"/>
+                </a:rPr>
+                <a:t>User</a:t>
+              </a:r>
+            </a:p>
+            <a:p>
+              <a:pPr algn="ctr"/>
+              <a:r>
+                <a:rPr lang="en-US" sz="1400" dirty="0">
+                  <a:solidFill>
+                    <a:schemeClr val="tx1">
+                      <a:lumMod val="65000"/>
+                      <a:lumOff val="35000"/>
+                    </a:schemeClr>
+                  </a:solidFill>
+                  <a:latin typeface="Segoe UI" panose="020B0502040204020203" pitchFamily="34" charset="0"/>
+                  <a:cs typeface="Segoe UI" panose="020B0502040204020203" pitchFamily="34" charset="0"/>
+                </a:rPr>
+                <a:t>Receipt Date</a:t>
+              </a:r>
+            </a:p>
+            <a:p>
+              <a:pPr algn="ctr"/>
+              <a:r>
+                <a:rPr lang="en-US" sz="1400" dirty="0">
+                  <a:solidFill>
+                    <a:schemeClr val="tx1">
+                      <a:lumMod val="65000"/>
+                      <a:lumOff val="35000"/>
+                    </a:schemeClr>
+                  </a:solidFill>
+                  <a:latin typeface="Segoe UI" panose="020B0502040204020203" pitchFamily="34" charset="0"/>
+                  <a:cs typeface="Segoe UI" panose="020B0502040204020203" pitchFamily="34" charset="0"/>
+                </a:rPr>
+                <a:t>Remarks</a:t>
+              </a:r>
+            </a:p>
+          </p:txBody>
+        </p:sp>
+      </p:grpSp>
+      <p:cxnSp>
+        <p:nvCxnSpPr>
+          <p:cNvPr id="16" name="Straight Arrow Connector 15">
+            <a:extLst>
+              <a:ext uri="{FF2B5EF4-FFF2-40B4-BE49-F238E27FC236}">
+                <a16:creationId xmlns:a16="http://schemas.microsoft.com/office/drawing/2014/main" id="{410D6269-3684-4277-AC90-633F5A2E1D2D}"/>
+              </a:ext>
+            </a:extLst>
+          </p:cNvPr>
+          <p:cNvCxnSpPr>
+            <a:stCxn id="57" idx="2"/>
+            <a:endCxn id="62" idx="0"/>
+          </p:cNvCxnSpPr>
+          <p:nvPr/>
+        </p:nvCxnSpPr>
+        <p:spPr>
+          <a:xfrm flipH="1">
+            <a:off x="987771" y="1128078"/>
+            <a:ext cx="3042444" cy="638650"/>
+          </a:xfrm>
+          <a:prstGeom prst="straightConnector1">
+            <a:avLst/>
+          </a:prstGeom>
+          <a:ln w="12700">
+            <a:tailEnd type="triangle"/>
+          </a:ln>
+        </p:spPr>
+        <p:style>
+          <a:lnRef idx="1">
+            <a:schemeClr val="accent6"/>
+          </a:lnRef>
+          <a:fillRef idx="0">
+            <a:schemeClr val="accent6"/>
+          </a:fillRef>
+          <a:effectRef idx="0">
+            <a:schemeClr val="accent6"/>
+          </a:effectRef>
+          <a:fontRef idx="minor">
+            <a:schemeClr val="tx1"/>
+          </a:fontRef>
+        </p:style>
+      </p:cxnSp>
+      <p:cxnSp>
+        <p:nvCxnSpPr>
+          <p:cNvPr id="19" name="Straight Arrow Connector 18">
+            <a:extLst>
+              <a:ext uri="{FF2B5EF4-FFF2-40B4-BE49-F238E27FC236}">
+                <a16:creationId xmlns:a16="http://schemas.microsoft.com/office/drawing/2014/main" id="{FBAC5439-BB5B-4FB5-AEC2-375F36525A90}"/>
+              </a:ext>
+            </a:extLst>
+          </p:cNvPr>
+          <p:cNvCxnSpPr>
+            <a:stCxn id="43" idx="2"/>
+            <a:endCxn id="47" idx="0"/>
+          </p:cNvCxnSpPr>
+          <p:nvPr/>
+        </p:nvCxnSpPr>
+        <p:spPr>
+          <a:xfrm flipH="1">
+            <a:off x="983116" y="3722727"/>
+            <a:ext cx="2327" cy="520700"/>
+          </a:xfrm>
+          <a:prstGeom prst="straightConnector1">
+            <a:avLst/>
+          </a:prstGeom>
+          <a:ln w="12700">
+            <a:tailEnd type="triangle"/>
+          </a:ln>
+        </p:spPr>
+        <p:style>
+          <a:lnRef idx="1">
+            <a:schemeClr val="accent6"/>
+          </a:lnRef>
+          <a:fillRef idx="0">
+            <a:schemeClr val="accent6"/>
+          </a:fillRef>
+          <a:effectRef idx="0">
+            <a:schemeClr val="accent6"/>
+          </a:effectRef>
+          <a:fontRef idx="minor">
+            <a:schemeClr val="tx1"/>
+          </a:fontRef>
+        </p:style>
+      </p:cxnSp>
+      <p:cxnSp>
+        <p:nvCxnSpPr>
+          <p:cNvPr id="21" name="Straight Arrow Connector 20">
+            <a:extLst>
+              <a:ext uri="{FF2B5EF4-FFF2-40B4-BE49-F238E27FC236}">
+                <a16:creationId xmlns:a16="http://schemas.microsoft.com/office/drawing/2014/main" id="{D535652B-7499-4D30-BF74-3E2E7E7ABCB0}"/>
+              </a:ext>
+            </a:extLst>
+          </p:cNvPr>
+          <p:cNvCxnSpPr>
+            <a:stCxn id="57" idx="2"/>
+            <a:endCxn id="82" idx="0"/>
+          </p:cNvCxnSpPr>
+          <p:nvPr/>
+        </p:nvCxnSpPr>
+        <p:spPr>
+          <a:xfrm>
+            <a:off x="4030215" y="1128078"/>
+            <a:ext cx="3042444" cy="638650"/>
+          </a:xfrm>
+          <a:prstGeom prst="straightConnector1">
+            <a:avLst/>
+          </a:prstGeom>
+          <a:ln w="12700">
+            <a:tailEnd type="triangle"/>
+          </a:ln>
+        </p:spPr>
+        <p:style>
+          <a:lnRef idx="1">
+            <a:schemeClr val="accent6"/>
+          </a:lnRef>
+          <a:fillRef idx="0">
+            <a:schemeClr val="accent6"/>
+          </a:fillRef>
+          <a:effectRef idx="0">
+            <a:schemeClr val="accent6"/>
+          </a:effectRef>
+          <a:fontRef idx="minor">
+            <a:schemeClr val="tx1"/>
+          </a:fontRef>
+        </p:style>
+      </p:cxnSp>
+      <p:cxnSp>
+        <p:nvCxnSpPr>
+          <p:cNvPr id="24" name="Straight Arrow Connector 23">
+            <a:extLst>
+              <a:ext uri="{FF2B5EF4-FFF2-40B4-BE49-F238E27FC236}">
+                <a16:creationId xmlns:a16="http://schemas.microsoft.com/office/drawing/2014/main" id="{CA3B2FE0-8B75-4085-B26F-E1CD3BD06686}"/>
+              </a:ext>
+            </a:extLst>
+          </p:cNvPr>
+          <p:cNvCxnSpPr>
+            <a:stCxn id="81" idx="2"/>
+            <a:endCxn id="87" idx="0"/>
+          </p:cNvCxnSpPr>
+          <p:nvPr/>
+        </p:nvCxnSpPr>
+        <p:spPr>
+          <a:xfrm flipH="1">
+            <a:off x="7068004" y="3722727"/>
+            <a:ext cx="2327" cy="520700"/>
+          </a:xfrm>
+          <a:prstGeom prst="straightConnector1">
+            <a:avLst/>
+          </a:prstGeom>
+          <a:ln w="12700">
+            <a:tailEnd type="triangle"/>
+          </a:ln>
+        </p:spPr>
+        <p:style>
+          <a:lnRef idx="1">
+            <a:schemeClr val="accent6"/>
+          </a:lnRef>
+          <a:fillRef idx="0">
+            <a:schemeClr val="accent6"/>
+          </a:fillRef>
+          <a:effectRef idx="0">
+            <a:schemeClr val="accent6"/>
+          </a:effectRef>
+          <a:fontRef idx="minor">
+            <a:schemeClr val="tx1"/>
+          </a:fontRef>
+        </p:style>
+      </p:cxnSp>
+      <p:cxnSp>
+        <p:nvCxnSpPr>
+          <p:cNvPr id="27" name="Straight Arrow Connector 26">
+            <a:extLst>
+              <a:ext uri="{FF2B5EF4-FFF2-40B4-BE49-F238E27FC236}">
+                <a16:creationId xmlns:a16="http://schemas.microsoft.com/office/drawing/2014/main" id="{8CBCC195-240D-48B7-9496-BCDF8C15AE8B}"/>
+              </a:ext>
+            </a:extLst>
+          </p:cNvPr>
+          <p:cNvCxnSpPr>
+            <a:stCxn id="81" idx="1"/>
+            <a:endCxn id="51" idx="3"/>
+          </p:cNvCxnSpPr>
+          <p:nvPr/>
+        </p:nvCxnSpPr>
+        <p:spPr>
+          <a:xfrm flipH="1" flipV="1">
+            <a:off x="4915074" y="3137951"/>
+            <a:ext cx="1265743" cy="1"/>
+          </a:xfrm>
+          <a:prstGeom prst="straightConnector1">
+            <a:avLst/>
+          </a:prstGeom>
+          <a:ln w="12700">
+            <a:tailEnd type="triangle"/>
+          </a:ln>
+        </p:spPr>
+        <p:style>
+          <a:lnRef idx="1">
+            <a:schemeClr val="accent6"/>
+          </a:lnRef>
+          <a:fillRef idx="0">
+            <a:schemeClr val="accent6"/>
+          </a:fillRef>
+          <a:effectRef idx="0">
+            <a:schemeClr val="accent6"/>
+          </a:effectRef>
+          <a:fontRef idx="minor">
+            <a:schemeClr val="tx1"/>
+          </a:fontRef>
+        </p:style>
+      </p:cxnSp>
+      <p:cxnSp>
+        <p:nvCxnSpPr>
+          <p:cNvPr id="29" name="Straight Arrow Connector 28">
+            <a:extLst>
+              <a:ext uri="{FF2B5EF4-FFF2-40B4-BE49-F238E27FC236}">
+                <a16:creationId xmlns:a16="http://schemas.microsoft.com/office/drawing/2014/main" id="{B2181A32-8E7C-4C62-B563-CCB5C4745D4F}"/>
+              </a:ext>
+            </a:extLst>
+          </p:cNvPr>
+          <p:cNvCxnSpPr>
+            <a:cxnSpLocks/>
+            <a:stCxn id="62" idx="3"/>
+            <a:endCxn id="49" idx="1"/>
+          </p:cNvCxnSpPr>
+          <p:nvPr/>
+        </p:nvCxnSpPr>
+        <p:spPr>
+          <a:xfrm>
+            <a:off x="1874957" y="1899602"/>
+            <a:ext cx="1270396" cy="4286"/>
+          </a:xfrm>
+          <a:prstGeom prst="straightConnector1">
+            <a:avLst/>
+          </a:prstGeom>
+          <a:ln w="12700">
+            <a:tailEnd type="triangle"/>
+          </a:ln>
+        </p:spPr>
+        <p:style>
+          <a:lnRef idx="1">
+            <a:schemeClr val="accent6"/>
+          </a:lnRef>
+          <a:fillRef idx="0">
+            <a:schemeClr val="accent6"/>
+          </a:fillRef>
+          <a:effectRef idx="0">
+            <a:schemeClr val="accent6"/>
+          </a:effectRef>
+          <a:fontRef idx="minor">
+            <a:schemeClr val="tx1"/>
+          </a:fontRef>
+        </p:style>
+      </p:cxnSp>
+    </p:spTree>
+    <p:extLst>
+      <p:ext uri="{BB962C8B-B14F-4D97-AF65-F5344CB8AC3E}">
+        <p14:creationId xmlns:p14="http://schemas.microsoft.com/office/powerpoint/2010/main" val="1266940242"/>
       </p:ext>
     </p:extLst>
   </p:cSld>
@@ -5531,6 +14578,318 @@
       </a:bgFillStyleLst>
     </a:fmtScheme>
   </a:themeElements>
+  <a:objectDefaults>
+    <a:txDef>
+      <a:spPr>
+        <a:noFill/>
+      </a:spPr>
+      <a:bodyPr wrap="square" rtlCol="0">
+        <a:spAutoFit/>
+      </a:bodyPr>
+      <a:lstStyle>
+        <a:defPPr algn="l">
+          <a:defRPr sz="2400" dirty="0">
+            <a:latin typeface="Segoe UI" panose="020B0502040204020203" pitchFamily="34" charset="0"/>
+            <a:cs typeface="Segoe UI" panose="020B0502040204020203" pitchFamily="34" charset="0"/>
+          </a:defRPr>
+        </a:defPPr>
+      </a:lstStyle>
+    </a:txDef>
+  </a:objectDefaults>
+  <a:extraClrSchemeLst/>
+  <a:extLst>
+    <a:ext uri="{05A4C25C-085E-4340-85A3-A5531E510DB2}">
+      <thm15:themeFamily xmlns:thm15="http://schemas.microsoft.com/office/thememl/2012/main" name="Office Theme" id="{62F939B6-93AF-4DB8-9C6B-D6C7DFDC589F}" vid="{4A3C46E8-61CC-4603-A589-7422A47A8E4A}"/>
+    </a:ext>
+  </a:extLst>
+</a:theme>
+</file>
+
+<file path=ppt/theme/theme2.xml><?xml version="1.0" encoding="utf-8"?>
+<a:theme xmlns:a="http://schemas.openxmlformats.org/drawingml/2006/main" name="Office Theme">
+  <a:themeElements>
+    <a:clrScheme name="Office">
+      <a:dk1>
+        <a:sysClr val="windowText" lastClr="000000"/>
+      </a:dk1>
+      <a:lt1>
+        <a:sysClr val="window" lastClr="FFFFFF"/>
+      </a:lt1>
+      <a:dk2>
+        <a:srgbClr val="44546A"/>
+      </a:dk2>
+      <a:lt2>
+        <a:srgbClr val="E7E6E6"/>
+      </a:lt2>
+      <a:accent1>
+        <a:srgbClr val="4472C4"/>
+      </a:accent1>
+      <a:accent2>
+        <a:srgbClr val="ED7D31"/>
+      </a:accent2>
+      <a:accent3>
+        <a:srgbClr val="A5A5A5"/>
+      </a:accent3>
+      <a:accent4>
+        <a:srgbClr val="FFC000"/>
+      </a:accent4>
+      <a:accent5>
+        <a:srgbClr val="5B9BD5"/>
+      </a:accent5>
+      <a:accent6>
+        <a:srgbClr val="70AD47"/>
+      </a:accent6>
+      <a:hlink>
+        <a:srgbClr val="0563C1"/>
+      </a:hlink>
+      <a:folHlink>
+        <a:srgbClr val="954F72"/>
+      </a:folHlink>
+    </a:clrScheme>
+    <a:fontScheme name="Office">
+      <a:majorFont>
+        <a:latin typeface="Calibri Light" panose="020F0302020204030204"/>
+        <a:ea typeface=""/>
+        <a:cs typeface=""/>
+        <a:font script="Jpan" typeface="游ゴシック Light"/>
+        <a:font script="Hang" typeface="맑은 고딕"/>
+        <a:font script="Hans" typeface="等线 Light"/>
+        <a:font script="Hant" typeface="新細明體"/>
+        <a:font script="Arab" typeface="Times New Roman"/>
+        <a:font script="Hebr" typeface="Times New Roman"/>
+        <a:font script="Thai" typeface="Angsana New"/>
+        <a:font script="Ethi" typeface="Nyala"/>
+        <a:font script="Beng" typeface="Vrinda"/>
+        <a:font script="Gujr" typeface="Shruti"/>
+        <a:font script="Khmr" typeface="MoolBoran"/>
+        <a:font script="Knda" typeface="Tunga"/>
+        <a:font script="Guru" typeface="Raavi"/>
+        <a:font script="Cans" typeface="Euphemia"/>
+        <a:font script="Cher" typeface="Plantagenet Cherokee"/>
+        <a:font script="Yiii" typeface="Microsoft Yi Baiti"/>
+        <a:font script="Tibt" typeface="Microsoft Himalaya"/>
+        <a:font script="Thaa" typeface="MV Boli"/>
+        <a:font script="Deva" typeface="Mangal"/>
+        <a:font script="Telu" typeface="Gautami"/>
+        <a:font script="Taml" typeface="Latha"/>
+        <a:font script="Syrc" typeface="Estrangelo Edessa"/>
+        <a:font script="Orya" typeface="Kalinga"/>
+        <a:font script="Mlym" typeface="Kartika"/>
+        <a:font script="Laoo" typeface="DokChampa"/>
+        <a:font script="Sinh" typeface="Iskoola Pota"/>
+        <a:font script="Mong" typeface="Mongolian Baiti"/>
+        <a:font script="Viet" typeface="Times New Roman"/>
+        <a:font script="Uigh" typeface="Microsoft Uighur"/>
+        <a:font script="Geor" typeface="Sylfaen"/>
+        <a:font script="Armn" typeface="Arial"/>
+        <a:font script="Bugi" typeface="Leelawadee UI"/>
+        <a:font script="Bopo" typeface="Microsoft JhengHei"/>
+        <a:font script="Java" typeface="Javanese Text"/>
+        <a:font script="Lisu" typeface="Segoe UI"/>
+        <a:font script="Mymr" typeface="Myanmar Text"/>
+        <a:font script="Nkoo" typeface="Ebrima"/>
+        <a:font script="Olck" typeface="Nirmala UI"/>
+        <a:font script="Osma" typeface="Ebrima"/>
+        <a:font script="Phag" typeface="Phagspa"/>
+        <a:font script="Syrn" typeface="Estrangelo Edessa"/>
+        <a:font script="Syrj" typeface="Estrangelo Edessa"/>
+        <a:font script="Syre" typeface="Estrangelo Edessa"/>
+        <a:font script="Sora" typeface="Nirmala UI"/>
+        <a:font script="Tale" typeface="Microsoft Tai Le"/>
+        <a:font script="Talu" typeface="Microsoft New Tai Lue"/>
+        <a:font script="Tfng" typeface="Ebrima"/>
+      </a:majorFont>
+      <a:minorFont>
+        <a:latin typeface="Calibri" panose="020F0502020204030204"/>
+        <a:ea typeface=""/>
+        <a:cs typeface=""/>
+        <a:font script="Jpan" typeface="游ゴシック"/>
+        <a:font script="Hang" typeface="맑은 고딕"/>
+        <a:font script="Hans" typeface="等线"/>
+        <a:font script="Hant" typeface="新細明體"/>
+        <a:font script="Arab" typeface="Arial"/>
+        <a:font script="Hebr" typeface="Arial"/>
+        <a:font script="Thai" typeface="Cordia New"/>
+        <a:font script="Ethi" typeface="Nyala"/>
+        <a:font script="Beng" typeface="Vrinda"/>
+        <a:font script="Gujr" typeface="Shruti"/>
+        <a:font script="Khmr" typeface="DaunPenh"/>
+        <a:font script="Knda" typeface="Tunga"/>
+        <a:font script="Guru" typeface="Raavi"/>
+        <a:font script="Cans" typeface="Euphemia"/>
+        <a:font script="Cher" typeface="Plantagenet Cherokee"/>
+        <a:font script="Yiii" typeface="Microsoft Yi Baiti"/>
+        <a:font script="Tibt" typeface="Microsoft Himalaya"/>
+        <a:font script="Thaa" typeface="MV Boli"/>
+        <a:font script="Deva" typeface="Mangal"/>
+        <a:font script="Telu" typeface="Gautami"/>
+        <a:font script="Taml" typeface="Latha"/>
+        <a:font script="Syrc" typeface="Estrangelo Edessa"/>
+        <a:font script="Orya" typeface="Kalinga"/>
+        <a:font script="Mlym" typeface="Kartika"/>
+        <a:font script="Laoo" typeface="DokChampa"/>
+        <a:font script="Sinh" typeface="Iskoola Pota"/>
+        <a:font script="Mong" typeface="Mongolian Baiti"/>
+        <a:font script="Viet" typeface="Arial"/>
+        <a:font script="Uigh" typeface="Microsoft Uighur"/>
+        <a:font script="Geor" typeface="Sylfaen"/>
+        <a:font script="Armn" typeface="Arial"/>
+        <a:font script="Bugi" typeface="Leelawadee UI"/>
+        <a:font script="Bopo" typeface="Microsoft JhengHei"/>
+        <a:font script="Java" typeface="Javanese Text"/>
+        <a:font script="Lisu" typeface="Segoe UI"/>
+        <a:font script="Mymr" typeface="Myanmar Text"/>
+        <a:font script="Nkoo" typeface="Ebrima"/>
+        <a:font script="Olck" typeface="Nirmala UI"/>
+        <a:font script="Osma" typeface="Ebrima"/>
+        <a:font script="Phag" typeface="Phagspa"/>
+        <a:font script="Syrn" typeface="Estrangelo Edessa"/>
+        <a:font script="Syrj" typeface="Estrangelo Edessa"/>
+        <a:font script="Syre" typeface="Estrangelo Edessa"/>
+        <a:font script="Sora" typeface="Nirmala UI"/>
+        <a:font script="Tale" typeface="Microsoft Tai Le"/>
+        <a:font script="Talu" typeface="Microsoft New Tai Lue"/>
+        <a:font script="Tfng" typeface="Ebrima"/>
+      </a:minorFont>
+    </a:fontScheme>
+    <a:fmtScheme name="Office">
+      <a:fillStyleLst>
+        <a:solidFill>
+          <a:schemeClr val="phClr"/>
+        </a:solidFill>
+        <a:gradFill rotWithShape="1">
+          <a:gsLst>
+            <a:gs pos="0">
+              <a:schemeClr val="phClr">
+                <a:lumMod val="110000"/>
+                <a:satMod val="105000"/>
+                <a:tint val="67000"/>
+              </a:schemeClr>
+            </a:gs>
+            <a:gs pos="50000">
+              <a:schemeClr val="phClr">
+                <a:lumMod val="105000"/>
+                <a:satMod val="103000"/>
+                <a:tint val="73000"/>
+              </a:schemeClr>
+            </a:gs>
+            <a:gs pos="100000">
+              <a:schemeClr val="phClr">
+                <a:lumMod val="105000"/>
+                <a:satMod val="109000"/>
+                <a:tint val="81000"/>
+              </a:schemeClr>
+            </a:gs>
+          </a:gsLst>
+          <a:lin ang="5400000" scaled="0"/>
+        </a:gradFill>
+        <a:gradFill rotWithShape="1">
+          <a:gsLst>
+            <a:gs pos="0">
+              <a:schemeClr val="phClr">
+                <a:satMod val="103000"/>
+                <a:lumMod val="102000"/>
+                <a:tint val="94000"/>
+              </a:schemeClr>
+            </a:gs>
+            <a:gs pos="50000">
+              <a:schemeClr val="phClr">
+                <a:satMod val="110000"/>
+                <a:lumMod val="100000"/>
+                <a:shade val="100000"/>
+              </a:schemeClr>
+            </a:gs>
+            <a:gs pos="100000">
+              <a:schemeClr val="phClr">
+                <a:lumMod val="99000"/>
+                <a:satMod val="120000"/>
+                <a:shade val="78000"/>
+              </a:schemeClr>
+            </a:gs>
+          </a:gsLst>
+          <a:lin ang="5400000" scaled="0"/>
+        </a:gradFill>
+      </a:fillStyleLst>
+      <a:lnStyleLst>
+        <a:ln w="6350" cap="flat" cmpd="sng" algn="ctr">
+          <a:solidFill>
+            <a:schemeClr val="phClr"/>
+          </a:solidFill>
+          <a:prstDash val="solid"/>
+          <a:miter lim="800000"/>
+        </a:ln>
+        <a:ln w="12700" cap="flat" cmpd="sng" algn="ctr">
+          <a:solidFill>
+            <a:schemeClr val="phClr"/>
+          </a:solidFill>
+          <a:prstDash val="solid"/>
+          <a:miter lim="800000"/>
+        </a:ln>
+        <a:ln w="19050" cap="flat" cmpd="sng" algn="ctr">
+          <a:solidFill>
+            <a:schemeClr val="phClr"/>
+          </a:solidFill>
+          <a:prstDash val="solid"/>
+          <a:miter lim="800000"/>
+        </a:ln>
+      </a:lnStyleLst>
+      <a:effectStyleLst>
+        <a:effectStyle>
+          <a:effectLst/>
+        </a:effectStyle>
+        <a:effectStyle>
+          <a:effectLst/>
+        </a:effectStyle>
+        <a:effectStyle>
+          <a:effectLst>
+            <a:outerShdw blurRad="57150" dist="19050" dir="5400000" algn="ctr" rotWithShape="0">
+              <a:srgbClr val="000000">
+                <a:alpha val="63000"/>
+              </a:srgbClr>
+            </a:outerShdw>
+          </a:effectLst>
+        </a:effectStyle>
+      </a:effectStyleLst>
+      <a:bgFillStyleLst>
+        <a:solidFill>
+          <a:schemeClr val="phClr"/>
+        </a:solidFill>
+        <a:solidFill>
+          <a:schemeClr val="phClr">
+            <a:tint val="95000"/>
+            <a:satMod val="170000"/>
+          </a:schemeClr>
+        </a:solidFill>
+        <a:gradFill rotWithShape="1">
+          <a:gsLst>
+            <a:gs pos="0">
+              <a:schemeClr val="phClr">
+                <a:tint val="93000"/>
+                <a:satMod val="150000"/>
+                <a:shade val="98000"/>
+                <a:lumMod val="102000"/>
+              </a:schemeClr>
+            </a:gs>
+            <a:gs pos="50000">
+              <a:schemeClr val="phClr">
+                <a:tint val="98000"/>
+                <a:satMod val="130000"/>
+                <a:shade val="90000"/>
+                <a:lumMod val="103000"/>
+              </a:schemeClr>
+            </a:gs>
+            <a:gs pos="100000">
+              <a:schemeClr val="phClr">
+                <a:shade val="63000"/>
+                <a:satMod val="120000"/>
+              </a:schemeClr>
+            </a:gs>
+          </a:gsLst>
+          <a:lin ang="5400000" scaled="0"/>
+        </a:gradFill>
+      </a:bgFillStyleLst>
+    </a:fmtScheme>
+  </a:themeElements>
   <a:objectDefaults/>
   <a:extraClrSchemeLst/>
   <a:extLst>

--- a/documents/logistics-workflow.pptx
+++ b/documents/logistics-workflow.pptx
@@ -5,7 +5,7 @@
     <p:sldMasterId id="2147483648" r:id="rId1"/>
   </p:sldMasterIdLst>
   <p:notesMasterIdLst>
-    <p:notesMasterId r:id="rId7"/>
+    <p:notesMasterId r:id="rId8"/>
   </p:notesMasterIdLst>
   <p:sldIdLst>
     <p:sldId id="256" r:id="rId2"/>
@@ -13,6 +13,7 @@
     <p:sldId id="258" r:id="rId4"/>
     <p:sldId id="259" r:id="rId5"/>
     <p:sldId id="260" r:id="rId6"/>
+    <p:sldId id="261" r:id="rId7"/>
   </p:sldIdLst>
   <p:sldSz cx="12192000" cy="6858000"/>
   <p:notesSz cx="6858000" cy="9144000"/>
@@ -115,6 +116,9 @@
     <p:ext uri="{EFAFB233-063F-42B5-8137-9DF3F51BA10A}">
       <p15:sldGuideLst xmlns:p15="http://schemas.microsoft.com/office/powerpoint/2012/main"/>
     </p:ext>
+    <p:ext uri="{2D200454-40CA-4A62-9FC3-DE9A4176ACB9}">
+      <p15:notesGuideLst xmlns:p15="http://schemas.microsoft.com/office/powerpoint/2012/main"/>
+    </p:ext>
   </p:extLst>
 </p:presentation>
 </file>
@@ -201,7 +205,7 @@
           <a:p>
             <a:fld id="{43B0E059-6658-4D71-8B6C-28F57D967E6A}" type="datetimeFigureOut">
               <a:rPr lang="en-US" smtClean="0"/>
-              <a:t>6/11/2018</a:t>
+              <a:t>6/15/2018</a:t>
             </a:fld>
             <a:endParaRPr lang="en-US"/>
           </a:p>
@@ -699,7 +703,7 @@
           <a:p>
             <a:fld id="{62DCD513-4A56-4C2D-835C-3CD568EC1873}" type="datetimeFigureOut">
               <a:rPr lang="en-US" smtClean="0"/>
-              <a:t>6/11/2018</a:t>
+              <a:t>6/15/2018</a:t>
             </a:fld>
             <a:endParaRPr lang="en-US"/>
           </a:p>
@@ -897,7 +901,7 @@
           <a:p>
             <a:fld id="{62DCD513-4A56-4C2D-835C-3CD568EC1873}" type="datetimeFigureOut">
               <a:rPr lang="en-US" smtClean="0"/>
-              <a:t>6/11/2018</a:t>
+              <a:t>6/15/2018</a:t>
             </a:fld>
             <a:endParaRPr lang="en-US"/>
           </a:p>
@@ -1105,7 +1109,7 @@
           <a:p>
             <a:fld id="{62DCD513-4A56-4C2D-835C-3CD568EC1873}" type="datetimeFigureOut">
               <a:rPr lang="en-US" smtClean="0"/>
-              <a:t>6/11/2018</a:t>
+              <a:t>6/15/2018</a:t>
             </a:fld>
             <a:endParaRPr lang="en-US"/>
           </a:p>
@@ -1303,7 +1307,7 @@
           <a:p>
             <a:fld id="{62DCD513-4A56-4C2D-835C-3CD568EC1873}" type="datetimeFigureOut">
               <a:rPr lang="en-US" smtClean="0"/>
-              <a:t>6/11/2018</a:t>
+              <a:t>6/15/2018</a:t>
             </a:fld>
             <a:endParaRPr lang="en-US"/>
           </a:p>
@@ -1578,7 +1582,7 @@
           <a:p>
             <a:fld id="{62DCD513-4A56-4C2D-835C-3CD568EC1873}" type="datetimeFigureOut">
               <a:rPr lang="en-US" smtClean="0"/>
-              <a:t>6/11/2018</a:t>
+              <a:t>6/15/2018</a:t>
             </a:fld>
             <a:endParaRPr lang="en-US"/>
           </a:p>
@@ -1843,7 +1847,7 @@
           <a:p>
             <a:fld id="{62DCD513-4A56-4C2D-835C-3CD568EC1873}" type="datetimeFigureOut">
               <a:rPr lang="en-US" smtClean="0"/>
-              <a:t>6/11/2018</a:t>
+              <a:t>6/15/2018</a:t>
             </a:fld>
             <a:endParaRPr lang="en-US"/>
           </a:p>
@@ -2255,7 +2259,7 @@
           <a:p>
             <a:fld id="{62DCD513-4A56-4C2D-835C-3CD568EC1873}" type="datetimeFigureOut">
               <a:rPr lang="en-US" smtClean="0"/>
-              <a:t>6/11/2018</a:t>
+              <a:t>6/15/2018</a:t>
             </a:fld>
             <a:endParaRPr lang="en-US"/>
           </a:p>
@@ -2396,7 +2400,7 @@
           <a:p>
             <a:fld id="{62DCD513-4A56-4C2D-835C-3CD568EC1873}" type="datetimeFigureOut">
               <a:rPr lang="en-US" smtClean="0"/>
-              <a:t>6/11/2018</a:t>
+              <a:t>6/15/2018</a:t>
             </a:fld>
             <a:endParaRPr lang="en-US"/>
           </a:p>
@@ -2509,7 +2513,7 @@
           <a:p>
             <a:fld id="{62DCD513-4A56-4C2D-835C-3CD568EC1873}" type="datetimeFigureOut">
               <a:rPr lang="en-US" smtClean="0"/>
-              <a:t>6/11/2018</a:t>
+              <a:t>6/15/2018</a:t>
             </a:fld>
             <a:endParaRPr lang="en-US"/>
           </a:p>
@@ -2820,7 +2824,7 @@
           <a:p>
             <a:fld id="{62DCD513-4A56-4C2D-835C-3CD568EC1873}" type="datetimeFigureOut">
               <a:rPr lang="en-US" smtClean="0"/>
-              <a:t>6/11/2018</a:t>
+              <a:t>6/15/2018</a:t>
             </a:fld>
             <a:endParaRPr lang="en-US"/>
           </a:p>
@@ -3108,7 +3112,7 @@
           <a:p>
             <a:fld id="{62DCD513-4A56-4C2D-835C-3CD568EC1873}" type="datetimeFigureOut">
               <a:rPr lang="en-US" smtClean="0"/>
-              <a:t>6/11/2018</a:t>
+              <a:t>6/15/2018</a:t>
             </a:fld>
             <a:endParaRPr lang="en-US"/>
           </a:p>
@@ -3349,7 +3353,7 @@
           <a:p>
             <a:fld id="{62DCD513-4A56-4C2D-835C-3CD568EC1873}" type="datetimeFigureOut">
               <a:rPr lang="en-US" smtClean="0"/>
-              <a:t>6/11/2018</a:t>
+              <a:t>6/15/2018</a:t>
             </a:fld>
             <a:endParaRPr lang="en-US"/>
           </a:p>
@@ -5213,7 +5217,7 @@
                 <a:blip r:embed="rId3">
                   <a:extLst>
                     <a:ext uri="{96DAC541-7B7A-43D3-8B79-37D633B846F1}">
-                      <asvg:svgBlip xmlns:asvg="http://schemas.microsoft.com/office/drawing/2016/SVG/main" r:embed="rId4"/>
+                      <asvg:svgBlip xmlns:asvg="http://schemas.microsoft.com/office/drawing/2016/SVG/main" xmlns="" r:embed="rId4"/>
                     </a:ext>
                   </a:extLst>
                 </a:blip>
@@ -5239,7 +5243,7 @@
                 <a:blip r:embed="rId3">
                   <a:extLst>
                     <a:ext uri="{96DAC541-7B7A-43D3-8B79-37D633B846F1}">
-                      <asvg:svgBlip xmlns:asvg="http://schemas.microsoft.com/office/drawing/2016/SVG/main" r:embed="rId4"/>
+                      <asvg:svgBlip xmlns:asvg="http://schemas.microsoft.com/office/drawing/2016/SVG/main" xmlns="" r:embed="rId4"/>
                     </a:ext>
                   </a:extLst>
                 </a:blip>
@@ -5262,7 +5266,7 @@
                 <a:blip r:embed="rId3">
                   <a:extLst>
                     <a:ext uri="{96DAC541-7B7A-43D3-8B79-37D633B846F1}">
-                      <asvg:svgBlip xmlns:asvg="http://schemas.microsoft.com/office/drawing/2016/SVG/main" r:embed="rId4"/>
+                      <asvg:svgBlip xmlns:asvg="http://schemas.microsoft.com/office/drawing/2016/SVG/main" xmlns="" r:embed="rId4"/>
                     </a:ext>
                   </a:extLst>
                 </a:blip>
@@ -5288,7 +5292,7 @@
                 <a:blip r:embed="rId3">
                   <a:extLst>
                     <a:ext uri="{96DAC541-7B7A-43D3-8B79-37D633B846F1}">
-                      <asvg:svgBlip xmlns:asvg="http://schemas.microsoft.com/office/drawing/2016/SVG/main" r:embed="rId4"/>
+                      <asvg:svgBlip xmlns:asvg="http://schemas.microsoft.com/office/drawing/2016/SVG/main" xmlns="" r:embed="rId4"/>
                     </a:ext>
                   </a:extLst>
                 </a:blip>
@@ -5311,7 +5315,7 @@
                 <a:blip r:embed="rId3">
                   <a:extLst>
                     <a:ext uri="{96DAC541-7B7A-43D3-8B79-37D633B846F1}">
-                      <asvg:svgBlip xmlns:asvg="http://schemas.microsoft.com/office/drawing/2016/SVG/main" r:embed="rId4"/>
+                      <asvg:svgBlip xmlns:asvg="http://schemas.microsoft.com/office/drawing/2016/SVG/main" xmlns="" r:embed="rId4"/>
                     </a:ext>
                   </a:extLst>
                 </a:blip>
@@ -5337,7 +5341,7 @@
                 <a:blip r:embed="rId3">
                   <a:extLst>
                     <a:ext uri="{96DAC541-7B7A-43D3-8B79-37D633B846F1}">
-                      <asvg:svgBlip xmlns:asvg="http://schemas.microsoft.com/office/drawing/2016/SVG/main" r:embed="rId4"/>
+                      <asvg:svgBlip xmlns:asvg="http://schemas.microsoft.com/office/drawing/2016/SVG/main" xmlns="" r:embed="rId4"/>
                     </a:ext>
                   </a:extLst>
                 </a:blip>
@@ -5363,7 +5367,7 @@
                 <a:blip r:embed="rId3">
                   <a:extLst>
                     <a:ext uri="{96DAC541-7B7A-43D3-8B79-37D633B846F1}">
-                      <asvg:svgBlip xmlns:asvg="http://schemas.microsoft.com/office/drawing/2016/SVG/main" r:embed="rId4"/>
+                      <asvg:svgBlip xmlns:asvg="http://schemas.microsoft.com/office/drawing/2016/SVG/main" xmlns="" r:embed="rId4"/>
                     </a:ext>
                   </a:extLst>
                 </a:blip>
@@ -5389,7 +5393,7 @@
                 <a:blip r:embed="rId3">
                   <a:extLst>
                     <a:ext uri="{96DAC541-7B7A-43D3-8B79-37D633B846F1}">
-                      <asvg:svgBlip xmlns:asvg="http://schemas.microsoft.com/office/drawing/2016/SVG/main" r:embed="rId4"/>
+                      <asvg:svgBlip xmlns:asvg="http://schemas.microsoft.com/office/drawing/2016/SVG/main" xmlns="" r:embed="rId4"/>
                     </a:ext>
                   </a:extLst>
                 </a:blip>
@@ -5415,7 +5419,7 @@
                 <a:blip r:embed="rId3">
                   <a:extLst>
                     <a:ext uri="{96DAC541-7B7A-43D3-8B79-37D633B846F1}">
-                      <asvg:svgBlip xmlns:asvg="http://schemas.microsoft.com/office/drawing/2016/SVG/main" r:embed="rId4"/>
+                      <asvg:svgBlip xmlns:asvg="http://schemas.microsoft.com/office/drawing/2016/SVG/main" xmlns="" r:embed="rId4"/>
                     </a:ext>
                   </a:extLst>
                 </a:blip>
@@ -5441,7 +5445,7 @@
                 <a:blip r:embed="rId3">
                   <a:extLst>
                     <a:ext uri="{96DAC541-7B7A-43D3-8B79-37D633B846F1}">
-                      <asvg:svgBlip xmlns:asvg="http://schemas.microsoft.com/office/drawing/2016/SVG/main" r:embed="rId4"/>
+                      <asvg:svgBlip xmlns:asvg="http://schemas.microsoft.com/office/drawing/2016/SVG/main" xmlns="" r:embed="rId4"/>
                     </a:ext>
                   </a:extLst>
                 </a:blip>
@@ -5467,7 +5471,7 @@
                 <a:blip r:embed="rId3">
                   <a:extLst>
                     <a:ext uri="{96DAC541-7B7A-43D3-8B79-37D633B846F1}">
-                      <asvg:svgBlip xmlns:asvg="http://schemas.microsoft.com/office/drawing/2016/SVG/main" r:embed="rId4"/>
+                      <asvg:svgBlip xmlns:asvg="http://schemas.microsoft.com/office/drawing/2016/SVG/main" xmlns="" r:embed="rId4"/>
                     </a:ext>
                   </a:extLst>
                 </a:blip>
@@ -5493,7 +5497,7 @@
                 <a:blip r:embed="rId3">
                   <a:extLst>
                     <a:ext uri="{96DAC541-7B7A-43D3-8B79-37D633B846F1}">
-                      <asvg:svgBlip xmlns:asvg="http://schemas.microsoft.com/office/drawing/2016/SVG/main" r:embed="rId4"/>
+                      <asvg:svgBlip xmlns:asvg="http://schemas.microsoft.com/office/drawing/2016/SVG/main" xmlns="" r:embed="rId4"/>
                     </a:ext>
                   </a:extLst>
                 </a:blip>
@@ -5519,7 +5523,7 @@
                 <a:blip r:embed="rId3">
                   <a:extLst>
                     <a:ext uri="{96DAC541-7B7A-43D3-8B79-37D633B846F1}">
-                      <asvg:svgBlip xmlns:asvg="http://schemas.microsoft.com/office/drawing/2016/SVG/main" r:embed="rId4"/>
+                      <asvg:svgBlip xmlns:asvg="http://schemas.microsoft.com/office/drawing/2016/SVG/main" xmlns="" r:embed="rId4"/>
                     </a:ext>
                   </a:extLst>
                 </a:blip>
@@ -5545,7 +5549,7 @@
                 <a:blip r:embed="rId3">
                   <a:extLst>
                     <a:ext uri="{96DAC541-7B7A-43D3-8B79-37D633B846F1}">
-                      <asvg:svgBlip xmlns:asvg="http://schemas.microsoft.com/office/drawing/2016/SVG/main" r:embed="rId4"/>
+                      <asvg:svgBlip xmlns:asvg="http://schemas.microsoft.com/office/drawing/2016/SVG/main" xmlns="" r:embed="rId4"/>
                     </a:ext>
                   </a:extLst>
                 </a:blip>
@@ -5568,7 +5572,7 @@
                 <a:blip r:embed="rId3">
                   <a:extLst>
                     <a:ext uri="{96DAC541-7B7A-43D3-8B79-37D633B846F1}">
-                      <asvg:svgBlip xmlns:asvg="http://schemas.microsoft.com/office/drawing/2016/SVG/main" r:embed="rId4"/>
+                      <asvg:svgBlip xmlns:asvg="http://schemas.microsoft.com/office/drawing/2016/SVG/main" xmlns="" r:embed="rId4"/>
                     </a:ext>
                   </a:extLst>
                 </a:blip>
@@ -5594,7 +5598,7 @@
                 <a:blip r:embed="rId3">
                   <a:extLst>
                     <a:ext uri="{96DAC541-7B7A-43D3-8B79-37D633B846F1}">
-                      <asvg:svgBlip xmlns:asvg="http://schemas.microsoft.com/office/drawing/2016/SVG/main" r:embed="rId4"/>
+                      <asvg:svgBlip xmlns:asvg="http://schemas.microsoft.com/office/drawing/2016/SVG/main" xmlns="" r:embed="rId4"/>
                     </a:ext>
                   </a:extLst>
                 </a:blip>
@@ -5857,7 +5861,7 @@
                 <a:blip r:embed="rId2">
                   <a:extLst>
                     <a:ext uri="{96DAC541-7B7A-43D3-8B79-37D633B846F1}">
-                      <asvg:svgBlip xmlns:asvg="http://schemas.microsoft.com/office/drawing/2016/SVG/main" r:embed="rId3"/>
+                      <asvg:svgBlip xmlns:asvg="http://schemas.microsoft.com/office/drawing/2016/SVG/main" xmlns="" r:embed="rId3"/>
                     </a:ext>
                   </a:extLst>
                 </a:blip>
@@ -5883,7 +5887,7 @@
                 <a:blip r:embed="rId2">
                   <a:extLst>
                     <a:ext uri="{96DAC541-7B7A-43D3-8B79-37D633B846F1}">
-                      <asvg:svgBlip xmlns:asvg="http://schemas.microsoft.com/office/drawing/2016/SVG/main" r:embed="rId3"/>
+                      <asvg:svgBlip xmlns:asvg="http://schemas.microsoft.com/office/drawing/2016/SVG/main" xmlns="" r:embed="rId3"/>
                     </a:ext>
                   </a:extLst>
                 </a:blip>
@@ -5906,7 +5910,7 @@
                 <a:blip r:embed="rId2">
                   <a:extLst>
                     <a:ext uri="{96DAC541-7B7A-43D3-8B79-37D633B846F1}">
-                      <asvg:svgBlip xmlns:asvg="http://schemas.microsoft.com/office/drawing/2016/SVG/main" r:embed="rId3"/>
+                      <asvg:svgBlip xmlns:asvg="http://schemas.microsoft.com/office/drawing/2016/SVG/main" xmlns="" r:embed="rId3"/>
                     </a:ext>
                   </a:extLst>
                 </a:blip>
@@ -5932,7 +5936,7 @@
                 <a:blip r:embed="rId2">
                   <a:extLst>
                     <a:ext uri="{96DAC541-7B7A-43D3-8B79-37D633B846F1}">
-                      <asvg:svgBlip xmlns:asvg="http://schemas.microsoft.com/office/drawing/2016/SVG/main" r:embed="rId3"/>
+                      <asvg:svgBlip xmlns:asvg="http://schemas.microsoft.com/office/drawing/2016/SVG/main" xmlns="" r:embed="rId3"/>
                     </a:ext>
                   </a:extLst>
                 </a:blip>
@@ -5955,7 +5959,7 @@
                 <a:blip r:embed="rId2">
                   <a:extLst>
                     <a:ext uri="{96DAC541-7B7A-43D3-8B79-37D633B846F1}">
-                      <asvg:svgBlip xmlns:asvg="http://schemas.microsoft.com/office/drawing/2016/SVG/main" r:embed="rId3"/>
+                      <asvg:svgBlip xmlns:asvg="http://schemas.microsoft.com/office/drawing/2016/SVG/main" xmlns="" r:embed="rId3"/>
                     </a:ext>
                   </a:extLst>
                 </a:blip>
@@ -5981,7 +5985,7 @@
                 <a:blip r:embed="rId2">
                   <a:extLst>
                     <a:ext uri="{96DAC541-7B7A-43D3-8B79-37D633B846F1}">
-                      <asvg:svgBlip xmlns:asvg="http://schemas.microsoft.com/office/drawing/2016/SVG/main" r:embed="rId3"/>
+                      <asvg:svgBlip xmlns:asvg="http://schemas.microsoft.com/office/drawing/2016/SVG/main" xmlns="" r:embed="rId3"/>
                     </a:ext>
                   </a:extLst>
                 </a:blip>
@@ -6004,7 +6008,7 @@
                 <a:blip r:embed="rId2">
                   <a:extLst>
                     <a:ext uri="{96DAC541-7B7A-43D3-8B79-37D633B846F1}">
-                      <asvg:svgBlip xmlns:asvg="http://schemas.microsoft.com/office/drawing/2016/SVG/main" r:embed="rId3"/>
+                      <asvg:svgBlip xmlns:asvg="http://schemas.microsoft.com/office/drawing/2016/SVG/main" xmlns="" r:embed="rId3"/>
                     </a:ext>
                   </a:extLst>
                 </a:blip>
@@ -6030,7 +6034,7 @@
                 <a:blip r:embed="rId2">
                   <a:extLst>
                     <a:ext uri="{96DAC541-7B7A-43D3-8B79-37D633B846F1}">
-                      <asvg:svgBlip xmlns:asvg="http://schemas.microsoft.com/office/drawing/2016/SVG/main" r:embed="rId3"/>
+                      <asvg:svgBlip xmlns:asvg="http://schemas.microsoft.com/office/drawing/2016/SVG/main" xmlns="" r:embed="rId3"/>
                     </a:ext>
                   </a:extLst>
                 </a:blip>
@@ -6053,7 +6057,7 @@
                 <a:blip r:embed="rId2">
                   <a:extLst>
                     <a:ext uri="{96DAC541-7B7A-43D3-8B79-37D633B846F1}">
-                      <asvg:svgBlip xmlns:asvg="http://schemas.microsoft.com/office/drawing/2016/SVG/main" r:embed="rId3"/>
+                      <asvg:svgBlip xmlns:asvg="http://schemas.microsoft.com/office/drawing/2016/SVG/main" xmlns="" r:embed="rId3"/>
                     </a:ext>
                   </a:extLst>
                 </a:blip>
@@ -8306,7 +8310,7 @@
                 <a:blip r:embed="rId2">
                   <a:extLst>
                     <a:ext uri="{96DAC541-7B7A-43D3-8B79-37D633B846F1}">
-                      <asvg:svgBlip xmlns:asvg="http://schemas.microsoft.com/office/drawing/2016/SVG/main" r:embed="rId3"/>
+                      <asvg:svgBlip xmlns:asvg="http://schemas.microsoft.com/office/drawing/2016/SVG/main" xmlns="" r:embed="rId3"/>
                     </a:ext>
                   </a:extLst>
                 </a:blip>
@@ -8332,7 +8336,7 @@
                 <a:blip r:embed="rId2">
                   <a:extLst>
                     <a:ext uri="{96DAC541-7B7A-43D3-8B79-37D633B846F1}">
-                      <asvg:svgBlip xmlns:asvg="http://schemas.microsoft.com/office/drawing/2016/SVG/main" r:embed="rId3"/>
+                      <asvg:svgBlip xmlns:asvg="http://schemas.microsoft.com/office/drawing/2016/SVG/main" xmlns="" r:embed="rId3"/>
                     </a:ext>
                   </a:extLst>
                 </a:blip>
@@ -8355,7 +8359,7 @@
                 <a:blip r:embed="rId2">
                   <a:extLst>
                     <a:ext uri="{96DAC541-7B7A-43D3-8B79-37D633B846F1}">
-                      <asvg:svgBlip xmlns:asvg="http://schemas.microsoft.com/office/drawing/2016/SVG/main" r:embed="rId3"/>
+                      <asvg:svgBlip xmlns:asvg="http://schemas.microsoft.com/office/drawing/2016/SVG/main" xmlns="" r:embed="rId3"/>
                     </a:ext>
                   </a:extLst>
                 </a:blip>
@@ -8381,7 +8385,7 @@
                 <a:blip r:embed="rId2">
                   <a:extLst>
                     <a:ext uri="{96DAC541-7B7A-43D3-8B79-37D633B846F1}">
-                      <asvg:svgBlip xmlns:asvg="http://schemas.microsoft.com/office/drawing/2016/SVG/main" r:embed="rId3"/>
+                      <asvg:svgBlip xmlns:asvg="http://schemas.microsoft.com/office/drawing/2016/SVG/main" xmlns="" r:embed="rId3"/>
                     </a:ext>
                   </a:extLst>
                 </a:blip>
@@ -8404,7 +8408,7 @@
                 <a:blip r:embed="rId2">
                   <a:extLst>
                     <a:ext uri="{96DAC541-7B7A-43D3-8B79-37D633B846F1}">
-                      <asvg:svgBlip xmlns:asvg="http://schemas.microsoft.com/office/drawing/2016/SVG/main" r:embed="rId3"/>
+                      <asvg:svgBlip xmlns:asvg="http://schemas.microsoft.com/office/drawing/2016/SVG/main" xmlns="" r:embed="rId3"/>
                     </a:ext>
                   </a:extLst>
                 </a:blip>
@@ -10567,7 +10571,7 @@
                 <a:blip r:embed="rId2">
                   <a:extLst>
                     <a:ext uri="{96DAC541-7B7A-43D3-8B79-37D633B846F1}">
-                      <asvg:svgBlip xmlns:asvg="http://schemas.microsoft.com/office/drawing/2016/SVG/main" r:embed="rId3"/>
+                      <asvg:svgBlip xmlns:asvg="http://schemas.microsoft.com/office/drawing/2016/SVG/main" xmlns="" r:embed="rId3"/>
                     </a:ext>
                   </a:extLst>
                 </a:blip>
@@ -10593,7 +10597,7 @@
                 <a:blip r:embed="rId2">
                   <a:extLst>
                     <a:ext uri="{96DAC541-7B7A-43D3-8B79-37D633B846F1}">
-                      <asvg:svgBlip xmlns:asvg="http://schemas.microsoft.com/office/drawing/2016/SVG/main" r:embed="rId3"/>
+                      <asvg:svgBlip xmlns:asvg="http://schemas.microsoft.com/office/drawing/2016/SVG/main" xmlns="" r:embed="rId3"/>
                     </a:ext>
                   </a:extLst>
                 </a:blip>
@@ -10616,7 +10620,7 @@
                 <a:blip r:embed="rId2">
                   <a:extLst>
                     <a:ext uri="{96DAC541-7B7A-43D3-8B79-37D633B846F1}">
-                      <asvg:svgBlip xmlns:asvg="http://schemas.microsoft.com/office/drawing/2016/SVG/main" r:embed="rId3"/>
+                      <asvg:svgBlip xmlns:asvg="http://schemas.microsoft.com/office/drawing/2016/SVG/main" xmlns="" r:embed="rId3"/>
                     </a:ext>
                   </a:extLst>
                 </a:blip>
@@ -10642,7 +10646,7 @@
                 <a:blip r:embed="rId2">
                   <a:extLst>
                     <a:ext uri="{96DAC541-7B7A-43D3-8B79-37D633B846F1}">
-                      <asvg:svgBlip xmlns:asvg="http://schemas.microsoft.com/office/drawing/2016/SVG/main" r:embed="rId3"/>
+                      <asvg:svgBlip xmlns:asvg="http://schemas.microsoft.com/office/drawing/2016/SVG/main" xmlns="" r:embed="rId3"/>
                     </a:ext>
                   </a:extLst>
                 </a:blip>
@@ -10665,7 +10669,7 @@
                 <a:blip r:embed="rId2">
                   <a:extLst>
                     <a:ext uri="{96DAC541-7B7A-43D3-8B79-37D633B846F1}">
-                      <asvg:svgBlip xmlns:asvg="http://schemas.microsoft.com/office/drawing/2016/SVG/main" r:embed="rId3"/>
+                      <asvg:svgBlip xmlns:asvg="http://schemas.microsoft.com/office/drawing/2016/SVG/main" xmlns="" r:embed="rId3"/>
                     </a:ext>
                   </a:extLst>
                 </a:blip>
@@ -12379,7 +12383,7 @@
                 <a:blip r:embed="rId2">
                   <a:extLst>
                     <a:ext uri="{96DAC541-7B7A-43D3-8B79-37D633B846F1}">
-                      <asvg:svgBlip xmlns:asvg="http://schemas.microsoft.com/office/drawing/2016/SVG/main" r:embed="rId3"/>
+                      <asvg:svgBlip xmlns:asvg="http://schemas.microsoft.com/office/drawing/2016/SVG/main" xmlns="" r:embed="rId3"/>
                     </a:ext>
                   </a:extLst>
                 </a:blip>
@@ -12405,7 +12409,7 @@
                 <a:blip r:embed="rId2">
                   <a:extLst>
                     <a:ext uri="{96DAC541-7B7A-43D3-8B79-37D633B846F1}">
-                      <asvg:svgBlip xmlns:asvg="http://schemas.microsoft.com/office/drawing/2016/SVG/main" r:embed="rId3"/>
+                      <asvg:svgBlip xmlns:asvg="http://schemas.microsoft.com/office/drawing/2016/SVG/main" xmlns="" r:embed="rId3"/>
                     </a:ext>
                   </a:extLst>
                 </a:blip>
@@ -12431,7 +12435,7 @@
                 <a:blip r:embed="rId2">
                   <a:extLst>
                     <a:ext uri="{96DAC541-7B7A-43D3-8B79-37D633B846F1}">
-                      <asvg:svgBlip xmlns:asvg="http://schemas.microsoft.com/office/drawing/2016/SVG/main" r:embed="rId3"/>
+                      <asvg:svgBlip xmlns:asvg="http://schemas.microsoft.com/office/drawing/2016/SVG/main" xmlns="" r:embed="rId3"/>
                     </a:ext>
                   </a:extLst>
                 </a:blip>
@@ -12457,7 +12461,7 @@
                 <a:blip r:embed="rId2">
                   <a:extLst>
                     <a:ext uri="{96DAC541-7B7A-43D3-8B79-37D633B846F1}">
-                      <asvg:svgBlip xmlns:asvg="http://schemas.microsoft.com/office/drawing/2016/SVG/main" r:embed="rId3"/>
+                      <asvg:svgBlip xmlns:asvg="http://schemas.microsoft.com/office/drawing/2016/SVG/main" xmlns="" r:embed="rId3"/>
                     </a:ext>
                   </a:extLst>
                 </a:blip>
@@ -12483,7 +12487,7 @@
                 <a:blip r:embed="rId2">
                   <a:extLst>
                     <a:ext uri="{96DAC541-7B7A-43D3-8B79-37D633B846F1}">
-                      <asvg:svgBlip xmlns:asvg="http://schemas.microsoft.com/office/drawing/2016/SVG/main" r:embed="rId3"/>
+                      <asvg:svgBlip xmlns:asvg="http://schemas.microsoft.com/office/drawing/2016/SVG/main" xmlns="" r:embed="rId3"/>
                     </a:ext>
                   </a:extLst>
                 </a:blip>
@@ -12506,7 +12510,7 @@
                 <a:blip r:embed="rId2">
                   <a:extLst>
                     <a:ext uri="{96DAC541-7B7A-43D3-8B79-37D633B846F1}">
-                      <asvg:svgBlip xmlns:asvg="http://schemas.microsoft.com/office/drawing/2016/SVG/main" r:embed="rId3"/>
+                      <asvg:svgBlip xmlns:asvg="http://schemas.microsoft.com/office/drawing/2016/SVG/main" xmlns="" r:embed="rId3"/>
                     </a:ext>
                   </a:extLst>
                 </a:blip>
@@ -12532,7 +12536,7 @@
                 <a:blip r:embed="rId2">
                   <a:extLst>
                     <a:ext uri="{96DAC541-7B7A-43D3-8B79-37D633B846F1}">
-                      <asvg:svgBlip xmlns:asvg="http://schemas.microsoft.com/office/drawing/2016/SVG/main" r:embed="rId3"/>
+                      <asvg:svgBlip xmlns:asvg="http://schemas.microsoft.com/office/drawing/2016/SVG/main" xmlns="" r:embed="rId3"/>
                     </a:ext>
                   </a:extLst>
                 </a:blip>
@@ -12555,7 +12559,7 @@
                 <a:blip r:embed="rId2">
                   <a:extLst>
                     <a:ext uri="{96DAC541-7B7A-43D3-8B79-37D633B846F1}">
-                      <asvg:svgBlip xmlns:asvg="http://schemas.microsoft.com/office/drawing/2016/SVG/main" r:embed="rId3"/>
+                      <asvg:svgBlip xmlns:asvg="http://schemas.microsoft.com/office/drawing/2016/SVG/main" xmlns="" r:embed="rId3"/>
                     </a:ext>
                   </a:extLst>
                 </a:blip>
@@ -12581,7 +12585,7 @@
                 <a:blip r:embed="rId2">
                   <a:extLst>
                     <a:ext uri="{96DAC541-7B7A-43D3-8B79-37D633B846F1}">
-                      <asvg:svgBlip xmlns:asvg="http://schemas.microsoft.com/office/drawing/2016/SVG/main" r:embed="rId3"/>
+                      <asvg:svgBlip xmlns:asvg="http://schemas.microsoft.com/office/drawing/2016/SVG/main" xmlns="" r:embed="rId3"/>
                     </a:ext>
                   </a:extLst>
                 </a:blip>
@@ -12604,7 +12608,7 @@
                 <a:blip r:embed="rId2">
                   <a:extLst>
                     <a:ext uri="{96DAC541-7B7A-43D3-8B79-37D633B846F1}">
-                      <asvg:svgBlip xmlns:asvg="http://schemas.microsoft.com/office/drawing/2016/SVG/main" r:embed="rId3"/>
+                      <asvg:svgBlip xmlns:asvg="http://schemas.microsoft.com/office/drawing/2016/SVG/main" xmlns="" r:embed="rId3"/>
                     </a:ext>
                   </a:extLst>
                 </a:blip>
@@ -12627,7 +12631,7 @@
                 <a:blip r:embed="rId2">
                   <a:extLst>
                     <a:ext uri="{96DAC541-7B7A-43D3-8B79-37D633B846F1}">
-                      <asvg:svgBlip xmlns:asvg="http://schemas.microsoft.com/office/drawing/2016/SVG/main" r:embed="rId3"/>
+                      <asvg:svgBlip xmlns:asvg="http://schemas.microsoft.com/office/drawing/2016/SVG/main" xmlns="" r:embed="rId3"/>
                     </a:ext>
                   </a:extLst>
                 </a:blip>
@@ -12669,8 +12673,20 @@
             </a:endParaRPr>
           </a:p>
           <a:p>
+            <a:endParaRPr lang="en-US" sz="1200" b="1" i="1" dirty="0" smtClean="0">
+              <a:solidFill>
+                <a:schemeClr val="tx1">
+                  <a:lumMod val="65000"/>
+                  <a:lumOff val="35000"/>
+                </a:schemeClr>
+              </a:solidFill>
+              <a:latin typeface="Segoe UI" panose="020B0502040204020203" pitchFamily="34" charset="0"/>
+              <a:cs typeface="Segoe UI" panose="020B0502040204020203" pitchFamily="34" charset="0"/>
+            </a:endParaRPr>
+          </a:p>
+          <a:p>
             <a:r>
-              <a:rPr lang="en-US" sz="1400" b="1" i="1" dirty="0">
+              <a:rPr lang="en-US" sz="1200" b="1" i="1" dirty="0" smtClean="0">
                 <a:solidFill>
                   <a:schemeClr val="tx1">
                     <a:lumMod val="65000"/>
@@ -12680,10 +12696,23 @@
                 <a:latin typeface="Segoe UI" panose="020B0502040204020203" pitchFamily="34" charset="0"/>
                 <a:cs typeface="Segoe UI" panose="020B0502040204020203" pitchFamily="34" charset="0"/>
               </a:rPr>
-              <a:t>Note: </a:t>
+              <a:t>Note</a:t>
             </a:r>
             <a:r>
-              <a:rPr lang="en-US" sz="1400" i="1" dirty="0">
+              <a:rPr lang="en-US" sz="1200" b="1" i="1" dirty="0">
+                <a:solidFill>
+                  <a:schemeClr val="tx1">
+                    <a:lumMod val="65000"/>
+                    <a:lumOff val="35000"/>
+                  </a:schemeClr>
+                </a:solidFill>
+                <a:latin typeface="Segoe UI" panose="020B0502040204020203" pitchFamily="34" charset="0"/>
+                <a:cs typeface="Segoe UI" panose="020B0502040204020203" pitchFamily="34" charset="0"/>
+              </a:rPr>
+              <a:t>: </a:t>
+            </a:r>
+            <a:r>
+              <a:rPr lang="en-US" sz="1200" i="1" dirty="0">
                 <a:solidFill>
                   <a:schemeClr val="tx1">
                     <a:lumMod val="65000"/>
@@ -12695,7 +12724,7 @@
               </a:rPr>
               <a:t>More item group categories are planned, for instance, medical, services / contracts, etc. Just need to figure out how items are managed after receipt.</a:t>
             </a:r>
-            <a:endParaRPr lang="en-US" sz="1400" b="1" i="1" dirty="0">
+            <a:endParaRPr lang="en-US" sz="1200" b="1" i="1" dirty="0">
               <a:solidFill>
                 <a:schemeClr val="tx1">
                   <a:lumMod val="65000"/>
@@ -14293,6 +14322,1979 @@
 </p:sld>
 </file>
 
+<file path=ppt/slides/slide6.xml><?xml version="1.0" encoding="utf-8"?>
+<p:sld xmlns:a="http://schemas.openxmlformats.org/drawingml/2006/main" xmlns:r="http://schemas.openxmlformats.org/officeDocument/2006/relationships" xmlns:p="http://schemas.openxmlformats.org/presentationml/2006/main">
+  <p:cSld>
+    <p:bg>
+      <p:bgPr>
+        <a:solidFill>
+          <a:schemeClr val="bg1">
+            <a:lumMod val="95000"/>
+          </a:schemeClr>
+        </a:solidFill>
+        <a:effectLst/>
+      </p:bgPr>
+    </p:bg>
+    <p:spTree>
+      <p:nvGrpSpPr>
+        <p:cNvPr id="1" name=""/>
+        <p:cNvGrpSpPr/>
+        <p:nvPr/>
+      </p:nvGrpSpPr>
+      <p:grpSpPr>
+        <a:xfrm>
+          <a:off x="0" y="0"/>
+          <a:ext cx="0" cy="0"/>
+          <a:chOff x="0" y="0"/>
+          <a:chExt cx="0" cy="0"/>
+        </a:xfrm>
+      </p:grpSpPr>
+      <p:sp>
+        <p:nvSpPr>
+          <p:cNvPr id="120" name="Rectangle 119">
+            <a:extLst>
+              <a:ext uri="{FF2B5EF4-FFF2-40B4-BE49-F238E27FC236}">
+                <a16:creationId xmlns:a16="http://schemas.microsoft.com/office/drawing/2014/main" id="{5B5CFA4C-32E2-456B-8FA7-1EFB1DD90E1C}"/>
+              </a:ext>
+            </a:extLst>
+          </p:cNvPr>
+          <p:cNvSpPr/>
+          <p:nvPr/>
+        </p:nvSpPr>
+        <p:spPr>
+          <a:xfrm>
+            <a:off x="8069592" y="137160"/>
+            <a:ext cx="4021814" cy="6576060"/>
+          </a:xfrm>
+          <a:prstGeom prst="rect">
+            <a:avLst/>
+          </a:prstGeom>
+          <a:solidFill>
+            <a:schemeClr val="bg1"/>
+          </a:solidFill>
+          <a:ln>
+            <a:noFill/>
+          </a:ln>
+        </p:spPr>
+        <p:style>
+          <a:lnRef idx="2">
+            <a:schemeClr val="accent1">
+              <a:shade val="50000"/>
+            </a:schemeClr>
+          </a:lnRef>
+          <a:fillRef idx="1">
+            <a:schemeClr val="accent1"/>
+          </a:fillRef>
+          <a:effectRef idx="0">
+            <a:schemeClr val="accent1"/>
+          </a:effectRef>
+          <a:fontRef idx="minor">
+            <a:schemeClr val="lt1"/>
+          </a:fontRef>
+        </p:style>
+        <p:txBody>
+          <a:bodyPr tIns="91440" bIns="91440" rtlCol="0" anchor="t" anchorCtr="0"/>
+          <a:lstStyle/>
+          <a:p>
+            <a:pPr marL="285750" indent="-285750">
+              <a:buBlip>
+                <a:blip r:embed="rId2">
+                  <a:extLst>
+                    <a:ext uri="{96DAC541-7B7A-43D3-8B79-37D633B846F1}">
+                      <asvg:svgBlip xmlns:asvg="http://schemas.microsoft.com/office/drawing/2016/SVG/main" xmlns="" r:embed="rId3"/>
+                    </a:ext>
+                  </a:extLst>
+                </a:blip>
+              </a:buBlip>
+            </a:pPr>
+            <a:r>
+              <a:rPr lang="en-US" sz="1400" dirty="0" smtClean="0">
+                <a:solidFill>
+                  <a:schemeClr val="tx1">
+                    <a:lumMod val="65000"/>
+                    <a:lumOff val="35000"/>
+                  </a:schemeClr>
+                </a:solidFill>
+                <a:latin typeface="Segoe UI" panose="020B0502040204020203" pitchFamily="34" charset="0"/>
+                <a:cs typeface="Segoe UI" panose="020B0502040204020203" pitchFamily="34" charset="0"/>
+              </a:rPr>
+              <a:t>Property records consist of either </a:t>
+            </a:r>
+            <a:r>
+              <a:rPr lang="en-US" sz="1400" b="1" dirty="0" smtClean="0">
+                <a:solidFill>
+                  <a:schemeClr val="tx1">
+                    <a:lumMod val="65000"/>
+                    <a:lumOff val="35000"/>
+                  </a:schemeClr>
+                </a:solidFill>
+                <a:latin typeface="Segoe UI" panose="020B0502040204020203" pitchFamily="34" charset="0"/>
+                <a:cs typeface="Segoe UI" panose="020B0502040204020203" pitchFamily="34" charset="0"/>
+              </a:rPr>
+              <a:t>Serialized</a:t>
+            </a:r>
+            <a:r>
+              <a:rPr lang="en-US" sz="1400" dirty="0" smtClean="0">
+                <a:solidFill>
+                  <a:schemeClr val="tx1">
+                    <a:lumMod val="65000"/>
+                    <a:lumOff val="35000"/>
+                  </a:schemeClr>
+                </a:solidFill>
+                <a:latin typeface="Segoe UI" panose="020B0502040204020203" pitchFamily="34" charset="0"/>
+                <a:cs typeface="Segoe UI" panose="020B0502040204020203" pitchFamily="34" charset="0"/>
+              </a:rPr>
+              <a:t> items or </a:t>
+            </a:r>
+            <a:r>
+              <a:rPr lang="en-US" sz="1400" b="1" dirty="0" smtClean="0">
+                <a:solidFill>
+                  <a:schemeClr val="tx1">
+                    <a:lumMod val="65000"/>
+                    <a:lumOff val="35000"/>
+                  </a:schemeClr>
+                </a:solidFill>
+                <a:latin typeface="Segoe UI" panose="020B0502040204020203" pitchFamily="34" charset="0"/>
+                <a:cs typeface="Segoe UI" panose="020B0502040204020203" pitchFamily="34" charset="0"/>
+              </a:rPr>
+              <a:t>Hardware </a:t>
+            </a:r>
+            <a:r>
+              <a:rPr lang="en-US" sz="1400" dirty="0" smtClean="0">
+                <a:solidFill>
+                  <a:schemeClr val="tx1">
+                    <a:lumMod val="65000"/>
+                    <a:lumOff val="35000"/>
+                  </a:schemeClr>
+                </a:solidFill>
+                <a:latin typeface="Segoe UI" panose="020B0502040204020203" pitchFamily="34" charset="0"/>
+                <a:cs typeface="Segoe UI" panose="020B0502040204020203" pitchFamily="34" charset="0"/>
+              </a:rPr>
+              <a:t>items.</a:t>
+            </a:r>
+            <a:endParaRPr lang="en-US" sz="1400" dirty="0">
+              <a:solidFill>
+                <a:schemeClr val="tx1">
+                  <a:lumMod val="65000"/>
+                  <a:lumOff val="35000"/>
+                </a:schemeClr>
+              </a:solidFill>
+              <a:latin typeface="Segoe UI" panose="020B0502040204020203" pitchFamily="34" charset="0"/>
+              <a:cs typeface="Segoe UI" panose="020B0502040204020203" pitchFamily="34" charset="0"/>
+            </a:endParaRPr>
+          </a:p>
+          <a:p>
+            <a:pPr marL="285750" indent="-285750">
+              <a:buBlip>
+                <a:blip r:embed="rId2">
+                  <a:extLst>
+                    <a:ext uri="{96DAC541-7B7A-43D3-8B79-37D633B846F1}">
+                      <asvg:svgBlip xmlns:asvg="http://schemas.microsoft.com/office/drawing/2016/SVG/main" xmlns="" r:embed="rId3"/>
+                    </a:ext>
+                  </a:extLst>
+                </a:blip>
+              </a:buBlip>
+            </a:pPr>
+            <a:endParaRPr lang="en-US" sz="1400" dirty="0">
+              <a:solidFill>
+                <a:schemeClr val="tx1">
+                  <a:lumMod val="65000"/>
+                  <a:lumOff val="35000"/>
+                </a:schemeClr>
+              </a:solidFill>
+              <a:latin typeface="Segoe UI" panose="020B0502040204020203" pitchFamily="34" charset="0"/>
+              <a:cs typeface="Segoe UI" panose="020B0502040204020203" pitchFamily="34" charset="0"/>
+            </a:endParaRPr>
+          </a:p>
+          <a:p>
+            <a:pPr marL="285750" indent="-285750">
+              <a:buBlip>
+                <a:blip r:embed="rId2">
+                  <a:extLst>
+                    <a:ext uri="{96DAC541-7B7A-43D3-8B79-37D633B846F1}">
+                      <asvg:svgBlip xmlns:asvg="http://schemas.microsoft.com/office/drawing/2016/SVG/main" xmlns="" r:embed="rId3"/>
+                    </a:ext>
+                  </a:extLst>
+                </a:blip>
+              </a:buBlip>
+            </a:pPr>
+            <a:r>
+              <a:rPr lang="en-US" sz="1400" dirty="0" smtClean="0">
+                <a:solidFill>
+                  <a:schemeClr val="tx1">
+                    <a:lumMod val="65000"/>
+                    <a:lumOff val="35000"/>
+                  </a:schemeClr>
+                </a:solidFill>
+                <a:latin typeface="Segoe UI" panose="020B0502040204020203" pitchFamily="34" charset="0"/>
+                <a:cs typeface="Segoe UI" panose="020B0502040204020203" pitchFamily="34" charset="0"/>
+              </a:rPr>
+              <a:t>Property records are owned and managed by one or more property custodians.</a:t>
+            </a:r>
+          </a:p>
+          <a:p>
+            <a:pPr marL="285750" indent="-285750">
+              <a:buBlip>
+                <a:blip r:embed="rId2">
+                  <a:extLst>
+                    <a:ext uri="{96DAC541-7B7A-43D3-8B79-37D633B846F1}">
+                      <asvg:svgBlip xmlns:asvg="http://schemas.microsoft.com/office/drawing/2016/SVG/main" xmlns="" r:embed="rId3"/>
+                    </a:ext>
+                  </a:extLst>
+                </a:blip>
+              </a:buBlip>
+            </a:pPr>
+            <a:endParaRPr lang="en-US" sz="1400" dirty="0">
+              <a:solidFill>
+                <a:schemeClr val="tx1">
+                  <a:lumMod val="65000"/>
+                  <a:lumOff val="35000"/>
+                </a:schemeClr>
+              </a:solidFill>
+              <a:latin typeface="Segoe UI" panose="020B0502040204020203" pitchFamily="34" charset="0"/>
+              <a:cs typeface="Segoe UI" panose="020B0502040204020203" pitchFamily="34" charset="0"/>
+            </a:endParaRPr>
+          </a:p>
+          <a:p>
+            <a:pPr marL="285750" indent="-285750">
+              <a:buBlip>
+                <a:blip r:embed="rId2">
+                  <a:extLst>
+                    <a:ext uri="{96DAC541-7B7A-43D3-8B79-37D633B846F1}">
+                      <asvg:svgBlip xmlns:asvg="http://schemas.microsoft.com/office/drawing/2016/SVG/main" xmlns="" r:embed="rId3"/>
+                    </a:ext>
+                  </a:extLst>
+                </a:blip>
+              </a:buBlip>
+            </a:pPr>
+            <a:r>
+              <a:rPr lang="en-US" sz="1400" dirty="0" smtClean="0">
+                <a:solidFill>
+                  <a:schemeClr val="tx1">
+                    <a:lumMod val="65000"/>
+                    <a:lumOff val="35000"/>
+                  </a:schemeClr>
+                </a:solidFill>
+                <a:latin typeface="Segoe UI" panose="020B0502040204020203" pitchFamily="34" charset="0"/>
+                <a:cs typeface="Segoe UI" panose="020B0502040204020203" pitchFamily="34" charset="0"/>
+              </a:rPr>
+              <a:t>Items in an item group categorized as Serialized or Hardware will be added to a specified property record automatically upon item receipt.</a:t>
+            </a:r>
+          </a:p>
+          <a:p>
+            <a:pPr marL="285750" indent="-285750">
+              <a:buBlip>
+                <a:blip r:embed="rId2">
+                  <a:extLst>
+                    <a:ext uri="{96DAC541-7B7A-43D3-8B79-37D633B846F1}">
+                      <asvg:svgBlip xmlns:asvg="http://schemas.microsoft.com/office/drawing/2016/SVG/main" xmlns="" r:embed="rId3"/>
+                    </a:ext>
+                  </a:extLst>
+                </a:blip>
+              </a:buBlip>
+            </a:pPr>
+            <a:endParaRPr lang="en-US" sz="1400" dirty="0">
+              <a:solidFill>
+                <a:schemeClr val="tx1">
+                  <a:lumMod val="65000"/>
+                  <a:lumOff val="35000"/>
+                </a:schemeClr>
+              </a:solidFill>
+              <a:latin typeface="Segoe UI" panose="020B0502040204020203" pitchFamily="34" charset="0"/>
+              <a:cs typeface="Segoe UI" panose="020B0502040204020203" pitchFamily="34" charset="0"/>
+            </a:endParaRPr>
+          </a:p>
+          <a:p>
+            <a:endParaRPr lang="en-US" sz="1400" dirty="0" smtClean="0">
+              <a:solidFill>
+                <a:schemeClr val="tx1">
+                  <a:lumMod val="65000"/>
+                  <a:lumOff val="35000"/>
+                </a:schemeClr>
+              </a:solidFill>
+              <a:latin typeface="Segoe UI" panose="020B0502040204020203" pitchFamily="34" charset="0"/>
+              <a:cs typeface="Segoe UI" panose="020B0502040204020203" pitchFamily="34" charset="0"/>
+            </a:endParaRPr>
+          </a:p>
+          <a:p>
+            <a:endParaRPr lang="en-US" sz="1400" dirty="0">
+              <a:solidFill>
+                <a:schemeClr val="tx1">
+                  <a:lumMod val="65000"/>
+                  <a:lumOff val="35000"/>
+                </a:schemeClr>
+              </a:solidFill>
+              <a:latin typeface="Segoe UI" panose="020B0502040204020203" pitchFamily="34" charset="0"/>
+              <a:cs typeface="Segoe UI" panose="020B0502040204020203" pitchFamily="34" charset="0"/>
+            </a:endParaRPr>
+          </a:p>
+          <a:p>
+            <a:endParaRPr lang="en-US" sz="1400" dirty="0" smtClean="0">
+              <a:solidFill>
+                <a:schemeClr val="tx1">
+                  <a:lumMod val="65000"/>
+                  <a:lumOff val="35000"/>
+                </a:schemeClr>
+              </a:solidFill>
+              <a:latin typeface="Segoe UI" panose="020B0502040204020203" pitchFamily="34" charset="0"/>
+              <a:cs typeface="Segoe UI" panose="020B0502040204020203" pitchFamily="34" charset="0"/>
+            </a:endParaRPr>
+          </a:p>
+          <a:p>
+            <a:endParaRPr lang="en-US" sz="1400" dirty="0">
+              <a:solidFill>
+                <a:schemeClr val="tx1">
+                  <a:lumMod val="65000"/>
+                  <a:lumOff val="35000"/>
+                </a:schemeClr>
+              </a:solidFill>
+              <a:latin typeface="Segoe UI" panose="020B0502040204020203" pitchFamily="34" charset="0"/>
+              <a:cs typeface="Segoe UI" panose="020B0502040204020203" pitchFamily="34" charset="0"/>
+            </a:endParaRPr>
+          </a:p>
+          <a:p>
+            <a:endParaRPr lang="en-US" sz="1400" dirty="0" smtClean="0">
+              <a:solidFill>
+                <a:schemeClr val="tx1">
+                  <a:lumMod val="65000"/>
+                  <a:lumOff val="35000"/>
+                </a:schemeClr>
+              </a:solidFill>
+              <a:latin typeface="Segoe UI" panose="020B0502040204020203" pitchFamily="34" charset="0"/>
+              <a:cs typeface="Segoe UI" panose="020B0502040204020203" pitchFamily="34" charset="0"/>
+            </a:endParaRPr>
+          </a:p>
+          <a:p>
+            <a:endParaRPr lang="en-US" sz="1400" dirty="0">
+              <a:solidFill>
+                <a:schemeClr val="tx1">
+                  <a:lumMod val="65000"/>
+                  <a:lumOff val="35000"/>
+                </a:schemeClr>
+              </a:solidFill>
+              <a:latin typeface="Segoe UI" panose="020B0502040204020203" pitchFamily="34" charset="0"/>
+              <a:cs typeface="Segoe UI" panose="020B0502040204020203" pitchFamily="34" charset="0"/>
+            </a:endParaRPr>
+          </a:p>
+          <a:p>
+            <a:endParaRPr lang="en-US" sz="1400" dirty="0" smtClean="0">
+              <a:solidFill>
+                <a:schemeClr val="tx1">
+                  <a:lumMod val="65000"/>
+                  <a:lumOff val="35000"/>
+                </a:schemeClr>
+              </a:solidFill>
+              <a:latin typeface="Segoe UI" panose="020B0502040204020203" pitchFamily="34" charset="0"/>
+              <a:cs typeface="Segoe UI" panose="020B0502040204020203" pitchFamily="34" charset="0"/>
+            </a:endParaRPr>
+          </a:p>
+          <a:p>
+            <a:endParaRPr lang="en-US" sz="1400" dirty="0">
+              <a:solidFill>
+                <a:schemeClr val="tx1">
+                  <a:lumMod val="65000"/>
+                  <a:lumOff val="35000"/>
+                </a:schemeClr>
+              </a:solidFill>
+              <a:latin typeface="Segoe UI" panose="020B0502040204020203" pitchFamily="34" charset="0"/>
+              <a:cs typeface="Segoe UI" panose="020B0502040204020203" pitchFamily="34" charset="0"/>
+            </a:endParaRPr>
+          </a:p>
+          <a:p>
+            <a:endParaRPr lang="en-US" sz="1400" dirty="0" smtClean="0">
+              <a:solidFill>
+                <a:schemeClr val="tx1">
+                  <a:lumMod val="65000"/>
+                  <a:lumOff val="35000"/>
+                </a:schemeClr>
+              </a:solidFill>
+              <a:latin typeface="Segoe UI" panose="020B0502040204020203" pitchFamily="34" charset="0"/>
+              <a:cs typeface="Segoe UI" panose="020B0502040204020203" pitchFamily="34" charset="0"/>
+            </a:endParaRPr>
+          </a:p>
+          <a:p>
+            <a:endParaRPr lang="en-US" sz="1400" dirty="0">
+              <a:solidFill>
+                <a:schemeClr val="tx1">
+                  <a:lumMod val="65000"/>
+                  <a:lumOff val="35000"/>
+                </a:schemeClr>
+              </a:solidFill>
+              <a:latin typeface="Segoe UI" panose="020B0502040204020203" pitchFamily="34" charset="0"/>
+              <a:cs typeface="Segoe UI" panose="020B0502040204020203" pitchFamily="34" charset="0"/>
+            </a:endParaRPr>
+          </a:p>
+          <a:p>
+            <a:endParaRPr lang="en-US" sz="1400" dirty="0" smtClean="0">
+              <a:solidFill>
+                <a:schemeClr val="tx1">
+                  <a:lumMod val="65000"/>
+                  <a:lumOff val="35000"/>
+                </a:schemeClr>
+              </a:solidFill>
+              <a:latin typeface="Segoe UI" panose="020B0502040204020203" pitchFamily="34" charset="0"/>
+              <a:cs typeface="Segoe UI" panose="020B0502040204020203" pitchFamily="34" charset="0"/>
+            </a:endParaRPr>
+          </a:p>
+          <a:p>
+            <a:endParaRPr lang="en-US" sz="1400" dirty="0">
+              <a:solidFill>
+                <a:schemeClr val="tx1">
+                  <a:lumMod val="65000"/>
+                  <a:lumOff val="35000"/>
+                </a:schemeClr>
+              </a:solidFill>
+              <a:latin typeface="Segoe UI" panose="020B0502040204020203" pitchFamily="34" charset="0"/>
+              <a:cs typeface="Segoe UI" panose="020B0502040204020203" pitchFamily="34" charset="0"/>
+            </a:endParaRPr>
+          </a:p>
+          <a:p>
+            <a:endParaRPr lang="en-US" sz="1400" dirty="0" smtClean="0">
+              <a:solidFill>
+                <a:schemeClr val="tx1">
+                  <a:lumMod val="65000"/>
+                  <a:lumOff val="35000"/>
+                </a:schemeClr>
+              </a:solidFill>
+              <a:latin typeface="Segoe UI" panose="020B0502040204020203" pitchFamily="34" charset="0"/>
+              <a:cs typeface="Segoe UI" panose="020B0502040204020203" pitchFamily="34" charset="0"/>
+            </a:endParaRPr>
+          </a:p>
+          <a:p>
+            <a:endParaRPr lang="en-US" sz="1400" dirty="0">
+              <a:solidFill>
+                <a:schemeClr val="tx1">
+                  <a:lumMod val="65000"/>
+                  <a:lumOff val="35000"/>
+                </a:schemeClr>
+              </a:solidFill>
+              <a:latin typeface="Segoe UI" panose="020B0502040204020203" pitchFamily="34" charset="0"/>
+              <a:cs typeface="Segoe UI" panose="020B0502040204020203" pitchFamily="34" charset="0"/>
+            </a:endParaRPr>
+          </a:p>
+          <a:p>
+            <a:endParaRPr lang="en-US" sz="1400" b="1" i="1" dirty="0" smtClean="0">
+              <a:solidFill>
+                <a:schemeClr val="tx1">
+                  <a:lumMod val="65000"/>
+                  <a:lumOff val="35000"/>
+                </a:schemeClr>
+              </a:solidFill>
+              <a:latin typeface="Segoe UI" panose="020B0502040204020203" pitchFamily="34" charset="0"/>
+              <a:cs typeface="Segoe UI" panose="020B0502040204020203" pitchFamily="34" charset="0"/>
+            </a:endParaRPr>
+          </a:p>
+          <a:p>
+            <a:endParaRPr lang="en-US" sz="1400" b="1" i="1" dirty="0">
+              <a:solidFill>
+                <a:schemeClr val="tx1">
+                  <a:lumMod val="65000"/>
+                  <a:lumOff val="35000"/>
+                </a:schemeClr>
+              </a:solidFill>
+              <a:latin typeface="Segoe UI" panose="020B0502040204020203" pitchFamily="34" charset="0"/>
+              <a:cs typeface="Segoe UI" panose="020B0502040204020203" pitchFamily="34" charset="0"/>
+            </a:endParaRPr>
+          </a:p>
+          <a:p>
+            <a:endParaRPr lang="en-US" sz="1200" b="1" i="1" dirty="0" smtClean="0">
+              <a:solidFill>
+                <a:schemeClr val="tx1">
+                  <a:lumMod val="65000"/>
+                  <a:lumOff val="35000"/>
+                </a:schemeClr>
+              </a:solidFill>
+              <a:latin typeface="Segoe UI" panose="020B0502040204020203" pitchFamily="34" charset="0"/>
+              <a:cs typeface="Segoe UI" panose="020B0502040204020203" pitchFamily="34" charset="0"/>
+            </a:endParaRPr>
+          </a:p>
+          <a:p>
+            <a:r>
+              <a:rPr lang="en-US" sz="1200" b="1" i="1" dirty="0" smtClean="0">
+                <a:solidFill>
+                  <a:schemeClr val="tx1">
+                    <a:lumMod val="65000"/>
+                    <a:lumOff val="35000"/>
+                  </a:schemeClr>
+                </a:solidFill>
+                <a:latin typeface="Segoe UI" panose="020B0502040204020203" pitchFamily="34" charset="0"/>
+                <a:cs typeface="Segoe UI" panose="020B0502040204020203" pitchFamily="34" charset="0"/>
+              </a:rPr>
+              <a:t>Note: </a:t>
+            </a:r>
+            <a:r>
+              <a:rPr lang="en-US" sz="1200" i="1" dirty="0" smtClean="0">
+                <a:solidFill>
+                  <a:schemeClr val="tx1">
+                    <a:lumMod val="65000"/>
+                    <a:lumOff val="35000"/>
+                  </a:schemeClr>
+                </a:solidFill>
+                <a:latin typeface="Segoe UI" panose="020B0502040204020203" pitchFamily="34" charset="0"/>
+                <a:cs typeface="Segoe UI" panose="020B0502040204020203" pitchFamily="34" charset="0"/>
+              </a:rPr>
+              <a:t>Items will be able to be added to a property record outside of the acquisitions process.</a:t>
+            </a:r>
+            <a:endParaRPr lang="en-US" sz="1200" b="1" i="1" dirty="0" smtClean="0">
+              <a:solidFill>
+                <a:schemeClr val="tx1">
+                  <a:lumMod val="65000"/>
+                  <a:lumOff val="35000"/>
+                </a:schemeClr>
+              </a:solidFill>
+              <a:latin typeface="Segoe UI" panose="020B0502040204020203" pitchFamily="34" charset="0"/>
+              <a:cs typeface="Segoe UI" panose="020B0502040204020203" pitchFamily="34" charset="0"/>
+            </a:endParaRPr>
+          </a:p>
+        </p:txBody>
+      </p:sp>
+      <p:sp>
+        <p:nvSpPr>
+          <p:cNvPr id="122" name="TextBox 121">
+            <a:extLst>
+              <a:ext uri="{FF2B5EF4-FFF2-40B4-BE49-F238E27FC236}">
+                <a16:creationId xmlns:a16="http://schemas.microsoft.com/office/drawing/2014/main" id="{00AEB9A2-B192-429C-A1AA-E469E891430E}"/>
+              </a:ext>
+            </a:extLst>
+          </p:cNvPr>
+          <p:cNvSpPr txBox="1"/>
+          <p:nvPr/>
+        </p:nvSpPr>
+        <p:spPr>
+          <a:xfrm>
+            <a:off x="100585" y="140315"/>
+            <a:ext cx="7859260" cy="461665"/>
+          </a:xfrm>
+          <a:prstGeom prst="rect">
+            <a:avLst/>
+          </a:prstGeom>
+          <a:noFill/>
+        </p:spPr>
+        <p:txBody>
+          <a:bodyPr wrap="square" rtlCol="0">
+            <a:spAutoFit/>
+          </a:bodyPr>
+          <a:lstStyle/>
+          <a:p>
+            <a:r>
+              <a:rPr lang="en-US" sz="2400" dirty="0" smtClean="0">
+                <a:latin typeface="Segoe UI" panose="020B0502040204020203" pitchFamily="34" charset="0"/>
+                <a:cs typeface="Segoe UI" panose="020B0502040204020203" pitchFamily="34" charset="0"/>
+              </a:rPr>
+              <a:t>Property Records</a:t>
+            </a:r>
+            <a:endParaRPr lang="en-US" sz="2400" dirty="0">
+              <a:latin typeface="Segoe UI" panose="020B0502040204020203" pitchFamily="34" charset="0"/>
+              <a:cs typeface="Segoe UI" panose="020B0502040204020203" pitchFamily="34" charset="0"/>
+            </a:endParaRPr>
+          </a:p>
+        </p:txBody>
+      </p:sp>
+      <p:sp>
+        <p:nvSpPr>
+          <p:cNvPr id="91" name="Title 90" hidden="1">
+            <a:extLst>
+              <a:ext uri="{FF2B5EF4-FFF2-40B4-BE49-F238E27FC236}">
+                <a16:creationId xmlns:a16="http://schemas.microsoft.com/office/drawing/2014/main" id="{E54F4FD7-2CE1-4EF1-AFD3-49BC5355BE16}"/>
+              </a:ext>
+            </a:extLst>
+          </p:cNvPr>
+          <p:cNvSpPr>
+            <a:spLocks noGrp="1"/>
+          </p:cNvSpPr>
+          <p:nvPr>
+            <p:ph type="ctrTitle"/>
+          </p:nvPr>
+        </p:nvSpPr>
+        <p:spPr/>
+        <p:txBody>
+          <a:bodyPr/>
+          <a:lstStyle/>
+          <a:p>
+            <a:r>
+              <a:rPr lang="en-US" dirty="0"/>
+              <a:t>Funding Accounts</a:t>
+            </a:r>
+          </a:p>
+        </p:txBody>
+      </p:sp>
+      <p:grpSp>
+        <p:nvGrpSpPr>
+          <p:cNvPr id="20" name="Group 19"/>
+          <p:cNvGrpSpPr/>
+          <p:nvPr/>
+        </p:nvGrpSpPr>
+        <p:grpSpPr>
+          <a:xfrm>
+            <a:off x="100579" y="853758"/>
+            <a:ext cx="7859266" cy="5803804"/>
+            <a:chOff x="100579" y="853758"/>
+            <a:chExt cx="7859266" cy="5803804"/>
+          </a:xfrm>
+        </p:grpSpPr>
+        <p:sp>
+          <p:nvSpPr>
+            <p:cNvPr id="57" name="Rectangle 56">
+              <a:extLst>
+                <a:ext uri="{FF2B5EF4-FFF2-40B4-BE49-F238E27FC236}">
+                  <a16:creationId xmlns:a16="http://schemas.microsoft.com/office/drawing/2014/main" id="{4808B174-B9CF-4CAD-8A19-1BC9D885D3B3}"/>
+                </a:ext>
+              </a:extLst>
+            </p:cNvPr>
+            <p:cNvSpPr/>
+            <p:nvPr/>
+          </p:nvSpPr>
+          <p:spPr>
+            <a:xfrm>
+              <a:off x="100584" y="853758"/>
+              <a:ext cx="7859261" cy="274320"/>
+            </a:xfrm>
+            <a:prstGeom prst="rect">
+              <a:avLst/>
+            </a:prstGeom>
+            <a:solidFill>
+              <a:schemeClr val="tx1">
+                <a:lumMod val="75000"/>
+                <a:lumOff val="25000"/>
+              </a:schemeClr>
+            </a:solidFill>
+            <a:ln>
+              <a:noFill/>
+            </a:ln>
+          </p:spPr>
+          <p:style>
+            <a:lnRef idx="2">
+              <a:schemeClr val="accent1">
+                <a:shade val="50000"/>
+              </a:schemeClr>
+            </a:lnRef>
+            <a:fillRef idx="1">
+              <a:schemeClr val="accent1"/>
+            </a:fillRef>
+            <a:effectRef idx="0">
+              <a:schemeClr val="accent1"/>
+            </a:effectRef>
+            <a:fontRef idx="minor">
+              <a:schemeClr val="lt1"/>
+            </a:fontRef>
+          </p:style>
+          <p:txBody>
+            <a:bodyPr rtlCol="0" anchor="ctr"/>
+            <a:lstStyle/>
+            <a:p>
+              <a:pPr algn="ctr"/>
+              <a:r>
+                <a:rPr lang="en-US" sz="1600" dirty="0" smtClean="0">
+                  <a:latin typeface="Segoe UI" panose="020B0502040204020203" pitchFamily="34" charset="0"/>
+                  <a:cs typeface="Segoe UI" panose="020B0502040204020203" pitchFamily="34" charset="0"/>
+                </a:rPr>
+                <a:t>Property Record</a:t>
+              </a:r>
+              <a:endParaRPr lang="en-US" sz="1600" dirty="0">
+                <a:latin typeface="Segoe UI" panose="020B0502040204020203" pitchFamily="34" charset="0"/>
+                <a:cs typeface="Segoe UI" panose="020B0502040204020203" pitchFamily="34" charset="0"/>
+              </a:endParaRPr>
+            </a:p>
+          </p:txBody>
+        </p:sp>
+        <p:grpSp>
+          <p:nvGrpSpPr>
+            <p:cNvPr id="5" name="Group 4"/>
+            <p:cNvGrpSpPr/>
+            <p:nvPr/>
+          </p:nvGrpSpPr>
+          <p:grpSpPr>
+            <a:xfrm>
+              <a:off x="100579" y="2022973"/>
+              <a:ext cx="2286005" cy="2090202"/>
+              <a:chOff x="100579" y="1614397"/>
+              <a:chExt cx="2286005" cy="2090202"/>
+            </a:xfrm>
+          </p:grpSpPr>
+          <p:sp>
+            <p:nvSpPr>
+              <p:cNvPr id="39" name="Rectangle 38">
+                <a:extLst>
+                  <a:ext uri="{FF2B5EF4-FFF2-40B4-BE49-F238E27FC236}">
+                    <a16:creationId xmlns:a16="http://schemas.microsoft.com/office/drawing/2014/main" id="{5626B030-B48B-42C0-9339-F603883EA700}"/>
+                  </a:ext>
+                </a:extLst>
+              </p:cNvPr>
+              <p:cNvSpPr/>
+              <p:nvPr/>
+            </p:nvSpPr>
+            <p:spPr>
+              <a:xfrm>
+                <a:off x="100584" y="1614397"/>
+                <a:ext cx="2286000" cy="274320"/>
+              </a:xfrm>
+              <a:prstGeom prst="rect">
+                <a:avLst/>
+              </a:prstGeom>
+              <a:solidFill>
+                <a:schemeClr val="tx1">
+                  <a:lumMod val="75000"/>
+                  <a:lumOff val="25000"/>
+                </a:schemeClr>
+              </a:solidFill>
+              <a:ln>
+                <a:noFill/>
+              </a:ln>
+            </p:spPr>
+            <p:style>
+              <a:lnRef idx="2">
+                <a:schemeClr val="accent1">
+                  <a:shade val="50000"/>
+                </a:schemeClr>
+              </a:lnRef>
+              <a:fillRef idx="1">
+                <a:schemeClr val="accent1"/>
+              </a:fillRef>
+              <a:effectRef idx="0">
+                <a:schemeClr val="accent1"/>
+              </a:effectRef>
+              <a:fontRef idx="minor">
+                <a:schemeClr val="lt1"/>
+              </a:fontRef>
+            </p:style>
+            <p:txBody>
+              <a:bodyPr rtlCol="0" anchor="ctr"/>
+              <a:lstStyle/>
+              <a:p>
+                <a:pPr algn="ctr"/>
+                <a:r>
+                  <a:rPr lang="en-US" sz="1600" dirty="0" smtClean="0">
+                    <a:latin typeface="Segoe UI" panose="020B0502040204020203" pitchFamily="34" charset="0"/>
+                    <a:cs typeface="Segoe UI" panose="020B0502040204020203" pitchFamily="34" charset="0"/>
+                  </a:rPr>
+                  <a:t>Item - Serialized</a:t>
+                </a:r>
+                <a:endParaRPr lang="en-US" sz="1600" dirty="0">
+                  <a:latin typeface="Segoe UI" panose="020B0502040204020203" pitchFamily="34" charset="0"/>
+                  <a:cs typeface="Segoe UI" panose="020B0502040204020203" pitchFamily="34" charset="0"/>
+                </a:endParaRPr>
+              </a:p>
+            </p:txBody>
+          </p:sp>
+          <p:sp>
+            <p:nvSpPr>
+              <p:cNvPr id="41" name="Rectangle 40">
+                <a:extLst>
+                  <a:ext uri="{FF2B5EF4-FFF2-40B4-BE49-F238E27FC236}">
+                    <a16:creationId xmlns:a16="http://schemas.microsoft.com/office/drawing/2014/main" id="{92F3C2D4-DE2E-4B48-93DA-8F055147368D}"/>
+                  </a:ext>
+                </a:extLst>
+              </p:cNvPr>
+              <p:cNvSpPr/>
+              <p:nvPr/>
+            </p:nvSpPr>
+            <p:spPr>
+              <a:xfrm>
+                <a:off x="100579" y="1888717"/>
+                <a:ext cx="2286000" cy="1815882"/>
+              </a:xfrm>
+              <a:prstGeom prst="rect">
+                <a:avLst/>
+              </a:prstGeom>
+              <a:solidFill>
+                <a:schemeClr val="bg1">
+                  <a:lumMod val="85000"/>
+                </a:schemeClr>
+              </a:solidFill>
+              <a:ln>
+                <a:noFill/>
+              </a:ln>
+            </p:spPr>
+            <p:style>
+              <a:lnRef idx="2">
+                <a:schemeClr val="accent1">
+                  <a:shade val="50000"/>
+                </a:schemeClr>
+              </a:lnRef>
+              <a:fillRef idx="1">
+                <a:schemeClr val="accent1"/>
+              </a:fillRef>
+              <a:effectRef idx="0">
+                <a:schemeClr val="accent1"/>
+              </a:effectRef>
+              <a:fontRef idx="minor">
+                <a:schemeClr val="lt1"/>
+              </a:fontRef>
+            </p:style>
+            <p:txBody>
+              <a:bodyPr rtlCol="0" anchor="ctr" anchorCtr="0">
+                <a:spAutoFit/>
+              </a:bodyPr>
+              <a:lstStyle/>
+              <a:p>
+                <a:pPr algn="ctr"/>
+                <a:r>
+                  <a:rPr lang="en-US" sz="1400" dirty="0" smtClean="0">
+                    <a:solidFill>
+                      <a:schemeClr val="tx1">
+                        <a:lumMod val="65000"/>
+                        <a:lumOff val="35000"/>
+                      </a:schemeClr>
+                    </a:solidFill>
+                    <a:latin typeface="Segoe UI" panose="020B0502040204020203" pitchFamily="34" charset="0"/>
+                    <a:cs typeface="Segoe UI" panose="020B0502040204020203" pitchFamily="34" charset="0"/>
+                  </a:rPr>
+                  <a:t>Category</a:t>
+                </a:r>
+              </a:p>
+              <a:p>
+                <a:pPr algn="ctr"/>
+                <a:r>
+                  <a:rPr lang="en-US" sz="1400" dirty="0" smtClean="0">
+                    <a:solidFill>
+                      <a:schemeClr val="tx1">
+                        <a:lumMod val="65000"/>
+                        <a:lumOff val="35000"/>
+                      </a:schemeClr>
+                    </a:solidFill>
+                    <a:latin typeface="Segoe UI" panose="020B0502040204020203" pitchFamily="34" charset="0"/>
+                    <a:cs typeface="Segoe UI" panose="020B0502040204020203" pitchFamily="34" charset="0"/>
+                  </a:rPr>
+                  <a:t>Order – If Exists</a:t>
+                </a:r>
+              </a:p>
+              <a:p>
+                <a:pPr algn="ctr"/>
+                <a:r>
+                  <a:rPr lang="en-US" sz="1400" dirty="0" smtClean="0">
+                    <a:solidFill>
+                      <a:schemeClr val="tx1">
+                        <a:lumMod val="65000"/>
+                        <a:lumOff val="35000"/>
+                      </a:schemeClr>
+                    </a:solidFill>
+                    <a:latin typeface="Segoe UI" panose="020B0502040204020203" pitchFamily="34" charset="0"/>
+                    <a:cs typeface="Segoe UI" panose="020B0502040204020203" pitchFamily="34" charset="0"/>
+                  </a:rPr>
+                  <a:t>Manufacturer</a:t>
+                </a:r>
+              </a:p>
+              <a:p>
+                <a:pPr algn="ctr"/>
+                <a:r>
+                  <a:rPr lang="en-US" sz="1400" dirty="0" smtClean="0">
+                    <a:solidFill>
+                      <a:schemeClr val="tx1">
+                        <a:lumMod val="65000"/>
+                        <a:lumOff val="35000"/>
+                      </a:schemeClr>
+                    </a:solidFill>
+                    <a:latin typeface="Segoe UI" panose="020B0502040204020203" pitchFamily="34" charset="0"/>
+                    <a:cs typeface="Segoe UI" panose="020B0502040204020203" pitchFamily="34" charset="0"/>
+                  </a:rPr>
+                  <a:t>Model</a:t>
+                </a:r>
+              </a:p>
+              <a:p>
+                <a:pPr algn="ctr"/>
+                <a:r>
+                  <a:rPr lang="en-US" sz="1400" dirty="0" smtClean="0">
+                    <a:solidFill>
+                      <a:schemeClr val="tx1">
+                        <a:lumMod val="65000"/>
+                        <a:lumOff val="35000"/>
+                      </a:schemeClr>
+                    </a:solidFill>
+                    <a:latin typeface="Segoe UI" panose="020B0502040204020203" pitchFamily="34" charset="0"/>
+                    <a:cs typeface="Segoe UI" panose="020B0502040204020203" pitchFamily="34" charset="0"/>
+                  </a:rPr>
+                  <a:t>Nsn</a:t>
+                </a:r>
+              </a:p>
+              <a:p>
+                <a:pPr algn="ctr"/>
+                <a:r>
+                  <a:rPr lang="en-US" sz="1400" dirty="0" smtClean="0">
+                    <a:solidFill>
+                      <a:schemeClr val="tx1">
+                        <a:lumMod val="65000"/>
+                        <a:lumOff val="35000"/>
+                      </a:schemeClr>
+                    </a:solidFill>
+                    <a:latin typeface="Segoe UI" panose="020B0502040204020203" pitchFamily="34" charset="0"/>
+                    <a:cs typeface="Segoe UI" panose="020B0502040204020203" pitchFamily="34" charset="0"/>
+                  </a:rPr>
+                  <a:t>Item Type</a:t>
+                </a:r>
+              </a:p>
+              <a:p>
+                <a:pPr algn="ctr"/>
+                <a:r>
+                  <a:rPr lang="en-US" sz="1400" dirty="0" smtClean="0">
+                    <a:solidFill>
+                      <a:schemeClr val="tx1">
+                        <a:lumMod val="65000"/>
+                        <a:lumOff val="35000"/>
+                      </a:schemeClr>
+                    </a:solidFill>
+                    <a:latin typeface="Segoe UI" panose="020B0502040204020203" pitchFamily="34" charset="0"/>
+                    <a:cs typeface="Segoe UI" panose="020B0502040204020203" pitchFamily="34" charset="0"/>
+                  </a:rPr>
+                  <a:t>Serial Number</a:t>
+                </a:r>
+              </a:p>
+              <a:p>
+                <a:pPr algn="ctr"/>
+                <a:r>
+                  <a:rPr lang="en-US" sz="1400" dirty="0" smtClean="0">
+                    <a:solidFill>
+                      <a:schemeClr val="tx1">
+                        <a:lumMod val="65000"/>
+                        <a:lumOff val="35000"/>
+                      </a:schemeClr>
+                    </a:solidFill>
+                    <a:latin typeface="Segoe UI" panose="020B0502040204020203" pitchFamily="34" charset="0"/>
+                    <a:cs typeface="Segoe UI" panose="020B0502040204020203" pitchFamily="34" charset="0"/>
+                  </a:rPr>
+                  <a:t>Location</a:t>
+                </a:r>
+                <a:endParaRPr lang="en-US" sz="1400" dirty="0">
+                  <a:solidFill>
+                    <a:schemeClr val="tx1">
+                      <a:lumMod val="65000"/>
+                      <a:lumOff val="35000"/>
+                    </a:schemeClr>
+                  </a:solidFill>
+                  <a:latin typeface="Segoe UI" panose="020B0502040204020203" pitchFamily="34" charset="0"/>
+                  <a:cs typeface="Segoe UI" panose="020B0502040204020203" pitchFamily="34" charset="0"/>
+                </a:endParaRPr>
+              </a:p>
+            </p:txBody>
+          </p:sp>
+        </p:grpSp>
+        <p:grpSp>
+          <p:nvGrpSpPr>
+            <p:cNvPr id="34" name="Group 33"/>
+            <p:cNvGrpSpPr/>
+            <p:nvPr/>
+          </p:nvGrpSpPr>
+          <p:grpSpPr>
+            <a:xfrm>
+              <a:off x="5673840" y="2022973"/>
+              <a:ext cx="2286005" cy="582097"/>
+              <a:chOff x="5673840" y="2413521"/>
+              <a:chExt cx="2286005" cy="582097"/>
+            </a:xfrm>
+          </p:grpSpPr>
+          <p:sp>
+            <p:nvSpPr>
+              <p:cNvPr id="35" name="Rectangle 34">
+                <a:extLst>
+                  <a:ext uri="{FF2B5EF4-FFF2-40B4-BE49-F238E27FC236}">
+                    <a16:creationId xmlns:a16="http://schemas.microsoft.com/office/drawing/2014/main" id="{E2297E7F-D88B-439C-91BA-40F70CF26D80}"/>
+                  </a:ext>
+                </a:extLst>
+              </p:cNvPr>
+              <p:cNvSpPr/>
+              <p:nvPr/>
+            </p:nvSpPr>
+            <p:spPr>
+              <a:xfrm>
+                <a:off x="5673845" y="2413521"/>
+                <a:ext cx="2286000" cy="274320"/>
+              </a:xfrm>
+              <a:prstGeom prst="rect">
+                <a:avLst/>
+              </a:prstGeom>
+              <a:solidFill>
+                <a:schemeClr val="tx1">
+                  <a:lumMod val="75000"/>
+                  <a:lumOff val="25000"/>
+                </a:schemeClr>
+              </a:solidFill>
+              <a:ln>
+                <a:noFill/>
+              </a:ln>
+            </p:spPr>
+            <p:style>
+              <a:lnRef idx="2">
+                <a:schemeClr val="accent1">
+                  <a:shade val="50000"/>
+                </a:schemeClr>
+              </a:lnRef>
+              <a:fillRef idx="1">
+                <a:schemeClr val="accent1"/>
+              </a:fillRef>
+              <a:effectRef idx="0">
+                <a:schemeClr val="accent1"/>
+              </a:effectRef>
+              <a:fontRef idx="minor">
+                <a:schemeClr val="lt1"/>
+              </a:fontRef>
+            </p:style>
+            <p:txBody>
+              <a:bodyPr rtlCol="0" anchor="ctr"/>
+              <a:lstStyle/>
+              <a:p>
+                <a:pPr algn="ctr"/>
+                <a:r>
+                  <a:rPr lang="en-US" sz="1600" dirty="0" smtClean="0">
+                    <a:latin typeface="Segoe UI" panose="020B0502040204020203" pitchFamily="34" charset="0"/>
+                    <a:cs typeface="Segoe UI" panose="020B0502040204020203" pitchFamily="34" charset="0"/>
+                  </a:rPr>
+                  <a:t>Property Custodian</a:t>
+                </a:r>
+                <a:endParaRPr lang="en-US" sz="1600" dirty="0">
+                  <a:latin typeface="Segoe UI" panose="020B0502040204020203" pitchFamily="34" charset="0"/>
+                  <a:cs typeface="Segoe UI" panose="020B0502040204020203" pitchFamily="34" charset="0"/>
+                </a:endParaRPr>
+              </a:p>
+            </p:txBody>
+          </p:sp>
+          <p:sp>
+            <p:nvSpPr>
+              <p:cNvPr id="36" name="Rectangle 35">
+                <a:extLst>
+                  <a:ext uri="{FF2B5EF4-FFF2-40B4-BE49-F238E27FC236}">
+                    <a16:creationId xmlns:a16="http://schemas.microsoft.com/office/drawing/2014/main" id="{34EF0660-717C-40BE-8EF0-14F53806A4C8}"/>
+                  </a:ext>
+                </a:extLst>
+              </p:cNvPr>
+              <p:cNvSpPr/>
+              <p:nvPr/>
+            </p:nvSpPr>
+            <p:spPr>
+              <a:xfrm>
+                <a:off x="5673840" y="2687841"/>
+                <a:ext cx="2286000" cy="307777"/>
+              </a:xfrm>
+              <a:prstGeom prst="rect">
+                <a:avLst/>
+              </a:prstGeom>
+              <a:solidFill>
+                <a:schemeClr val="bg1">
+                  <a:lumMod val="85000"/>
+                </a:schemeClr>
+              </a:solidFill>
+              <a:ln>
+                <a:noFill/>
+              </a:ln>
+            </p:spPr>
+            <p:style>
+              <a:lnRef idx="2">
+                <a:schemeClr val="accent1">
+                  <a:shade val="50000"/>
+                </a:schemeClr>
+              </a:lnRef>
+              <a:fillRef idx="1">
+                <a:schemeClr val="accent1"/>
+              </a:fillRef>
+              <a:effectRef idx="0">
+                <a:schemeClr val="accent1"/>
+              </a:effectRef>
+              <a:fontRef idx="minor">
+                <a:schemeClr val="lt1"/>
+              </a:fontRef>
+            </p:style>
+            <p:txBody>
+              <a:bodyPr rtlCol="0" anchor="ctr" anchorCtr="0">
+                <a:spAutoFit/>
+              </a:bodyPr>
+              <a:lstStyle/>
+              <a:p>
+                <a:pPr algn="ctr"/>
+                <a:r>
+                  <a:rPr lang="en-US" sz="1400" dirty="0" smtClean="0">
+                    <a:solidFill>
+                      <a:schemeClr val="tx1">
+                        <a:lumMod val="65000"/>
+                        <a:lumOff val="35000"/>
+                      </a:schemeClr>
+                    </a:solidFill>
+                    <a:latin typeface="Segoe UI" panose="020B0502040204020203" pitchFamily="34" charset="0"/>
+                    <a:cs typeface="Segoe UI" panose="020B0502040204020203" pitchFamily="34" charset="0"/>
+                  </a:rPr>
+                  <a:t>User</a:t>
+                </a:r>
+                <a:endParaRPr lang="en-US" sz="1400" dirty="0">
+                  <a:solidFill>
+                    <a:schemeClr val="tx1">
+                      <a:lumMod val="65000"/>
+                      <a:lumOff val="35000"/>
+                    </a:schemeClr>
+                  </a:solidFill>
+                  <a:latin typeface="Segoe UI" panose="020B0502040204020203" pitchFamily="34" charset="0"/>
+                  <a:cs typeface="Segoe UI" panose="020B0502040204020203" pitchFamily="34" charset="0"/>
+                </a:endParaRPr>
+              </a:p>
+            </p:txBody>
+          </p:sp>
+        </p:grpSp>
+        <p:grpSp>
+          <p:nvGrpSpPr>
+            <p:cNvPr id="37" name="Group 36"/>
+            <p:cNvGrpSpPr/>
+            <p:nvPr/>
+          </p:nvGrpSpPr>
+          <p:grpSpPr>
+            <a:xfrm>
+              <a:off x="5673840" y="2822097"/>
+              <a:ext cx="2286005" cy="582097"/>
+              <a:chOff x="5673840" y="2413521"/>
+              <a:chExt cx="2286005" cy="582097"/>
+            </a:xfrm>
+          </p:grpSpPr>
+          <p:sp>
+            <p:nvSpPr>
+              <p:cNvPr id="40" name="Rectangle 39">
+                <a:extLst>
+                  <a:ext uri="{FF2B5EF4-FFF2-40B4-BE49-F238E27FC236}">
+                    <a16:creationId xmlns:a16="http://schemas.microsoft.com/office/drawing/2014/main" id="{E2297E7F-D88B-439C-91BA-40F70CF26D80}"/>
+                  </a:ext>
+                </a:extLst>
+              </p:cNvPr>
+              <p:cNvSpPr/>
+              <p:nvPr/>
+            </p:nvSpPr>
+            <p:spPr>
+              <a:xfrm>
+                <a:off x="5673845" y="2413521"/>
+                <a:ext cx="2286000" cy="274320"/>
+              </a:xfrm>
+              <a:prstGeom prst="rect">
+                <a:avLst/>
+              </a:prstGeom>
+              <a:solidFill>
+                <a:schemeClr val="tx1">
+                  <a:lumMod val="75000"/>
+                  <a:lumOff val="25000"/>
+                </a:schemeClr>
+              </a:solidFill>
+              <a:ln>
+                <a:noFill/>
+              </a:ln>
+            </p:spPr>
+            <p:style>
+              <a:lnRef idx="2">
+                <a:schemeClr val="accent1">
+                  <a:shade val="50000"/>
+                </a:schemeClr>
+              </a:lnRef>
+              <a:fillRef idx="1">
+                <a:schemeClr val="accent1"/>
+              </a:fillRef>
+              <a:effectRef idx="0">
+                <a:schemeClr val="accent1"/>
+              </a:effectRef>
+              <a:fontRef idx="minor">
+                <a:schemeClr val="lt1"/>
+              </a:fontRef>
+            </p:style>
+            <p:txBody>
+              <a:bodyPr rtlCol="0" anchor="ctr"/>
+              <a:lstStyle/>
+              <a:p>
+                <a:pPr algn="ctr"/>
+                <a:r>
+                  <a:rPr lang="en-US" sz="1600" dirty="0" smtClean="0">
+                    <a:latin typeface="Segoe UI" panose="020B0502040204020203" pitchFamily="34" charset="0"/>
+                    <a:cs typeface="Segoe UI" panose="020B0502040204020203" pitchFamily="34" charset="0"/>
+                  </a:rPr>
+                  <a:t>Property Custodian</a:t>
+                </a:r>
+                <a:endParaRPr lang="en-US" sz="1600" dirty="0">
+                  <a:latin typeface="Segoe UI" panose="020B0502040204020203" pitchFamily="34" charset="0"/>
+                  <a:cs typeface="Segoe UI" panose="020B0502040204020203" pitchFamily="34" charset="0"/>
+                </a:endParaRPr>
+              </a:p>
+            </p:txBody>
+          </p:sp>
+          <p:sp>
+            <p:nvSpPr>
+              <p:cNvPr id="43" name="Rectangle 42">
+                <a:extLst>
+                  <a:ext uri="{FF2B5EF4-FFF2-40B4-BE49-F238E27FC236}">
+                    <a16:creationId xmlns:a16="http://schemas.microsoft.com/office/drawing/2014/main" id="{34EF0660-717C-40BE-8EF0-14F53806A4C8}"/>
+                  </a:ext>
+                </a:extLst>
+              </p:cNvPr>
+              <p:cNvSpPr/>
+              <p:nvPr/>
+            </p:nvSpPr>
+            <p:spPr>
+              <a:xfrm>
+                <a:off x="5673840" y="2687841"/>
+                <a:ext cx="2286000" cy="307777"/>
+              </a:xfrm>
+              <a:prstGeom prst="rect">
+                <a:avLst/>
+              </a:prstGeom>
+              <a:solidFill>
+                <a:schemeClr val="bg1">
+                  <a:lumMod val="85000"/>
+                </a:schemeClr>
+              </a:solidFill>
+              <a:ln>
+                <a:noFill/>
+              </a:ln>
+            </p:spPr>
+            <p:style>
+              <a:lnRef idx="2">
+                <a:schemeClr val="accent1">
+                  <a:shade val="50000"/>
+                </a:schemeClr>
+              </a:lnRef>
+              <a:fillRef idx="1">
+                <a:schemeClr val="accent1"/>
+              </a:fillRef>
+              <a:effectRef idx="0">
+                <a:schemeClr val="accent1"/>
+              </a:effectRef>
+              <a:fontRef idx="minor">
+                <a:schemeClr val="lt1"/>
+              </a:fontRef>
+            </p:style>
+            <p:txBody>
+              <a:bodyPr rtlCol="0" anchor="ctr" anchorCtr="0">
+                <a:spAutoFit/>
+              </a:bodyPr>
+              <a:lstStyle/>
+              <a:p>
+                <a:pPr algn="ctr"/>
+                <a:r>
+                  <a:rPr lang="en-US" sz="1400" dirty="0" smtClean="0">
+                    <a:solidFill>
+                      <a:schemeClr val="tx1">
+                        <a:lumMod val="65000"/>
+                        <a:lumOff val="35000"/>
+                      </a:schemeClr>
+                    </a:solidFill>
+                    <a:latin typeface="Segoe UI" panose="020B0502040204020203" pitchFamily="34" charset="0"/>
+                    <a:cs typeface="Segoe UI" panose="020B0502040204020203" pitchFamily="34" charset="0"/>
+                  </a:rPr>
+                  <a:t>User</a:t>
+                </a:r>
+                <a:endParaRPr lang="en-US" sz="1400" dirty="0">
+                  <a:solidFill>
+                    <a:schemeClr val="tx1">
+                      <a:lumMod val="65000"/>
+                      <a:lumOff val="35000"/>
+                    </a:schemeClr>
+                  </a:solidFill>
+                  <a:latin typeface="Segoe UI" panose="020B0502040204020203" pitchFamily="34" charset="0"/>
+                  <a:cs typeface="Segoe UI" panose="020B0502040204020203" pitchFamily="34" charset="0"/>
+                </a:endParaRPr>
+              </a:p>
+            </p:txBody>
+          </p:sp>
+        </p:grpSp>
+        <p:grpSp>
+          <p:nvGrpSpPr>
+            <p:cNvPr id="53" name="Group 52"/>
+            <p:cNvGrpSpPr/>
+            <p:nvPr/>
+          </p:nvGrpSpPr>
+          <p:grpSpPr>
+            <a:xfrm>
+              <a:off x="5673840" y="3584597"/>
+              <a:ext cx="2286005" cy="582097"/>
+              <a:chOff x="5673840" y="2413521"/>
+              <a:chExt cx="2286005" cy="582097"/>
+            </a:xfrm>
+          </p:grpSpPr>
+          <p:sp>
+            <p:nvSpPr>
+              <p:cNvPr id="58" name="Rectangle 57">
+                <a:extLst>
+                  <a:ext uri="{FF2B5EF4-FFF2-40B4-BE49-F238E27FC236}">
+                    <a16:creationId xmlns:a16="http://schemas.microsoft.com/office/drawing/2014/main" id="{E2297E7F-D88B-439C-91BA-40F70CF26D80}"/>
+                  </a:ext>
+                </a:extLst>
+              </p:cNvPr>
+              <p:cNvSpPr/>
+              <p:nvPr/>
+            </p:nvSpPr>
+            <p:spPr>
+              <a:xfrm>
+                <a:off x="5673845" y="2413521"/>
+                <a:ext cx="2286000" cy="274320"/>
+              </a:xfrm>
+              <a:prstGeom prst="rect">
+                <a:avLst/>
+              </a:prstGeom>
+              <a:solidFill>
+                <a:schemeClr val="tx1">
+                  <a:lumMod val="75000"/>
+                  <a:lumOff val="25000"/>
+                </a:schemeClr>
+              </a:solidFill>
+              <a:ln>
+                <a:noFill/>
+              </a:ln>
+            </p:spPr>
+            <p:style>
+              <a:lnRef idx="2">
+                <a:schemeClr val="accent1">
+                  <a:shade val="50000"/>
+                </a:schemeClr>
+              </a:lnRef>
+              <a:fillRef idx="1">
+                <a:schemeClr val="accent1"/>
+              </a:fillRef>
+              <a:effectRef idx="0">
+                <a:schemeClr val="accent1"/>
+              </a:effectRef>
+              <a:fontRef idx="minor">
+                <a:schemeClr val="lt1"/>
+              </a:fontRef>
+            </p:style>
+            <p:txBody>
+              <a:bodyPr rtlCol="0" anchor="ctr"/>
+              <a:lstStyle/>
+              <a:p>
+                <a:pPr algn="ctr"/>
+                <a:r>
+                  <a:rPr lang="en-US" sz="1600" dirty="0" smtClean="0">
+                    <a:latin typeface="Segoe UI" panose="020B0502040204020203" pitchFamily="34" charset="0"/>
+                    <a:cs typeface="Segoe UI" panose="020B0502040204020203" pitchFamily="34" charset="0"/>
+                  </a:rPr>
+                  <a:t>Property Custodian</a:t>
+                </a:r>
+                <a:endParaRPr lang="en-US" sz="1600" dirty="0">
+                  <a:latin typeface="Segoe UI" panose="020B0502040204020203" pitchFamily="34" charset="0"/>
+                  <a:cs typeface="Segoe UI" panose="020B0502040204020203" pitchFamily="34" charset="0"/>
+                </a:endParaRPr>
+              </a:p>
+            </p:txBody>
+          </p:sp>
+          <p:sp>
+            <p:nvSpPr>
+              <p:cNvPr id="59" name="Rectangle 58">
+                <a:extLst>
+                  <a:ext uri="{FF2B5EF4-FFF2-40B4-BE49-F238E27FC236}">
+                    <a16:creationId xmlns:a16="http://schemas.microsoft.com/office/drawing/2014/main" id="{34EF0660-717C-40BE-8EF0-14F53806A4C8}"/>
+                  </a:ext>
+                </a:extLst>
+              </p:cNvPr>
+              <p:cNvSpPr/>
+              <p:nvPr/>
+            </p:nvSpPr>
+            <p:spPr>
+              <a:xfrm>
+                <a:off x="5673840" y="2687841"/>
+                <a:ext cx="2286000" cy="307777"/>
+              </a:xfrm>
+              <a:prstGeom prst="rect">
+                <a:avLst/>
+              </a:prstGeom>
+              <a:solidFill>
+                <a:schemeClr val="bg1">
+                  <a:lumMod val="85000"/>
+                </a:schemeClr>
+              </a:solidFill>
+              <a:ln>
+                <a:noFill/>
+              </a:ln>
+            </p:spPr>
+            <p:style>
+              <a:lnRef idx="2">
+                <a:schemeClr val="accent1">
+                  <a:shade val="50000"/>
+                </a:schemeClr>
+              </a:lnRef>
+              <a:fillRef idx="1">
+                <a:schemeClr val="accent1"/>
+              </a:fillRef>
+              <a:effectRef idx="0">
+                <a:schemeClr val="accent1"/>
+              </a:effectRef>
+              <a:fontRef idx="minor">
+                <a:schemeClr val="lt1"/>
+              </a:fontRef>
+            </p:style>
+            <p:txBody>
+              <a:bodyPr rtlCol="0" anchor="ctr" anchorCtr="0">
+                <a:spAutoFit/>
+              </a:bodyPr>
+              <a:lstStyle/>
+              <a:p>
+                <a:pPr algn="ctr"/>
+                <a:r>
+                  <a:rPr lang="en-US" sz="1400" dirty="0" smtClean="0">
+                    <a:solidFill>
+                      <a:schemeClr val="tx1">
+                        <a:lumMod val="65000"/>
+                        <a:lumOff val="35000"/>
+                      </a:schemeClr>
+                    </a:solidFill>
+                    <a:latin typeface="Segoe UI" panose="020B0502040204020203" pitchFamily="34" charset="0"/>
+                    <a:cs typeface="Segoe UI" panose="020B0502040204020203" pitchFamily="34" charset="0"/>
+                  </a:rPr>
+                  <a:t>User</a:t>
+                </a:r>
+                <a:endParaRPr lang="en-US" sz="1400" dirty="0">
+                  <a:solidFill>
+                    <a:schemeClr val="tx1">
+                      <a:lumMod val="65000"/>
+                      <a:lumOff val="35000"/>
+                    </a:schemeClr>
+                  </a:solidFill>
+                  <a:latin typeface="Segoe UI" panose="020B0502040204020203" pitchFamily="34" charset="0"/>
+                  <a:cs typeface="Segoe UI" panose="020B0502040204020203" pitchFamily="34" charset="0"/>
+                </a:endParaRPr>
+              </a:p>
+            </p:txBody>
+          </p:sp>
+        </p:grpSp>
+        <p:sp>
+          <p:nvSpPr>
+            <p:cNvPr id="60" name="Rectangle 59">
+              <a:extLst>
+                <a:ext uri="{FF2B5EF4-FFF2-40B4-BE49-F238E27FC236}">
+                  <a16:creationId xmlns:a16="http://schemas.microsoft.com/office/drawing/2014/main" id="{34EF0660-717C-40BE-8EF0-14F53806A4C8}"/>
+                </a:ext>
+              </a:extLst>
+            </p:cNvPr>
+            <p:cNvSpPr/>
+            <p:nvPr/>
+          </p:nvSpPr>
+          <p:spPr>
+            <a:xfrm>
+              <a:off x="100584" y="1127759"/>
+              <a:ext cx="7859256" cy="523220"/>
+            </a:xfrm>
+            <a:prstGeom prst="rect">
+              <a:avLst/>
+            </a:prstGeom>
+            <a:solidFill>
+              <a:schemeClr val="bg1">
+                <a:lumMod val="85000"/>
+              </a:schemeClr>
+            </a:solidFill>
+            <a:ln>
+              <a:noFill/>
+            </a:ln>
+          </p:spPr>
+          <p:style>
+            <a:lnRef idx="2">
+              <a:schemeClr val="accent1">
+                <a:shade val="50000"/>
+              </a:schemeClr>
+            </a:lnRef>
+            <a:fillRef idx="1">
+              <a:schemeClr val="accent1"/>
+            </a:fillRef>
+            <a:effectRef idx="0">
+              <a:schemeClr val="accent1"/>
+            </a:effectRef>
+            <a:fontRef idx="minor">
+              <a:schemeClr val="lt1"/>
+            </a:fontRef>
+          </p:style>
+          <p:txBody>
+            <a:bodyPr wrap="square" rtlCol="0" anchor="ctr" anchorCtr="0">
+              <a:spAutoFit/>
+            </a:bodyPr>
+            <a:lstStyle/>
+            <a:p>
+              <a:pPr algn="ctr"/>
+              <a:r>
+                <a:rPr lang="en-US" sz="1400" dirty="0" smtClean="0">
+                  <a:solidFill>
+                    <a:schemeClr val="tx1">
+                      <a:lumMod val="65000"/>
+                      <a:lumOff val="35000"/>
+                    </a:schemeClr>
+                  </a:solidFill>
+                  <a:latin typeface="Segoe UI" panose="020B0502040204020203" pitchFamily="34" charset="0"/>
+                  <a:cs typeface="Segoe UI" panose="020B0502040204020203" pitchFamily="34" charset="0"/>
+                </a:rPr>
+                <a:t>Site</a:t>
+              </a:r>
+            </a:p>
+            <a:p>
+              <a:pPr algn="ctr"/>
+              <a:r>
+                <a:rPr lang="en-US" sz="1400" dirty="0" smtClean="0">
+                  <a:solidFill>
+                    <a:schemeClr val="tx1">
+                      <a:lumMod val="65000"/>
+                      <a:lumOff val="35000"/>
+                    </a:schemeClr>
+                  </a:solidFill>
+                  <a:latin typeface="Segoe UI" panose="020B0502040204020203" pitchFamily="34" charset="0"/>
+                  <a:cs typeface="Segoe UI" panose="020B0502040204020203" pitchFamily="34" charset="0"/>
+                </a:rPr>
+                <a:t>Name</a:t>
+              </a:r>
+              <a:endParaRPr lang="en-US" sz="1400" dirty="0">
+                <a:solidFill>
+                  <a:schemeClr val="tx1">
+                    <a:lumMod val="65000"/>
+                    <a:lumOff val="35000"/>
+                  </a:schemeClr>
+                </a:solidFill>
+                <a:latin typeface="Segoe UI" panose="020B0502040204020203" pitchFamily="34" charset="0"/>
+                <a:cs typeface="Segoe UI" panose="020B0502040204020203" pitchFamily="34" charset="0"/>
+              </a:endParaRPr>
+            </a:p>
+          </p:txBody>
+        </p:sp>
+        <p:grpSp>
+          <p:nvGrpSpPr>
+            <p:cNvPr id="4" name="Group 3"/>
+            <p:cNvGrpSpPr/>
+            <p:nvPr/>
+          </p:nvGrpSpPr>
+          <p:grpSpPr>
+            <a:xfrm>
+              <a:off x="100579" y="4351917"/>
+              <a:ext cx="2286005" cy="2305645"/>
+              <a:chOff x="100579" y="3943341"/>
+              <a:chExt cx="2286005" cy="2305645"/>
+            </a:xfrm>
+          </p:grpSpPr>
+          <p:sp>
+            <p:nvSpPr>
+              <p:cNvPr id="69" name="Rectangle 68">
+                <a:extLst>
+                  <a:ext uri="{FF2B5EF4-FFF2-40B4-BE49-F238E27FC236}">
+                    <a16:creationId xmlns:a16="http://schemas.microsoft.com/office/drawing/2014/main" id="{5626B030-B48B-42C0-9339-F603883EA700}"/>
+                  </a:ext>
+                </a:extLst>
+              </p:cNvPr>
+              <p:cNvSpPr/>
+              <p:nvPr/>
+            </p:nvSpPr>
+            <p:spPr>
+              <a:xfrm>
+                <a:off x="100584" y="3943341"/>
+                <a:ext cx="2286000" cy="274320"/>
+              </a:xfrm>
+              <a:prstGeom prst="rect">
+                <a:avLst/>
+              </a:prstGeom>
+              <a:solidFill>
+                <a:schemeClr val="tx1">
+                  <a:lumMod val="75000"/>
+                  <a:lumOff val="25000"/>
+                </a:schemeClr>
+              </a:solidFill>
+              <a:ln>
+                <a:noFill/>
+              </a:ln>
+            </p:spPr>
+            <p:style>
+              <a:lnRef idx="2">
+                <a:schemeClr val="accent1">
+                  <a:shade val="50000"/>
+                </a:schemeClr>
+              </a:lnRef>
+              <a:fillRef idx="1">
+                <a:schemeClr val="accent1"/>
+              </a:fillRef>
+              <a:effectRef idx="0">
+                <a:schemeClr val="accent1"/>
+              </a:effectRef>
+              <a:fontRef idx="minor">
+                <a:schemeClr val="lt1"/>
+              </a:fontRef>
+            </p:style>
+            <p:txBody>
+              <a:bodyPr rtlCol="0" anchor="ctr"/>
+              <a:lstStyle/>
+              <a:p>
+                <a:pPr algn="ctr"/>
+                <a:r>
+                  <a:rPr lang="en-US" sz="1600" dirty="0" smtClean="0">
+                    <a:latin typeface="Segoe UI" panose="020B0502040204020203" pitchFamily="34" charset="0"/>
+                    <a:cs typeface="Segoe UI" panose="020B0502040204020203" pitchFamily="34" charset="0"/>
+                  </a:rPr>
+                  <a:t>Item - Hardware</a:t>
+                </a:r>
+                <a:endParaRPr lang="en-US" sz="1600" dirty="0">
+                  <a:latin typeface="Segoe UI" panose="020B0502040204020203" pitchFamily="34" charset="0"/>
+                  <a:cs typeface="Segoe UI" panose="020B0502040204020203" pitchFamily="34" charset="0"/>
+                </a:endParaRPr>
+              </a:p>
+            </p:txBody>
+          </p:sp>
+          <p:sp>
+            <p:nvSpPr>
+              <p:cNvPr id="70" name="Rectangle 69">
+                <a:extLst>
+                  <a:ext uri="{FF2B5EF4-FFF2-40B4-BE49-F238E27FC236}">
+                    <a16:creationId xmlns:a16="http://schemas.microsoft.com/office/drawing/2014/main" id="{92F3C2D4-DE2E-4B48-93DA-8F055147368D}"/>
+                  </a:ext>
+                </a:extLst>
+              </p:cNvPr>
+              <p:cNvSpPr/>
+              <p:nvPr/>
+            </p:nvSpPr>
+            <p:spPr>
+              <a:xfrm>
+                <a:off x="100579" y="4217661"/>
+                <a:ext cx="2286000" cy="2031325"/>
+              </a:xfrm>
+              <a:prstGeom prst="rect">
+                <a:avLst/>
+              </a:prstGeom>
+              <a:solidFill>
+                <a:schemeClr val="bg1">
+                  <a:lumMod val="85000"/>
+                </a:schemeClr>
+              </a:solidFill>
+              <a:ln>
+                <a:noFill/>
+              </a:ln>
+            </p:spPr>
+            <p:style>
+              <a:lnRef idx="2">
+                <a:schemeClr val="accent1">
+                  <a:shade val="50000"/>
+                </a:schemeClr>
+              </a:lnRef>
+              <a:fillRef idx="1">
+                <a:schemeClr val="accent1"/>
+              </a:fillRef>
+              <a:effectRef idx="0">
+                <a:schemeClr val="accent1"/>
+              </a:effectRef>
+              <a:fontRef idx="minor">
+                <a:schemeClr val="lt1"/>
+              </a:fontRef>
+            </p:style>
+            <p:txBody>
+              <a:bodyPr rtlCol="0" anchor="ctr" anchorCtr="0">
+                <a:spAutoFit/>
+              </a:bodyPr>
+              <a:lstStyle/>
+              <a:p>
+                <a:pPr algn="ctr"/>
+                <a:r>
+                  <a:rPr lang="en-US" sz="1400" dirty="0" smtClean="0">
+                    <a:solidFill>
+                      <a:schemeClr val="tx1">
+                        <a:lumMod val="65000"/>
+                        <a:lumOff val="35000"/>
+                      </a:schemeClr>
+                    </a:solidFill>
+                    <a:latin typeface="Segoe UI" panose="020B0502040204020203" pitchFamily="34" charset="0"/>
+                    <a:cs typeface="Segoe UI" panose="020B0502040204020203" pitchFamily="34" charset="0"/>
+                  </a:rPr>
+                  <a:t>Category</a:t>
+                </a:r>
+              </a:p>
+              <a:p>
+                <a:pPr algn="ctr"/>
+                <a:r>
+                  <a:rPr lang="en-US" sz="1400" dirty="0" smtClean="0">
+                    <a:solidFill>
+                      <a:schemeClr val="tx1">
+                        <a:lumMod val="65000"/>
+                        <a:lumOff val="35000"/>
+                      </a:schemeClr>
+                    </a:solidFill>
+                    <a:latin typeface="Segoe UI" panose="020B0502040204020203" pitchFamily="34" charset="0"/>
+                    <a:cs typeface="Segoe UI" panose="020B0502040204020203" pitchFamily="34" charset="0"/>
+                  </a:rPr>
+                  <a:t>Order – If Exists</a:t>
+                </a:r>
+              </a:p>
+              <a:p>
+                <a:pPr algn="ctr"/>
+                <a:r>
+                  <a:rPr lang="en-US" sz="1400" dirty="0" smtClean="0">
+                    <a:solidFill>
+                      <a:schemeClr val="tx1">
+                        <a:lumMod val="65000"/>
+                        <a:lumOff val="35000"/>
+                      </a:schemeClr>
+                    </a:solidFill>
+                    <a:latin typeface="Segoe UI" panose="020B0502040204020203" pitchFamily="34" charset="0"/>
+                    <a:cs typeface="Segoe UI" panose="020B0502040204020203" pitchFamily="34" charset="0"/>
+                  </a:rPr>
+                  <a:t>Manufacturer</a:t>
+                </a:r>
+              </a:p>
+              <a:p>
+                <a:pPr algn="ctr"/>
+                <a:r>
+                  <a:rPr lang="en-US" sz="1400" dirty="0" smtClean="0">
+                    <a:solidFill>
+                      <a:schemeClr val="tx1">
+                        <a:lumMod val="65000"/>
+                        <a:lumOff val="35000"/>
+                      </a:schemeClr>
+                    </a:solidFill>
+                    <a:latin typeface="Segoe UI" panose="020B0502040204020203" pitchFamily="34" charset="0"/>
+                    <a:cs typeface="Segoe UI" panose="020B0502040204020203" pitchFamily="34" charset="0"/>
+                  </a:rPr>
+                  <a:t>Model</a:t>
+                </a:r>
+              </a:p>
+              <a:p>
+                <a:pPr algn="ctr"/>
+                <a:r>
+                  <a:rPr lang="en-US" sz="1400" dirty="0" smtClean="0">
+                    <a:solidFill>
+                      <a:schemeClr val="tx1">
+                        <a:lumMod val="65000"/>
+                        <a:lumOff val="35000"/>
+                      </a:schemeClr>
+                    </a:solidFill>
+                    <a:latin typeface="Segoe UI" panose="020B0502040204020203" pitchFamily="34" charset="0"/>
+                    <a:cs typeface="Segoe UI" panose="020B0502040204020203" pitchFamily="34" charset="0"/>
+                  </a:rPr>
+                  <a:t>Nsn</a:t>
+                </a:r>
+              </a:p>
+              <a:p>
+                <a:pPr algn="ctr"/>
+                <a:r>
+                  <a:rPr lang="en-US" sz="1400" dirty="0" smtClean="0">
+                    <a:solidFill>
+                      <a:schemeClr val="tx1">
+                        <a:lumMod val="65000"/>
+                        <a:lumOff val="35000"/>
+                      </a:schemeClr>
+                    </a:solidFill>
+                    <a:latin typeface="Segoe UI" panose="020B0502040204020203" pitchFamily="34" charset="0"/>
+                    <a:cs typeface="Segoe UI" panose="020B0502040204020203" pitchFamily="34" charset="0"/>
+                  </a:rPr>
+                  <a:t>Item Type</a:t>
+                </a:r>
+              </a:p>
+              <a:p>
+                <a:pPr algn="ctr"/>
+                <a:r>
+                  <a:rPr lang="en-US" sz="1400" dirty="0" smtClean="0">
+                    <a:solidFill>
+                      <a:schemeClr val="tx1">
+                        <a:lumMod val="65000"/>
+                        <a:lumOff val="35000"/>
+                      </a:schemeClr>
+                    </a:solidFill>
+                    <a:latin typeface="Segoe UI" panose="020B0502040204020203" pitchFamily="34" charset="0"/>
+                    <a:cs typeface="Segoe UI" panose="020B0502040204020203" pitchFamily="34" charset="0"/>
+                  </a:rPr>
+                  <a:t>Service Tag</a:t>
+                </a:r>
+              </a:p>
+              <a:p>
+                <a:pPr algn="ctr"/>
+                <a:r>
+                  <a:rPr lang="en-US" sz="1400" dirty="0" smtClean="0">
+                    <a:solidFill>
+                      <a:schemeClr val="tx1">
+                        <a:lumMod val="65000"/>
+                        <a:lumOff val="35000"/>
+                      </a:schemeClr>
+                    </a:solidFill>
+                    <a:latin typeface="Segoe UI" panose="020B0502040204020203" pitchFamily="34" charset="0"/>
+                    <a:cs typeface="Segoe UI" panose="020B0502040204020203" pitchFamily="34" charset="0"/>
+                  </a:rPr>
+                  <a:t>Mac Address</a:t>
+                </a:r>
+              </a:p>
+              <a:p>
+                <a:pPr algn="ctr"/>
+                <a:r>
+                  <a:rPr lang="en-US" sz="1400" dirty="0" smtClean="0">
+                    <a:solidFill>
+                      <a:schemeClr val="tx1">
+                        <a:lumMod val="65000"/>
+                        <a:lumOff val="35000"/>
+                      </a:schemeClr>
+                    </a:solidFill>
+                    <a:latin typeface="Segoe UI" panose="020B0502040204020203" pitchFamily="34" charset="0"/>
+                    <a:cs typeface="Segoe UI" panose="020B0502040204020203" pitchFamily="34" charset="0"/>
+                  </a:rPr>
+                  <a:t>Location</a:t>
+                </a:r>
+              </a:p>
+            </p:txBody>
+          </p:sp>
+        </p:grpSp>
+        <p:cxnSp>
+          <p:nvCxnSpPr>
+            <p:cNvPr id="7" name="Straight Connector 6"/>
+            <p:cNvCxnSpPr>
+              <a:stCxn id="60" idx="2"/>
+              <a:endCxn id="39" idx="0"/>
+            </p:cNvCxnSpPr>
+            <p:nvPr/>
+          </p:nvCxnSpPr>
+          <p:spPr>
+            <a:xfrm flipH="1">
+              <a:off x="1243584" y="1650979"/>
+              <a:ext cx="2786628" cy="371994"/>
+            </a:xfrm>
+            <a:prstGeom prst="line">
+              <a:avLst/>
+            </a:prstGeom>
+            <a:ln w="12700"/>
+          </p:spPr>
+          <p:style>
+            <a:lnRef idx="1">
+              <a:schemeClr val="accent6"/>
+            </a:lnRef>
+            <a:fillRef idx="0">
+              <a:schemeClr val="accent6"/>
+            </a:fillRef>
+            <a:effectRef idx="0">
+              <a:schemeClr val="accent6"/>
+            </a:effectRef>
+            <a:fontRef idx="minor">
+              <a:schemeClr val="tx1"/>
+            </a:fontRef>
+          </p:style>
+        </p:cxnSp>
+        <p:cxnSp>
+          <p:nvCxnSpPr>
+            <p:cNvPr id="10" name="Straight Connector 9"/>
+            <p:cNvCxnSpPr>
+              <a:stCxn id="41" idx="2"/>
+              <a:endCxn id="69" idx="0"/>
+            </p:cNvCxnSpPr>
+            <p:nvPr/>
+          </p:nvCxnSpPr>
+          <p:spPr>
+            <a:xfrm>
+              <a:off x="1243579" y="4113175"/>
+              <a:ext cx="5" cy="238742"/>
+            </a:xfrm>
+            <a:prstGeom prst="line">
+              <a:avLst/>
+            </a:prstGeom>
+            <a:ln w="12700"/>
+          </p:spPr>
+          <p:style>
+            <a:lnRef idx="1">
+              <a:schemeClr val="accent6"/>
+            </a:lnRef>
+            <a:fillRef idx="0">
+              <a:schemeClr val="accent6"/>
+            </a:fillRef>
+            <a:effectRef idx="0">
+              <a:schemeClr val="accent6"/>
+            </a:effectRef>
+            <a:fontRef idx="minor">
+              <a:schemeClr val="tx1"/>
+            </a:fontRef>
+          </p:style>
+        </p:cxnSp>
+        <p:cxnSp>
+          <p:nvCxnSpPr>
+            <p:cNvPr id="12" name="Straight Connector 11"/>
+            <p:cNvCxnSpPr>
+              <a:stCxn id="60" idx="2"/>
+              <a:endCxn id="35" idx="0"/>
+            </p:cNvCxnSpPr>
+            <p:nvPr/>
+          </p:nvCxnSpPr>
+          <p:spPr>
+            <a:xfrm>
+              <a:off x="4030212" y="1650979"/>
+              <a:ext cx="2786633" cy="371994"/>
+            </a:xfrm>
+            <a:prstGeom prst="line">
+              <a:avLst/>
+            </a:prstGeom>
+            <a:ln w="12700"/>
+          </p:spPr>
+          <p:style>
+            <a:lnRef idx="1">
+              <a:schemeClr val="accent6"/>
+            </a:lnRef>
+            <a:fillRef idx="0">
+              <a:schemeClr val="accent6"/>
+            </a:fillRef>
+            <a:effectRef idx="0">
+              <a:schemeClr val="accent6"/>
+            </a:effectRef>
+            <a:fontRef idx="minor">
+              <a:schemeClr val="tx1"/>
+            </a:fontRef>
+          </p:style>
+        </p:cxnSp>
+        <p:cxnSp>
+          <p:nvCxnSpPr>
+            <p:cNvPr id="15" name="Straight Connector 14"/>
+            <p:cNvCxnSpPr>
+              <a:stCxn id="36" idx="2"/>
+              <a:endCxn id="40" idx="0"/>
+            </p:cNvCxnSpPr>
+            <p:nvPr/>
+          </p:nvCxnSpPr>
+          <p:spPr>
+            <a:xfrm>
+              <a:off x="6816840" y="2605070"/>
+              <a:ext cx="5" cy="217027"/>
+            </a:xfrm>
+            <a:prstGeom prst="line">
+              <a:avLst/>
+            </a:prstGeom>
+            <a:ln w="12700"/>
+          </p:spPr>
+          <p:style>
+            <a:lnRef idx="1">
+              <a:schemeClr val="accent6"/>
+            </a:lnRef>
+            <a:fillRef idx="0">
+              <a:schemeClr val="accent6"/>
+            </a:fillRef>
+            <a:effectRef idx="0">
+              <a:schemeClr val="accent6"/>
+            </a:effectRef>
+            <a:fontRef idx="minor">
+              <a:schemeClr val="tx1"/>
+            </a:fontRef>
+          </p:style>
+        </p:cxnSp>
+        <p:cxnSp>
+          <p:nvCxnSpPr>
+            <p:cNvPr id="17" name="Straight Connector 16"/>
+            <p:cNvCxnSpPr>
+              <a:stCxn id="43" idx="2"/>
+              <a:endCxn id="58" idx="0"/>
+            </p:cNvCxnSpPr>
+            <p:nvPr/>
+          </p:nvCxnSpPr>
+          <p:spPr>
+            <a:xfrm>
+              <a:off x="6816840" y="3404194"/>
+              <a:ext cx="5" cy="180403"/>
+            </a:xfrm>
+            <a:prstGeom prst="line">
+              <a:avLst/>
+            </a:prstGeom>
+            <a:ln w="12700"/>
+          </p:spPr>
+          <p:style>
+            <a:lnRef idx="1">
+              <a:schemeClr val="accent6"/>
+            </a:lnRef>
+            <a:fillRef idx="0">
+              <a:schemeClr val="accent6"/>
+            </a:fillRef>
+            <a:effectRef idx="0">
+              <a:schemeClr val="accent6"/>
+            </a:effectRef>
+            <a:fontRef idx="minor">
+              <a:schemeClr val="tx1"/>
+            </a:fontRef>
+          </p:style>
+        </p:cxnSp>
+      </p:grpSp>
+    </p:spTree>
+    <p:extLst>
+      <p:ext uri="{BB962C8B-B14F-4D97-AF65-F5344CB8AC3E}">
+        <p14:creationId xmlns:p14="http://schemas.microsoft.com/office/powerpoint/2010/main" val="1611663487"/>
+      </p:ext>
+    </p:extLst>
+  </p:cSld>
+  <p:clrMapOvr>
+    <a:masterClrMapping/>
+  </p:clrMapOvr>
+</p:sld>
+</file>
+
 <file path=ppt/theme/theme1.xml><?xml version="1.0" encoding="utf-8"?>
 <a:theme xmlns:a="http://schemas.openxmlformats.org/drawingml/2006/main" name="Office Theme">
   <a:themeElements>

--- a/documents/logistics-workflow.pptx
+++ b/documents/logistics-workflow.pptx
@@ -5,7 +5,7 @@
     <p:sldMasterId id="2147483648" r:id="rId1"/>
   </p:sldMasterIdLst>
   <p:notesMasterIdLst>
-    <p:notesMasterId r:id="rId10"/>
+    <p:notesMasterId r:id="rId11"/>
   </p:notesMasterIdLst>
   <p:sldIdLst>
     <p:sldId id="256" r:id="rId2"/>
@@ -16,6 +16,7 @@
     <p:sldId id="261" r:id="rId7"/>
     <p:sldId id="262" r:id="rId8"/>
     <p:sldId id="263" r:id="rId9"/>
+    <p:sldId id="264" r:id="rId10"/>
   </p:sldIdLst>
   <p:sldSz cx="12192000" cy="6858000"/>
   <p:notesSz cx="6858000" cy="9144000"/>
@@ -207,7 +208,7 @@
           <a:p>
             <a:fld id="{43B0E059-6658-4D71-8B6C-28F57D967E6A}" type="datetimeFigureOut">
               <a:rPr lang="en-US" smtClean="0"/>
-              <a:t>6/15/2018</a:t>
+              <a:t>6/18/2018</a:t>
             </a:fld>
             <a:endParaRPr lang="en-US"/>
           </a:p>
@@ -705,7 +706,7 @@
           <a:p>
             <a:fld id="{62DCD513-4A56-4C2D-835C-3CD568EC1873}" type="datetimeFigureOut">
               <a:rPr lang="en-US" smtClean="0"/>
-              <a:t>6/15/2018</a:t>
+              <a:t>6/18/2018</a:t>
             </a:fld>
             <a:endParaRPr lang="en-US"/>
           </a:p>
@@ -903,7 +904,7 @@
           <a:p>
             <a:fld id="{62DCD513-4A56-4C2D-835C-3CD568EC1873}" type="datetimeFigureOut">
               <a:rPr lang="en-US" smtClean="0"/>
-              <a:t>6/15/2018</a:t>
+              <a:t>6/18/2018</a:t>
             </a:fld>
             <a:endParaRPr lang="en-US"/>
           </a:p>
@@ -1111,7 +1112,7 @@
           <a:p>
             <a:fld id="{62DCD513-4A56-4C2D-835C-3CD568EC1873}" type="datetimeFigureOut">
               <a:rPr lang="en-US" smtClean="0"/>
-              <a:t>6/15/2018</a:t>
+              <a:t>6/18/2018</a:t>
             </a:fld>
             <a:endParaRPr lang="en-US"/>
           </a:p>
@@ -1309,7 +1310,7 @@
           <a:p>
             <a:fld id="{62DCD513-4A56-4C2D-835C-3CD568EC1873}" type="datetimeFigureOut">
               <a:rPr lang="en-US" smtClean="0"/>
-              <a:t>6/15/2018</a:t>
+              <a:t>6/18/2018</a:t>
             </a:fld>
             <a:endParaRPr lang="en-US"/>
           </a:p>
@@ -1584,7 +1585,7 @@
           <a:p>
             <a:fld id="{62DCD513-4A56-4C2D-835C-3CD568EC1873}" type="datetimeFigureOut">
               <a:rPr lang="en-US" smtClean="0"/>
-              <a:t>6/15/2018</a:t>
+              <a:t>6/18/2018</a:t>
             </a:fld>
             <a:endParaRPr lang="en-US"/>
           </a:p>
@@ -1849,7 +1850,7 @@
           <a:p>
             <a:fld id="{62DCD513-4A56-4C2D-835C-3CD568EC1873}" type="datetimeFigureOut">
               <a:rPr lang="en-US" smtClean="0"/>
-              <a:t>6/15/2018</a:t>
+              <a:t>6/18/2018</a:t>
             </a:fld>
             <a:endParaRPr lang="en-US"/>
           </a:p>
@@ -2261,7 +2262,7 @@
           <a:p>
             <a:fld id="{62DCD513-4A56-4C2D-835C-3CD568EC1873}" type="datetimeFigureOut">
               <a:rPr lang="en-US" smtClean="0"/>
-              <a:t>6/15/2018</a:t>
+              <a:t>6/18/2018</a:t>
             </a:fld>
             <a:endParaRPr lang="en-US"/>
           </a:p>
@@ -2402,7 +2403,7 @@
           <a:p>
             <a:fld id="{62DCD513-4A56-4C2D-835C-3CD568EC1873}" type="datetimeFigureOut">
               <a:rPr lang="en-US" smtClean="0"/>
-              <a:t>6/15/2018</a:t>
+              <a:t>6/18/2018</a:t>
             </a:fld>
             <a:endParaRPr lang="en-US"/>
           </a:p>
@@ -2515,7 +2516,7 @@
           <a:p>
             <a:fld id="{62DCD513-4A56-4C2D-835C-3CD568EC1873}" type="datetimeFigureOut">
               <a:rPr lang="en-US" smtClean="0"/>
-              <a:t>6/15/2018</a:t>
+              <a:t>6/18/2018</a:t>
             </a:fld>
             <a:endParaRPr lang="en-US"/>
           </a:p>
@@ -2826,7 +2827,7 @@
           <a:p>
             <a:fld id="{62DCD513-4A56-4C2D-835C-3CD568EC1873}" type="datetimeFigureOut">
               <a:rPr lang="en-US" smtClean="0"/>
-              <a:t>6/15/2018</a:t>
+              <a:t>6/18/2018</a:t>
             </a:fld>
             <a:endParaRPr lang="en-US"/>
           </a:p>
@@ -3114,7 +3115,7 @@
           <a:p>
             <a:fld id="{62DCD513-4A56-4C2D-835C-3CD568EC1873}" type="datetimeFigureOut">
               <a:rPr lang="en-US" smtClean="0"/>
-              <a:t>6/15/2018</a:t>
+              <a:t>6/18/2018</a:t>
             </a:fld>
             <a:endParaRPr lang="en-US"/>
           </a:p>
@@ -3355,7 +3356,7 @@
           <a:p>
             <a:fld id="{62DCD513-4A56-4C2D-835C-3CD568EC1873}" type="datetimeFigureOut">
               <a:rPr lang="en-US" smtClean="0"/>
-              <a:t>6/15/2018</a:t>
+              <a:t>6/18/2018</a:t>
             </a:fld>
             <a:endParaRPr lang="en-US"/>
           </a:p>
@@ -5219,7 +5220,7 @@
                 <a:blip r:embed="rId3">
                   <a:extLst>
                     <a:ext uri="{96DAC541-7B7A-43D3-8B79-37D633B846F1}">
-                      <asvg:svgBlip xmlns:asvg="http://schemas.microsoft.com/office/drawing/2016/SVG/main" xmlns="" r:embed="rId4"/>
+                      <asvg:svgBlip xmlns="" xmlns:asvg="http://schemas.microsoft.com/office/drawing/2016/SVG/main" r:embed="rId4"/>
                     </a:ext>
                   </a:extLst>
                 </a:blip>
@@ -5245,7 +5246,7 @@
                 <a:blip r:embed="rId3">
                   <a:extLst>
                     <a:ext uri="{96DAC541-7B7A-43D3-8B79-37D633B846F1}">
-                      <asvg:svgBlip xmlns:asvg="http://schemas.microsoft.com/office/drawing/2016/SVG/main" xmlns="" r:embed="rId4"/>
+                      <asvg:svgBlip xmlns="" xmlns:asvg="http://schemas.microsoft.com/office/drawing/2016/SVG/main" r:embed="rId4"/>
                     </a:ext>
                   </a:extLst>
                 </a:blip>
@@ -5268,7 +5269,7 @@
                 <a:blip r:embed="rId3">
                   <a:extLst>
                     <a:ext uri="{96DAC541-7B7A-43D3-8B79-37D633B846F1}">
-                      <asvg:svgBlip xmlns:asvg="http://schemas.microsoft.com/office/drawing/2016/SVG/main" xmlns="" r:embed="rId4"/>
+                      <asvg:svgBlip xmlns="" xmlns:asvg="http://schemas.microsoft.com/office/drawing/2016/SVG/main" r:embed="rId4"/>
                     </a:ext>
                   </a:extLst>
                 </a:blip>
@@ -5294,7 +5295,7 @@
                 <a:blip r:embed="rId3">
                   <a:extLst>
                     <a:ext uri="{96DAC541-7B7A-43D3-8B79-37D633B846F1}">
-                      <asvg:svgBlip xmlns:asvg="http://schemas.microsoft.com/office/drawing/2016/SVG/main" xmlns="" r:embed="rId4"/>
+                      <asvg:svgBlip xmlns="" xmlns:asvg="http://schemas.microsoft.com/office/drawing/2016/SVG/main" r:embed="rId4"/>
                     </a:ext>
                   </a:extLst>
                 </a:blip>
@@ -5317,7 +5318,7 @@
                 <a:blip r:embed="rId3">
                   <a:extLst>
                     <a:ext uri="{96DAC541-7B7A-43D3-8B79-37D633B846F1}">
-                      <asvg:svgBlip xmlns:asvg="http://schemas.microsoft.com/office/drawing/2016/SVG/main" xmlns="" r:embed="rId4"/>
+                      <asvg:svgBlip xmlns="" xmlns:asvg="http://schemas.microsoft.com/office/drawing/2016/SVG/main" r:embed="rId4"/>
                     </a:ext>
                   </a:extLst>
                 </a:blip>
@@ -5343,7 +5344,7 @@
                 <a:blip r:embed="rId3">
                   <a:extLst>
                     <a:ext uri="{96DAC541-7B7A-43D3-8B79-37D633B846F1}">
-                      <asvg:svgBlip xmlns:asvg="http://schemas.microsoft.com/office/drawing/2016/SVG/main" xmlns="" r:embed="rId4"/>
+                      <asvg:svgBlip xmlns="" xmlns:asvg="http://schemas.microsoft.com/office/drawing/2016/SVG/main" r:embed="rId4"/>
                     </a:ext>
                   </a:extLst>
                 </a:blip>
@@ -5369,7 +5370,7 @@
                 <a:blip r:embed="rId3">
                   <a:extLst>
                     <a:ext uri="{96DAC541-7B7A-43D3-8B79-37D633B846F1}">
-                      <asvg:svgBlip xmlns:asvg="http://schemas.microsoft.com/office/drawing/2016/SVG/main" xmlns="" r:embed="rId4"/>
+                      <asvg:svgBlip xmlns="" xmlns:asvg="http://schemas.microsoft.com/office/drawing/2016/SVG/main" r:embed="rId4"/>
                     </a:ext>
                   </a:extLst>
                 </a:blip>
@@ -5395,7 +5396,7 @@
                 <a:blip r:embed="rId3">
                   <a:extLst>
                     <a:ext uri="{96DAC541-7B7A-43D3-8B79-37D633B846F1}">
-                      <asvg:svgBlip xmlns:asvg="http://schemas.microsoft.com/office/drawing/2016/SVG/main" xmlns="" r:embed="rId4"/>
+                      <asvg:svgBlip xmlns="" xmlns:asvg="http://schemas.microsoft.com/office/drawing/2016/SVG/main" r:embed="rId4"/>
                     </a:ext>
                   </a:extLst>
                 </a:blip>
@@ -5421,7 +5422,7 @@
                 <a:blip r:embed="rId3">
                   <a:extLst>
                     <a:ext uri="{96DAC541-7B7A-43D3-8B79-37D633B846F1}">
-                      <asvg:svgBlip xmlns:asvg="http://schemas.microsoft.com/office/drawing/2016/SVG/main" xmlns="" r:embed="rId4"/>
+                      <asvg:svgBlip xmlns="" xmlns:asvg="http://schemas.microsoft.com/office/drawing/2016/SVG/main" r:embed="rId4"/>
                     </a:ext>
                   </a:extLst>
                 </a:blip>
@@ -5447,7 +5448,7 @@
                 <a:blip r:embed="rId3">
                   <a:extLst>
                     <a:ext uri="{96DAC541-7B7A-43D3-8B79-37D633B846F1}">
-                      <asvg:svgBlip xmlns:asvg="http://schemas.microsoft.com/office/drawing/2016/SVG/main" xmlns="" r:embed="rId4"/>
+                      <asvg:svgBlip xmlns="" xmlns:asvg="http://schemas.microsoft.com/office/drawing/2016/SVG/main" r:embed="rId4"/>
                     </a:ext>
                   </a:extLst>
                 </a:blip>
@@ -5473,7 +5474,7 @@
                 <a:blip r:embed="rId3">
                   <a:extLst>
                     <a:ext uri="{96DAC541-7B7A-43D3-8B79-37D633B846F1}">
-                      <asvg:svgBlip xmlns:asvg="http://schemas.microsoft.com/office/drawing/2016/SVG/main" xmlns="" r:embed="rId4"/>
+                      <asvg:svgBlip xmlns="" xmlns:asvg="http://schemas.microsoft.com/office/drawing/2016/SVG/main" r:embed="rId4"/>
                     </a:ext>
                   </a:extLst>
                 </a:blip>
@@ -5499,7 +5500,7 @@
                 <a:blip r:embed="rId3">
                   <a:extLst>
                     <a:ext uri="{96DAC541-7B7A-43D3-8B79-37D633B846F1}">
-                      <asvg:svgBlip xmlns:asvg="http://schemas.microsoft.com/office/drawing/2016/SVG/main" xmlns="" r:embed="rId4"/>
+                      <asvg:svgBlip xmlns="" xmlns:asvg="http://schemas.microsoft.com/office/drawing/2016/SVG/main" r:embed="rId4"/>
                     </a:ext>
                   </a:extLst>
                 </a:blip>
@@ -5525,7 +5526,7 @@
                 <a:blip r:embed="rId3">
                   <a:extLst>
                     <a:ext uri="{96DAC541-7B7A-43D3-8B79-37D633B846F1}">
-                      <asvg:svgBlip xmlns:asvg="http://schemas.microsoft.com/office/drawing/2016/SVG/main" xmlns="" r:embed="rId4"/>
+                      <asvg:svgBlip xmlns="" xmlns:asvg="http://schemas.microsoft.com/office/drawing/2016/SVG/main" r:embed="rId4"/>
                     </a:ext>
                   </a:extLst>
                 </a:blip>
@@ -5551,7 +5552,7 @@
                 <a:blip r:embed="rId3">
                   <a:extLst>
                     <a:ext uri="{96DAC541-7B7A-43D3-8B79-37D633B846F1}">
-                      <asvg:svgBlip xmlns:asvg="http://schemas.microsoft.com/office/drawing/2016/SVG/main" xmlns="" r:embed="rId4"/>
+                      <asvg:svgBlip xmlns="" xmlns:asvg="http://schemas.microsoft.com/office/drawing/2016/SVG/main" r:embed="rId4"/>
                     </a:ext>
                   </a:extLst>
                 </a:blip>
@@ -5574,7 +5575,7 @@
                 <a:blip r:embed="rId3">
                   <a:extLst>
                     <a:ext uri="{96DAC541-7B7A-43D3-8B79-37D633B846F1}">
-                      <asvg:svgBlip xmlns:asvg="http://schemas.microsoft.com/office/drawing/2016/SVG/main" xmlns="" r:embed="rId4"/>
+                      <asvg:svgBlip xmlns="" xmlns:asvg="http://schemas.microsoft.com/office/drawing/2016/SVG/main" r:embed="rId4"/>
                     </a:ext>
                   </a:extLst>
                 </a:blip>
@@ -5600,7 +5601,7 @@
                 <a:blip r:embed="rId3">
                   <a:extLst>
                     <a:ext uri="{96DAC541-7B7A-43D3-8B79-37D633B846F1}">
-                      <asvg:svgBlip xmlns:asvg="http://schemas.microsoft.com/office/drawing/2016/SVG/main" xmlns="" r:embed="rId4"/>
+                      <asvg:svgBlip xmlns="" xmlns:asvg="http://schemas.microsoft.com/office/drawing/2016/SVG/main" r:embed="rId4"/>
                     </a:ext>
                   </a:extLst>
                 </a:blip>
@@ -5870,7 +5871,7 @@
                 <a:blip r:embed="rId2">
                   <a:extLst>
                     <a:ext uri="{96DAC541-7B7A-43D3-8B79-37D633B846F1}">
-                      <asvg:svgBlip xmlns:asvg="http://schemas.microsoft.com/office/drawing/2016/SVG/main" xmlns="" r:embed="rId3"/>
+                      <asvg:svgBlip xmlns="" xmlns:asvg="http://schemas.microsoft.com/office/drawing/2016/SVG/main" r:embed="rId3"/>
                     </a:ext>
                   </a:extLst>
                 </a:blip>
@@ -5896,7 +5897,7 @@
                 <a:blip r:embed="rId2">
                   <a:extLst>
                     <a:ext uri="{96DAC541-7B7A-43D3-8B79-37D633B846F1}">
-                      <asvg:svgBlip xmlns:asvg="http://schemas.microsoft.com/office/drawing/2016/SVG/main" xmlns="" r:embed="rId3"/>
+                      <asvg:svgBlip xmlns="" xmlns:asvg="http://schemas.microsoft.com/office/drawing/2016/SVG/main" r:embed="rId3"/>
                     </a:ext>
                   </a:extLst>
                 </a:blip>
@@ -5919,7 +5920,7 @@
                 <a:blip r:embed="rId2">
                   <a:extLst>
                     <a:ext uri="{96DAC541-7B7A-43D3-8B79-37D633B846F1}">
-                      <asvg:svgBlip xmlns:asvg="http://schemas.microsoft.com/office/drawing/2016/SVG/main" xmlns="" r:embed="rId3"/>
+                      <asvg:svgBlip xmlns="" xmlns:asvg="http://schemas.microsoft.com/office/drawing/2016/SVG/main" r:embed="rId3"/>
                     </a:ext>
                   </a:extLst>
                 </a:blip>
@@ -5945,7 +5946,7 @@
                 <a:blip r:embed="rId2">
                   <a:extLst>
                     <a:ext uri="{96DAC541-7B7A-43D3-8B79-37D633B846F1}">
-                      <asvg:svgBlip xmlns:asvg="http://schemas.microsoft.com/office/drawing/2016/SVG/main" xmlns="" r:embed="rId3"/>
+                      <asvg:svgBlip xmlns="" xmlns:asvg="http://schemas.microsoft.com/office/drawing/2016/SVG/main" r:embed="rId3"/>
                     </a:ext>
                   </a:extLst>
                 </a:blip>
@@ -5968,7 +5969,7 @@
                 <a:blip r:embed="rId2">
                   <a:extLst>
                     <a:ext uri="{96DAC541-7B7A-43D3-8B79-37D633B846F1}">
-                      <asvg:svgBlip xmlns:asvg="http://schemas.microsoft.com/office/drawing/2016/SVG/main" xmlns="" r:embed="rId3"/>
+                      <asvg:svgBlip xmlns="" xmlns:asvg="http://schemas.microsoft.com/office/drawing/2016/SVG/main" r:embed="rId3"/>
                     </a:ext>
                   </a:extLst>
                 </a:blip>
@@ -5994,7 +5995,7 @@
                 <a:blip r:embed="rId2">
                   <a:extLst>
                     <a:ext uri="{96DAC541-7B7A-43D3-8B79-37D633B846F1}">
-                      <asvg:svgBlip xmlns:asvg="http://schemas.microsoft.com/office/drawing/2016/SVG/main" xmlns="" r:embed="rId3"/>
+                      <asvg:svgBlip xmlns="" xmlns:asvg="http://schemas.microsoft.com/office/drawing/2016/SVG/main" r:embed="rId3"/>
                     </a:ext>
                   </a:extLst>
                 </a:blip>
@@ -6017,7 +6018,7 @@
                 <a:blip r:embed="rId2">
                   <a:extLst>
                     <a:ext uri="{96DAC541-7B7A-43D3-8B79-37D633B846F1}">
-                      <asvg:svgBlip xmlns:asvg="http://schemas.microsoft.com/office/drawing/2016/SVG/main" xmlns="" r:embed="rId3"/>
+                      <asvg:svgBlip xmlns="" xmlns:asvg="http://schemas.microsoft.com/office/drawing/2016/SVG/main" r:embed="rId3"/>
                     </a:ext>
                   </a:extLst>
                 </a:blip>
@@ -6043,7 +6044,7 @@
                 <a:blip r:embed="rId2">
                   <a:extLst>
                     <a:ext uri="{96DAC541-7B7A-43D3-8B79-37D633B846F1}">
-                      <asvg:svgBlip xmlns:asvg="http://schemas.microsoft.com/office/drawing/2016/SVG/main" xmlns="" r:embed="rId3"/>
+                      <asvg:svgBlip xmlns="" xmlns:asvg="http://schemas.microsoft.com/office/drawing/2016/SVG/main" r:embed="rId3"/>
                     </a:ext>
                   </a:extLst>
                 </a:blip>
@@ -6066,7 +6067,7 @@
                 <a:blip r:embed="rId2">
                   <a:extLst>
                     <a:ext uri="{96DAC541-7B7A-43D3-8B79-37D633B846F1}">
-                      <asvg:svgBlip xmlns:asvg="http://schemas.microsoft.com/office/drawing/2016/SVG/main" xmlns="" r:embed="rId3"/>
+                      <asvg:svgBlip xmlns="" xmlns:asvg="http://schemas.microsoft.com/office/drawing/2016/SVG/main" r:embed="rId3"/>
                     </a:ext>
                   </a:extLst>
                 </a:blip>
@@ -8134,7 +8135,7 @@
                 <a:blip r:embed="rId2">
                   <a:extLst>
                     <a:ext uri="{96DAC541-7B7A-43D3-8B79-37D633B846F1}">
-                      <asvg:svgBlip xmlns:asvg="http://schemas.microsoft.com/office/drawing/2016/SVG/main" xmlns="" r:embed="rId3"/>
+                      <asvg:svgBlip xmlns="" xmlns:asvg="http://schemas.microsoft.com/office/drawing/2016/SVG/main" r:embed="rId3"/>
                     </a:ext>
                   </a:extLst>
                 </a:blip>
@@ -8160,7 +8161,7 @@
                 <a:blip r:embed="rId2">
                   <a:extLst>
                     <a:ext uri="{96DAC541-7B7A-43D3-8B79-37D633B846F1}">
-                      <asvg:svgBlip xmlns:asvg="http://schemas.microsoft.com/office/drawing/2016/SVG/main" xmlns="" r:embed="rId3"/>
+                      <asvg:svgBlip xmlns="" xmlns:asvg="http://schemas.microsoft.com/office/drawing/2016/SVG/main" r:embed="rId3"/>
                     </a:ext>
                   </a:extLst>
                 </a:blip>
@@ -8183,7 +8184,7 @@
                 <a:blip r:embed="rId2">
                   <a:extLst>
                     <a:ext uri="{96DAC541-7B7A-43D3-8B79-37D633B846F1}">
-                      <asvg:svgBlip xmlns:asvg="http://schemas.microsoft.com/office/drawing/2016/SVG/main" xmlns="" r:embed="rId3"/>
+                      <asvg:svgBlip xmlns="" xmlns:asvg="http://schemas.microsoft.com/office/drawing/2016/SVG/main" r:embed="rId3"/>
                     </a:ext>
                   </a:extLst>
                 </a:blip>
@@ -8209,7 +8210,7 @@
                 <a:blip r:embed="rId2">
                   <a:extLst>
                     <a:ext uri="{96DAC541-7B7A-43D3-8B79-37D633B846F1}">
-                      <asvg:svgBlip xmlns:asvg="http://schemas.microsoft.com/office/drawing/2016/SVG/main" xmlns="" r:embed="rId3"/>
+                      <asvg:svgBlip xmlns="" xmlns:asvg="http://schemas.microsoft.com/office/drawing/2016/SVG/main" r:embed="rId3"/>
                     </a:ext>
                   </a:extLst>
                 </a:blip>
@@ -8232,7 +8233,7 @@
                 <a:blip r:embed="rId2">
                   <a:extLst>
                     <a:ext uri="{96DAC541-7B7A-43D3-8B79-37D633B846F1}">
-                      <asvg:svgBlip xmlns:asvg="http://schemas.microsoft.com/office/drawing/2016/SVG/main" xmlns="" r:embed="rId3"/>
+                      <asvg:svgBlip xmlns="" xmlns:asvg="http://schemas.microsoft.com/office/drawing/2016/SVG/main" r:embed="rId3"/>
                     </a:ext>
                   </a:extLst>
                 </a:blip>
@@ -10501,7 +10502,7 @@
                 <a:blip r:embed="rId2">
                   <a:extLst>
                     <a:ext uri="{96DAC541-7B7A-43D3-8B79-37D633B846F1}">
-                      <asvg:svgBlip xmlns:asvg="http://schemas.microsoft.com/office/drawing/2016/SVG/main" xmlns="" r:embed="rId3"/>
+                      <asvg:svgBlip xmlns="" xmlns:asvg="http://schemas.microsoft.com/office/drawing/2016/SVG/main" r:embed="rId3"/>
                     </a:ext>
                   </a:extLst>
                 </a:blip>
@@ -10527,7 +10528,7 @@
                 <a:blip r:embed="rId2">
                   <a:extLst>
                     <a:ext uri="{96DAC541-7B7A-43D3-8B79-37D633B846F1}">
-                      <asvg:svgBlip xmlns:asvg="http://schemas.microsoft.com/office/drawing/2016/SVG/main" xmlns="" r:embed="rId3"/>
+                      <asvg:svgBlip xmlns="" xmlns:asvg="http://schemas.microsoft.com/office/drawing/2016/SVG/main" r:embed="rId3"/>
                     </a:ext>
                   </a:extLst>
                 </a:blip>
@@ -10550,7 +10551,7 @@
                 <a:blip r:embed="rId2">
                   <a:extLst>
                     <a:ext uri="{96DAC541-7B7A-43D3-8B79-37D633B846F1}">
-                      <asvg:svgBlip xmlns:asvg="http://schemas.microsoft.com/office/drawing/2016/SVG/main" xmlns="" r:embed="rId3"/>
+                      <asvg:svgBlip xmlns="" xmlns:asvg="http://schemas.microsoft.com/office/drawing/2016/SVG/main" r:embed="rId3"/>
                     </a:ext>
                   </a:extLst>
                 </a:blip>
@@ -10576,7 +10577,7 @@
                 <a:blip r:embed="rId2">
                   <a:extLst>
                     <a:ext uri="{96DAC541-7B7A-43D3-8B79-37D633B846F1}">
-                      <asvg:svgBlip xmlns:asvg="http://schemas.microsoft.com/office/drawing/2016/SVG/main" xmlns="" r:embed="rId3"/>
+                      <asvg:svgBlip xmlns="" xmlns:asvg="http://schemas.microsoft.com/office/drawing/2016/SVG/main" r:embed="rId3"/>
                     </a:ext>
                   </a:extLst>
                 </a:blip>
@@ -10599,7 +10600,7 @@
                 <a:blip r:embed="rId2">
                   <a:extLst>
                     <a:ext uri="{96DAC541-7B7A-43D3-8B79-37D633B846F1}">
-                      <asvg:svgBlip xmlns:asvg="http://schemas.microsoft.com/office/drawing/2016/SVG/main" xmlns="" r:embed="rId3"/>
+                      <asvg:svgBlip xmlns="" xmlns:asvg="http://schemas.microsoft.com/office/drawing/2016/SVG/main" r:embed="rId3"/>
                     </a:ext>
                   </a:extLst>
                 </a:blip>
@@ -12322,7 +12323,7 @@
                 <a:blip r:embed="rId2">
                   <a:extLst>
                     <a:ext uri="{96DAC541-7B7A-43D3-8B79-37D633B846F1}">
-                      <asvg:svgBlip xmlns:asvg="http://schemas.microsoft.com/office/drawing/2016/SVG/main" xmlns="" r:embed="rId3"/>
+                      <asvg:svgBlip xmlns="" xmlns:asvg="http://schemas.microsoft.com/office/drawing/2016/SVG/main" r:embed="rId3"/>
                     </a:ext>
                   </a:extLst>
                 </a:blip>
@@ -12348,7 +12349,7 @@
                 <a:blip r:embed="rId2">
                   <a:extLst>
                     <a:ext uri="{96DAC541-7B7A-43D3-8B79-37D633B846F1}">
-                      <asvg:svgBlip xmlns:asvg="http://schemas.microsoft.com/office/drawing/2016/SVG/main" xmlns="" r:embed="rId3"/>
+                      <asvg:svgBlip xmlns="" xmlns:asvg="http://schemas.microsoft.com/office/drawing/2016/SVG/main" r:embed="rId3"/>
                     </a:ext>
                   </a:extLst>
                 </a:blip>
@@ -12374,7 +12375,7 @@
                 <a:blip r:embed="rId2">
                   <a:extLst>
                     <a:ext uri="{96DAC541-7B7A-43D3-8B79-37D633B846F1}">
-                      <asvg:svgBlip xmlns:asvg="http://schemas.microsoft.com/office/drawing/2016/SVG/main" xmlns="" r:embed="rId3"/>
+                      <asvg:svgBlip xmlns="" xmlns:asvg="http://schemas.microsoft.com/office/drawing/2016/SVG/main" r:embed="rId3"/>
                     </a:ext>
                   </a:extLst>
                 </a:blip>
@@ -12400,7 +12401,7 @@
                 <a:blip r:embed="rId2">
                   <a:extLst>
                     <a:ext uri="{96DAC541-7B7A-43D3-8B79-37D633B846F1}">
-                      <asvg:svgBlip xmlns:asvg="http://schemas.microsoft.com/office/drawing/2016/SVG/main" xmlns="" r:embed="rId3"/>
+                      <asvg:svgBlip xmlns="" xmlns:asvg="http://schemas.microsoft.com/office/drawing/2016/SVG/main" r:embed="rId3"/>
                     </a:ext>
                   </a:extLst>
                 </a:blip>
@@ -12426,7 +12427,7 @@
                 <a:blip r:embed="rId2">
                   <a:extLst>
                     <a:ext uri="{96DAC541-7B7A-43D3-8B79-37D633B846F1}">
-                      <asvg:svgBlip xmlns:asvg="http://schemas.microsoft.com/office/drawing/2016/SVG/main" xmlns="" r:embed="rId3"/>
+                      <asvg:svgBlip xmlns="" xmlns:asvg="http://schemas.microsoft.com/office/drawing/2016/SVG/main" r:embed="rId3"/>
                     </a:ext>
                   </a:extLst>
                 </a:blip>
@@ -12449,7 +12450,7 @@
                 <a:blip r:embed="rId2">
                   <a:extLst>
                     <a:ext uri="{96DAC541-7B7A-43D3-8B79-37D633B846F1}">
-                      <asvg:svgBlip xmlns:asvg="http://schemas.microsoft.com/office/drawing/2016/SVG/main" xmlns="" r:embed="rId3"/>
+                      <asvg:svgBlip xmlns="" xmlns:asvg="http://schemas.microsoft.com/office/drawing/2016/SVG/main" r:embed="rId3"/>
                     </a:ext>
                   </a:extLst>
                 </a:blip>
@@ -12475,7 +12476,7 @@
                 <a:blip r:embed="rId2">
                   <a:extLst>
                     <a:ext uri="{96DAC541-7B7A-43D3-8B79-37D633B846F1}">
-                      <asvg:svgBlip xmlns:asvg="http://schemas.microsoft.com/office/drawing/2016/SVG/main" xmlns="" r:embed="rId3"/>
+                      <asvg:svgBlip xmlns="" xmlns:asvg="http://schemas.microsoft.com/office/drawing/2016/SVG/main" r:embed="rId3"/>
                     </a:ext>
                   </a:extLst>
                 </a:blip>
@@ -12498,7 +12499,7 @@
                 <a:blip r:embed="rId2">
                   <a:extLst>
                     <a:ext uri="{96DAC541-7B7A-43D3-8B79-37D633B846F1}">
-                      <asvg:svgBlip xmlns:asvg="http://schemas.microsoft.com/office/drawing/2016/SVG/main" xmlns="" r:embed="rId3"/>
+                      <asvg:svgBlip xmlns="" xmlns:asvg="http://schemas.microsoft.com/office/drawing/2016/SVG/main" r:embed="rId3"/>
                     </a:ext>
                   </a:extLst>
                 </a:blip>
@@ -12524,7 +12525,7 @@
                 <a:blip r:embed="rId2">
                   <a:extLst>
                     <a:ext uri="{96DAC541-7B7A-43D3-8B79-37D633B846F1}">
-                      <asvg:svgBlip xmlns:asvg="http://schemas.microsoft.com/office/drawing/2016/SVG/main" xmlns="" r:embed="rId3"/>
+                      <asvg:svgBlip xmlns="" xmlns:asvg="http://schemas.microsoft.com/office/drawing/2016/SVG/main" r:embed="rId3"/>
                     </a:ext>
                   </a:extLst>
                 </a:blip>
@@ -12547,7 +12548,7 @@
                 <a:blip r:embed="rId2">
                   <a:extLst>
                     <a:ext uri="{96DAC541-7B7A-43D3-8B79-37D633B846F1}">
-                      <asvg:svgBlip xmlns:asvg="http://schemas.microsoft.com/office/drawing/2016/SVG/main" xmlns="" r:embed="rId3"/>
+                      <asvg:svgBlip xmlns="" xmlns:asvg="http://schemas.microsoft.com/office/drawing/2016/SVG/main" r:embed="rId3"/>
                     </a:ext>
                   </a:extLst>
                 </a:blip>
@@ -12570,7 +12571,7 @@
                 <a:blip r:embed="rId2">
                   <a:extLst>
                     <a:ext uri="{96DAC541-7B7A-43D3-8B79-37D633B846F1}">
-                      <asvg:svgBlip xmlns:asvg="http://schemas.microsoft.com/office/drawing/2016/SVG/main" xmlns="" r:embed="rId3"/>
+                      <asvg:svgBlip xmlns="" xmlns:asvg="http://schemas.microsoft.com/office/drawing/2016/SVG/main" r:embed="rId3"/>
                     </a:ext>
                   </a:extLst>
                 </a:blip>
@@ -14411,7 +14412,7 @@
                 <a:blip r:embed="rId2">
                   <a:extLst>
                     <a:ext uri="{96DAC541-7B7A-43D3-8B79-37D633B846F1}">
-                      <asvg:svgBlip xmlns:asvg="http://schemas.microsoft.com/office/drawing/2016/SVG/main" xmlns="" r:embed="rId3"/>
+                      <asvg:svgBlip xmlns="" xmlns:asvg="http://schemas.microsoft.com/office/drawing/2016/SVG/main" r:embed="rId3"/>
                     </a:ext>
                   </a:extLst>
                 </a:blip>
@@ -14499,7 +14500,7 @@
                 <a:blip r:embed="rId2">
                   <a:extLst>
                     <a:ext uri="{96DAC541-7B7A-43D3-8B79-37D633B846F1}">
-                      <asvg:svgBlip xmlns:asvg="http://schemas.microsoft.com/office/drawing/2016/SVG/main" xmlns="" r:embed="rId3"/>
+                      <asvg:svgBlip xmlns="" xmlns:asvg="http://schemas.microsoft.com/office/drawing/2016/SVG/main" r:embed="rId3"/>
                     </a:ext>
                   </a:extLst>
                 </a:blip>
@@ -14522,7 +14523,7 @@
                 <a:blip r:embed="rId2">
                   <a:extLst>
                     <a:ext uri="{96DAC541-7B7A-43D3-8B79-37D633B846F1}">
-                      <asvg:svgBlip xmlns:asvg="http://schemas.microsoft.com/office/drawing/2016/SVG/main" xmlns="" r:embed="rId3"/>
+                      <asvg:svgBlip xmlns="" xmlns:asvg="http://schemas.microsoft.com/office/drawing/2016/SVG/main" r:embed="rId3"/>
                     </a:ext>
                   </a:extLst>
                 </a:blip>
@@ -14548,7 +14549,7 @@
                 <a:blip r:embed="rId2">
                   <a:extLst>
                     <a:ext uri="{96DAC541-7B7A-43D3-8B79-37D633B846F1}">
-                      <asvg:svgBlip xmlns:asvg="http://schemas.microsoft.com/office/drawing/2016/SVG/main" xmlns="" r:embed="rId3"/>
+                      <asvg:svgBlip xmlns="" xmlns:asvg="http://schemas.microsoft.com/office/drawing/2016/SVG/main" r:embed="rId3"/>
                     </a:ext>
                   </a:extLst>
                 </a:blip>
@@ -14571,7 +14572,7 @@
                 <a:blip r:embed="rId2">
                   <a:extLst>
                     <a:ext uri="{96DAC541-7B7A-43D3-8B79-37D633B846F1}">
-                      <asvg:svgBlip xmlns:asvg="http://schemas.microsoft.com/office/drawing/2016/SVG/main" xmlns="" r:embed="rId3"/>
+                      <asvg:svgBlip xmlns="" xmlns:asvg="http://schemas.microsoft.com/office/drawing/2016/SVG/main" r:embed="rId3"/>
                     </a:ext>
                   </a:extLst>
                 </a:blip>
@@ -14597,7 +14598,7 @@
                 <a:blip r:embed="rId2">
                   <a:extLst>
                     <a:ext uri="{96DAC541-7B7A-43D3-8B79-37D633B846F1}">
-                      <asvg:svgBlip xmlns:asvg="http://schemas.microsoft.com/office/drawing/2016/SVG/main" xmlns="" r:embed="rId3"/>
+                      <asvg:svgBlip xmlns="" xmlns:asvg="http://schemas.microsoft.com/office/drawing/2016/SVG/main" r:embed="rId3"/>
                     </a:ext>
                   </a:extLst>
                 </a:blip>
@@ -16395,7 +16396,7 @@
                 <a:blip r:embed="rId2">
                   <a:extLst>
                     <a:ext uri="{96DAC541-7B7A-43D3-8B79-37D633B846F1}">
-                      <asvg:svgBlip xmlns:asvg="http://schemas.microsoft.com/office/drawing/2016/SVG/main" xmlns="" r:embed="rId3"/>
+                      <asvg:svgBlip xmlns="" xmlns:asvg="http://schemas.microsoft.com/office/drawing/2016/SVG/main" r:embed="rId3"/>
                     </a:ext>
                   </a:extLst>
                 </a:blip>
@@ -16421,7 +16422,7 @@
                 <a:blip r:embed="rId2">
                   <a:extLst>
                     <a:ext uri="{96DAC541-7B7A-43D3-8B79-37D633B846F1}">
-                      <asvg:svgBlip xmlns:asvg="http://schemas.microsoft.com/office/drawing/2016/SVG/main" xmlns="" r:embed="rId3"/>
+                      <asvg:svgBlip xmlns="" xmlns:asvg="http://schemas.microsoft.com/office/drawing/2016/SVG/main" r:embed="rId3"/>
                     </a:ext>
                   </a:extLst>
                 </a:blip>
@@ -16444,7 +16445,7 @@
                 <a:blip r:embed="rId2">
                   <a:extLst>
                     <a:ext uri="{96DAC541-7B7A-43D3-8B79-37D633B846F1}">
-                      <asvg:svgBlip xmlns:asvg="http://schemas.microsoft.com/office/drawing/2016/SVG/main" xmlns="" r:embed="rId3"/>
+                      <asvg:svgBlip xmlns="" xmlns:asvg="http://schemas.microsoft.com/office/drawing/2016/SVG/main" r:embed="rId3"/>
                     </a:ext>
                   </a:extLst>
                 </a:blip>
@@ -16461,7 +16462,33 @@
                 <a:latin typeface="Segoe UI" panose="020B0502040204020203" pitchFamily="34" charset="0"/>
                 <a:cs typeface="Segoe UI" panose="020B0502040204020203" pitchFamily="34" charset="0"/>
               </a:rPr>
-              <a:t>Once an inventory is complete, the verifying logistician will closeout the inventory by signing and marking the date completed, along with any remarks regarding the overall inventory. </a:t>
+              <a:t>Once an inventory is complete, the verifying logistician will closeout the inventory by signing </a:t>
+            </a:r>
+            <a:r>
+              <a:rPr lang="en-US" sz="1400" dirty="0" smtClean="0">
+                <a:solidFill>
+                  <a:schemeClr val="tx1">
+                    <a:lumMod val="65000"/>
+                    <a:lumOff val="35000"/>
+                  </a:schemeClr>
+                </a:solidFill>
+                <a:latin typeface="Segoe UI" panose="020B0502040204020203" pitchFamily="34" charset="0"/>
+                <a:cs typeface="Segoe UI" panose="020B0502040204020203" pitchFamily="34" charset="0"/>
+              </a:rPr>
+              <a:t>an inventory verification, </a:t>
+            </a:r>
+            <a:r>
+              <a:rPr lang="en-US" sz="1400" dirty="0" smtClean="0">
+                <a:solidFill>
+                  <a:schemeClr val="tx1">
+                    <a:lumMod val="65000"/>
+                    <a:lumOff val="35000"/>
+                  </a:schemeClr>
+                </a:solidFill>
+                <a:latin typeface="Segoe UI" panose="020B0502040204020203" pitchFamily="34" charset="0"/>
+                <a:cs typeface="Segoe UI" panose="020B0502040204020203" pitchFamily="34" charset="0"/>
+              </a:rPr>
+              <a:t>along with any remarks regarding the overall inventory. </a:t>
             </a:r>
             <a:endParaRPr lang="en-US" sz="1400" dirty="0">
               <a:solidFill>
@@ -16546,23 +16573,1323 @@
           </a:p>
         </p:txBody>
       </p:sp>
+      <p:sp>
+        <p:nvSpPr>
+          <p:cNvPr id="57" name="Rectangle 56">
+            <a:extLst>
+              <a:ext uri="{FF2B5EF4-FFF2-40B4-BE49-F238E27FC236}">
+                <a16:creationId xmlns:a16="http://schemas.microsoft.com/office/drawing/2014/main" id="{4808B174-B9CF-4CAD-8A19-1BC9D885D3B3}"/>
+              </a:ext>
+            </a:extLst>
+          </p:cNvPr>
+          <p:cNvSpPr/>
+          <p:nvPr/>
+        </p:nvSpPr>
+        <p:spPr>
+          <a:xfrm>
+            <a:off x="100584" y="684795"/>
+            <a:ext cx="7859261" cy="274320"/>
+          </a:xfrm>
+          <a:prstGeom prst="rect">
+            <a:avLst/>
+          </a:prstGeom>
+          <a:solidFill>
+            <a:schemeClr val="tx1">
+              <a:lumMod val="75000"/>
+              <a:lumOff val="25000"/>
+            </a:schemeClr>
+          </a:solidFill>
+          <a:ln>
+            <a:noFill/>
+          </a:ln>
+        </p:spPr>
+        <p:style>
+          <a:lnRef idx="2">
+            <a:schemeClr val="accent1">
+              <a:shade val="50000"/>
+            </a:schemeClr>
+          </a:lnRef>
+          <a:fillRef idx="1">
+            <a:schemeClr val="accent1"/>
+          </a:fillRef>
+          <a:effectRef idx="0">
+            <a:schemeClr val="accent1"/>
+          </a:effectRef>
+          <a:fontRef idx="minor">
+            <a:schemeClr val="lt1"/>
+          </a:fontRef>
+        </p:style>
+        <p:txBody>
+          <a:bodyPr rtlCol="0" anchor="ctr"/>
+          <a:lstStyle/>
+          <a:p>
+            <a:pPr algn="ctr"/>
+            <a:r>
+              <a:rPr lang="en-US" sz="1600" dirty="0" smtClean="0">
+                <a:latin typeface="Segoe UI" panose="020B0502040204020203" pitchFamily="34" charset="0"/>
+                <a:cs typeface="Segoe UI" panose="020B0502040204020203" pitchFamily="34" charset="0"/>
+              </a:rPr>
+              <a:t>Inventory</a:t>
+            </a:r>
+            <a:endParaRPr lang="en-US" sz="1600" dirty="0">
+              <a:latin typeface="Segoe UI" panose="020B0502040204020203" pitchFamily="34" charset="0"/>
+              <a:cs typeface="Segoe UI" panose="020B0502040204020203" pitchFamily="34" charset="0"/>
+            </a:endParaRPr>
+          </a:p>
+        </p:txBody>
+      </p:sp>
       <p:grpSp>
         <p:nvGrpSpPr>
-          <p:cNvPr id="24" name="Group 23"/>
+          <p:cNvPr id="5" name="Group 4"/>
           <p:cNvGrpSpPr/>
           <p:nvPr/>
         </p:nvGrpSpPr>
         <p:grpSpPr>
           <a:xfrm>
-            <a:off x="100559" y="684795"/>
-            <a:ext cx="7859286" cy="5702497"/>
-            <a:chOff x="100559" y="853758"/>
-            <a:chExt cx="7859286" cy="5702497"/>
+            <a:off x="100579" y="4140905"/>
+            <a:ext cx="2286005" cy="2090202"/>
+            <a:chOff x="100579" y="1614397"/>
+            <a:chExt cx="2286005" cy="2090202"/>
           </a:xfrm>
         </p:grpSpPr>
         <p:sp>
           <p:nvSpPr>
-            <p:cNvPr id="57" name="Rectangle 56">
+            <p:cNvPr id="39" name="Rectangle 38">
+              <a:extLst>
+                <a:ext uri="{FF2B5EF4-FFF2-40B4-BE49-F238E27FC236}">
+                  <a16:creationId xmlns:a16="http://schemas.microsoft.com/office/drawing/2014/main" id="{5626B030-B48B-42C0-9339-F603883EA700}"/>
+                </a:ext>
+              </a:extLst>
+            </p:cNvPr>
+            <p:cNvSpPr/>
+            <p:nvPr/>
+          </p:nvSpPr>
+          <p:spPr>
+            <a:xfrm>
+              <a:off x="100584" y="1614397"/>
+              <a:ext cx="2286000" cy="274320"/>
+            </a:xfrm>
+            <a:prstGeom prst="rect">
+              <a:avLst/>
+            </a:prstGeom>
+            <a:solidFill>
+              <a:schemeClr val="tx1">
+                <a:lumMod val="75000"/>
+                <a:lumOff val="25000"/>
+              </a:schemeClr>
+            </a:solidFill>
+            <a:ln>
+              <a:noFill/>
+            </a:ln>
+          </p:spPr>
+          <p:style>
+            <a:lnRef idx="2">
+              <a:schemeClr val="accent1">
+                <a:shade val="50000"/>
+              </a:schemeClr>
+            </a:lnRef>
+            <a:fillRef idx="1">
+              <a:schemeClr val="accent1"/>
+            </a:fillRef>
+            <a:effectRef idx="0">
+              <a:schemeClr val="accent1"/>
+            </a:effectRef>
+            <a:fontRef idx="minor">
+              <a:schemeClr val="lt1"/>
+            </a:fontRef>
+          </p:style>
+          <p:txBody>
+            <a:bodyPr rtlCol="0" anchor="ctr"/>
+            <a:lstStyle/>
+            <a:p>
+              <a:pPr algn="ctr"/>
+              <a:r>
+                <a:rPr lang="en-US" sz="1600" dirty="0" smtClean="0">
+                  <a:latin typeface="Segoe UI" panose="020B0502040204020203" pitchFamily="34" charset="0"/>
+                  <a:cs typeface="Segoe UI" panose="020B0502040204020203" pitchFamily="34" charset="0"/>
+                </a:rPr>
+                <a:t>Item - Serialized</a:t>
+              </a:r>
+              <a:endParaRPr lang="en-US" sz="1600" dirty="0">
+                <a:latin typeface="Segoe UI" panose="020B0502040204020203" pitchFamily="34" charset="0"/>
+                <a:cs typeface="Segoe UI" panose="020B0502040204020203" pitchFamily="34" charset="0"/>
+              </a:endParaRPr>
+            </a:p>
+          </p:txBody>
+        </p:sp>
+        <p:sp>
+          <p:nvSpPr>
+            <p:cNvPr id="41" name="Rectangle 40">
+              <a:extLst>
+                <a:ext uri="{FF2B5EF4-FFF2-40B4-BE49-F238E27FC236}">
+                  <a16:creationId xmlns:a16="http://schemas.microsoft.com/office/drawing/2014/main" id="{92F3C2D4-DE2E-4B48-93DA-8F055147368D}"/>
+                </a:ext>
+              </a:extLst>
+            </p:cNvPr>
+            <p:cNvSpPr/>
+            <p:nvPr/>
+          </p:nvSpPr>
+          <p:spPr>
+            <a:xfrm>
+              <a:off x="100579" y="1888717"/>
+              <a:ext cx="2286000" cy="1815882"/>
+            </a:xfrm>
+            <a:prstGeom prst="rect">
+              <a:avLst/>
+            </a:prstGeom>
+            <a:solidFill>
+              <a:schemeClr val="bg1">
+                <a:lumMod val="85000"/>
+              </a:schemeClr>
+            </a:solidFill>
+            <a:ln>
+              <a:noFill/>
+            </a:ln>
+          </p:spPr>
+          <p:style>
+            <a:lnRef idx="2">
+              <a:schemeClr val="accent1">
+                <a:shade val="50000"/>
+              </a:schemeClr>
+            </a:lnRef>
+            <a:fillRef idx="1">
+              <a:schemeClr val="accent1"/>
+            </a:fillRef>
+            <a:effectRef idx="0">
+              <a:schemeClr val="accent1"/>
+            </a:effectRef>
+            <a:fontRef idx="minor">
+              <a:schemeClr val="lt1"/>
+            </a:fontRef>
+          </p:style>
+          <p:txBody>
+            <a:bodyPr rtlCol="0" anchor="ctr" anchorCtr="0">
+              <a:spAutoFit/>
+            </a:bodyPr>
+            <a:lstStyle/>
+            <a:p>
+              <a:pPr algn="ctr"/>
+              <a:r>
+                <a:rPr lang="en-US" sz="1400" dirty="0" smtClean="0">
+                  <a:solidFill>
+                    <a:schemeClr val="tx1">
+                      <a:lumMod val="65000"/>
+                      <a:lumOff val="35000"/>
+                    </a:schemeClr>
+                  </a:solidFill>
+                  <a:latin typeface="Segoe UI" panose="020B0502040204020203" pitchFamily="34" charset="0"/>
+                  <a:cs typeface="Segoe UI" panose="020B0502040204020203" pitchFamily="34" charset="0"/>
+                </a:rPr>
+                <a:t>Category</a:t>
+              </a:r>
+            </a:p>
+            <a:p>
+              <a:pPr algn="ctr"/>
+              <a:r>
+                <a:rPr lang="en-US" sz="1400" dirty="0" smtClean="0">
+                  <a:solidFill>
+                    <a:schemeClr val="tx1">
+                      <a:lumMod val="65000"/>
+                      <a:lumOff val="35000"/>
+                    </a:schemeClr>
+                  </a:solidFill>
+                  <a:latin typeface="Segoe UI" panose="020B0502040204020203" pitchFamily="34" charset="0"/>
+                  <a:cs typeface="Segoe UI" panose="020B0502040204020203" pitchFamily="34" charset="0"/>
+                </a:rPr>
+                <a:t>Order – If Exists</a:t>
+              </a:r>
+            </a:p>
+            <a:p>
+              <a:pPr algn="ctr"/>
+              <a:r>
+                <a:rPr lang="en-US" sz="1400" dirty="0" smtClean="0">
+                  <a:solidFill>
+                    <a:schemeClr val="tx1">
+                      <a:lumMod val="65000"/>
+                      <a:lumOff val="35000"/>
+                    </a:schemeClr>
+                  </a:solidFill>
+                  <a:latin typeface="Segoe UI" panose="020B0502040204020203" pitchFamily="34" charset="0"/>
+                  <a:cs typeface="Segoe UI" panose="020B0502040204020203" pitchFamily="34" charset="0"/>
+                </a:rPr>
+                <a:t>Manufacturer</a:t>
+              </a:r>
+            </a:p>
+            <a:p>
+              <a:pPr algn="ctr"/>
+              <a:r>
+                <a:rPr lang="en-US" sz="1400" dirty="0" smtClean="0">
+                  <a:solidFill>
+                    <a:schemeClr val="tx1">
+                      <a:lumMod val="65000"/>
+                      <a:lumOff val="35000"/>
+                    </a:schemeClr>
+                  </a:solidFill>
+                  <a:latin typeface="Segoe UI" panose="020B0502040204020203" pitchFamily="34" charset="0"/>
+                  <a:cs typeface="Segoe UI" panose="020B0502040204020203" pitchFamily="34" charset="0"/>
+                </a:rPr>
+                <a:t>Model</a:t>
+              </a:r>
+            </a:p>
+            <a:p>
+              <a:pPr algn="ctr"/>
+              <a:r>
+                <a:rPr lang="en-US" sz="1400" dirty="0" smtClean="0">
+                  <a:solidFill>
+                    <a:schemeClr val="tx1">
+                      <a:lumMod val="65000"/>
+                      <a:lumOff val="35000"/>
+                    </a:schemeClr>
+                  </a:solidFill>
+                  <a:latin typeface="Segoe UI" panose="020B0502040204020203" pitchFamily="34" charset="0"/>
+                  <a:cs typeface="Segoe UI" panose="020B0502040204020203" pitchFamily="34" charset="0"/>
+                </a:rPr>
+                <a:t>Nsn</a:t>
+              </a:r>
+            </a:p>
+            <a:p>
+              <a:pPr algn="ctr"/>
+              <a:r>
+                <a:rPr lang="en-US" sz="1400" dirty="0" smtClean="0">
+                  <a:solidFill>
+                    <a:schemeClr val="tx1">
+                      <a:lumMod val="65000"/>
+                      <a:lumOff val="35000"/>
+                    </a:schemeClr>
+                  </a:solidFill>
+                  <a:latin typeface="Segoe UI" panose="020B0502040204020203" pitchFamily="34" charset="0"/>
+                  <a:cs typeface="Segoe UI" panose="020B0502040204020203" pitchFamily="34" charset="0"/>
+                </a:rPr>
+                <a:t>Item Type</a:t>
+              </a:r>
+            </a:p>
+            <a:p>
+              <a:pPr algn="ctr"/>
+              <a:r>
+                <a:rPr lang="en-US" sz="1400" dirty="0" smtClean="0">
+                  <a:solidFill>
+                    <a:schemeClr val="tx1">
+                      <a:lumMod val="65000"/>
+                      <a:lumOff val="35000"/>
+                    </a:schemeClr>
+                  </a:solidFill>
+                  <a:latin typeface="Segoe UI" panose="020B0502040204020203" pitchFamily="34" charset="0"/>
+                  <a:cs typeface="Segoe UI" panose="020B0502040204020203" pitchFamily="34" charset="0"/>
+                </a:rPr>
+                <a:t>Serial Number</a:t>
+              </a:r>
+            </a:p>
+            <a:p>
+              <a:pPr algn="ctr"/>
+              <a:r>
+                <a:rPr lang="en-US" sz="1400" dirty="0" smtClean="0">
+                  <a:solidFill>
+                    <a:schemeClr val="tx1">
+                      <a:lumMod val="65000"/>
+                      <a:lumOff val="35000"/>
+                    </a:schemeClr>
+                  </a:solidFill>
+                  <a:latin typeface="Segoe UI" panose="020B0502040204020203" pitchFamily="34" charset="0"/>
+                  <a:cs typeface="Segoe UI" panose="020B0502040204020203" pitchFamily="34" charset="0"/>
+                </a:rPr>
+                <a:t>Location</a:t>
+              </a:r>
+              <a:endParaRPr lang="en-US" sz="1400" dirty="0">
+                <a:solidFill>
+                  <a:schemeClr val="tx1">
+                    <a:lumMod val="65000"/>
+                    <a:lumOff val="35000"/>
+                  </a:schemeClr>
+                </a:solidFill>
+                <a:latin typeface="Segoe UI" panose="020B0502040204020203" pitchFamily="34" charset="0"/>
+                <a:cs typeface="Segoe UI" panose="020B0502040204020203" pitchFamily="34" charset="0"/>
+              </a:endParaRPr>
+            </a:p>
+          </p:txBody>
+        </p:sp>
+      </p:grpSp>
+      <p:sp>
+        <p:nvSpPr>
+          <p:cNvPr id="60" name="Rectangle 59">
+            <a:extLst>
+              <a:ext uri="{FF2B5EF4-FFF2-40B4-BE49-F238E27FC236}">
+                <a16:creationId xmlns:a16="http://schemas.microsoft.com/office/drawing/2014/main" id="{34EF0660-717C-40BE-8EF0-14F53806A4C8}"/>
+              </a:ext>
+            </a:extLst>
+          </p:cNvPr>
+          <p:cNvSpPr/>
+          <p:nvPr/>
+        </p:nvSpPr>
+        <p:spPr>
+          <a:xfrm>
+            <a:off x="100579" y="959115"/>
+            <a:ext cx="7859256" cy="1169551"/>
+          </a:xfrm>
+          <a:prstGeom prst="rect">
+            <a:avLst/>
+          </a:prstGeom>
+          <a:solidFill>
+            <a:schemeClr val="bg1">
+              <a:lumMod val="85000"/>
+            </a:schemeClr>
+          </a:solidFill>
+          <a:ln>
+            <a:noFill/>
+          </a:ln>
+        </p:spPr>
+        <p:style>
+          <a:lnRef idx="2">
+            <a:schemeClr val="accent1">
+              <a:shade val="50000"/>
+            </a:schemeClr>
+          </a:lnRef>
+          <a:fillRef idx="1">
+            <a:schemeClr val="accent1"/>
+          </a:fillRef>
+          <a:effectRef idx="0">
+            <a:schemeClr val="accent1"/>
+          </a:effectRef>
+          <a:fontRef idx="minor">
+            <a:schemeClr val="lt1"/>
+          </a:fontRef>
+        </p:style>
+        <p:txBody>
+          <a:bodyPr wrap="square" rtlCol="0" anchor="ctr" anchorCtr="0">
+            <a:spAutoFit/>
+          </a:bodyPr>
+          <a:lstStyle/>
+          <a:p>
+            <a:pPr algn="ctr"/>
+            <a:r>
+              <a:rPr lang="en-US" sz="1400" dirty="0" smtClean="0">
+                <a:solidFill>
+                  <a:schemeClr val="tx1">
+                    <a:lumMod val="65000"/>
+                    <a:lumOff val="35000"/>
+                  </a:schemeClr>
+                </a:solidFill>
+                <a:latin typeface="Segoe UI" panose="020B0502040204020203" pitchFamily="34" charset="0"/>
+                <a:cs typeface="Segoe UI" panose="020B0502040204020203" pitchFamily="34" charset="0"/>
+              </a:rPr>
+              <a:t>Property Record</a:t>
+            </a:r>
+          </a:p>
+          <a:p>
+            <a:pPr algn="ctr"/>
+            <a:r>
+              <a:rPr lang="en-US" sz="1400" dirty="0" smtClean="0">
+                <a:solidFill>
+                  <a:schemeClr val="tx1">
+                    <a:lumMod val="65000"/>
+                    <a:lumOff val="35000"/>
+                  </a:schemeClr>
+                </a:solidFill>
+                <a:latin typeface="Segoe UI" panose="020B0502040204020203" pitchFamily="34" charset="0"/>
+                <a:cs typeface="Segoe UI" panose="020B0502040204020203" pitchFamily="34" charset="0"/>
+              </a:rPr>
+              <a:t>Record User</a:t>
+            </a:r>
+          </a:p>
+          <a:p>
+            <a:pPr algn="ctr"/>
+            <a:r>
+              <a:rPr lang="en-US" sz="1400" dirty="0" smtClean="0">
+                <a:solidFill>
+                  <a:schemeClr val="tx1">
+                    <a:lumMod val="65000"/>
+                    <a:lumOff val="35000"/>
+                  </a:schemeClr>
+                </a:solidFill>
+                <a:latin typeface="Segoe UI" panose="020B0502040204020203" pitchFamily="34" charset="0"/>
+                <a:cs typeface="Segoe UI" panose="020B0502040204020203" pitchFamily="34" charset="0"/>
+              </a:rPr>
+              <a:t>Log User</a:t>
+            </a:r>
+          </a:p>
+          <a:p>
+            <a:pPr algn="ctr"/>
+            <a:r>
+              <a:rPr lang="en-US" sz="1400" dirty="0" smtClean="0">
+                <a:solidFill>
+                  <a:schemeClr val="tx1">
+                    <a:lumMod val="65000"/>
+                    <a:lumOff val="35000"/>
+                  </a:schemeClr>
+                </a:solidFill>
+                <a:latin typeface="Segoe UI" panose="020B0502040204020203" pitchFamily="34" charset="0"/>
+                <a:cs typeface="Segoe UI" panose="020B0502040204020203" pitchFamily="34" charset="0"/>
+              </a:rPr>
+              <a:t>Date </a:t>
+            </a:r>
+            <a:r>
+              <a:rPr lang="en-US" sz="1400" dirty="0" smtClean="0">
+                <a:solidFill>
+                  <a:schemeClr val="tx1">
+                    <a:lumMod val="65000"/>
+                    <a:lumOff val="35000"/>
+                  </a:schemeClr>
+                </a:solidFill>
+                <a:latin typeface="Segoe UI" panose="020B0502040204020203" pitchFamily="34" charset="0"/>
+                <a:cs typeface="Segoe UI" panose="020B0502040204020203" pitchFamily="34" charset="0"/>
+              </a:rPr>
+              <a:t>Started</a:t>
+            </a:r>
+            <a:endParaRPr lang="en-US" sz="1400" dirty="0" smtClean="0">
+              <a:solidFill>
+                <a:schemeClr val="tx1">
+                  <a:lumMod val="65000"/>
+                  <a:lumOff val="35000"/>
+                </a:schemeClr>
+              </a:solidFill>
+              <a:latin typeface="Segoe UI" panose="020B0502040204020203" pitchFamily="34" charset="0"/>
+              <a:cs typeface="Segoe UI" panose="020B0502040204020203" pitchFamily="34" charset="0"/>
+            </a:endParaRPr>
+          </a:p>
+          <a:p>
+            <a:pPr algn="ctr"/>
+            <a:r>
+              <a:rPr lang="en-US" sz="1400" dirty="0" smtClean="0">
+                <a:solidFill>
+                  <a:schemeClr val="tx1">
+                    <a:lumMod val="65000"/>
+                    <a:lumOff val="35000"/>
+                  </a:schemeClr>
+                </a:solidFill>
+                <a:latin typeface="Segoe UI" panose="020B0502040204020203" pitchFamily="34" charset="0"/>
+                <a:cs typeface="Segoe UI" panose="020B0502040204020203" pitchFamily="34" charset="0"/>
+              </a:rPr>
+              <a:t>Remarks</a:t>
+            </a:r>
+            <a:endParaRPr lang="en-US" sz="1400" dirty="0">
+              <a:solidFill>
+                <a:schemeClr val="tx1">
+                  <a:lumMod val="65000"/>
+                  <a:lumOff val="35000"/>
+                </a:schemeClr>
+              </a:solidFill>
+              <a:latin typeface="Segoe UI" panose="020B0502040204020203" pitchFamily="34" charset="0"/>
+              <a:cs typeface="Segoe UI" panose="020B0502040204020203" pitchFamily="34" charset="0"/>
+            </a:endParaRPr>
+          </a:p>
+        </p:txBody>
+      </p:sp>
+      <p:grpSp>
+        <p:nvGrpSpPr>
+          <p:cNvPr id="4" name="Group 3"/>
+          <p:cNvGrpSpPr/>
+          <p:nvPr/>
+        </p:nvGrpSpPr>
+        <p:grpSpPr>
+          <a:xfrm>
+            <a:off x="5673815" y="4140905"/>
+            <a:ext cx="2286005" cy="2305645"/>
+            <a:chOff x="100579" y="3943341"/>
+            <a:chExt cx="2286005" cy="2305645"/>
+          </a:xfrm>
+        </p:grpSpPr>
+        <p:sp>
+          <p:nvSpPr>
+            <p:cNvPr id="69" name="Rectangle 68">
+              <a:extLst>
+                <a:ext uri="{FF2B5EF4-FFF2-40B4-BE49-F238E27FC236}">
+                  <a16:creationId xmlns:a16="http://schemas.microsoft.com/office/drawing/2014/main" id="{5626B030-B48B-42C0-9339-F603883EA700}"/>
+                </a:ext>
+              </a:extLst>
+            </p:cNvPr>
+            <p:cNvSpPr/>
+            <p:nvPr/>
+          </p:nvSpPr>
+          <p:spPr>
+            <a:xfrm>
+              <a:off x="100584" y="3943341"/>
+              <a:ext cx="2286000" cy="274320"/>
+            </a:xfrm>
+            <a:prstGeom prst="rect">
+              <a:avLst/>
+            </a:prstGeom>
+            <a:solidFill>
+              <a:schemeClr val="tx1">
+                <a:lumMod val="75000"/>
+                <a:lumOff val="25000"/>
+              </a:schemeClr>
+            </a:solidFill>
+            <a:ln>
+              <a:noFill/>
+            </a:ln>
+          </p:spPr>
+          <p:style>
+            <a:lnRef idx="2">
+              <a:schemeClr val="accent1">
+                <a:shade val="50000"/>
+              </a:schemeClr>
+            </a:lnRef>
+            <a:fillRef idx="1">
+              <a:schemeClr val="accent1"/>
+            </a:fillRef>
+            <a:effectRef idx="0">
+              <a:schemeClr val="accent1"/>
+            </a:effectRef>
+            <a:fontRef idx="minor">
+              <a:schemeClr val="lt1"/>
+            </a:fontRef>
+          </p:style>
+          <p:txBody>
+            <a:bodyPr rtlCol="0" anchor="ctr"/>
+            <a:lstStyle/>
+            <a:p>
+              <a:pPr algn="ctr"/>
+              <a:r>
+                <a:rPr lang="en-US" sz="1600" dirty="0" smtClean="0">
+                  <a:latin typeface="Segoe UI" panose="020B0502040204020203" pitchFamily="34" charset="0"/>
+                  <a:cs typeface="Segoe UI" panose="020B0502040204020203" pitchFamily="34" charset="0"/>
+                </a:rPr>
+                <a:t>Item - Hardware</a:t>
+              </a:r>
+              <a:endParaRPr lang="en-US" sz="1600" dirty="0">
+                <a:latin typeface="Segoe UI" panose="020B0502040204020203" pitchFamily="34" charset="0"/>
+                <a:cs typeface="Segoe UI" panose="020B0502040204020203" pitchFamily="34" charset="0"/>
+              </a:endParaRPr>
+            </a:p>
+          </p:txBody>
+        </p:sp>
+        <p:sp>
+          <p:nvSpPr>
+            <p:cNvPr id="70" name="Rectangle 69">
+              <a:extLst>
+                <a:ext uri="{FF2B5EF4-FFF2-40B4-BE49-F238E27FC236}">
+                  <a16:creationId xmlns:a16="http://schemas.microsoft.com/office/drawing/2014/main" id="{92F3C2D4-DE2E-4B48-93DA-8F055147368D}"/>
+                </a:ext>
+              </a:extLst>
+            </p:cNvPr>
+            <p:cNvSpPr/>
+            <p:nvPr/>
+          </p:nvSpPr>
+          <p:spPr>
+            <a:xfrm>
+              <a:off x="100579" y="4217661"/>
+              <a:ext cx="2286000" cy="2031325"/>
+            </a:xfrm>
+            <a:prstGeom prst="rect">
+              <a:avLst/>
+            </a:prstGeom>
+            <a:solidFill>
+              <a:schemeClr val="bg1">
+                <a:lumMod val="85000"/>
+              </a:schemeClr>
+            </a:solidFill>
+            <a:ln>
+              <a:noFill/>
+            </a:ln>
+          </p:spPr>
+          <p:style>
+            <a:lnRef idx="2">
+              <a:schemeClr val="accent1">
+                <a:shade val="50000"/>
+              </a:schemeClr>
+            </a:lnRef>
+            <a:fillRef idx="1">
+              <a:schemeClr val="accent1"/>
+            </a:fillRef>
+            <a:effectRef idx="0">
+              <a:schemeClr val="accent1"/>
+            </a:effectRef>
+            <a:fontRef idx="minor">
+              <a:schemeClr val="lt1"/>
+            </a:fontRef>
+          </p:style>
+          <p:txBody>
+            <a:bodyPr rtlCol="0" anchor="ctr" anchorCtr="0">
+              <a:spAutoFit/>
+            </a:bodyPr>
+            <a:lstStyle/>
+            <a:p>
+              <a:pPr algn="ctr"/>
+              <a:r>
+                <a:rPr lang="en-US" sz="1400" dirty="0" smtClean="0">
+                  <a:solidFill>
+                    <a:schemeClr val="tx1">
+                      <a:lumMod val="65000"/>
+                      <a:lumOff val="35000"/>
+                    </a:schemeClr>
+                  </a:solidFill>
+                  <a:latin typeface="Segoe UI" panose="020B0502040204020203" pitchFamily="34" charset="0"/>
+                  <a:cs typeface="Segoe UI" panose="020B0502040204020203" pitchFamily="34" charset="0"/>
+                </a:rPr>
+                <a:t>Category</a:t>
+              </a:r>
+            </a:p>
+            <a:p>
+              <a:pPr algn="ctr"/>
+              <a:r>
+                <a:rPr lang="en-US" sz="1400" dirty="0" smtClean="0">
+                  <a:solidFill>
+                    <a:schemeClr val="tx1">
+                      <a:lumMod val="65000"/>
+                      <a:lumOff val="35000"/>
+                    </a:schemeClr>
+                  </a:solidFill>
+                  <a:latin typeface="Segoe UI" panose="020B0502040204020203" pitchFamily="34" charset="0"/>
+                  <a:cs typeface="Segoe UI" panose="020B0502040204020203" pitchFamily="34" charset="0"/>
+                </a:rPr>
+                <a:t>Order – If Exists</a:t>
+              </a:r>
+            </a:p>
+            <a:p>
+              <a:pPr algn="ctr"/>
+              <a:r>
+                <a:rPr lang="en-US" sz="1400" dirty="0" smtClean="0">
+                  <a:solidFill>
+                    <a:schemeClr val="tx1">
+                      <a:lumMod val="65000"/>
+                      <a:lumOff val="35000"/>
+                    </a:schemeClr>
+                  </a:solidFill>
+                  <a:latin typeface="Segoe UI" panose="020B0502040204020203" pitchFamily="34" charset="0"/>
+                  <a:cs typeface="Segoe UI" panose="020B0502040204020203" pitchFamily="34" charset="0"/>
+                </a:rPr>
+                <a:t>Manufacturer</a:t>
+              </a:r>
+            </a:p>
+            <a:p>
+              <a:pPr algn="ctr"/>
+              <a:r>
+                <a:rPr lang="en-US" sz="1400" dirty="0" smtClean="0">
+                  <a:solidFill>
+                    <a:schemeClr val="tx1">
+                      <a:lumMod val="65000"/>
+                      <a:lumOff val="35000"/>
+                    </a:schemeClr>
+                  </a:solidFill>
+                  <a:latin typeface="Segoe UI" panose="020B0502040204020203" pitchFamily="34" charset="0"/>
+                  <a:cs typeface="Segoe UI" panose="020B0502040204020203" pitchFamily="34" charset="0"/>
+                </a:rPr>
+                <a:t>Model</a:t>
+              </a:r>
+            </a:p>
+            <a:p>
+              <a:pPr algn="ctr"/>
+              <a:r>
+                <a:rPr lang="en-US" sz="1400" dirty="0" smtClean="0">
+                  <a:solidFill>
+                    <a:schemeClr val="tx1">
+                      <a:lumMod val="65000"/>
+                      <a:lumOff val="35000"/>
+                    </a:schemeClr>
+                  </a:solidFill>
+                  <a:latin typeface="Segoe UI" panose="020B0502040204020203" pitchFamily="34" charset="0"/>
+                  <a:cs typeface="Segoe UI" panose="020B0502040204020203" pitchFamily="34" charset="0"/>
+                </a:rPr>
+                <a:t>Nsn</a:t>
+              </a:r>
+            </a:p>
+            <a:p>
+              <a:pPr algn="ctr"/>
+              <a:r>
+                <a:rPr lang="en-US" sz="1400" dirty="0" smtClean="0">
+                  <a:solidFill>
+                    <a:schemeClr val="tx1">
+                      <a:lumMod val="65000"/>
+                      <a:lumOff val="35000"/>
+                    </a:schemeClr>
+                  </a:solidFill>
+                  <a:latin typeface="Segoe UI" panose="020B0502040204020203" pitchFamily="34" charset="0"/>
+                  <a:cs typeface="Segoe UI" panose="020B0502040204020203" pitchFamily="34" charset="0"/>
+                </a:rPr>
+                <a:t>Item Type</a:t>
+              </a:r>
+            </a:p>
+            <a:p>
+              <a:pPr algn="ctr"/>
+              <a:r>
+                <a:rPr lang="en-US" sz="1400" dirty="0" smtClean="0">
+                  <a:solidFill>
+                    <a:schemeClr val="tx1">
+                      <a:lumMod val="65000"/>
+                      <a:lumOff val="35000"/>
+                    </a:schemeClr>
+                  </a:solidFill>
+                  <a:latin typeface="Segoe UI" panose="020B0502040204020203" pitchFamily="34" charset="0"/>
+                  <a:cs typeface="Segoe UI" panose="020B0502040204020203" pitchFamily="34" charset="0"/>
+                </a:rPr>
+                <a:t>Service Tag</a:t>
+              </a:r>
+            </a:p>
+            <a:p>
+              <a:pPr algn="ctr"/>
+              <a:r>
+                <a:rPr lang="en-US" sz="1400" dirty="0" smtClean="0">
+                  <a:solidFill>
+                    <a:schemeClr val="tx1">
+                      <a:lumMod val="65000"/>
+                      <a:lumOff val="35000"/>
+                    </a:schemeClr>
+                  </a:solidFill>
+                  <a:latin typeface="Segoe UI" panose="020B0502040204020203" pitchFamily="34" charset="0"/>
+                  <a:cs typeface="Segoe UI" panose="020B0502040204020203" pitchFamily="34" charset="0"/>
+                </a:rPr>
+                <a:t>Mac Address</a:t>
+              </a:r>
+            </a:p>
+            <a:p>
+              <a:pPr algn="ctr"/>
+              <a:r>
+                <a:rPr lang="en-US" sz="1400" dirty="0" smtClean="0">
+                  <a:solidFill>
+                    <a:schemeClr val="tx1">
+                      <a:lumMod val="65000"/>
+                      <a:lumOff val="35000"/>
+                    </a:schemeClr>
+                  </a:solidFill>
+                  <a:latin typeface="Segoe UI" panose="020B0502040204020203" pitchFamily="34" charset="0"/>
+                  <a:cs typeface="Segoe UI" panose="020B0502040204020203" pitchFamily="34" charset="0"/>
+                </a:rPr>
+                <a:t>Location</a:t>
+              </a:r>
+            </a:p>
+          </p:txBody>
+        </p:sp>
+      </p:grpSp>
+      <p:grpSp>
+        <p:nvGrpSpPr>
+          <p:cNvPr id="28" name="Group 27"/>
+          <p:cNvGrpSpPr/>
+          <p:nvPr/>
+        </p:nvGrpSpPr>
+        <p:grpSpPr>
+          <a:xfrm>
+            <a:off x="100579" y="2637172"/>
+            <a:ext cx="2286000" cy="1012984"/>
+            <a:chOff x="100584" y="1614397"/>
+            <a:chExt cx="2286000" cy="1012984"/>
+          </a:xfrm>
+        </p:grpSpPr>
+        <p:sp>
+          <p:nvSpPr>
+            <p:cNvPr id="29" name="Rectangle 28">
+              <a:extLst>
+                <a:ext uri="{FF2B5EF4-FFF2-40B4-BE49-F238E27FC236}">
+                  <a16:creationId xmlns:a16="http://schemas.microsoft.com/office/drawing/2014/main" id="{5626B030-B48B-42C0-9339-F603883EA700}"/>
+                </a:ext>
+              </a:extLst>
+            </p:cNvPr>
+            <p:cNvSpPr/>
+            <p:nvPr/>
+          </p:nvSpPr>
+          <p:spPr>
+            <a:xfrm>
+              <a:off x="100584" y="1614397"/>
+              <a:ext cx="2286000" cy="274320"/>
+            </a:xfrm>
+            <a:prstGeom prst="rect">
+              <a:avLst/>
+            </a:prstGeom>
+            <a:solidFill>
+              <a:schemeClr val="tx1">
+                <a:lumMod val="75000"/>
+                <a:lumOff val="25000"/>
+              </a:schemeClr>
+            </a:solidFill>
+            <a:ln>
+              <a:noFill/>
+            </a:ln>
+          </p:spPr>
+          <p:style>
+            <a:lnRef idx="2">
+              <a:schemeClr val="accent1">
+                <a:shade val="50000"/>
+              </a:schemeClr>
+            </a:lnRef>
+            <a:fillRef idx="1">
+              <a:schemeClr val="accent1"/>
+            </a:fillRef>
+            <a:effectRef idx="0">
+              <a:schemeClr val="accent1"/>
+            </a:effectRef>
+            <a:fontRef idx="minor">
+              <a:schemeClr val="lt1"/>
+            </a:fontRef>
+          </p:style>
+          <p:txBody>
+            <a:bodyPr rtlCol="0" anchor="ctr"/>
+            <a:lstStyle/>
+            <a:p>
+              <a:pPr algn="ctr"/>
+              <a:r>
+                <a:rPr lang="en-US" sz="1600" dirty="0" smtClean="0">
+                  <a:latin typeface="Segoe UI" panose="020B0502040204020203" pitchFamily="34" charset="0"/>
+                  <a:cs typeface="Segoe UI" panose="020B0502040204020203" pitchFamily="34" charset="0"/>
+                </a:rPr>
+                <a:t>Inventory Item</a:t>
+              </a:r>
+              <a:endParaRPr lang="en-US" sz="1600" dirty="0">
+                <a:latin typeface="Segoe UI" panose="020B0502040204020203" pitchFamily="34" charset="0"/>
+                <a:cs typeface="Segoe UI" panose="020B0502040204020203" pitchFamily="34" charset="0"/>
+              </a:endParaRPr>
+            </a:p>
+          </p:txBody>
+        </p:sp>
+        <p:sp>
+          <p:nvSpPr>
+            <p:cNvPr id="30" name="Rectangle 29">
+              <a:extLst>
+                <a:ext uri="{FF2B5EF4-FFF2-40B4-BE49-F238E27FC236}">
+                  <a16:creationId xmlns:a16="http://schemas.microsoft.com/office/drawing/2014/main" id="{92F3C2D4-DE2E-4B48-93DA-8F055147368D}"/>
+                </a:ext>
+              </a:extLst>
+            </p:cNvPr>
+            <p:cNvSpPr/>
+            <p:nvPr/>
+          </p:nvSpPr>
+          <p:spPr>
+            <a:xfrm>
+              <a:off x="100584" y="1888717"/>
+              <a:ext cx="2286000" cy="738664"/>
+            </a:xfrm>
+            <a:prstGeom prst="rect">
+              <a:avLst/>
+            </a:prstGeom>
+            <a:solidFill>
+              <a:schemeClr val="bg1">
+                <a:lumMod val="85000"/>
+              </a:schemeClr>
+            </a:solidFill>
+            <a:ln>
+              <a:noFill/>
+            </a:ln>
+          </p:spPr>
+          <p:style>
+            <a:lnRef idx="2">
+              <a:schemeClr val="accent1">
+                <a:shade val="50000"/>
+              </a:schemeClr>
+            </a:lnRef>
+            <a:fillRef idx="1">
+              <a:schemeClr val="accent1"/>
+            </a:fillRef>
+            <a:effectRef idx="0">
+              <a:schemeClr val="accent1"/>
+            </a:effectRef>
+            <a:fontRef idx="minor">
+              <a:schemeClr val="lt1"/>
+            </a:fontRef>
+          </p:style>
+          <p:txBody>
+            <a:bodyPr rtlCol="0" anchor="ctr" anchorCtr="0">
+              <a:spAutoFit/>
+            </a:bodyPr>
+            <a:lstStyle/>
+            <a:p>
+              <a:pPr algn="ctr"/>
+              <a:r>
+                <a:rPr lang="en-US" sz="1400" dirty="0" smtClean="0">
+                  <a:solidFill>
+                    <a:schemeClr val="tx1">
+                      <a:lumMod val="65000"/>
+                      <a:lumOff val="35000"/>
+                    </a:schemeClr>
+                  </a:solidFill>
+                  <a:latin typeface="Segoe UI" panose="020B0502040204020203" pitchFamily="34" charset="0"/>
+                  <a:cs typeface="Segoe UI" panose="020B0502040204020203" pitchFamily="34" charset="0"/>
+                </a:rPr>
+                <a:t>Is Accounted</a:t>
+              </a:r>
+            </a:p>
+            <a:p>
+              <a:pPr algn="ctr"/>
+              <a:r>
+                <a:rPr lang="en-US" sz="1400" dirty="0" smtClean="0">
+                  <a:solidFill>
+                    <a:schemeClr val="tx1">
+                      <a:lumMod val="65000"/>
+                      <a:lumOff val="35000"/>
+                    </a:schemeClr>
+                  </a:solidFill>
+                  <a:latin typeface="Segoe UI" panose="020B0502040204020203" pitchFamily="34" charset="0"/>
+                  <a:cs typeface="Segoe UI" panose="020B0502040204020203" pitchFamily="34" charset="0"/>
+                </a:rPr>
+                <a:t>Is Missing</a:t>
+              </a:r>
+            </a:p>
+            <a:p>
+              <a:pPr algn="ctr"/>
+              <a:r>
+                <a:rPr lang="en-US" sz="1400" dirty="0" smtClean="0">
+                  <a:solidFill>
+                    <a:schemeClr val="tx1">
+                      <a:lumMod val="65000"/>
+                      <a:lumOff val="35000"/>
+                    </a:schemeClr>
+                  </a:solidFill>
+                  <a:latin typeface="Segoe UI" panose="020B0502040204020203" pitchFamily="34" charset="0"/>
+                  <a:cs typeface="Segoe UI" panose="020B0502040204020203" pitchFamily="34" charset="0"/>
+                </a:rPr>
+                <a:t>Remarks</a:t>
+              </a:r>
+              <a:endParaRPr lang="en-US" sz="1400" dirty="0">
+                <a:solidFill>
+                  <a:schemeClr val="tx1">
+                    <a:lumMod val="65000"/>
+                    <a:lumOff val="35000"/>
+                  </a:schemeClr>
+                </a:solidFill>
+                <a:latin typeface="Segoe UI" panose="020B0502040204020203" pitchFamily="34" charset="0"/>
+                <a:cs typeface="Segoe UI" panose="020B0502040204020203" pitchFamily="34" charset="0"/>
+              </a:endParaRPr>
+            </a:p>
+          </p:txBody>
+        </p:sp>
+      </p:grpSp>
+      <p:grpSp>
+        <p:nvGrpSpPr>
+          <p:cNvPr id="31" name="Group 30"/>
+          <p:cNvGrpSpPr/>
+          <p:nvPr/>
+        </p:nvGrpSpPr>
+        <p:grpSpPr>
+          <a:xfrm>
+            <a:off x="5673815" y="2637172"/>
+            <a:ext cx="2286000" cy="1012984"/>
+            <a:chOff x="100584" y="1614397"/>
+            <a:chExt cx="2286000" cy="1012984"/>
+          </a:xfrm>
+        </p:grpSpPr>
+        <p:sp>
+          <p:nvSpPr>
+            <p:cNvPr id="32" name="Rectangle 31">
+              <a:extLst>
+                <a:ext uri="{FF2B5EF4-FFF2-40B4-BE49-F238E27FC236}">
+                  <a16:creationId xmlns:a16="http://schemas.microsoft.com/office/drawing/2014/main" id="{5626B030-B48B-42C0-9339-F603883EA700}"/>
+                </a:ext>
+              </a:extLst>
+            </p:cNvPr>
+            <p:cNvSpPr/>
+            <p:nvPr/>
+          </p:nvSpPr>
+          <p:spPr>
+            <a:xfrm>
+              <a:off x="100584" y="1614397"/>
+              <a:ext cx="2286000" cy="274320"/>
+            </a:xfrm>
+            <a:prstGeom prst="rect">
+              <a:avLst/>
+            </a:prstGeom>
+            <a:solidFill>
+              <a:schemeClr val="tx1">
+                <a:lumMod val="75000"/>
+                <a:lumOff val="25000"/>
+              </a:schemeClr>
+            </a:solidFill>
+            <a:ln>
+              <a:noFill/>
+            </a:ln>
+          </p:spPr>
+          <p:style>
+            <a:lnRef idx="2">
+              <a:schemeClr val="accent1">
+                <a:shade val="50000"/>
+              </a:schemeClr>
+            </a:lnRef>
+            <a:fillRef idx="1">
+              <a:schemeClr val="accent1"/>
+            </a:fillRef>
+            <a:effectRef idx="0">
+              <a:schemeClr val="accent1"/>
+            </a:effectRef>
+            <a:fontRef idx="minor">
+              <a:schemeClr val="lt1"/>
+            </a:fontRef>
+          </p:style>
+          <p:txBody>
+            <a:bodyPr rtlCol="0" anchor="ctr"/>
+            <a:lstStyle/>
+            <a:p>
+              <a:pPr algn="ctr"/>
+              <a:r>
+                <a:rPr lang="en-US" sz="1600" dirty="0" smtClean="0">
+                  <a:latin typeface="Segoe UI" panose="020B0502040204020203" pitchFamily="34" charset="0"/>
+                  <a:cs typeface="Segoe UI" panose="020B0502040204020203" pitchFamily="34" charset="0"/>
+                </a:rPr>
+                <a:t>Inventory Item</a:t>
+              </a:r>
+              <a:endParaRPr lang="en-US" sz="1600" dirty="0">
+                <a:latin typeface="Segoe UI" panose="020B0502040204020203" pitchFamily="34" charset="0"/>
+                <a:cs typeface="Segoe UI" panose="020B0502040204020203" pitchFamily="34" charset="0"/>
+              </a:endParaRPr>
+            </a:p>
+          </p:txBody>
+        </p:sp>
+        <p:sp>
+          <p:nvSpPr>
+            <p:cNvPr id="33" name="Rectangle 32">
+              <a:extLst>
+                <a:ext uri="{FF2B5EF4-FFF2-40B4-BE49-F238E27FC236}">
+                  <a16:creationId xmlns:a16="http://schemas.microsoft.com/office/drawing/2014/main" id="{92F3C2D4-DE2E-4B48-93DA-8F055147368D}"/>
+                </a:ext>
+              </a:extLst>
+            </p:cNvPr>
+            <p:cNvSpPr/>
+            <p:nvPr/>
+          </p:nvSpPr>
+          <p:spPr>
+            <a:xfrm>
+              <a:off x="100584" y="1888717"/>
+              <a:ext cx="2286000" cy="738664"/>
+            </a:xfrm>
+            <a:prstGeom prst="rect">
+              <a:avLst/>
+            </a:prstGeom>
+            <a:solidFill>
+              <a:schemeClr val="bg1">
+                <a:lumMod val="85000"/>
+              </a:schemeClr>
+            </a:solidFill>
+            <a:ln>
+              <a:noFill/>
+            </a:ln>
+          </p:spPr>
+          <p:style>
+            <a:lnRef idx="2">
+              <a:schemeClr val="accent1">
+                <a:shade val="50000"/>
+              </a:schemeClr>
+            </a:lnRef>
+            <a:fillRef idx="1">
+              <a:schemeClr val="accent1"/>
+            </a:fillRef>
+            <a:effectRef idx="0">
+              <a:schemeClr val="accent1"/>
+            </a:effectRef>
+            <a:fontRef idx="minor">
+              <a:schemeClr val="lt1"/>
+            </a:fontRef>
+          </p:style>
+          <p:txBody>
+            <a:bodyPr rtlCol="0" anchor="ctr" anchorCtr="0">
+              <a:spAutoFit/>
+            </a:bodyPr>
+            <a:lstStyle/>
+            <a:p>
+              <a:pPr algn="ctr"/>
+              <a:r>
+                <a:rPr lang="en-US" sz="1400" dirty="0" smtClean="0">
+                  <a:solidFill>
+                    <a:schemeClr val="tx1">
+                      <a:lumMod val="65000"/>
+                      <a:lumOff val="35000"/>
+                    </a:schemeClr>
+                  </a:solidFill>
+                  <a:latin typeface="Segoe UI" panose="020B0502040204020203" pitchFamily="34" charset="0"/>
+                  <a:cs typeface="Segoe UI" panose="020B0502040204020203" pitchFamily="34" charset="0"/>
+                </a:rPr>
+                <a:t>Is Accounted</a:t>
+              </a:r>
+            </a:p>
+            <a:p>
+              <a:pPr algn="ctr"/>
+              <a:r>
+                <a:rPr lang="en-US" sz="1400" dirty="0" smtClean="0">
+                  <a:solidFill>
+                    <a:schemeClr val="tx1">
+                      <a:lumMod val="65000"/>
+                      <a:lumOff val="35000"/>
+                    </a:schemeClr>
+                  </a:solidFill>
+                  <a:latin typeface="Segoe UI" panose="020B0502040204020203" pitchFamily="34" charset="0"/>
+                  <a:cs typeface="Segoe UI" panose="020B0502040204020203" pitchFamily="34" charset="0"/>
+                </a:rPr>
+                <a:t>Is Missing</a:t>
+              </a:r>
+            </a:p>
+            <a:p>
+              <a:pPr algn="ctr"/>
+              <a:r>
+                <a:rPr lang="en-US" sz="1400" dirty="0" smtClean="0">
+                  <a:solidFill>
+                    <a:schemeClr val="tx1">
+                      <a:lumMod val="65000"/>
+                      <a:lumOff val="35000"/>
+                    </a:schemeClr>
+                  </a:solidFill>
+                  <a:latin typeface="Segoe UI" panose="020B0502040204020203" pitchFamily="34" charset="0"/>
+                  <a:cs typeface="Segoe UI" panose="020B0502040204020203" pitchFamily="34" charset="0"/>
+                </a:rPr>
+                <a:t>Remarks</a:t>
+              </a:r>
+              <a:endParaRPr lang="en-US" sz="1400" dirty="0">
+                <a:solidFill>
+                  <a:schemeClr val="tx1">
+                    <a:lumMod val="65000"/>
+                    <a:lumOff val="35000"/>
+                  </a:schemeClr>
+                </a:solidFill>
+                <a:latin typeface="Segoe UI" panose="020B0502040204020203" pitchFamily="34" charset="0"/>
+                <a:cs typeface="Segoe UI" panose="020B0502040204020203" pitchFamily="34" charset="0"/>
+              </a:endParaRPr>
+            </a:p>
+          </p:txBody>
+        </p:sp>
+      </p:grpSp>
+      <p:cxnSp>
+        <p:nvCxnSpPr>
+          <p:cNvPr id="11" name="Straight Arrow Connector 10"/>
+          <p:cNvCxnSpPr>
+            <a:stCxn id="30" idx="2"/>
+            <a:endCxn id="39" idx="0"/>
+          </p:cNvCxnSpPr>
+          <p:nvPr/>
+        </p:nvCxnSpPr>
+        <p:spPr>
+          <a:xfrm>
+            <a:off x="1243579" y="3650156"/>
+            <a:ext cx="5" cy="490749"/>
+          </a:xfrm>
+          <a:prstGeom prst="straightConnector1">
+            <a:avLst/>
+          </a:prstGeom>
+          <a:ln w="12700">
+            <a:tailEnd type="triangle"/>
+          </a:ln>
+        </p:spPr>
+        <p:style>
+          <a:lnRef idx="1">
+            <a:schemeClr val="accent6"/>
+          </a:lnRef>
+          <a:fillRef idx="0">
+            <a:schemeClr val="accent6"/>
+          </a:fillRef>
+          <a:effectRef idx="0">
+            <a:schemeClr val="accent6"/>
+          </a:effectRef>
+          <a:fontRef idx="minor">
+            <a:schemeClr val="tx1"/>
+          </a:fontRef>
+        </p:style>
+      </p:cxnSp>
+      <p:cxnSp>
+        <p:nvCxnSpPr>
+          <p:cNvPr id="14" name="Straight Arrow Connector 13"/>
+          <p:cNvCxnSpPr>
+            <a:stCxn id="33" idx="2"/>
+            <a:endCxn id="69" idx="0"/>
+          </p:cNvCxnSpPr>
+          <p:nvPr/>
+        </p:nvCxnSpPr>
+        <p:spPr>
+          <a:xfrm>
+            <a:off x="6816815" y="3650156"/>
+            <a:ext cx="5" cy="490749"/>
+          </a:xfrm>
+          <a:prstGeom prst="straightConnector1">
+            <a:avLst/>
+          </a:prstGeom>
+          <a:ln w="12700">
+            <a:tailEnd type="triangle"/>
+          </a:ln>
+        </p:spPr>
+        <p:style>
+          <a:lnRef idx="1">
+            <a:schemeClr val="accent6"/>
+          </a:lnRef>
+          <a:fillRef idx="0">
+            <a:schemeClr val="accent6"/>
+          </a:fillRef>
+          <a:effectRef idx="0">
+            <a:schemeClr val="accent6"/>
+          </a:effectRef>
+          <a:fontRef idx="minor">
+            <a:schemeClr val="tx1"/>
+          </a:fontRef>
+        </p:style>
+      </p:cxnSp>
+      <p:cxnSp>
+        <p:nvCxnSpPr>
+          <p:cNvPr id="18" name="Elbow Connector 17"/>
+          <p:cNvCxnSpPr>
+            <a:stCxn id="60" idx="2"/>
+            <a:endCxn id="29" idx="0"/>
+          </p:cNvCxnSpPr>
+          <p:nvPr/>
+        </p:nvCxnSpPr>
+        <p:spPr>
+          <a:xfrm rot="5400000">
+            <a:off x="2382640" y="989605"/>
+            <a:ext cx="508506" cy="2786628"/>
+          </a:xfrm>
+          <a:prstGeom prst="bentConnector3">
+            <a:avLst/>
+          </a:prstGeom>
+          <a:ln w="12700">
+            <a:tailEnd type="triangle"/>
+          </a:ln>
+        </p:spPr>
+        <p:style>
+          <a:lnRef idx="1">
+            <a:schemeClr val="accent6"/>
+          </a:lnRef>
+          <a:fillRef idx="0">
+            <a:schemeClr val="accent6"/>
+          </a:fillRef>
+          <a:effectRef idx="0">
+            <a:schemeClr val="accent6"/>
+          </a:effectRef>
+          <a:fontRef idx="minor">
+            <a:schemeClr val="tx1"/>
+          </a:fontRef>
+        </p:style>
+      </p:cxnSp>
+      <p:cxnSp>
+        <p:nvCxnSpPr>
+          <p:cNvPr id="21" name="Elbow Connector 20"/>
+          <p:cNvCxnSpPr>
+            <a:stCxn id="60" idx="2"/>
+            <a:endCxn id="32" idx="0"/>
+          </p:cNvCxnSpPr>
+          <p:nvPr/>
+        </p:nvCxnSpPr>
+        <p:spPr>
+          <a:xfrm rot="16200000" flipH="1">
+            <a:off x="5169258" y="989615"/>
+            <a:ext cx="508506" cy="2786608"/>
+          </a:xfrm>
+          <a:prstGeom prst="bentConnector3">
+            <a:avLst/>
+          </a:prstGeom>
+          <a:ln w="12700">
+            <a:tailEnd type="triangle"/>
+          </a:ln>
+        </p:spPr>
+        <p:style>
+          <a:lnRef idx="1">
+            <a:schemeClr val="accent6"/>
+          </a:lnRef>
+          <a:fillRef idx="0">
+            <a:schemeClr val="accent6"/>
+          </a:fillRef>
+          <a:effectRef idx="0">
+            <a:schemeClr val="accent6"/>
+          </a:effectRef>
+          <a:fontRef idx="minor">
+            <a:schemeClr val="tx1"/>
+          </a:fontRef>
+        </p:style>
+      </p:cxnSp>
+      <p:grpSp>
+        <p:nvGrpSpPr>
+          <p:cNvPr id="25" name="Group 24"/>
+          <p:cNvGrpSpPr/>
+          <p:nvPr/>
+        </p:nvGrpSpPr>
+        <p:grpSpPr>
+          <a:xfrm>
+            <a:off x="2641662" y="5747402"/>
+            <a:ext cx="2777006" cy="1017040"/>
+            <a:chOff x="252984" y="1006158"/>
+            <a:chExt cx="7859261" cy="1017040"/>
+          </a:xfrm>
+        </p:grpSpPr>
+        <p:sp>
+          <p:nvSpPr>
+            <p:cNvPr id="26" name="Rectangle 25">
               <a:extLst>
                 <a:ext uri="{FF2B5EF4-FFF2-40B4-BE49-F238E27FC236}">
                   <a16:creationId xmlns:a16="http://schemas.microsoft.com/office/drawing/2014/main" id="{4808B174-B9CF-4CAD-8A19-1BC9D885D3B3}"/>
@@ -16574,7 +17901,7 @@
           </p:nvSpPr>
           <p:spPr>
             <a:xfrm>
-              <a:off x="100584" y="853758"/>
+              <a:off x="252984" y="1006158"/>
               <a:ext cx="7859261" cy="274320"/>
             </a:xfrm>
             <a:prstGeom prst="rect">
@@ -16616,288 +17943,14 @@
                   <a:latin typeface="Segoe UI" panose="020B0502040204020203" pitchFamily="34" charset="0"/>
                   <a:cs typeface="Segoe UI" panose="020B0502040204020203" pitchFamily="34" charset="0"/>
                 </a:rPr>
-                <a:t>Inventory</a:t>
+                <a:t>Inventory Verification</a:t>
               </a:r>
-              <a:endParaRPr lang="en-US" sz="1600" dirty="0">
-                <a:latin typeface="Segoe UI" panose="020B0502040204020203" pitchFamily="34" charset="0"/>
-                <a:cs typeface="Segoe UI" panose="020B0502040204020203" pitchFamily="34" charset="0"/>
-              </a:endParaRPr>
             </a:p>
           </p:txBody>
         </p:sp>
-        <p:grpSp>
-          <p:nvGrpSpPr>
-            <p:cNvPr id="5" name="Group 4"/>
-            <p:cNvGrpSpPr/>
-            <p:nvPr/>
-          </p:nvGrpSpPr>
-          <p:grpSpPr>
-            <a:xfrm>
-              <a:off x="100579" y="4250610"/>
-              <a:ext cx="2286005" cy="2090202"/>
-              <a:chOff x="100579" y="1614397"/>
-              <a:chExt cx="2286005" cy="2090202"/>
-            </a:xfrm>
-          </p:grpSpPr>
-          <p:sp>
-            <p:nvSpPr>
-              <p:cNvPr id="39" name="Rectangle 38">
-                <a:extLst>
-                  <a:ext uri="{FF2B5EF4-FFF2-40B4-BE49-F238E27FC236}">
-                    <a16:creationId xmlns:a16="http://schemas.microsoft.com/office/drawing/2014/main" id="{5626B030-B48B-42C0-9339-F603883EA700}"/>
-                  </a:ext>
-                </a:extLst>
-              </p:cNvPr>
-              <p:cNvSpPr/>
-              <p:nvPr/>
-            </p:nvSpPr>
-            <p:spPr>
-              <a:xfrm>
-                <a:off x="100584" y="1614397"/>
-                <a:ext cx="2286000" cy="274320"/>
-              </a:xfrm>
-              <a:prstGeom prst="rect">
-                <a:avLst/>
-              </a:prstGeom>
-              <a:solidFill>
-                <a:schemeClr val="tx1">
-                  <a:lumMod val="75000"/>
-                  <a:lumOff val="25000"/>
-                </a:schemeClr>
-              </a:solidFill>
-              <a:ln>
-                <a:noFill/>
-              </a:ln>
-            </p:spPr>
-            <p:style>
-              <a:lnRef idx="2">
-                <a:schemeClr val="accent1">
-                  <a:shade val="50000"/>
-                </a:schemeClr>
-              </a:lnRef>
-              <a:fillRef idx="1">
-                <a:schemeClr val="accent1"/>
-              </a:fillRef>
-              <a:effectRef idx="0">
-                <a:schemeClr val="accent1"/>
-              </a:effectRef>
-              <a:fontRef idx="minor">
-                <a:schemeClr val="lt1"/>
-              </a:fontRef>
-            </p:style>
-            <p:txBody>
-              <a:bodyPr rtlCol="0" anchor="ctr"/>
-              <a:lstStyle/>
-              <a:p>
-                <a:pPr algn="ctr"/>
-                <a:r>
-                  <a:rPr lang="en-US" sz="1600" dirty="0" smtClean="0">
-                    <a:latin typeface="Segoe UI" panose="020B0502040204020203" pitchFamily="34" charset="0"/>
-                    <a:cs typeface="Segoe UI" panose="020B0502040204020203" pitchFamily="34" charset="0"/>
-                  </a:rPr>
-                  <a:t>Item - Serialized</a:t>
-                </a:r>
-                <a:endParaRPr lang="en-US" sz="1600" dirty="0">
-                  <a:latin typeface="Segoe UI" panose="020B0502040204020203" pitchFamily="34" charset="0"/>
-                  <a:cs typeface="Segoe UI" panose="020B0502040204020203" pitchFamily="34" charset="0"/>
-                </a:endParaRPr>
-              </a:p>
-            </p:txBody>
-          </p:sp>
-          <p:sp>
-            <p:nvSpPr>
-              <p:cNvPr id="41" name="Rectangle 40">
-                <a:extLst>
-                  <a:ext uri="{FF2B5EF4-FFF2-40B4-BE49-F238E27FC236}">
-                    <a16:creationId xmlns:a16="http://schemas.microsoft.com/office/drawing/2014/main" id="{92F3C2D4-DE2E-4B48-93DA-8F055147368D}"/>
-                  </a:ext>
-                </a:extLst>
-              </p:cNvPr>
-              <p:cNvSpPr/>
-              <p:nvPr/>
-            </p:nvSpPr>
-            <p:spPr>
-              <a:xfrm>
-                <a:off x="100579" y="1888717"/>
-                <a:ext cx="2286000" cy="1815882"/>
-              </a:xfrm>
-              <a:prstGeom prst="rect">
-                <a:avLst/>
-              </a:prstGeom>
-              <a:solidFill>
-                <a:schemeClr val="bg1">
-                  <a:lumMod val="85000"/>
-                </a:schemeClr>
-              </a:solidFill>
-              <a:ln>
-                <a:noFill/>
-              </a:ln>
-            </p:spPr>
-            <p:style>
-              <a:lnRef idx="2">
-                <a:schemeClr val="accent1">
-                  <a:shade val="50000"/>
-                </a:schemeClr>
-              </a:lnRef>
-              <a:fillRef idx="1">
-                <a:schemeClr val="accent1"/>
-              </a:fillRef>
-              <a:effectRef idx="0">
-                <a:schemeClr val="accent1"/>
-              </a:effectRef>
-              <a:fontRef idx="minor">
-                <a:schemeClr val="lt1"/>
-              </a:fontRef>
-            </p:style>
-            <p:txBody>
-              <a:bodyPr rtlCol="0" anchor="ctr" anchorCtr="0">
-                <a:spAutoFit/>
-              </a:bodyPr>
-              <a:lstStyle/>
-              <a:p>
-                <a:pPr algn="ctr"/>
-                <a:r>
-                  <a:rPr lang="en-US" sz="1400" dirty="0" smtClean="0">
-                    <a:solidFill>
-                      <a:schemeClr val="tx1">
-                        <a:lumMod val="65000"/>
-                        <a:lumOff val="35000"/>
-                      </a:schemeClr>
-                    </a:solidFill>
-                    <a:latin typeface="Segoe UI" panose="020B0502040204020203" pitchFamily="34" charset="0"/>
-                    <a:cs typeface="Segoe UI" panose="020B0502040204020203" pitchFamily="34" charset="0"/>
-                  </a:rPr>
-                  <a:t>Category</a:t>
-                </a:r>
-              </a:p>
-              <a:p>
-                <a:pPr algn="ctr"/>
-                <a:r>
-                  <a:rPr lang="en-US" sz="1400" dirty="0" smtClean="0">
-                    <a:solidFill>
-                      <a:schemeClr val="tx1">
-                        <a:lumMod val="65000"/>
-                        <a:lumOff val="35000"/>
-                      </a:schemeClr>
-                    </a:solidFill>
-                    <a:latin typeface="Segoe UI" panose="020B0502040204020203" pitchFamily="34" charset="0"/>
-                    <a:cs typeface="Segoe UI" panose="020B0502040204020203" pitchFamily="34" charset="0"/>
-                  </a:rPr>
-                  <a:t>Order – If Exists</a:t>
-                </a:r>
-              </a:p>
-              <a:p>
-                <a:pPr algn="ctr"/>
-                <a:r>
-                  <a:rPr lang="en-US" sz="1400" dirty="0" smtClean="0">
-                    <a:solidFill>
-                      <a:schemeClr val="tx1">
-                        <a:lumMod val="65000"/>
-                        <a:lumOff val="35000"/>
-                      </a:schemeClr>
-                    </a:solidFill>
-                    <a:latin typeface="Segoe UI" panose="020B0502040204020203" pitchFamily="34" charset="0"/>
-                    <a:cs typeface="Segoe UI" panose="020B0502040204020203" pitchFamily="34" charset="0"/>
-                  </a:rPr>
-                  <a:t>Manufacturer</a:t>
-                </a:r>
-              </a:p>
-              <a:p>
-                <a:pPr algn="ctr"/>
-                <a:r>
-                  <a:rPr lang="en-US" sz="1400" dirty="0" smtClean="0">
-                    <a:solidFill>
-                      <a:schemeClr val="tx1">
-                        <a:lumMod val="65000"/>
-                        <a:lumOff val="35000"/>
-                      </a:schemeClr>
-                    </a:solidFill>
-                    <a:latin typeface="Segoe UI" panose="020B0502040204020203" pitchFamily="34" charset="0"/>
-                    <a:cs typeface="Segoe UI" panose="020B0502040204020203" pitchFamily="34" charset="0"/>
-                  </a:rPr>
-                  <a:t>Model</a:t>
-                </a:r>
-              </a:p>
-              <a:p>
-                <a:pPr algn="ctr"/>
-                <a:r>
-                  <a:rPr lang="en-US" sz="1400" dirty="0" smtClean="0">
-                    <a:solidFill>
-                      <a:schemeClr val="tx1">
-                        <a:lumMod val="65000"/>
-                        <a:lumOff val="35000"/>
-                      </a:schemeClr>
-                    </a:solidFill>
-                    <a:latin typeface="Segoe UI" panose="020B0502040204020203" pitchFamily="34" charset="0"/>
-                    <a:cs typeface="Segoe UI" panose="020B0502040204020203" pitchFamily="34" charset="0"/>
-                  </a:rPr>
-                  <a:t>Nsn</a:t>
-                </a:r>
-              </a:p>
-              <a:p>
-                <a:pPr algn="ctr"/>
-                <a:r>
-                  <a:rPr lang="en-US" sz="1400" dirty="0" smtClean="0">
-                    <a:solidFill>
-                      <a:schemeClr val="tx1">
-                        <a:lumMod val="65000"/>
-                        <a:lumOff val="35000"/>
-                      </a:schemeClr>
-                    </a:solidFill>
-                    <a:latin typeface="Segoe UI" panose="020B0502040204020203" pitchFamily="34" charset="0"/>
-                    <a:cs typeface="Segoe UI" panose="020B0502040204020203" pitchFamily="34" charset="0"/>
-                  </a:rPr>
-                  <a:t>Item Type</a:t>
-                </a:r>
-              </a:p>
-              <a:p>
-                <a:pPr algn="ctr"/>
-                <a:r>
-                  <a:rPr lang="en-US" sz="1400" dirty="0" smtClean="0">
-                    <a:solidFill>
-                      <a:schemeClr val="tx1">
-                        <a:lumMod val="65000"/>
-                        <a:lumOff val="35000"/>
-                      </a:schemeClr>
-                    </a:solidFill>
-                    <a:latin typeface="Segoe UI" panose="020B0502040204020203" pitchFamily="34" charset="0"/>
-                    <a:cs typeface="Segoe UI" panose="020B0502040204020203" pitchFamily="34" charset="0"/>
-                  </a:rPr>
-                  <a:t>Serial Number</a:t>
-                </a:r>
-              </a:p>
-              <a:p>
-                <a:pPr algn="ctr"/>
-                <a:r>
-                  <a:rPr lang="en-US" sz="1400" dirty="0" smtClean="0">
-                    <a:solidFill>
-                      <a:schemeClr val="tx1">
-                        <a:lumMod val="65000"/>
-                        <a:lumOff val="35000"/>
-                      </a:schemeClr>
-                    </a:solidFill>
-                    <a:latin typeface="Segoe UI" panose="020B0502040204020203" pitchFamily="34" charset="0"/>
-                    <a:cs typeface="Segoe UI" panose="020B0502040204020203" pitchFamily="34" charset="0"/>
-                  </a:rPr>
-                  <a:t>Location</a:t>
-                </a:r>
-                <a:endParaRPr lang="en-US" sz="1400" dirty="0">
-                  <a:solidFill>
-                    <a:schemeClr val="tx1">
-                      <a:lumMod val="65000"/>
-                      <a:lumOff val="35000"/>
-                    </a:schemeClr>
-                  </a:solidFill>
-                  <a:latin typeface="Segoe UI" panose="020B0502040204020203" pitchFamily="34" charset="0"/>
-                  <a:cs typeface="Segoe UI" panose="020B0502040204020203" pitchFamily="34" charset="0"/>
-                </a:endParaRPr>
-              </a:p>
-            </p:txBody>
-          </p:sp>
-        </p:grpSp>
         <p:sp>
           <p:nvSpPr>
-            <p:cNvPr id="60" name="Rectangle 59">
+            <p:cNvPr id="27" name="Rectangle 26">
               <a:extLst>
                 <a:ext uri="{FF2B5EF4-FFF2-40B4-BE49-F238E27FC236}">
                   <a16:creationId xmlns:a16="http://schemas.microsoft.com/office/drawing/2014/main" id="{34EF0660-717C-40BE-8EF0-14F53806A4C8}"/>
@@ -16909,8 +17962,8 @@
           </p:nvSpPr>
           <p:spPr>
             <a:xfrm>
-              <a:off x="100559" y="1128078"/>
-              <a:ext cx="7859256" cy="1384995"/>
+              <a:off x="252986" y="1284534"/>
+              <a:ext cx="7859256" cy="738664"/>
             </a:xfrm>
             <a:prstGeom prst="rect">
               <a:avLst/>
@@ -16958,71 +18011,7 @@
                   <a:latin typeface="Segoe UI" panose="020B0502040204020203" pitchFamily="34" charset="0"/>
                   <a:cs typeface="Segoe UI" panose="020B0502040204020203" pitchFamily="34" charset="0"/>
                 </a:rPr>
-                <a:t>Property Record</a:t>
-              </a:r>
-            </a:p>
-            <a:p>
-              <a:pPr algn="ctr"/>
-              <a:r>
-                <a:rPr lang="en-US" sz="1400" dirty="0" smtClean="0">
-                  <a:solidFill>
-                    <a:schemeClr val="tx1">
-                      <a:lumMod val="65000"/>
-                      <a:lumOff val="35000"/>
-                    </a:schemeClr>
-                  </a:solidFill>
-                  <a:latin typeface="Segoe UI" panose="020B0502040204020203" pitchFamily="34" charset="0"/>
-                  <a:cs typeface="Segoe UI" panose="020B0502040204020203" pitchFamily="34" charset="0"/>
-                </a:rPr>
-                <a:t>Record User</a:t>
-              </a:r>
-            </a:p>
-            <a:p>
-              <a:pPr algn="ctr"/>
-              <a:r>
-                <a:rPr lang="en-US" sz="1400" dirty="0" smtClean="0">
-                  <a:solidFill>
-                    <a:schemeClr val="tx1">
-                      <a:lumMod val="65000"/>
-                      <a:lumOff val="35000"/>
-                    </a:schemeClr>
-                  </a:solidFill>
-                  <a:latin typeface="Segoe UI" panose="020B0502040204020203" pitchFamily="34" charset="0"/>
-                  <a:cs typeface="Segoe UI" panose="020B0502040204020203" pitchFamily="34" charset="0"/>
-                </a:rPr>
-                <a:t>Log User</a:t>
-              </a:r>
-            </a:p>
-            <a:p>
-              <a:pPr algn="ctr"/>
-              <a:r>
-                <a:rPr lang="en-US" sz="1400" dirty="0" smtClean="0">
-                  <a:solidFill>
-                    <a:schemeClr val="tx1">
-                      <a:lumMod val="65000"/>
-                      <a:lumOff val="35000"/>
-                    </a:schemeClr>
-                  </a:solidFill>
-                  <a:latin typeface="Segoe UI" panose="020B0502040204020203" pitchFamily="34" charset="0"/>
-                  <a:cs typeface="Segoe UI" panose="020B0502040204020203" pitchFamily="34" charset="0"/>
-                </a:rPr>
-                <a:t>Date Started</a:t>
-              </a:r>
-            </a:p>
-            <a:p>
-              <a:pPr algn="ctr"/>
-              <a:r>
-                <a:rPr lang="en-US" sz="1400" dirty="0" smtClean="0">
-                  <a:solidFill>
-                    <a:schemeClr val="tx1">
-                      <a:lumMod val="65000"/>
-                      <a:lumOff val="35000"/>
-                    </a:schemeClr>
-                  </a:solidFill>
-                  <a:latin typeface="Segoe UI" panose="020B0502040204020203" pitchFamily="34" charset="0"/>
-                  <a:cs typeface="Segoe UI" panose="020B0502040204020203" pitchFamily="34" charset="0"/>
-                </a:rPr>
-                <a:t>Date Completed</a:t>
+                <a:t>User</a:t>
               </a:r>
             </a:p>
             <a:p>
@@ -17040,6 +18029,22 @@
                 </a:rPr>
                 <a:t>Remarks</a:t>
               </a:r>
+            </a:p>
+            <a:p>
+              <a:pPr algn="ctr"/>
+              <a:r>
+                <a:rPr lang="en-US" sz="1400" dirty="0" smtClean="0">
+                  <a:solidFill>
+                    <a:schemeClr val="tx1">
+                      <a:lumMod val="65000"/>
+                      <a:lumOff val="35000"/>
+                    </a:schemeClr>
+                  </a:solidFill>
+                  <a:latin typeface="Segoe UI" panose="020B0502040204020203" pitchFamily="34" charset="0"/>
+                  <a:cs typeface="Segoe UI" panose="020B0502040204020203" pitchFamily="34" charset="0"/>
+                </a:rPr>
+                <a:t>Verification Date</a:t>
+              </a:r>
               <a:endParaRPr lang="en-US" sz="1400" dirty="0">
                 <a:solidFill>
                   <a:schemeClr val="tx1">
@@ -17053,807 +18058,43 @@
             </a:p>
           </p:txBody>
         </p:sp>
-        <p:grpSp>
-          <p:nvGrpSpPr>
-            <p:cNvPr id="4" name="Group 3"/>
-            <p:cNvGrpSpPr/>
-            <p:nvPr/>
-          </p:nvGrpSpPr>
-          <p:grpSpPr>
-            <a:xfrm>
-              <a:off x="5673815" y="4250610"/>
-              <a:ext cx="2286005" cy="2305645"/>
-              <a:chOff x="100579" y="3943341"/>
-              <a:chExt cx="2286005" cy="2305645"/>
-            </a:xfrm>
-          </p:grpSpPr>
-          <p:sp>
-            <p:nvSpPr>
-              <p:cNvPr id="69" name="Rectangle 68">
-                <a:extLst>
-                  <a:ext uri="{FF2B5EF4-FFF2-40B4-BE49-F238E27FC236}">
-                    <a16:creationId xmlns:a16="http://schemas.microsoft.com/office/drawing/2014/main" id="{5626B030-B48B-42C0-9339-F603883EA700}"/>
-                  </a:ext>
-                </a:extLst>
-              </p:cNvPr>
-              <p:cNvSpPr/>
-              <p:nvPr/>
-            </p:nvSpPr>
-            <p:spPr>
-              <a:xfrm>
-                <a:off x="100584" y="3943341"/>
-                <a:ext cx="2286000" cy="274320"/>
-              </a:xfrm>
-              <a:prstGeom prst="rect">
-                <a:avLst/>
-              </a:prstGeom>
-              <a:solidFill>
-                <a:schemeClr val="tx1">
-                  <a:lumMod val="75000"/>
-                  <a:lumOff val="25000"/>
-                </a:schemeClr>
-              </a:solidFill>
-              <a:ln>
-                <a:noFill/>
-              </a:ln>
-            </p:spPr>
-            <p:style>
-              <a:lnRef idx="2">
-                <a:schemeClr val="accent1">
-                  <a:shade val="50000"/>
-                </a:schemeClr>
-              </a:lnRef>
-              <a:fillRef idx="1">
-                <a:schemeClr val="accent1"/>
-              </a:fillRef>
-              <a:effectRef idx="0">
-                <a:schemeClr val="accent1"/>
-              </a:effectRef>
-              <a:fontRef idx="minor">
-                <a:schemeClr val="lt1"/>
-              </a:fontRef>
-            </p:style>
-            <p:txBody>
-              <a:bodyPr rtlCol="0" anchor="ctr"/>
-              <a:lstStyle/>
-              <a:p>
-                <a:pPr algn="ctr"/>
-                <a:r>
-                  <a:rPr lang="en-US" sz="1600" dirty="0" smtClean="0">
-                    <a:latin typeface="Segoe UI" panose="020B0502040204020203" pitchFamily="34" charset="0"/>
-                    <a:cs typeface="Segoe UI" panose="020B0502040204020203" pitchFamily="34" charset="0"/>
-                  </a:rPr>
-                  <a:t>Item - Hardware</a:t>
-                </a:r>
-                <a:endParaRPr lang="en-US" sz="1600" dirty="0">
-                  <a:latin typeface="Segoe UI" panose="020B0502040204020203" pitchFamily="34" charset="0"/>
-                  <a:cs typeface="Segoe UI" panose="020B0502040204020203" pitchFamily="34" charset="0"/>
-                </a:endParaRPr>
-              </a:p>
-            </p:txBody>
-          </p:sp>
-          <p:sp>
-            <p:nvSpPr>
-              <p:cNvPr id="70" name="Rectangle 69">
-                <a:extLst>
-                  <a:ext uri="{FF2B5EF4-FFF2-40B4-BE49-F238E27FC236}">
-                    <a16:creationId xmlns:a16="http://schemas.microsoft.com/office/drawing/2014/main" id="{92F3C2D4-DE2E-4B48-93DA-8F055147368D}"/>
-                  </a:ext>
-                </a:extLst>
-              </p:cNvPr>
-              <p:cNvSpPr/>
-              <p:nvPr/>
-            </p:nvSpPr>
-            <p:spPr>
-              <a:xfrm>
-                <a:off x="100579" y="4217661"/>
-                <a:ext cx="2286000" cy="2031325"/>
-              </a:xfrm>
-              <a:prstGeom prst="rect">
-                <a:avLst/>
-              </a:prstGeom>
-              <a:solidFill>
-                <a:schemeClr val="bg1">
-                  <a:lumMod val="85000"/>
-                </a:schemeClr>
-              </a:solidFill>
-              <a:ln>
-                <a:noFill/>
-              </a:ln>
-            </p:spPr>
-            <p:style>
-              <a:lnRef idx="2">
-                <a:schemeClr val="accent1">
-                  <a:shade val="50000"/>
-                </a:schemeClr>
-              </a:lnRef>
-              <a:fillRef idx="1">
-                <a:schemeClr val="accent1"/>
-              </a:fillRef>
-              <a:effectRef idx="0">
-                <a:schemeClr val="accent1"/>
-              </a:effectRef>
-              <a:fontRef idx="minor">
-                <a:schemeClr val="lt1"/>
-              </a:fontRef>
-            </p:style>
-            <p:txBody>
-              <a:bodyPr rtlCol="0" anchor="ctr" anchorCtr="0">
-                <a:spAutoFit/>
-              </a:bodyPr>
-              <a:lstStyle/>
-              <a:p>
-                <a:pPr algn="ctr"/>
-                <a:r>
-                  <a:rPr lang="en-US" sz="1400" dirty="0" smtClean="0">
-                    <a:solidFill>
-                      <a:schemeClr val="tx1">
-                        <a:lumMod val="65000"/>
-                        <a:lumOff val="35000"/>
-                      </a:schemeClr>
-                    </a:solidFill>
-                    <a:latin typeface="Segoe UI" panose="020B0502040204020203" pitchFamily="34" charset="0"/>
-                    <a:cs typeface="Segoe UI" panose="020B0502040204020203" pitchFamily="34" charset="0"/>
-                  </a:rPr>
-                  <a:t>Category</a:t>
-                </a:r>
-              </a:p>
-              <a:p>
-                <a:pPr algn="ctr"/>
-                <a:r>
-                  <a:rPr lang="en-US" sz="1400" dirty="0" smtClean="0">
-                    <a:solidFill>
-                      <a:schemeClr val="tx1">
-                        <a:lumMod val="65000"/>
-                        <a:lumOff val="35000"/>
-                      </a:schemeClr>
-                    </a:solidFill>
-                    <a:latin typeface="Segoe UI" panose="020B0502040204020203" pitchFamily="34" charset="0"/>
-                    <a:cs typeface="Segoe UI" panose="020B0502040204020203" pitchFamily="34" charset="0"/>
-                  </a:rPr>
-                  <a:t>Order – If Exists</a:t>
-                </a:r>
-              </a:p>
-              <a:p>
-                <a:pPr algn="ctr"/>
-                <a:r>
-                  <a:rPr lang="en-US" sz="1400" dirty="0" smtClean="0">
-                    <a:solidFill>
-                      <a:schemeClr val="tx1">
-                        <a:lumMod val="65000"/>
-                        <a:lumOff val="35000"/>
-                      </a:schemeClr>
-                    </a:solidFill>
-                    <a:latin typeface="Segoe UI" panose="020B0502040204020203" pitchFamily="34" charset="0"/>
-                    <a:cs typeface="Segoe UI" panose="020B0502040204020203" pitchFamily="34" charset="0"/>
-                  </a:rPr>
-                  <a:t>Manufacturer</a:t>
-                </a:r>
-              </a:p>
-              <a:p>
-                <a:pPr algn="ctr"/>
-                <a:r>
-                  <a:rPr lang="en-US" sz="1400" dirty="0" smtClean="0">
-                    <a:solidFill>
-                      <a:schemeClr val="tx1">
-                        <a:lumMod val="65000"/>
-                        <a:lumOff val="35000"/>
-                      </a:schemeClr>
-                    </a:solidFill>
-                    <a:latin typeface="Segoe UI" panose="020B0502040204020203" pitchFamily="34" charset="0"/>
-                    <a:cs typeface="Segoe UI" panose="020B0502040204020203" pitchFamily="34" charset="0"/>
-                  </a:rPr>
-                  <a:t>Model</a:t>
-                </a:r>
-              </a:p>
-              <a:p>
-                <a:pPr algn="ctr"/>
-                <a:r>
-                  <a:rPr lang="en-US" sz="1400" dirty="0" smtClean="0">
-                    <a:solidFill>
-                      <a:schemeClr val="tx1">
-                        <a:lumMod val="65000"/>
-                        <a:lumOff val="35000"/>
-                      </a:schemeClr>
-                    </a:solidFill>
-                    <a:latin typeface="Segoe UI" panose="020B0502040204020203" pitchFamily="34" charset="0"/>
-                    <a:cs typeface="Segoe UI" panose="020B0502040204020203" pitchFamily="34" charset="0"/>
-                  </a:rPr>
-                  <a:t>Nsn</a:t>
-                </a:r>
-              </a:p>
-              <a:p>
-                <a:pPr algn="ctr"/>
-                <a:r>
-                  <a:rPr lang="en-US" sz="1400" dirty="0" smtClean="0">
-                    <a:solidFill>
-                      <a:schemeClr val="tx1">
-                        <a:lumMod val="65000"/>
-                        <a:lumOff val="35000"/>
-                      </a:schemeClr>
-                    </a:solidFill>
-                    <a:latin typeface="Segoe UI" panose="020B0502040204020203" pitchFamily="34" charset="0"/>
-                    <a:cs typeface="Segoe UI" panose="020B0502040204020203" pitchFamily="34" charset="0"/>
-                  </a:rPr>
-                  <a:t>Item Type</a:t>
-                </a:r>
-              </a:p>
-              <a:p>
-                <a:pPr algn="ctr"/>
-                <a:r>
-                  <a:rPr lang="en-US" sz="1400" dirty="0" smtClean="0">
-                    <a:solidFill>
-                      <a:schemeClr val="tx1">
-                        <a:lumMod val="65000"/>
-                        <a:lumOff val="35000"/>
-                      </a:schemeClr>
-                    </a:solidFill>
-                    <a:latin typeface="Segoe UI" panose="020B0502040204020203" pitchFamily="34" charset="0"/>
-                    <a:cs typeface="Segoe UI" panose="020B0502040204020203" pitchFamily="34" charset="0"/>
-                  </a:rPr>
-                  <a:t>Service Tag</a:t>
-                </a:r>
-              </a:p>
-              <a:p>
-                <a:pPr algn="ctr"/>
-                <a:r>
-                  <a:rPr lang="en-US" sz="1400" dirty="0" smtClean="0">
-                    <a:solidFill>
-                      <a:schemeClr val="tx1">
-                        <a:lumMod val="65000"/>
-                        <a:lumOff val="35000"/>
-                      </a:schemeClr>
-                    </a:solidFill>
-                    <a:latin typeface="Segoe UI" panose="020B0502040204020203" pitchFamily="34" charset="0"/>
-                    <a:cs typeface="Segoe UI" panose="020B0502040204020203" pitchFamily="34" charset="0"/>
-                  </a:rPr>
-                  <a:t>Mac Address</a:t>
-                </a:r>
-              </a:p>
-              <a:p>
-                <a:pPr algn="ctr"/>
-                <a:r>
-                  <a:rPr lang="en-US" sz="1400" dirty="0" smtClean="0">
-                    <a:solidFill>
-                      <a:schemeClr val="tx1">
-                        <a:lumMod val="65000"/>
-                        <a:lumOff val="35000"/>
-                      </a:schemeClr>
-                    </a:solidFill>
-                    <a:latin typeface="Segoe UI" panose="020B0502040204020203" pitchFamily="34" charset="0"/>
-                    <a:cs typeface="Segoe UI" panose="020B0502040204020203" pitchFamily="34" charset="0"/>
-                  </a:rPr>
-                  <a:t>Location</a:t>
-                </a:r>
-              </a:p>
-            </p:txBody>
-          </p:sp>
-        </p:grpSp>
-        <p:grpSp>
-          <p:nvGrpSpPr>
-            <p:cNvPr id="28" name="Group 27"/>
-            <p:cNvGrpSpPr/>
-            <p:nvPr/>
-          </p:nvGrpSpPr>
-          <p:grpSpPr>
-            <a:xfrm>
-              <a:off x="100579" y="2806135"/>
-              <a:ext cx="2286000" cy="1012984"/>
-              <a:chOff x="100584" y="1614397"/>
-              <a:chExt cx="2286000" cy="1012984"/>
-            </a:xfrm>
-          </p:grpSpPr>
-          <p:sp>
-            <p:nvSpPr>
-              <p:cNvPr id="29" name="Rectangle 28">
-                <a:extLst>
-                  <a:ext uri="{FF2B5EF4-FFF2-40B4-BE49-F238E27FC236}">
-                    <a16:creationId xmlns:a16="http://schemas.microsoft.com/office/drawing/2014/main" id="{5626B030-B48B-42C0-9339-F603883EA700}"/>
-                  </a:ext>
-                </a:extLst>
-              </p:cNvPr>
-              <p:cNvSpPr/>
-              <p:nvPr/>
-            </p:nvSpPr>
-            <p:spPr>
-              <a:xfrm>
-                <a:off x="100584" y="1614397"/>
-                <a:ext cx="2286000" cy="274320"/>
-              </a:xfrm>
-              <a:prstGeom prst="rect">
-                <a:avLst/>
-              </a:prstGeom>
-              <a:solidFill>
-                <a:schemeClr val="tx1">
-                  <a:lumMod val="75000"/>
-                  <a:lumOff val="25000"/>
-                </a:schemeClr>
-              </a:solidFill>
-              <a:ln>
-                <a:noFill/>
-              </a:ln>
-            </p:spPr>
-            <p:style>
-              <a:lnRef idx="2">
-                <a:schemeClr val="accent1">
-                  <a:shade val="50000"/>
-                </a:schemeClr>
-              </a:lnRef>
-              <a:fillRef idx="1">
-                <a:schemeClr val="accent1"/>
-              </a:fillRef>
-              <a:effectRef idx="0">
-                <a:schemeClr val="accent1"/>
-              </a:effectRef>
-              <a:fontRef idx="minor">
-                <a:schemeClr val="lt1"/>
-              </a:fontRef>
-            </p:style>
-            <p:txBody>
-              <a:bodyPr rtlCol="0" anchor="ctr"/>
-              <a:lstStyle/>
-              <a:p>
-                <a:pPr algn="ctr"/>
-                <a:r>
-                  <a:rPr lang="en-US" sz="1600" dirty="0" smtClean="0">
-                    <a:latin typeface="Segoe UI" panose="020B0502040204020203" pitchFamily="34" charset="0"/>
-                    <a:cs typeface="Segoe UI" panose="020B0502040204020203" pitchFamily="34" charset="0"/>
-                  </a:rPr>
-                  <a:t>Inventory Item</a:t>
-                </a:r>
-                <a:endParaRPr lang="en-US" sz="1600" dirty="0">
-                  <a:latin typeface="Segoe UI" panose="020B0502040204020203" pitchFamily="34" charset="0"/>
-                  <a:cs typeface="Segoe UI" panose="020B0502040204020203" pitchFamily="34" charset="0"/>
-                </a:endParaRPr>
-              </a:p>
-            </p:txBody>
-          </p:sp>
-          <p:sp>
-            <p:nvSpPr>
-              <p:cNvPr id="30" name="Rectangle 29">
-                <a:extLst>
-                  <a:ext uri="{FF2B5EF4-FFF2-40B4-BE49-F238E27FC236}">
-                    <a16:creationId xmlns:a16="http://schemas.microsoft.com/office/drawing/2014/main" id="{92F3C2D4-DE2E-4B48-93DA-8F055147368D}"/>
-                  </a:ext>
-                </a:extLst>
-              </p:cNvPr>
-              <p:cNvSpPr/>
-              <p:nvPr/>
-            </p:nvSpPr>
-            <p:spPr>
-              <a:xfrm>
-                <a:off x="100584" y="1888717"/>
-                <a:ext cx="2286000" cy="738664"/>
-              </a:xfrm>
-              <a:prstGeom prst="rect">
-                <a:avLst/>
-              </a:prstGeom>
-              <a:solidFill>
-                <a:schemeClr val="bg1">
-                  <a:lumMod val="85000"/>
-                </a:schemeClr>
-              </a:solidFill>
-              <a:ln>
-                <a:noFill/>
-              </a:ln>
-            </p:spPr>
-            <p:style>
-              <a:lnRef idx="2">
-                <a:schemeClr val="accent1">
-                  <a:shade val="50000"/>
-                </a:schemeClr>
-              </a:lnRef>
-              <a:fillRef idx="1">
-                <a:schemeClr val="accent1"/>
-              </a:fillRef>
-              <a:effectRef idx="0">
-                <a:schemeClr val="accent1"/>
-              </a:effectRef>
-              <a:fontRef idx="minor">
-                <a:schemeClr val="lt1"/>
-              </a:fontRef>
-            </p:style>
-            <p:txBody>
-              <a:bodyPr rtlCol="0" anchor="ctr" anchorCtr="0">
-                <a:spAutoFit/>
-              </a:bodyPr>
-              <a:lstStyle/>
-              <a:p>
-                <a:pPr algn="ctr"/>
-                <a:r>
-                  <a:rPr lang="en-US" sz="1400" dirty="0" smtClean="0">
-                    <a:solidFill>
-                      <a:schemeClr val="tx1">
-                        <a:lumMod val="65000"/>
-                        <a:lumOff val="35000"/>
-                      </a:schemeClr>
-                    </a:solidFill>
-                    <a:latin typeface="Segoe UI" panose="020B0502040204020203" pitchFamily="34" charset="0"/>
-                    <a:cs typeface="Segoe UI" panose="020B0502040204020203" pitchFamily="34" charset="0"/>
-                  </a:rPr>
-                  <a:t>Is Accounted</a:t>
-                </a:r>
-              </a:p>
-              <a:p>
-                <a:pPr algn="ctr"/>
-                <a:r>
-                  <a:rPr lang="en-US" sz="1400" dirty="0" smtClean="0">
-                    <a:solidFill>
-                      <a:schemeClr val="tx1">
-                        <a:lumMod val="65000"/>
-                        <a:lumOff val="35000"/>
-                      </a:schemeClr>
-                    </a:solidFill>
-                    <a:latin typeface="Segoe UI" panose="020B0502040204020203" pitchFamily="34" charset="0"/>
-                    <a:cs typeface="Segoe UI" panose="020B0502040204020203" pitchFamily="34" charset="0"/>
-                  </a:rPr>
-                  <a:t>Is Missing</a:t>
-                </a:r>
-              </a:p>
-              <a:p>
-                <a:pPr algn="ctr"/>
-                <a:r>
-                  <a:rPr lang="en-US" sz="1400" dirty="0" smtClean="0">
-                    <a:solidFill>
-                      <a:schemeClr val="tx1">
-                        <a:lumMod val="65000"/>
-                        <a:lumOff val="35000"/>
-                      </a:schemeClr>
-                    </a:solidFill>
-                    <a:latin typeface="Segoe UI" panose="020B0502040204020203" pitchFamily="34" charset="0"/>
-                    <a:cs typeface="Segoe UI" panose="020B0502040204020203" pitchFamily="34" charset="0"/>
-                  </a:rPr>
-                  <a:t>Remarks</a:t>
-                </a:r>
-                <a:endParaRPr lang="en-US" sz="1400" dirty="0">
-                  <a:solidFill>
-                    <a:schemeClr val="tx1">
-                      <a:lumMod val="65000"/>
-                      <a:lumOff val="35000"/>
-                    </a:schemeClr>
-                  </a:solidFill>
-                  <a:latin typeface="Segoe UI" panose="020B0502040204020203" pitchFamily="34" charset="0"/>
-                  <a:cs typeface="Segoe UI" panose="020B0502040204020203" pitchFamily="34" charset="0"/>
-                </a:endParaRPr>
-              </a:p>
-            </p:txBody>
-          </p:sp>
-        </p:grpSp>
-        <p:grpSp>
-          <p:nvGrpSpPr>
-            <p:cNvPr id="31" name="Group 30"/>
-            <p:cNvGrpSpPr/>
-            <p:nvPr/>
-          </p:nvGrpSpPr>
-          <p:grpSpPr>
-            <a:xfrm>
-              <a:off x="5673815" y="2806135"/>
-              <a:ext cx="2286000" cy="1012984"/>
-              <a:chOff x="100584" y="1614397"/>
-              <a:chExt cx="2286000" cy="1012984"/>
-            </a:xfrm>
-          </p:grpSpPr>
-          <p:sp>
-            <p:nvSpPr>
-              <p:cNvPr id="32" name="Rectangle 31">
-                <a:extLst>
-                  <a:ext uri="{FF2B5EF4-FFF2-40B4-BE49-F238E27FC236}">
-                    <a16:creationId xmlns:a16="http://schemas.microsoft.com/office/drawing/2014/main" id="{5626B030-B48B-42C0-9339-F603883EA700}"/>
-                  </a:ext>
-                </a:extLst>
-              </p:cNvPr>
-              <p:cNvSpPr/>
-              <p:nvPr/>
-            </p:nvSpPr>
-            <p:spPr>
-              <a:xfrm>
-                <a:off x="100584" y="1614397"/>
-                <a:ext cx="2286000" cy="274320"/>
-              </a:xfrm>
-              <a:prstGeom prst="rect">
-                <a:avLst/>
-              </a:prstGeom>
-              <a:solidFill>
-                <a:schemeClr val="tx1">
-                  <a:lumMod val="75000"/>
-                  <a:lumOff val="25000"/>
-                </a:schemeClr>
-              </a:solidFill>
-              <a:ln>
-                <a:noFill/>
-              </a:ln>
-            </p:spPr>
-            <p:style>
-              <a:lnRef idx="2">
-                <a:schemeClr val="accent1">
-                  <a:shade val="50000"/>
-                </a:schemeClr>
-              </a:lnRef>
-              <a:fillRef idx="1">
-                <a:schemeClr val="accent1"/>
-              </a:fillRef>
-              <a:effectRef idx="0">
-                <a:schemeClr val="accent1"/>
-              </a:effectRef>
-              <a:fontRef idx="minor">
-                <a:schemeClr val="lt1"/>
-              </a:fontRef>
-            </p:style>
-            <p:txBody>
-              <a:bodyPr rtlCol="0" anchor="ctr"/>
-              <a:lstStyle/>
-              <a:p>
-                <a:pPr algn="ctr"/>
-                <a:r>
-                  <a:rPr lang="en-US" sz="1600" dirty="0" smtClean="0">
-                    <a:latin typeface="Segoe UI" panose="020B0502040204020203" pitchFamily="34" charset="0"/>
-                    <a:cs typeface="Segoe UI" panose="020B0502040204020203" pitchFamily="34" charset="0"/>
-                  </a:rPr>
-                  <a:t>Inventory Item</a:t>
-                </a:r>
-                <a:endParaRPr lang="en-US" sz="1600" dirty="0">
-                  <a:latin typeface="Segoe UI" panose="020B0502040204020203" pitchFamily="34" charset="0"/>
-                  <a:cs typeface="Segoe UI" panose="020B0502040204020203" pitchFamily="34" charset="0"/>
-                </a:endParaRPr>
-              </a:p>
-            </p:txBody>
-          </p:sp>
-          <p:sp>
-            <p:nvSpPr>
-              <p:cNvPr id="33" name="Rectangle 32">
-                <a:extLst>
-                  <a:ext uri="{FF2B5EF4-FFF2-40B4-BE49-F238E27FC236}">
-                    <a16:creationId xmlns:a16="http://schemas.microsoft.com/office/drawing/2014/main" id="{92F3C2D4-DE2E-4B48-93DA-8F055147368D}"/>
-                  </a:ext>
-                </a:extLst>
-              </p:cNvPr>
-              <p:cNvSpPr/>
-              <p:nvPr/>
-            </p:nvSpPr>
-            <p:spPr>
-              <a:xfrm>
-                <a:off x="100584" y="1888717"/>
-                <a:ext cx="2286000" cy="738664"/>
-              </a:xfrm>
-              <a:prstGeom prst="rect">
-                <a:avLst/>
-              </a:prstGeom>
-              <a:solidFill>
-                <a:schemeClr val="bg1">
-                  <a:lumMod val="85000"/>
-                </a:schemeClr>
-              </a:solidFill>
-              <a:ln>
-                <a:noFill/>
-              </a:ln>
-            </p:spPr>
-            <p:style>
-              <a:lnRef idx="2">
-                <a:schemeClr val="accent1">
-                  <a:shade val="50000"/>
-                </a:schemeClr>
-              </a:lnRef>
-              <a:fillRef idx="1">
-                <a:schemeClr val="accent1"/>
-              </a:fillRef>
-              <a:effectRef idx="0">
-                <a:schemeClr val="accent1"/>
-              </a:effectRef>
-              <a:fontRef idx="minor">
-                <a:schemeClr val="lt1"/>
-              </a:fontRef>
-            </p:style>
-            <p:txBody>
-              <a:bodyPr rtlCol="0" anchor="ctr" anchorCtr="0">
-                <a:spAutoFit/>
-              </a:bodyPr>
-              <a:lstStyle/>
-              <a:p>
-                <a:pPr algn="ctr"/>
-                <a:r>
-                  <a:rPr lang="en-US" sz="1400" dirty="0" smtClean="0">
-                    <a:solidFill>
-                      <a:schemeClr val="tx1">
-                        <a:lumMod val="65000"/>
-                        <a:lumOff val="35000"/>
-                      </a:schemeClr>
-                    </a:solidFill>
-                    <a:latin typeface="Segoe UI" panose="020B0502040204020203" pitchFamily="34" charset="0"/>
-                    <a:cs typeface="Segoe UI" panose="020B0502040204020203" pitchFamily="34" charset="0"/>
-                  </a:rPr>
-                  <a:t>Is Accounted</a:t>
-                </a:r>
-              </a:p>
-              <a:p>
-                <a:pPr algn="ctr"/>
-                <a:r>
-                  <a:rPr lang="en-US" sz="1400" dirty="0" smtClean="0">
-                    <a:solidFill>
-                      <a:schemeClr val="tx1">
-                        <a:lumMod val="65000"/>
-                        <a:lumOff val="35000"/>
-                      </a:schemeClr>
-                    </a:solidFill>
-                    <a:latin typeface="Segoe UI" panose="020B0502040204020203" pitchFamily="34" charset="0"/>
-                    <a:cs typeface="Segoe UI" panose="020B0502040204020203" pitchFamily="34" charset="0"/>
-                  </a:rPr>
-                  <a:t>Is Missing</a:t>
-                </a:r>
-              </a:p>
-              <a:p>
-                <a:pPr algn="ctr"/>
-                <a:r>
-                  <a:rPr lang="en-US" sz="1400" dirty="0" smtClean="0">
-                    <a:solidFill>
-                      <a:schemeClr val="tx1">
-                        <a:lumMod val="65000"/>
-                        <a:lumOff val="35000"/>
-                      </a:schemeClr>
-                    </a:solidFill>
-                    <a:latin typeface="Segoe UI" panose="020B0502040204020203" pitchFamily="34" charset="0"/>
-                    <a:cs typeface="Segoe UI" panose="020B0502040204020203" pitchFamily="34" charset="0"/>
-                  </a:rPr>
-                  <a:t>Remarks</a:t>
-                </a:r>
-                <a:endParaRPr lang="en-US" sz="1400" dirty="0">
-                  <a:solidFill>
-                    <a:schemeClr val="tx1">
-                      <a:lumMod val="65000"/>
-                      <a:lumOff val="35000"/>
-                    </a:schemeClr>
-                  </a:solidFill>
-                  <a:latin typeface="Segoe UI" panose="020B0502040204020203" pitchFamily="34" charset="0"/>
-                  <a:cs typeface="Segoe UI" panose="020B0502040204020203" pitchFamily="34" charset="0"/>
-                </a:endParaRPr>
-              </a:p>
-            </p:txBody>
-          </p:sp>
-        </p:grpSp>
-        <p:cxnSp>
-          <p:nvCxnSpPr>
-            <p:cNvPr id="11" name="Straight Arrow Connector 10"/>
-            <p:cNvCxnSpPr>
-              <a:stCxn id="30" idx="2"/>
-              <a:endCxn id="39" idx="0"/>
-            </p:cNvCxnSpPr>
-            <p:nvPr/>
-          </p:nvCxnSpPr>
-          <p:spPr>
-            <a:xfrm>
-              <a:off x="1243579" y="3819119"/>
-              <a:ext cx="5" cy="431491"/>
-            </a:xfrm>
-            <a:prstGeom prst="straightConnector1">
-              <a:avLst/>
-            </a:prstGeom>
-            <a:ln w="12700">
-              <a:tailEnd type="triangle"/>
-            </a:ln>
-          </p:spPr>
-          <p:style>
-            <a:lnRef idx="1">
-              <a:schemeClr val="accent6"/>
-            </a:lnRef>
-            <a:fillRef idx="0">
-              <a:schemeClr val="accent6"/>
-            </a:fillRef>
-            <a:effectRef idx="0">
-              <a:schemeClr val="accent6"/>
-            </a:effectRef>
-            <a:fontRef idx="minor">
-              <a:schemeClr val="tx1"/>
-            </a:fontRef>
-          </p:style>
-        </p:cxnSp>
-        <p:cxnSp>
-          <p:nvCxnSpPr>
-            <p:cNvPr id="14" name="Straight Arrow Connector 13"/>
-            <p:cNvCxnSpPr>
-              <a:stCxn id="33" idx="2"/>
-              <a:endCxn id="69" idx="0"/>
-            </p:cNvCxnSpPr>
-            <p:nvPr/>
-          </p:nvCxnSpPr>
-          <p:spPr>
-            <a:xfrm>
-              <a:off x="6816815" y="3819119"/>
-              <a:ext cx="5" cy="431491"/>
-            </a:xfrm>
-            <a:prstGeom prst="straightConnector1">
-              <a:avLst/>
-            </a:prstGeom>
-            <a:ln w="12700">
-              <a:tailEnd type="triangle"/>
-            </a:ln>
-          </p:spPr>
-          <p:style>
-            <a:lnRef idx="1">
-              <a:schemeClr val="accent6"/>
-            </a:lnRef>
-            <a:fillRef idx="0">
-              <a:schemeClr val="accent6"/>
-            </a:fillRef>
-            <a:effectRef idx="0">
-              <a:schemeClr val="accent6"/>
-            </a:effectRef>
-            <a:fontRef idx="minor">
-              <a:schemeClr val="tx1"/>
-            </a:fontRef>
-          </p:style>
-        </p:cxnSp>
-        <p:cxnSp>
-          <p:nvCxnSpPr>
-            <p:cNvPr id="18" name="Elbow Connector 17"/>
-            <p:cNvCxnSpPr>
-              <a:stCxn id="60" idx="2"/>
-              <a:endCxn id="29" idx="0"/>
-            </p:cNvCxnSpPr>
-            <p:nvPr/>
-          </p:nvCxnSpPr>
-          <p:spPr>
-            <a:xfrm rot="5400000">
-              <a:off x="2490352" y="1266300"/>
-              <a:ext cx="293062" cy="2786608"/>
-            </a:xfrm>
-            <a:prstGeom prst="bentConnector3">
-              <a:avLst/>
-            </a:prstGeom>
-            <a:ln w="12700">
-              <a:tailEnd type="triangle"/>
-            </a:ln>
-          </p:spPr>
-          <p:style>
-            <a:lnRef idx="1">
-              <a:schemeClr val="accent6"/>
-            </a:lnRef>
-            <a:fillRef idx="0">
-              <a:schemeClr val="accent6"/>
-            </a:fillRef>
-            <a:effectRef idx="0">
-              <a:schemeClr val="accent6"/>
-            </a:effectRef>
-            <a:fontRef idx="minor">
-              <a:schemeClr val="tx1"/>
-            </a:fontRef>
-          </p:style>
-        </p:cxnSp>
-        <p:cxnSp>
-          <p:nvCxnSpPr>
-            <p:cNvPr id="21" name="Elbow Connector 20"/>
-            <p:cNvCxnSpPr>
-              <a:stCxn id="60" idx="2"/>
-              <a:endCxn id="32" idx="0"/>
-            </p:cNvCxnSpPr>
-            <p:nvPr/>
-          </p:nvCxnSpPr>
-          <p:spPr>
-            <a:xfrm rot="16200000" flipH="1">
-              <a:off x="5276970" y="1266290"/>
-              <a:ext cx="293062" cy="2786628"/>
-            </a:xfrm>
-            <a:prstGeom prst="bentConnector3">
-              <a:avLst/>
-            </a:prstGeom>
-            <a:ln w="12700">
-              <a:tailEnd type="triangle"/>
-            </a:ln>
-          </p:spPr>
-          <p:style>
-            <a:lnRef idx="1">
-              <a:schemeClr val="accent6"/>
-            </a:lnRef>
-            <a:fillRef idx="0">
-              <a:schemeClr val="accent6"/>
-            </a:fillRef>
-            <a:effectRef idx="0">
-              <a:schemeClr val="accent6"/>
-            </a:effectRef>
-            <a:fontRef idx="minor">
-              <a:schemeClr val="tx1"/>
-            </a:fontRef>
-          </p:style>
-        </p:cxnSp>
       </p:grpSp>
+      <p:cxnSp>
+        <p:nvCxnSpPr>
+          <p:cNvPr id="3" name="Straight Arrow Connector 2"/>
+          <p:cNvCxnSpPr>
+            <a:stCxn id="60" idx="2"/>
+            <a:endCxn id="26" idx="0"/>
+          </p:cNvCxnSpPr>
+          <p:nvPr/>
+        </p:nvCxnSpPr>
+        <p:spPr>
+          <a:xfrm flipH="1">
+            <a:off x="4030165" y="2128666"/>
+            <a:ext cx="42" cy="3618736"/>
+          </a:xfrm>
+          <a:prstGeom prst="straightConnector1">
+            <a:avLst/>
+          </a:prstGeom>
+          <a:ln w="12700">
+            <a:tailEnd type="triangle"/>
+          </a:ln>
+        </p:spPr>
+        <p:style>
+          <a:lnRef idx="1">
+            <a:schemeClr val="accent6"/>
+          </a:lnRef>
+          <a:fillRef idx="0">
+            <a:schemeClr val="accent6"/>
+          </a:fillRef>
+          <a:effectRef idx="0">
+            <a:schemeClr val="accent6"/>
+          </a:effectRef>
+          <a:fontRef idx="minor">
+            <a:schemeClr val="tx1"/>
+          </a:fontRef>
+        </p:style>
+      </p:cxnSp>
     </p:spTree>
     <p:extLst>
       <p:ext uri="{BB962C8B-B14F-4D97-AF65-F5344CB8AC3E}">
@@ -17953,7 +18194,7 @@
                 <a:blip r:embed="rId2">
                   <a:extLst>
                     <a:ext uri="{96DAC541-7B7A-43D3-8B79-37D633B846F1}">
-                      <asvg:svgBlip xmlns:asvg="http://schemas.microsoft.com/office/drawing/2016/SVG/main" xmlns="" r:embed="rId3"/>
+                      <asvg:svgBlip xmlns="" xmlns:asvg="http://schemas.microsoft.com/office/drawing/2016/SVG/main" r:embed="rId3"/>
                     </a:ext>
                   </a:extLst>
                 </a:blip>
@@ -17979,7 +18220,7 @@
                 <a:blip r:embed="rId2">
                   <a:extLst>
                     <a:ext uri="{96DAC541-7B7A-43D3-8B79-37D633B846F1}">
-                      <asvg:svgBlip xmlns:asvg="http://schemas.microsoft.com/office/drawing/2016/SVG/main" xmlns="" r:embed="rId3"/>
+                      <asvg:svgBlip xmlns="" xmlns:asvg="http://schemas.microsoft.com/office/drawing/2016/SVG/main" r:embed="rId3"/>
                     </a:ext>
                   </a:extLst>
                 </a:blip>
@@ -18002,7 +18243,7 @@
                 <a:blip r:embed="rId2">
                   <a:extLst>
                     <a:ext uri="{96DAC541-7B7A-43D3-8B79-37D633B846F1}">
-                      <asvg:svgBlip xmlns:asvg="http://schemas.microsoft.com/office/drawing/2016/SVG/main" xmlns="" r:embed="rId3"/>
+                      <asvg:svgBlip xmlns="" xmlns:asvg="http://schemas.microsoft.com/office/drawing/2016/SVG/main" r:embed="rId3"/>
                     </a:ext>
                   </a:extLst>
                 </a:blip>
@@ -18028,7 +18269,7 @@
                 <a:blip r:embed="rId2">
                   <a:extLst>
                     <a:ext uri="{96DAC541-7B7A-43D3-8B79-37D633B846F1}">
-                      <asvg:svgBlip xmlns:asvg="http://schemas.microsoft.com/office/drawing/2016/SVG/main" xmlns="" r:embed="rId3"/>
+                      <asvg:svgBlip xmlns="" xmlns:asvg="http://schemas.microsoft.com/office/drawing/2016/SVG/main" r:embed="rId3"/>
                     </a:ext>
                   </a:extLst>
                 </a:blip>
@@ -18051,7 +18292,7 @@
                 <a:blip r:embed="rId2">
                   <a:extLst>
                     <a:ext uri="{96DAC541-7B7A-43D3-8B79-37D633B846F1}">
-                      <asvg:svgBlip xmlns:asvg="http://schemas.microsoft.com/office/drawing/2016/SVG/main" xmlns="" r:embed="rId3"/>
+                      <asvg:svgBlip xmlns="" xmlns:asvg="http://schemas.microsoft.com/office/drawing/2016/SVG/main" r:embed="rId3"/>
                     </a:ext>
                   </a:extLst>
                 </a:blip>
@@ -18567,16 +18808,6 @@
                 </a:rPr>
                 <a:t>Origin Property Record</a:t>
               </a:r>
-              <a:endParaRPr lang="en-US" sz="1400" dirty="0" smtClean="0">
-                <a:solidFill>
-                  <a:schemeClr val="tx1">
-                    <a:lumMod val="65000"/>
-                    <a:lumOff val="35000"/>
-                  </a:schemeClr>
-                </a:solidFill>
-                <a:latin typeface="Segoe UI" panose="020B0502040204020203" pitchFamily="34" charset="0"/>
-                <a:cs typeface="Segoe UI" panose="020B0502040204020203" pitchFamily="34" charset="0"/>
-              </a:endParaRPr>
             </a:p>
             <a:p>
               <a:pPr algn="ctr"/>
@@ -19451,6 +19682,1099 @@
     <p:extLst>
       <p:ext uri="{BB962C8B-B14F-4D97-AF65-F5344CB8AC3E}">
         <p14:creationId xmlns:p14="http://schemas.microsoft.com/office/powerpoint/2010/main" val="4141999800"/>
+      </p:ext>
+    </p:extLst>
+  </p:cSld>
+  <p:clrMapOvr>
+    <a:masterClrMapping/>
+  </p:clrMapOvr>
+  <p:timing>
+    <p:tnLst>
+      <p:par>
+        <p:cTn id="1" dur="indefinite" restart="never" nodeType="tmRoot"/>
+      </p:par>
+    </p:tnLst>
+  </p:timing>
+</p:sld>
+</file>
+
+<file path=ppt/slides/slide9.xml><?xml version="1.0" encoding="utf-8"?>
+<p:sld xmlns:a="http://schemas.openxmlformats.org/drawingml/2006/main" xmlns:r="http://schemas.openxmlformats.org/officeDocument/2006/relationships" xmlns:p="http://schemas.openxmlformats.org/presentationml/2006/main">
+  <p:cSld>
+    <p:bg>
+      <p:bgPr>
+        <a:solidFill>
+          <a:schemeClr val="bg1">
+            <a:lumMod val="95000"/>
+          </a:schemeClr>
+        </a:solidFill>
+        <a:effectLst/>
+      </p:bgPr>
+    </p:bg>
+    <p:spTree>
+      <p:nvGrpSpPr>
+        <p:cNvPr id="1" name=""/>
+        <p:cNvGrpSpPr/>
+        <p:nvPr/>
+      </p:nvGrpSpPr>
+      <p:grpSpPr>
+        <a:xfrm>
+          <a:off x="0" y="0"/>
+          <a:ext cx="0" cy="0"/>
+          <a:chOff x="0" y="0"/>
+          <a:chExt cx="0" cy="0"/>
+        </a:xfrm>
+      </p:grpSpPr>
+      <p:sp>
+        <p:nvSpPr>
+          <p:cNvPr id="120" name="Rectangle 119">
+            <a:extLst>
+              <a:ext uri="{FF2B5EF4-FFF2-40B4-BE49-F238E27FC236}">
+                <a16:creationId xmlns:a16="http://schemas.microsoft.com/office/drawing/2014/main" id="{5B5CFA4C-32E2-456B-8FA7-1EFB1DD90E1C}"/>
+              </a:ext>
+            </a:extLst>
+          </p:cNvPr>
+          <p:cNvSpPr/>
+          <p:nvPr/>
+        </p:nvSpPr>
+        <p:spPr>
+          <a:xfrm>
+            <a:off x="8069592" y="137160"/>
+            <a:ext cx="4021814" cy="6576060"/>
+          </a:xfrm>
+          <a:prstGeom prst="rect">
+            <a:avLst/>
+          </a:prstGeom>
+          <a:solidFill>
+            <a:schemeClr val="bg1"/>
+          </a:solidFill>
+          <a:ln>
+            <a:noFill/>
+          </a:ln>
+        </p:spPr>
+        <p:style>
+          <a:lnRef idx="2">
+            <a:schemeClr val="accent1">
+              <a:shade val="50000"/>
+            </a:schemeClr>
+          </a:lnRef>
+          <a:fillRef idx="1">
+            <a:schemeClr val="accent1"/>
+          </a:fillRef>
+          <a:effectRef idx="0">
+            <a:schemeClr val="accent1"/>
+          </a:effectRef>
+          <a:fontRef idx="minor">
+            <a:schemeClr val="lt1"/>
+          </a:fontRef>
+        </p:style>
+        <p:txBody>
+          <a:bodyPr tIns="91440" bIns="91440" rtlCol="0" anchor="t" anchorCtr="0"/>
+          <a:lstStyle/>
+          <a:p>
+            <a:pPr marL="285750" indent="-285750">
+              <a:buBlip>
+                <a:blip r:embed="rId2">
+                  <a:extLst>
+                    <a:ext uri="{96DAC541-7B7A-43D3-8B79-37D633B846F1}">
+                      <asvg:svgBlip xmlns:asvg="http://schemas.microsoft.com/office/drawing/2016/SVG/main" xmlns="" xmlns:lc="http://schemas.openxmlformats.org/drawingml/2006/lockedCanvas" r:embed="rId3"/>
+                    </a:ext>
+                  </a:extLst>
+                </a:blip>
+              </a:buBlip>
+            </a:pPr>
+            <a:r>
+              <a:rPr lang="en-US" sz="1400" dirty="0" smtClean="0">
+                <a:solidFill>
+                  <a:schemeClr val="tx1">
+                    <a:lumMod val="65000"/>
+                    <a:lumOff val="35000"/>
+                  </a:schemeClr>
+                </a:solidFill>
+                <a:latin typeface="Segoe UI" panose="020B0502040204020203" pitchFamily="34" charset="0"/>
+                <a:cs typeface="Segoe UI" panose="020B0502040204020203" pitchFamily="34" charset="0"/>
+              </a:rPr>
+              <a:t>When items are no longer needed, they are decommissioned (DRMO, destroyed, </a:t>
+            </a:r>
+            <a:r>
+              <a:rPr lang="en-US" sz="1400" dirty="0" err="1" smtClean="0">
+                <a:solidFill>
+                  <a:schemeClr val="tx1">
+                    <a:lumMod val="65000"/>
+                    <a:lumOff val="35000"/>
+                  </a:schemeClr>
+                </a:solidFill>
+                <a:latin typeface="Segoe UI" panose="020B0502040204020203" pitchFamily="34" charset="0"/>
+                <a:cs typeface="Segoe UI" panose="020B0502040204020203" pitchFamily="34" charset="0"/>
+              </a:rPr>
+              <a:t>etc</a:t>
+            </a:r>
+            <a:r>
+              <a:rPr lang="en-US" sz="1400" dirty="0" smtClean="0">
+                <a:solidFill>
+                  <a:schemeClr val="tx1">
+                    <a:lumMod val="65000"/>
+                    <a:lumOff val="35000"/>
+                  </a:schemeClr>
+                </a:solidFill>
+                <a:latin typeface="Segoe UI" panose="020B0502040204020203" pitchFamily="34" charset="0"/>
+                <a:cs typeface="Segoe UI" panose="020B0502040204020203" pitchFamily="34" charset="0"/>
+              </a:rPr>
+              <a:t>) by their owners (property custodians for items in a property record, site logisticians for site record property).</a:t>
+            </a:r>
+          </a:p>
+          <a:p>
+            <a:pPr marL="285750" indent="-285750">
+              <a:buBlip>
+                <a:blip r:embed="rId2">
+                  <a:extLst>
+                    <a:ext uri="{96DAC541-7B7A-43D3-8B79-37D633B846F1}">
+                      <asvg:svgBlip xmlns:asvg="http://schemas.microsoft.com/office/drawing/2016/SVG/main" xmlns="" xmlns:lc="http://schemas.openxmlformats.org/drawingml/2006/lockedCanvas" r:embed="rId3"/>
+                    </a:ext>
+                  </a:extLst>
+                </a:blip>
+              </a:buBlip>
+            </a:pPr>
+            <a:endParaRPr lang="en-US" sz="1400" dirty="0">
+              <a:solidFill>
+                <a:schemeClr val="tx1">
+                  <a:lumMod val="65000"/>
+                  <a:lumOff val="35000"/>
+                </a:schemeClr>
+              </a:solidFill>
+              <a:latin typeface="Segoe UI" panose="020B0502040204020203" pitchFamily="34" charset="0"/>
+              <a:cs typeface="Segoe UI" panose="020B0502040204020203" pitchFamily="34" charset="0"/>
+            </a:endParaRPr>
+          </a:p>
+          <a:p>
+            <a:pPr marL="285750" indent="-285750">
+              <a:buBlip>
+                <a:blip r:embed="rId2">
+                  <a:extLst>
+                    <a:ext uri="{96DAC541-7B7A-43D3-8B79-37D633B846F1}">
+                      <asvg:svgBlip xmlns:asvg="http://schemas.microsoft.com/office/drawing/2016/SVG/main" xmlns="" xmlns:lc="http://schemas.openxmlformats.org/drawingml/2006/lockedCanvas" r:embed="rId3"/>
+                    </a:ext>
+                  </a:extLst>
+                </a:blip>
+              </a:buBlip>
+            </a:pPr>
+            <a:r>
+              <a:rPr lang="en-US" sz="1400" dirty="0" smtClean="0">
+                <a:solidFill>
+                  <a:schemeClr val="tx1">
+                    <a:lumMod val="65000"/>
+                    <a:lumOff val="35000"/>
+                  </a:schemeClr>
+                </a:solidFill>
+                <a:latin typeface="Segoe UI" panose="020B0502040204020203" pitchFamily="34" charset="0"/>
+                <a:cs typeface="Segoe UI" panose="020B0502040204020203" pitchFamily="34" charset="0"/>
+              </a:rPr>
+              <a:t>Once an item is decommissioned, it must be verified as follows:</a:t>
+            </a:r>
+          </a:p>
+          <a:p>
+            <a:pPr marL="742950" lvl="1" indent="-285750">
+              <a:buBlip>
+                <a:blip r:embed="rId2">
+                  <a:extLst>
+                    <a:ext uri="{96DAC541-7B7A-43D3-8B79-37D633B846F1}">
+                      <asvg:svgBlip xmlns:asvg="http://schemas.microsoft.com/office/drawing/2016/SVG/main" xmlns="" xmlns:lc="http://schemas.openxmlformats.org/drawingml/2006/lockedCanvas" r:embed="rId3"/>
+                    </a:ext>
+                  </a:extLst>
+                </a:blip>
+              </a:buBlip>
+            </a:pPr>
+            <a:endParaRPr lang="en-US" sz="1400" dirty="0">
+              <a:solidFill>
+                <a:schemeClr val="tx1">
+                  <a:lumMod val="65000"/>
+                  <a:lumOff val="35000"/>
+                </a:schemeClr>
+              </a:solidFill>
+              <a:latin typeface="Segoe UI" panose="020B0502040204020203" pitchFamily="34" charset="0"/>
+              <a:cs typeface="Segoe UI" panose="020B0502040204020203" pitchFamily="34" charset="0"/>
+            </a:endParaRPr>
+          </a:p>
+          <a:p>
+            <a:pPr marL="742950" lvl="1" indent="-285750">
+              <a:buBlip>
+                <a:blip r:embed="rId2">
+                  <a:extLst>
+                    <a:ext uri="{96DAC541-7B7A-43D3-8B79-37D633B846F1}">
+                      <asvg:svgBlip xmlns:asvg="http://schemas.microsoft.com/office/drawing/2016/SVG/main" xmlns="" xmlns:lc="http://schemas.openxmlformats.org/drawingml/2006/lockedCanvas" r:embed="rId3"/>
+                    </a:ext>
+                  </a:extLst>
+                </a:blip>
+              </a:buBlip>
+            </a:pPr>
+            <a:r>
+              <a:rPr lang="en-US" sz="1400" dirty="0" smtClean="0">
+                <a:solidFill>
+                  <a:schemeClr val="tx1">
+                    <a:lumMod val="65000"/>
+                    <a:lumOff val="35000"/>
+                  </a:schemeClr>
+                </a:solidFill>
+                <a:latin typeface="Segoe UI" panose="020B0502040204020203" pitchFamily="34" charset="0"/>
+                <a:cs typeface="Segoe UI" panose="020B0502040204020203" pitchFamily="34" charset="0"/>
+              </a:rPr>
+              <a:t>Site logistician for property record items</a:t>
+            </a:r>
+          </a:p>
+          <a:p>
+            <a:pPr marL="742950" lvl="1" indent="-285750">
+              <a:buBlip>
+                <a:blip r:embed="rId2">
+                  <a:extLst>
+                    <a:ext uri="{96DAC541-7B7A-43D3-8B79-37D633B846F1}">
+                      <asvg:svgBlip xmlns:asvg="http://schemas.microsoft.com/office/drawing/2016/SVG/main" xmlns="" xmlns:lc="http://schemas.openxmlformats.org/drawingml/2006/lockedCanvas" r:embed="rId3"/>
+                    </a:ext>
+                  </a:extLst>
+                </a:blip>
+              </a:buBlip>
+            </a:pPr>
+            <a:endParaRPr lang="en-US" sz="1400" dirty="0">
+              <a:solidFill>
+                <a:schemeClr val="tx1">
+                  <a:lumMod val="65000"/>
+                  <a:lumOff val="35000"/>
+                </a:schemeClr>
+              </a:solidFill>
+              <a:latin typeface="Segoe UI" panose="020B0502040204020203" pitchFamily="34" charset="0"/>
+              <a:cs typeface="Segoe UI" panose="020B0502040204020203" pitchFamily="34" charset="0"/>
+            </a:endParaRPr>
+          </a:p>
+          <a:p>
+            <a:pPr marL="742950" lvl="1" indent="-285750">
+              <a:buBlip>
+                <a:blip r:embed="rId2">
+                  <a:extLst>
+                    <a:ext uri="{96DAC541-7B7A-43D3-8B79-37D633B846F1}">
+                      <asvg:svgBlip xmlns:asvg="http://schemas.microsoft.com/office/drawing/2016/SVG/main" xmlns="" xmlns:lc="http://schemas.openxmlformats.org/drawingml/2006/lockedCanvas" r:embed="rId3"/>
+                    </a:ext>
+                  </a:extLst>
+                </a:blip>
+              </a:buBlip>
+            </a:pPr>
+            <a:r>
+              <a:rPr lang="en-US" sz="1400" dirty="0" smtClean="0">
+                <a:solidFill>
+                  <a:schemeClr val="tx1">
+                    <a:lumMod val="65000"/>
+                    <a:lumOff val="35000"/>
+                  </a:schemeClr>
+                </a:solidFill>
+                <a:latin typeface="Segoe UI" panose="020B0502040204020203" pitchFamily="34" charset="0"/>
+                <a:cs typeface="Segoe UI" panose="020B0502040204020203" pitchFamily="34" charset="0"/>
+              </a:rPr>
+              <a:t>Site logistician or organization logistician separate from the user who initiated the item to be decommissioned.</a:t>
+            </a:r>
+          </a:p>
+        </p:txBody>
+      </p:sp>
+      <p:sp>
+        <p:nvSpPr>
+          <p:cNvPr id="122" name="TextBox 121">
+            <a:extLst>
+              <a:ext uri="{FF2B5EF4-FFF2-40B4-BE49-F238E27FC236}">
+                <a16:creationId xmlns:a16="http://schemas.microsoft.com/office/drawing/2014/main" id="{00AEB9A2-B192-429C-A1AA-E469E891430E}"/>
+              </a:ext>
+            </a:extLst>
+          </p:cNvPr>
+          <p:cNvSpPr txBox="1"/>
+          <p:nvPr/>
+        </p:nvSpPr>
+        <p:spPr>
+          <a:xfrm>
+            <a:off x="100585" y="140315"/>
+            <a:ext cx="7859260" cy="461665"/>
+          </a:xfrm>
+          <a:prstGeom prst="rect">
+            <a:avLst/>
+          </a:prstGeom>
+          <a:noFill/>
+        </p:spPr>
+        <p:txBody>
+          <a:bodyPr wrap="square" rtlCol="0">
+            <a:spAutoFit/>
+          </a:bodyPr>
+          <a:lstStyle/>
+          <a:p>
+            <a:r>
+              <a:rPr lang="en-US" sz="2400" dirty="0" smtClean="0">
+                <a:latin typeface="Segoe UI" panose="020B0502040204020203" pitchFamily="34" charset="0"/>
+                <a:cs typeface="Segoe UI" panose="020B0502040204020203" pitchFamily="34" charset="0"/>
+              </a:rPr>
+              <a:t>Item Decommission</a:t>
+            </a:r>
+            <a:endParaRPr lang="en-US" sz="2400" dirty="0">
+              <a:latin typeface="Segoe UI" panose="020B0502040204020203" pitchFamily="34" charset="0"/>
+              <a:cs typeface="Segoe UI" panose="020B0502040204020203" pitchFamily="34" charset="0"/>
+            </a:endParaRPr>
+          </a:p>
+        </p:txBody>
+      </p:sp>
+      <p:sp>
+        <p:nvSpPr>
+          <p:cNvPr id="91" name="Title 90" hidden="1">
+            <a:extLst>
+              <a:ext uri="{FF2B5EF4-FFF2-40B4-BE49-F238E27FC236}">
+                <a16:creationId xmlns:a16="http://schemas.microsoft.com/office/drawing/2014/main" id="{E54F4FD7-2CE1-4EF1-AFD3-49BC5355BE16}"/>
+              </a:ext>
+            </a:extLst>
+          </p:cNvPr>
+          <p:cNvSpPr>
+            <a:spLocks noGrp="1"/>
+          </p:cNvSpPr>
+          <p:nvPr>
+            <p:ph type="ctrTitle"/>
+          </p:nvPr>
+        </p:nvSpPr>
+        <p:spPr/>
+        <p:txBody>
+          <a:bodyPr/>
+          <a:lstStyle/>
+          <a:p>
+            <a:r>
+              <a:rPr lang="en-US" dirty="0"/>
+              <a:t>Funding Accounts</a:t>
+            </a:r>
+          </a:p>
+        </p:txBody>
+      </p:sp>
+      <p:grpSp>
+        <p:nvGrpSpPr>
+          <p:cNvPr id="5" name="Group 4"/>
+          <p:cNvGrpSpPr/>
+          <p:nvPr/>
+        </p:nvGrpSpPr>
+        <p:grpSpPr>
+          <a:xfrm>
+            <a:off x="100528" y="684003"/>
+            <a:ext cx="7859261" cy="1663371"/>
+            <a:chOff x="100537" y="1614397"/>
+            <a:chExt cx="2286047" cy="1663371"/>
+          </a:xfrm>
+        </p:grpSpPr>
+        <p:sp>
+          <p:nvSpPr>
+            <p:cNvPr id="39" name="Rectangle 38">
+              <a:extLst>
+                <a:ext uri="{FF2B5EF4-FFF2-40B4-BE49-F238E27FC236}">
+                  <a16:creationId xmlns:a16="http://schemas.microsoft.com/office/drawing/2014/main" id="{5626B030-B48B-42C0-9339-F603883EA700}"/>
+                </a:ext>
+              </a:extLst>
+            </p:cNvPr>
+            <p:cNvSpPr/>
+            <p:nvPr/>
+          </p:nvSpPr>
+          <p:spPr>
+            <a:xfrm>
+              <a:off x="100584" y="1614397"/>
+              <a:ext cx="2286000" cy="274320"/>
+            </a:xfrm>
+            <a:prstGeom prst="rect">
+              <a:avLst/>
+            </a:prstGeom>
+            <a:solidFill>
+              <a:schemeClr val="tx1">
+                <a:lumMod val="75000"/>
+                <a:lumOff val="25000"/>
+              </a:schemeClr>
+            </a:solidFill>
+            <a:ln>
+              <a:noFill/>
+            </a:ln>
+          </p:spPr>
+          <p:style>
+            <a:lnRef idx="2">
+              <a:schemeClr val="accent1">
+                <a:shade val="50000"/>
+              </a:schemeClr>
+            </a:lnRef>
+            <a:fillRef idx="1">
+              <a:schemeClr val="accent1"/>
+            </a:fillRef>
+            <a:effectRef idx="0">
+              <a:schemeClr val="accent1"/>
+            </a:effectRef>
+            <a:fontRef idx="minor">
+              <a:schemeClr val="lt1"/>
+            </a:fontRef>
+          </p:style>
+          <p:txBody>
+            <a:bodyPr rtlCol="0" anchor="ctr"/>
+            <a:lstStyle/>
+            <a:p>
+              <a:pPr algn="ctr"/>
+              <a:r>
+                <a:rPr lang="en-US" sz="1600" dirty="0" smtClean="0">
+                  <a:latin typeface="Segoe UI" panose="020B0502040204020203" pitchFamily="34" charset="0"/>
+                  <a:cs typeface="Segoe UI" panose="020B0502040204020203" pitchFamily="34" charset="0"/>
+                </a:rPr>
+                <a:t>Item</a:t>
+              </a:r>
+              <a:endParaRPr lang="en-US" sz="1600" dirty="0">
+                <a:latin typeface="Segoe UI" panose="020B0502040204020203" pitchFamily="34" charset="0"/>
+                <a:cs typeface="Segoe UI" panose="020B0502040204020203" pitchFamily="34" charset="0"/>
+              </a:endParaRPr>
+            </a:p>
+          </p:txBody>
+        </p:sp>
+        <p:sp>
+          <p:nvSpPr>
+            <p:cNvPr id="41" name="Rectangle 40">
+              <a:extLst>
+                <a:ext uri="{FF2B5EF4-FFF2-40B4-BE49-F238E27FC236}">
+                  <a16:creationId xmlns:a16="http://schemas.microsoft.com/office/drawing/2014/main" id="{92F3C2D4-DE2E-4B48-93DA-8F055147368D}"/>
+                </a:ext>
+              </a:extLst>
+            </p:cNvPr>
+            <p:cNvSpPr/>
+            <p:nvPr/>
+          </p:nvSpPr>
+          <p:spPr>
+            <a:xfrm>
+              <a:off x="100537" y="1892773"/>
+              <a:ext cx="2286000" cy="1384995"/>
+            </a:xfrm>
+            <a:prstGeom prst="rect">
+              <a:avLst/>
+            </a:prstGeom>
+            <a:solidFill>
+              <a:schemeClr val="bg1">
+                <a:lumMod val="85000"/>
+              </a:schemeClr>
+            </a:solidFill>
+            <a:ln>
+              <a:noFill/>
+            </a:ln>
+          </p:spPr>
+          <p:style>
+            <a:lnRef idx="2">
+              <a:schemeClr val="accent1">
+                <a:shade val="50000"/>
+              </a:schemeClr>
+            </a:lnRef>
+            <a:fillRef idx="1">
+              <a:schemeClr val="accent1"/>
+            </a:fillRef>
+            <a:effectRef idx="0">
+              <a:schemeClr val="accent1"/>
+            </a:effectRef>
+            <a:fontRef idx="minor">
+              <a:schemeClr val="lt1"/>
+            </a:fontRef>
+          </p:style>
+          <p:txBody>
+            <a:bodyPr rtlCol="0" anchor="ctr" anchorCtr="0">
+              <a:spAutoFit/>
+            </a:bodyPr>
+            <a:lstStyle/>
+            <a:p>
+              <a:pPr algn="ctr"/>
+              <a:r>
+                <a:rPr lang="en-US" sz="1400" dirty="0" smtClean="0">
+                  <a:solidFill>
+                    <a:schemeClr val="tx1">
+                      <a:lumMod val="65000"/>
+                      <a:lumOff val="35000"/>
+                    </a:schemeClr>
+                  </a:solidFill>
+                  <a:latin typeface="Segoe UI" panose="020B0502040204020203" pitchFamily="34" charset="0"/>
+                  <a:cs typeface="Segoe UI" panose="020B0502040204020203" pitchFamily="34" charset="0"/>
+                </a:rPr>
+                <a:t>Category</a:t>
+              </a:r>
+            </a:p>
+            <a:p>
+              <a:pPr algn="ctr"/>
+              <a:r>
+                <a:rPr lang="en-US" sz="1400" dirty="0" smtClean="0">
+                  <a:solidFill>
+                    <a:schemeClr val="tx1">
+                      <a:lumMod val="65000"/>
+                      <a:lumOff val="35000"/>
+                    </a:schemeClr>
+                  </a:solidFill>
+                  <a:latin typeface="Segoe UI" panose="020B0502040204020203" pitchFamily="34" charset="0"/>
+                  <a:cs typeface="Segoe UI" panose="020B0502040204020203" pitchFamily="34" charset="0"/>
+                </a:rPr>
+                <a:t>Order – If Exists</a:t>
+              </a:r>
+            </a:p>
+            <a:p>
+              <a:pPr algn="ctr"/>
+              <a:r>
+                <a:rPr lang="en-US" sz="1400" dirty="0" smtClean="0">
+                  <a:solidFill>
+                    <a:schemeClr val="tx1">
+                      <a:lumMod val="65000"/>
+                      <a:lumOff val="35000"/>
+                    </a:schemeClr>
+                  </a:solidFill>
+                  <a:latin typeface="Segoe UI" panose="020B0502040204020203" pitchFamily="34" charset="0"/>
+                  <a:cs typeface="Segoe UI" panose="020B0502040204020203" pitchFamily="34" charset="0"/>
+                </a:rPr>
+                <a:t>Manufacturer</a:t>
+              </a:r>
+            </a:p>
+            <a:p>
+              <a:pPr algn="ctr"/>
+              <a:r>
+                <a:rPr lang="en-US" sz="1400" dirty="0" smtClean="0">
+                  <a:solidFill>
+                    <a:schemeClr val="tx1">
+                      <a:lumMod val="65000"/>
+                      <a:lumOff val="35000"/>
+                    </a:schemeClr>
+                  </a:solidFill>
+                  <a:latin typeface="Segoe UI" panose="020B0502040204020203" pitchFamily="34" charset="0"/>
+                  <a:cs typeface="Segoe UI" panose="020B0502040204020203" pitchFamily="34" charset="0"/>
+                </a:rPr>
+                <a:t>Model</a:t>
+              </a:r>
+            </a:p>
+            <a:p>
+              <a:pPr algn="ctr"/>
+              <a:r>
+                <a:rPr lang="en-US" sz="1400" dirty="0" smtClean="0">
+                  <a:solidFill>
+                    <a:schemeClr val="tx1">
+                      <a:lumMod val="65000"/>
+                      <a:lumOff val="35000"/>
+                    </a:schemeClr>
+                  </a:solidFill>
+                  <a:latin typeface="Segoe UI" panose="020B0502040204020203" pitchFamily="34" charset="0"/>
+                  <a:cs typeface="Segoe UI" panose="020B0502040204020203" pitchFamily="34" charset="0"/>
+                </a:rPr>
+                <a:t>Nsn</a:t>
+              </a:r>
+            </a:p>
+            <a:p>
+              <a:pPr algn="ctr"/>
+              <a:r>
+                <a:rPr lang="en-US" sz="1400" dirty="0" smtClean="0">
+                  <a:solidFill>
+                    <a:schemeClr val="tx1">
+                      <a:lumMod val="65000"/>
+                      <a:lumOff val="35000"/>
+                    </a:schemeClr>
+                  </a:solidFill>
+                  <a:latin typeface="Segoe UI" panose="020B0502040204020203" pitchFamily="34" charset="0"/>
+                  <a:cs typeface="Segoe UI" panose="020B0502040204020203" pitchFamily="34" charset="0"/>
+                </a:rPr>
+                <a:t>Item </a:t>
+              </a:r>
+              <a:r>
+                <a:rPr lang="en-US" sz="1400" dirty="0" smtClean="0">
+                  <a:solidFill>
+                    <a:schemeClr val="tx1">
+                      <a:lumMod val="65000"/>
+                      <a:lumOff val="35000"/>
+                    </a:schemeClr>
+                  </a:solidFill>
+                  <a:latin typeface="Segoe UI" panose="020B0502040204020203" pitchFamily="34" charset="0"/>
+                  <a:cs typeface="Segoe UI" panose="020B0502040204020203" pitchFamily="34" charset="0"/>
+                </a:rPr>
+                <a:t>Type</a:t>
+              </a:r>
+              <a:endParaRPr lang="en-US" sz="1400" dirty="0">
+                <a:solidFill>
+                  <a:schemeClr val="tx1">
+                    <a:lumMod val="65000"/>
+                    <a:lumOff val="35000"/>
+                  </a:schemeClr>
+                </a:solidFill>
+                <a:latin typeface="Segoe UI" panose="020B0502040204020203" pitchFamily="34" charset="0"/>
+                <a:cs typeface="Segoe UI" panose="020B0502040204020203" pitchFamily="34" charset="0"/>
+              </a:endParaRPr>
+            </a:p>
+          </p:txBody>
+        </p:sp>
+      </p:grpSp>
+      <p:grpSp>
+        <p:nvGrpSpPr>
+          <p:cNvPr id="2" name="Group 1"/>
+          <p:cNvGrpSpPr/>
+          <p:nvPr/>
+        </p:nvGrpSpPr>
+        <p:grpSpPr>
+          <a:xfrm>
+            <a:off x="2471677" y="3300535"/>
+            <a:ext cx="3116799" cy="1017040"/>
+            <a:chOff x="252984" y="1006158"/>
+            <a:chExt cx="7859261" cy="1017040"/>
+          </a:xfrm>
+        </p:grpSpPr>
+        <p:sp>
+          <p:nvSpPr>
+            <p:cNvPr id="24" name="Rectangle 23">
+              <a:extLst>
+                <a:ext uri="{FF2B5EF4-FFF2-40B4-BE49-F238E27FC236}">
+                  <a16:creationId xmlns:a16="http://schemas.microsoft.com/office/drawing/2014/main" id="{4808B174-B9CF-4CAD-8A19-1BC9D885D3B3}"/>
+                </a:ext>
+              </a:extLst>
+            </p:cNvPr>
+            <p:cNvSpPr/>
+            <p:nvPr/>
+          </p:nvSpPr>
+          <p:spPr>
+            <a:xfrm>
+              <a:off x="252984" y="1006158"/>
+              <a:ext cx="7859261" cy="274320"/>
+            </a:xfrm>
+            <a:prstGeom prst="rect">
+              <a:avLst/>
+            </a:prstGeom>
+            <a:solidFill>
+              <a:schemeClr val="tx1">
+                <a:lumMod val="75000"/>
+                <a:lumOff val="25000"/>
+              </a:schemeClr>
+            </a:solidFill>
+            <a:ln>
+              <a:noFill/>
+            </a:ln>
+          </p:spPr>
+          <p:style>
+            <a:lnRef idx="2">
+              <a:schemeClr val="accent1">
+                <a:shade val="50000"/>
+              </a:schemeClr>
+            </a:lnRef>
+            <a:fillRef idx="1">
+              <a:schemeClr val="accent1"/>
+            </a:fillRef>
+            <a:effectRef idx="0">
+              <a:schemeClr val="accent1"/>
+            </a:effectRef>
+            <a:fontRef idx="minor">
+              <a:schemeClr val="lt1"/>
+            </a:fontRef>
+          </p:style>
+          <p:txBody>
+            <a:bodyPr rtlCol="0" anchor="ctr"/>
+            <a:lstStyle/>
+            <a:p>
+              <a:pPr algn="ctr"/>
+              <a:r>
+                <a:rPr lang="en-US" sz="1600" dirty="0" smtClean="0">
+                  <a:latin typeface="Segoe UI" panose="020B0502040204020203" pitchFamily="34" charset="0"/>
+                  <a:cs typeface="Segoe UI" panose="020B0502040204020203" pitchFamily="34" charset="0"/>
+                </a:rPr>
+                <a:t>Item Decommission</a:t>
+              </a:r>
+              <a:endParaRPr lang="en-US" sz="1600" dirty="0">
+                <a:latin typeface="Segoe UI" panose="020B0502040204020203" pitchFamily="34" charset="0"/>
+                <a:cs typeface="Segoe UI" panose="020B0502040204020203" pitchFamily="34" charset="0"/>
+              </a:endParaRPr>
+            </a:p>
+          </p:txBody>
+        </p:sp>
+        <p:sp>
+          <p:nvSpPr>
+            <p:cNvPr id="25" name="Rectangle 24">
+              <a:extLst>
+                <a:ext uri="{FF2B5EF4-FFF2-40B4-BE49-F238E27FC236}">
+                  <a16:creationId xmlns:a16="http://schemas.microsoft.com/office/drawing/2014/main" id="{34EF0660-717C-40BE-8EF0-14F53806A4C8}"/>
+                </a:ext>
+              </a:extLst>
+            </p:cNvPr>
+            <p:cNvSpPr/>
+            <p:nvPr/>
+          </p:nvSpPr>
+          <p:spPr>
+            <a:xfrm>
+              <a:off x="252986" y="1284534"/>
+              <a:ext cx="7859256" cy="738664"/>
+            </a:xfrm>
+            <a:prstGeom prst="rect">
+              <a:avLst/>
+            </a:prstGeom>
+            <a:solidFill>
+              <a:schemeClr val="bg1">
+                <a:lumMod val="85000"/>
+              </a:schemeClr>
+            </a:solidFill>
+            <a:ln>
+              <a:noFill/>
+            </a:ln>
+          </p:spPr>
+          <p:style>
+            <a:lnRef idx="2">
+              <a:schemeClr val="accent1">
+                <a:shade val="50000"/>
+              </a:schemeClr>
+            </a:lnRef>
+            <a:fillRef idx="1">
+              <a:schemeClr val="accent1"/>
+            </a:fillRef>
+            <a:effectRef idx="0">
+              <a:schemeClr val="accent1"/>
+            </a:effectRef>
+            <a:fontRef idx="minor">
+              <a:schemeClr val="lt1"/>
+            </a:fontRef>
+          </p:style>
+          <p:txBody>
+            <a:bodyPr wrap="square" rtlCol="0" anchor="ctr" anchorCtr="0">
+              <a:spAutoFit/>
+            </a:bodyPr>
+            <a:lstStyle/>
+            <a:p>
+              <a:pPr algn="ctr"/>
+              <a:r>
+                <a:rPr lang="en-US" sz="1400" dirty="0" smtClean="0">
+                  <a:solidFill>
+                    <a:schemeClr val="tx1">
+                      <a:lumMod val="65000"/>
+                      <a:lumOff val="35000"/>
+                    </a:schemeClr>
+                  </a:solidFill>
+                  <a:latin typeface="Segoe UI" panose="020B0502040204020203" pitchFamily="34" charset="0"/>
+                  <a:cs typeface="Segoe UI" panose="020B0502040204020203" pitchFamily="34" charset="0"/>
+                </a:rPr>
+                <a:t>User</a:t>
+              </a:r>
+            </a:p>
+            <a:p>
+              <a:pPr algn="ctr"/>
+              <a:r>
+                <a:rPr lang="en-US" sz="1400" dirty="0" smtClean="0">
+                  <a:solidFill>
+                    <a:schemeClr val="tx1">
+                      <a:lumMod val="65000"/>
+                      <a:lumOff val="35000"/>
+                    </a:schemeClr>
+                  </a:solidFill>
+                  <a:latin typeface="Segoe UI" panose="020B0502040204020203" pitchFamily="34" charset="0"/>
+                  <a:cs typeface="Segoe UI" panose="020B0502040204020203" pitchFamily="34" charset="0"/>
+                </a:rPr>
+                <a:t>Remarks</a:t>
+              </a:r>
+            </a:p>
+            <a:p>
+              <a:pPr algn="ctr"/>
+              <a:r>
+                <a:rPr lang="en-US" sz="1400" dirty="0" smtClean="0">
+                  <a:solidFill>
+                    <a:schemeClr val="tx1">
+                      <a:lumMod val="65000"/>
+                      <a:lumOff val="35000"/>
+                    </a:schemeClr>
+                  </a:solidFill>
+                  <a:latin typeface="Segoe UI" panose="020B0502040204020203" pitchFamily="34" charset="0"/>
+                  <a:cs typeface="Segoe UI" panose="020B0502040204020203" pitchFamily="34" charset="0"/>
+                </a:rPr>
+                <a:t>Decommission </a:t>
+              </a:r>
+              <a:r>
+                <a:rPr lang="en-US" sz="1400" dirty="0" smtClean="0">
+                  <a:solidFill>
+                    <a:schemeClr val="tx1">
+                      <a:lumMod val="65000"/>
+                      <a:lumOff val="35000"/>
+                    </a:schemeClr>
+                  </a:solidFill>
+                  <a:latin typeface="Segoe UI" panose="020B0502040204020203" pitchFamily="34" charset="0"/>
+                  <a:cs typeface="Segoe UI" panose="020B0502040204020203" pitchFamily="34" charset="0"/>
+                </a:rPr>
+                <a:t>Date</a:t>
+              </a:r>
+              <a:endParaRPr lang="en-US" sz="1400" dirty="0">
+                <a:solidFill>
+                  <a:schemeClr val="tx1">
+                    <a:lumMod val="65000"/>
+                    <a:lumOff val="35000"/>
+                  </a:schemeClr>
+                </a:solidFill>
+                <a:latin typeface="Segoe UI" panose="020B0502040204020203" pitchFamily="34" charset="0"/>
+                <a:cs typeface="Segoe UI" panose="020B0502040204020203" pitchFamily="34" charset="0"/>
+              </a:endParaRPr>
+            </a:p>
+          </p:txBody>
+        </p:sp>
+      </p:grpSp>
+      <p:cxnSp>
+        <p:nvCxnSpPr>
+          <p:cNvPr id="8" name="Straight Arrow Connector 7"/>
+          <p:cNvCxnSpPr>
+            <a:stCxn id="41" idx="2"/>
+            <a:endCxn id="24" idx="0"/>
+          </p:cNvCxnSpPr>
+          <p:nvPr/>
+        </p:nvCxnSpPr>
+        <p:spPr>
+          <a:xfrm flipH="1">
+            <a:off x="4030077" y="2347374"/>
+            <a:ext cx="1" cy="953161"/>
+          </a:xfrm>
+          <a:prstGeom prst="straightConnector1">
+            <a:avLst/>
+          </a:prstGeom>
+          <a:ln w="12700">
+            <a:tailEnd type="triangle"/>
+          </a:ln>
+        </p:spPr>
+        <p:style>
+          <a:lnRef idx="1">
+            <a:schemeClr val="accent6"/>
+          </a:lnRef>
+          <a:fillRef idx="0">
+            <a:schemeClr val="accent6"/>
+          </a:fillRef>
+          <a:effectRef idx="0">
+            <a:schemeClr val="accent6"/>
+          </a:effectRef>
+          <a:fontRef idx="minor">
+            <a:schemeClr val="tx1"/>
+          </a:fontRef>
+        </p:style>
+      </p:cxnSp>
+      <p:grpSp>
+        <p:nvGrpSpPr>
+          <p:cNvPr id="26" name="Group 25"/>
+          <p:cNvGrpSpPr/>
+          <p:nvPr/>
+        </p:nvGrpSpPr>
+        <p:grpSpPr>
+          <a:xfrm>
+            <a:off x="2471677" y="4985401"/>
+            <a:ext cx="3116799" cy="1017040"/>
+            <a:chOff x="252984" y="1006158"/>
+            <a:chExt cx="7859261" cy="1017040"/>
+          </a:xfrm>
+        </p:grpSpPr>
+        <p:sp>
+          <p:nvSpPr>
+            <p:cNvPr id="27" name="Rectangle 26">
+              <a:extLst>
+                <a:ext uri="{FF2B5EF4-FFF2-40B4-BE49-F238E27FC236}">
+                  <a16:creationId xmlns:a16="http://schemas.microsoft.com/office/drawing/2014/main" id="{4808B174-B9CF-4CAD-8A19-1BC9D885D3B3}"/>
+                </a:ext>
+              </a:extLst>
+            </p:cNvPr>
+            <p:cNvSpPr/>
+            <p:nvPr/>
+          </p:nvSpPr>
+          <p:spPr>
+            <a:xfrm>
+              <a:off x="252984" y="1006158"/>
+              <a:ext cx="7859261" cy="274320"/>
+            </a:xfrm>
+            <a:prstGeom prst="rect">
+              <a:avLst/>
+            </a:prstGeom>
+            <a:solidFill>
+              <a:schemeClr val="tx1">
+                <a:lumMod val="75000"/>
+                <a:lumOff val="25000"/>
+              </a:schemeClr>
+            </a:solidFill>
+            <a:ln>
+              <a:noFill/>
+            </a:ln>
+          </p:spPr>
+          <p:style>
+            <a:lnRef idx="2">
+              <a:schemeClr val="accent1">
+                <a:shade val="50000"/>
+              </a:schemeClr>
+            </a:lnRef>
+            <a:fillRef idx="1">
+              <a:schemeClr val="accent1"/>
+            </a:fillRef>
+            <a:effectRef idx="0">
+              <a:schemeClr val="accent1"/>
+            </a:effectRef>
+            <a:fontRef idx="minor">
+              <a:schemeClr val="lt1"/>
+            </a:fontRef>
+          </p:style>
+          <p:txBody>
+            <a:bodyPr rtlCol="0" anchor="ctr"/>
+            <a:lstStyle/>
+            <a:p>
+              <a:pPr algn="ctr"/>
+              <a:r>
+                <a:rPr lang="en-US" sz="1600" dirty="0" smtClean="0">
+                  <a:latin typeface="Segoe UI" panose="020B0502040204020203" pitchFamily="34" charset="0"/>
+                  <a:cs typeface="Segoe UI" panose="020B0502040204020203" pitchFamily="34" charset="0"/>
+                </a:rPr>
+                <a:t>Item Decommission Verification</a:t>
+              </a:r>
+              <a:endParaRPr lang="en-US" sz="1600" dirty="0">
+                <a:latin typeface="Segoe UI" panose="020B0502040204020203" pitchFamily="34" charset="0"/>
+                <a:cs typeface="Segoe UI" panose="020B0502040204020203" pitchFamily="34" charset="0"/>
+              </a:endParaRPr>
+            </a:p>
+          </p:txBody>
+        </p:sp>
+        <p:sp>
+          <p:nvSpPr>
+            <p:cNvPr id="28" name="Rectangle 27">
+              <a:extLst>
+                <a:ext uri="{FF2B5EF4-FFF2-40B4-BE49-F238E27FC236}">
+                  <a16:creationId xmlns:a16="http://schemas.microsoft.com/office/drawing/2014/main" id="{34EF0660-717C-40BE-8EF0-14F53806A4C8}"/>
+                </a:ext>
+              </a:extLst>
+            </p:cNvPr>
+            <p:cNvSpPr/>
+            <p:nvPr/>
+          </p:nvSpPr>
+          <p:spPr>
+            <a:xfrm>
+              <a:off x="252986" y="1284534"/>
+              <a:ext cx="7859256" cy="738664"/>
+            </a:xfrm>
+            <a:prstGeom prst="rect">
+              <a:avLst/>
+            </a:prstGeom>
+            <a:solidFill>
+              <a:schemeClr val="bg1">
+                <a:lumMod val="85000"/>
+              </a:schemeClr>
+            </a:solidFill>
+            <a:ln>
+              <a:noFill/>
+            </a:ln>
+          </p:spPr>
+          <p:style>
+            <a:lnRef idx="2">
+              <a:schemeClr val="accent1">
+                <a:shade val="50000"/>
+              </a:schemeClr>
+            </a:lnRef>
+            <a:fillRef idx="1">
+              <a:schemeClr val="accent1"/>
+            </a:fillRef>
+            <a:effectRef idx="0">
+              <a:schemeClr val="accent1"/>
+            </a:effectRef>
+            <a:fontRef idx="minor">
+              <a:schemeClr val="lt1"/>
+            </a:fontRef>
+          </p:style>
+          <p:txBody>
+            <a:bodyPr wrap="square" rtlCol="0" anchor="ctr" anchorCtr="0">
+              <a:spAutoFit/>
+            </a:bodyPr>
+            <a:lstStyle/>
+            <a:p>
+              <a:pPr algn="ctr"/>
+              <a:r>
+                <a:rPr lang="en-US" sz="1400" dirty="0" smtClean="0">
+                  <a:solidFill>
+                    <a:schemeClr val="tx1">
+                      <a:lumMod val="65000"/>
+                      <a:lumOff val="35000"/>
+                    </a:schemeClr>
+                  </a:solidFill>
+                  <a:latin typeface="Segoe UI" panose="020B0502040204020203" pitchFamily="34" charset="0"/>
+                  <a:cs typeface="Segoe UI" panose="020B0502040204020203" pitchFamily="34" charset="0"/>
+                </a:rPr>
+                <a:t>User</a:t>
+              </a:r>
+            </a:p>
+            <a:p>
+              <a:pPr algn="ctr"/>
+              <a:r>
+                <a:rPr lang="en-US" sz="1400" dirty="0" smtClean="0">
+                  <a:solidFill>
+                    <a:schemeClr val="tx1">
+                      <a:lumMod val="65000"/>
+                      <a:lumOff val="35000"/>
+                    </a:schemeClr>
+                  </a:solidFill>
+                  <a:latin typeface="Segoe UI" panose="020B0502040204020203" pitchFamily="34" charset="0"/>
+                  <a:cs typeface="Segoe UI" panose="020B0502040204020203" pitchFamily="34" charset="0"/>
+                </a:rPr>
+                <a:t>Remarks</a:t>
+              </a:r>
+            </a:p>
+            <a:p>
+              <a:pPr algn="ctr"/>
+              <a:r>
+                <a:rPr lang="en-US" sz="1400" dirty="0" smtClean="0">
+                  <a:solidFill>
+                    <a:schemeClr val="tx1">
+                      <a:lumMod val="65000"/>
+                      <a:lumOff val="35000"/>
+                    </a:schemeClr>
+                  </a:solidFill>
+                  <a:latin typeface="Segoe UI" panose="020B0502040204020203" pitchFamily="34" charset="0"/>
+                  <a:cs typeface="Segoe UI" panose="020B0502040204020203" pitchFamily="34" charset="0"/>
+                </a:rPr>
+                <a:t>Verification </a:t>
+              </a:r>
+              <a:r>
+                <a:rPr lang="en-US" sz="1400" dirty="0" smtClean="0">
+                  <a:solidFill>
+                    <a:schemeClr val="tx1">
+                      <a:lumMod val="65000"/>
+                      <a:lumOff val="35000"/>
+                    </a:schemeClr>
+                  </a:solidFill>
+                  <a:latin typeface="Segoe UI" panose="020B0502040204020203" pitchFamily="34" charset="0"/>
+                  <a:cs typeface="Segoe UI" panose="020B0502040204020203" pitchFamily="34" charset="0"/>
+                </a:rPr>
+                <a:t>Date</a:t>
+              </a:r>
+              <a:endParaRPr lang="en-US" sz="1400" dirty="0">
+                <a:solidFill>
+                  <a:schemeClr val="tx1">
+                    <a:lumMod val="65000"/>
+                    <a:lumOff val="35000"/>
+                  </a:schemeClr>
+                </a:solidFill>
+                <a:latin typeface="Segoe UI" panose="020B0502040204020203" pitchFamily="34" charset="0"/>
+                <a:cs typeface="Segoe UI" panose="020B0502040204020203" pitchFamily="34" charset="0"/>
+              </a:endParaRPr>
+            </a:p>
+          </p:txBody>
+        </p:sp>
+      </p:grpSp>
+      <p:cxnSp>
+        <p:nvCxnSpPr>
+          <p:cNvPr id="11" name="Straight Arrow Connector 10"/>
+          <p:cNvCxnSpPr>
+            <a:stCxn id="25" idx="2"/>
+            <a:endCxn id="27" idx="0"/>
+          </p:cNvCxnSpPr>
+          <p:nvPr/>
+        </p:nvCxnSpPr>
+        <p:spPr>
+          <a:xfrm>
+            <a:off x="4030077" y="4317575"/>
+            <a:ext cx="0" cy="667826"/>
+          </a:xfrm>
+          <a:prstGeom prst="straightConnector1">
+            <a:avLst/>
+          </a:prstGeom>
+          <a:ln w="12700">
+            <a:tailEnd type="triangle"/>
+          </a:ln>
+        </p:spPr>
+        <p:style>
+          <a:lnRef idx="1">
+            <a:schemeClr val="accent6"/>
+          </a:lnRef>
+          <a:fillRef idx="0">
+            <a:schemeClr val="accent6"/>
+          </a:fillRef>
+          <a:effectRef idx="0">
+            <a:schemeClr val="accent6"/>
+          </a:effectRef>
+          <a:fontRef idx="minor">
+            <a:schemeClr val="tx1"/>
+          </a:fontRef>
+        </p:style>
+      </p:cxnSp>
+    </p:spTree>
+    <p:extLst>
+      <p:ext uri="{BB962C8B-B14F-4D97-AF65-F5344CB8AC3E}">
+        <p14:creationId xmlns:p14="http://schemas.microsoft.com/office/powerpoint/2010/main" val="2144913794"/>
       </p:ext>
     </p:extLst>
   </p:cSld>
